--- a/Task3/Task3_ppt.pptx
+++ b/Task3/Task3_ppt.pptx
@@ -20,7 +20,8 @@
     <p:sldId id="300" r:id="rId14"/>
     <p:sldId id="301" r:id="rId15"/>
     <p:sldId id="302" r:id="rId16"/>
-    <p:sldId id="293" r:id="rId17"/>
+    <p:sldId id="303" r:id="rId17"/>
+    <p:sldId id="293" r:id="rId18"/>
   </p:sldIdLst>
   <p:sldSz cx="12192000" cy="6858000"/>
   <p:notesSz cx="6858000" cy="9144000"/>
@@ -149,7 +150,7 @@
           <p:cNvPr id="8" name="Picture Placeholder 7">
             <a:extLst>
               <a:ext uri="{FF2B5EF4-FFF2-40B4-BE49-F238E27FC236}">
-                <a16:creationId xmlns="" xmlns:a16="http://schemas.microsoft.com/office/drawing/2014/main" id="{DF9C7667-EADA-40AC-B931-4642E0A9A4DE}"/>
+                <a16:creationId xmlns:a16="http://schemas.microsoft.com/office/drawing/2014/main" xmlns="" id="{DF9C7667-EADA-40AC-B931-4642E0A9A4DE}"/>
               </a:ext>
             </a:extLst>
           </p:cNvPr>
@@ -201,7 +202,7 @@
           <p:cNvPr id="2" name="Title 1">
             <a:extLst>
               <a:ext uri="{FF2B5EF4-FFF2-40B4-BE49-F238E27FC236}">
-                <a16:creationId xmlns="" xmlns:a16="http://schemas.microsoft.com/office/drawing/2014/main" id="{43379CA9-81D6-424A-8046-4B56E1D25059}"/>
+                <a16:creationId xmlns:a16="http://schemas.microsoft.com/office/drawing/2014/main" xmlns="" id="{43379CA9-81D6-424A-8046-4B56E1D25059}"/>
               </a:ext>
             </a:extLst>
           </p:cNvPr>
@@ -278,7 +279,7 @@
           <p:cNvPr id="2" name="Title 1">
             <a:extLst>
               <a:ext uri="{FF2B5EF4-FFF2-40B4-BE49-F238E27FC236}">
-                <a16:creationId xmlns="" xmlns:a16="http://schemas.microsoft.com/office/drawing/2014/main" id="{43379CA9-81D6-424A-8046-4B56E1D25059}"/>
+                <a16:creationId xmlns:a16="http://schemas.microsoft.com/office/drawing/2014/main" xmlns="" id="{43379CA9-81D6-424A-8046-4B56E1D25059}"/>
               </a:ext>
             </a:extLst>
           </p:cNvPr>
@@ -320,7 +321,7 @@
           <p:cNvPr id="9" name="Picture Placeholder 8">
             <a:extLst>
               <a:ext uri="{FF2B5EF4-FFF2-40B4-BE49-F238E27FC236}">
-                <a16:creationId xmlns="" xmlns:a16="http://schemas.microsoft.com/office/drawing/2014/main" id="{B2F51F73-5064-47F8-83FD-440E0ED1950B}"/>
+                <a16:creationId xmlns:a16="http://schemas.microsoft.com/office/drawing/2014/main" xmlns="" id="{B2F51F73-5064-47F8-83FD-440E0ED1950B}"/>
               </a:ext>
             </a:extLst>
           </p:cNvPr>
@@ -361,7 +362,7 @@
           <p:cNvPr id="18" name="Picture Placeholder 8">
             <a:extLst>
               <a:ext uri="{FF2B5EF4-FFF2-40B4-BE49-F238E27FC236}">
-                <a16:creationId xmlns="" xmlns:a16="http://schemas.microsoft.com/office/drawing/2014/main" id="{06FF689A-8221-42E8-96D4-ED4D3AD501F8}"/>
+                <a16:creationId xmlns:a16="http://schemas.microsoft.com/office/drawing/2014/main" xmlns="" id="{06FF689A-8221-42E8-96D4-ED4D3AD501F8}"/>
               </a:ext>
             </a:extLst>
           </p:cNvPr>
@@ -402,7 +403,7 @@
           <p:cNvPr id="19" name="Picture Placeholder 8">
             <a:extLst>
               <a:ext uri="{FF2B5EF4-FFF2-40B4-BE49-F238E27FC236}">
-                <a16:creationId xmlns="" xmlns:a16="http://schemas.microsoft.com/office/drawing/2014/main" id="{96424DB2-4D46-493F-A5B8-8901EDA394F2}"/>
+                <a16:creationId xmlns:a16="http://schemas.microsoft.com/office/drawing/2014/main" xmlns="" id="{96424DB2-4D46-493F-A5B8-8901EDA394F2}"/>
               </a:ext>
             </a:extLst>
           </p:cNvPr>
@@ -443,7 +444,7 @@
           <p:cNvPr id="20" name="Picture Placeholder 8">
             <a:extLst>
               <a:ext uri="{FF2B5EF4-FFF2-40B4-BE49-F238E27FC236}">
-                <a16:creationId xmlns="" xmlns:a16="http://schemas.microsoft.com/office/drawing/2014/main" id="{0AF2B6E1-5738-41B1-8C15-EA6715490140}"/>
+                <a16:creationId xmlns:a16="http://schemas.microsoft.com/office/drawing/2014/main" xmlns="" id="{0AF2B6E1-5738-41B1-8C15-EA6715490140}"/>
               </a:ext>
             </a:extLst>
           </p:cNvPr>
@@ -484,7 +485,7 @@
           <p:cNvPr id="21" name="Picture Placeholder 8">
             <a:extLst>
               <a:ext uri="{FF2B5EF4-FFF2-40B4-BE49-F238E27FC236}">
-                <a16:creationId xmlns="" xmlns:a16="http://schemas.microsoft.com/office/drawing/2014/main" id="{6C8D73EB-347C-4E13-94C8-FA8FADE46559}"/>
+                <a16:creationId xmlns:a16="http://schemas.microsoft.com/office/drawing/2014/main" xmlns="" id="{6C8D73EB-347C-4E13-94C8-FA8FADE46559}"/>
               </a:ext>
             </a:extLst>
           </p:cNvPr>
@@ -525,7 +526,7 @@
           <p:cNvPr id="22" name="Picture Placeholder 8">
             <a:extLst>
               <a:ext uri="{FF2B5EF4-FFF2-40B4-BE49-F238E27FC236}">
-                <a16:creationId xmlns="" xmlns:a16="http://schemas.microsoft.com/office/drawing/2014/main" id="{9DFA5C56-9B47-4F87-8E12-30A936274F1B}"/>
+                <a16:creationId xmlns:a16="http://schemas.microsoft.com/office/drawing/2014/main" xmlns="" id="{9DFA5C56-9B47-4F87-8E12-30A936274F1B}"/>
               </a:ext>
             </a:extLst>
           </p:cNvPr>
@@ -566,7 +567,7 @@
           <p:cNvPr id="23" name="Picture Placeholder 8">
             <a:extLst>
               <a:ext uri="{FF2B5EF4-FFF2-40B4-BE49-F238E27FC236}">
-                <a16:creationId xmlns="" xmlns:a16="http://schemas.microsoft.com/office/drawing/2014/main" id="{1E3B5888-98ED-48E4-8AA8-5BAB43F8516C}"/>
+                <a16:creationId xmlns:a16="http://schemas.microsoft.com/office/drawing/2014/main" xmlns="" id="{1E3B5888-98ED-48E4-8AA8-5BAB43F8516C}"/>
               </a:ext>
             </a:extLst>
           </p:cNvPr>
@@ -607,7 +608,7 @@
           <p:cNvPr id="24" name="Picture Placeholder 8">
             <a:extLst>
               <a:ext uri="{FF2B5EF4-FFF2-40B4-BE49-F238E27FC236}">
-                <a16:creationId xmlns="" xmlns:a16="http://schemas.microsoft.com/office/drawing/2014/main" id="{569C9EE3-34D1-4DE0-B06C-2F6212F7C329}"/>
+                <a16:creationId xmlns:a16="http://schemas.microsoft.com/office/drawing/2014/main" xmlns="" id="{569C9EE3-34D1-4DE0-B06C-2F6212F7C329}"/>
               </a:ext>
             </a:extLst>
           </p:cNvPr>
@@ -678,7 +679,7 @@
           <p:cNvPr id="8" name="Rectangle 7">
             <a:extLst>
               <a:ext uri="{FF2B5EF4-FFF2-40B4-BE49-F238E27FC236}">
-                <a16:creationId xmlns="" xmlns:a16="http://schemas.microsoft.com/office/drawing/2014/main" id="{5462B86F-90E5-425E-9F83-8477D8111E1D}"/>
+                <a16:creationId xmlns:a16="http://schemas.microsoft.com/office/drawing/2014/main" xmlns="" id="{5462B86F-90E5-425E-9F83-8477D8111E1D}"/>
               </a:ext>
             </a:extLst>
           </p:cNvPr>
@@ -730,7 +731,7 @@
           <p:cNvPr id="9" name="Rectangle 8">
             <a:extLst>
               <a:ext uri="{FF2B5EF4-FFF2-40B4-BE49-F238E27FC236}">
-                <a16:creationId xmlns="" xmlns:a16="http://schemas.microsoft.com/office/drawing/2014/main" id="{F5269853-3C2C-4F9C-B1BB-E00F7A1DB9E1}"/>
+                <a16:creationId xmlns:a16="http://schemas.microsoft.com/office/drawing/2014/main" xmlns="" id="{F5269853-3C2C-4F9C-B1BB-E00F7A1DB9E1}"/>
               </a:ext>
             </a:extLst>
           </p:cNvPr>
@@ -782,7 +783,7 @@
           <p:cNvPr id="11" name="Rectangle 10">
             <a:extLst>
               <a:ext uri="{FF2B5EF4-FFF2-40B4-BE49-F238E27FC236}">
-                <a16:creationId xmlns="" xmlns:a16="http://schemas.microsoft.com/office/drawing/2014/main" id="{93759D58-52AF-4785-8A33-F528F46D88A3}"/>
+                <a16:creationId xmlns:a16="http://schemas.microsoft.com/office/drawing/2014/main" xmlns="" id="{93759D58-52AF-4785-8A33-F528F46D88A3}"/>
               </a:ext>
             </a:extLst>
           </p:cNvPr>
@@ -834,7 +835,7 @@
           <p:cNvPr id="12" name="Rectangle 11">
             <a:extLst>
               <a:ext uri="{FF2B5EF4-FFF2-40B4-BE49-F238E27FC236}">
-                <a16:creationId xmlns="" xmlns:a16="http://schemas.microsoft.com/office/drawing/2014/main" id="{6AD3E0F4-EC0D-43C2-AC84-A53134C8566E}"/>
+                <a16:creationId xmlns:a16="http://schemas.microsoft.com/office/drawing/2014/main" xmlns="" id="{6AD3E0F4-EC0D-43C2-AC84-A53134C8566E}"/>
               </a:ext>
             </a:extLst>
           </p:cNvPr>
@@ -886,7 +887,7 @@
           <p:cNvPr id="2" name="Title 1">
             <a:extLst>
               <a:ext uri="{FF2B5EF4-FFF2-40B4-BE49-F238E27FC236}">
-                <a16:creationId xmlns="" xmlns:a16="http://schemas.microsoft.com/office/drawing/2014/main" id="{43379CA9-81D6-424A-8046-4B56E1D25059}"/>
+                <a16:creationId xmlns:a16="http://schemas.microsoft.com/office/drawing/2014/main" xmlns="" id="{43379CA9-81D6-424A-8046-4B56E1D25059}"/>
               </a:ext>
             </a:extLst>
           </p:cNvPr>
@@ -930,7 +931,7 @@
           <p:cNvPr id="10" name="Text Placeholder 9">
             <a:extLst>
               <a:ext uri="{FF2B5EF4-FFF2-40B4-BE49-F238E27FC236}">
-                <a16:creationId xmlns="" xmlns:a16="http://schemas.microsoft.com/office/drawing/2014/main" id="{2A60302F-65DB-4E93-B6C3-49E64C44FB53}"/>
+                <a16:creationId xmlns:a16="http://schemas.microsoft.com/office/drawing/2014/main" xmlns="" id="{2A60302F-65DB-4E93-B6C3-49E64C44FB53}"/>
               </a:ext>
             </a:extLst>
           </p:cNvPr>
@@ -998,7 +999,7 @@
           <p:cNvPr id="7" name="Picture Placeholder 6">
             <a:extLst>
               <a:ext uri="{FF2B5EF4-FFF2-40B4-BE49-F238E27FC236}">
-                <a16:creationId xmlns="" xmlns:a16="http://schemas.microsoft.com/office/drawing/2014/main" id="{9A66F217-0E52-4AD8-82BA-AB332C59638C}"/>
+                <a16:creationId xmlns:a16="http://schemas.microsoft.com/office/drawing/2014/main" xmlns="" id="{9A66F217-0E52-4AD8-82BA-AB332C59638C}"/>
               </a:ext>
             </a:extLst>
           </p:cNvPr>
@@ -1084,7 +1085,7 @@
           <p:cNvPr id="2" name="Title 1">
             <a:extLst>
               <a:ext uri="{FF2B5EF4-FFF2-40B4-BE49-F238E27FC236}">
-                <a16:creationId xmlns="" xmlns:a16="http://schemas.microsoft.com/office/drawing/2014/main" id="{43379CA9-81D6-424A-8046-4B56E1D25059}"/>
+                <a16:creationId xmlns:a16="http://schemas.microsoft.com/office/drawing/2014/main" xmlns="" id="{43379CA9-81D6-424A-8046-4B56E1D25059}"/>
               </a:ext>
             </a:extLst>
           </p:cNvPr>
@@ -1126,7 +1127,7 @@
           <p:cNvPr id="9" name="Picture Placeholder 8">
             <a:extLst>
               <a:ext uri="{FF2B5EF4-FFF2-40B4-BE49-F238E27FC236}">
-                <a16:creationId xmlns="" xmlns:a16="http://schemas.microsoft.com/office/drawing/2014/main" id="{B2F51F73-5064-47F8-83FD-440E0ED1950B}"/>
+                <a16:creationId xmlns:a16="http://schemas.microsoft.com/office/drawing/2014/main" xmlns="" id="{B2F51F73-5064-47F8-83FD-440E0ED1950B}"/>
               </a:ext>
             </a:extLst>
           </p:cNvPr>
@@ -1167,7 +1168,7 @@
           <p:cNvPr id="18" name="Picture Placeholder 8">
             <a:extLst>
               <a:ext uri="{FF2B5EF4-FFF2-40B4-BE49-F238E27FC236}">
-                <a16:creationId xmlns="" xmlns:a16="http://schemas.microsoft.com/office/drawing/2014/main" id="{06FF689A-8221-42E8-96D4-ED4D3AD501F8}"/>
+                <a16:creationId xmlns:a16="http://schemas.microsoft.com/office/drawing/2014/main" xmlns="" id="{06FF689A-8221-42E8-96D4-ED4D3AD501F8}"/>
               </a:ext>
             </a:extLst>
           </p:cNvPr>
@@ -1208,7 +1209,7 @@
           <p:cNvPr id="19" name="Picture Placeholder 8">
             <a:extLst>
               <a:ext uri="{FF2B5EF4-FFF2-40B4-BE49-F238E27FC236}">
-                <a16:creationId xmlns="" xmlns:a16="http://schemas.microsoft.com/office/drawing/2014/main" id="{96424DB2-4D46-493F-A5B8-8901EDA394F2}"/>
+                <a16:creationId xmlns:a16="http://schemas.microsoft.com/office/drawing/2014/main" xmlns="" id="{96424DB2-4D46-493F-A5B8-8901EDA394F2}"/>
               </a:ext>
             </a:extLst>
           </p:cNvPr>
@@ -1249,7 +1250,7 @@
           <p:cNvPr id="20" name="Picture Placeholder 8">
             <a:extLst>
               <a:ext uri="{FF2B5EF4-FFF2-40B4-BE49-F238E27FC236}">
-                <a16:creationId xmlns="" xmlns:a16="http://schemas.microsoft.com/office/drawing/2014/main" id="{0AF2B6E1-5738-41B1-8C15-EA6715490140}"/>
+                <a16:creationId xmlns:a16="http://schemas.microsoft.com/office/drawing/2014/main" xmlns="" id="{0AF2B6E1-5738-41B1-8C15-EA6715490140}"/>
               </a:ext>
             </a:extLst>
           </p:cNvPr>
@@ -1290,7 +1291,7 @@
           <p:cNvPr id="21" name="Picture Placeholder 8">
             <a:extLst>
               <a:ext uri="{FF2B5EF4-FFF2-40B4-BE49-F238E27FC236}">
-                <a16:creationId xmlns="" xmlns:a16="http://schemas.microsoft.com/office/drawing/2014/main" id="{6C8D73EB-347C-4E13-94C8-FA8FADE46559}"/>
+                <a16:creationId xmlns:a16="http://schemas.microsoft.com/office/drawing/2014/main" xmlns="" id="{6C8D73EB-347C-4E13-94C8-FA8FADE46559}"/>
               </a:ext>
             </a:extLst>
           </p:cNvPr>
@@ -1331,7 +1332,7 @@
           <p:cNvPr id="22" name="Picture Placeholder 8">
             <a:extLst>
               <a:ext uri="{FF2B5EF4-FFF2-40B4-BE49-F238E27FC236}">
-                <a16:creationId xmlns="" xmlns:a16="http://schemas.microsoft.com/office/drawing/2014/main" id="{9DFA5C56-9B47-4F87-8E12-30A936274F1B}"/>
+                <a16:creationId xmlns:a16="http://schemas.microsoft.com/office/drawing/2014/main" xmlns="" id="{9DFA5C56-9B47-4F87-8E12-30A936274F1B}"/>
               </a:ext>
             </a:extLst>
           </p:cNvPr>
@@ -1372,7 +1373,7 @@
           <p:cNvPr id="23" name="Picture Placeholder 8">
             <a:extLst>
               <a:ext uri="{FF2B5EF4-FFF2-40B4-BE49-F238E27FC236}">
-                <a16:creationId xmlns="" xmlns:a16="http://schemas.microsoft.com/office/drawing/2014/main" id="{1E3B5888-98ED-48E4-8AA8-5BAB43F8516C}"/>
+                <a16:creationId xmlns:a16="http://schemas.microsoft.com/office/drawing/2014/main" xmlns="" id="{1E3B5888-98ED-48E4-8AA8-5BAB43F8516C}"/>
               </a:ext>
             </a:extLst>
           </p:cNvPr>
@@ -1413,7 +1414,7 @@
           <p:cNvPr id="24" name="Picture Placeholder 8">
             <a:extLst>
               <a:ext uri="{FF2B5EF4-FFF2-40B4-BE49-F238E27FC236}">
-                <a16:creationId xmlns="" xmlns:a16="http://schemas.microsoft.com/office/drawing/2014/main" id="{569C9EE3-34D1-4DE0-B06C-2F6212F7C329}"/>
+                <a16:creationId xmlns:a16="http://schemas.microsoft.com/office/drawing/2014/main" xmlns="" id="{569C9EE3-34D1-4DE0-B06C-2F6212F7C329}"/>
               </a:ext>
             </a:extLst>
           </p:cNvPr>
@@ -1484,7 +1485,7 @@
           <p:cNvPr id="8" name="Rectangle 7">
             <a:extLst>
               <a:ext uri="{FF2B5EF4-FFF2-40B4-BE49-F238E27FC236}">
-                <a16:creationId xmlns="" xmlns:a16="http://schemas.microsoft.com/office/drawing/2014/main" id="{53A3BC27-A809-4F76-931E-2DE01059A5AB}"/>
+                <a16:creationId xmlns:a16="http://schemas.microsoft.com/office/drawing/2014/main" xmlns="" id="{53A3BC27-A809-4F76-931E-2DE01059A5AB}"/>
               </a:ext>
             </a:extLst>
           </p:cNvPr>
@@ -1536,7 +1537,7 @@
           <p:cNvPr id="9" name="Rectangle 8">
             <a:extLst>
               <a:ext uri="{FF2B5EF4-FFF2-40B4-BE49-F238E27FC236}">
-                <a16:creationId xmlns="" xmlns:a16="http://schemas.microsoft.com/office/drawing/2014/main" id="{D96A5108-5EBA-43CE-BA4A-DA9EEF5D808A}"/>
+                <a16:creationId xmlns:a16="http://schemas.microsoft.com/office/drawing/2014/main" xmlns="" id="{D96A5108-5EBA-43CE-BA4A-DA9EEF5D808A}"/>
               </a:ext>
             </a:extLst>
           </p:cNvPr>
@@ -1588,7 +1589,7 @@
           <p:cNvPr id="11" name="Rectangle 10">
             <a:extLst>
               <a:ext uri="{FF2B5EF4-FFF2-40B4-BE49-F238E27FC236}">
-                <a16:creationId xmlns="" xmlns:a16="http://schemas.microsoft.com/office/drawing/2014/main" id="{E2712910-50D0-4906-AB08-F37D02F96D4A}"/>
+                <a16:creationId xmlns:a16="http://schemas.microsoft.com/office/drawing/2014/main" xmlns="" id="{E2712910-50D0-4906-AB08-F37D02F96D4A}"/>
               </a:ext>
             </a:extLst>
           </p:cNvPr>
@@ -1640,7 +1641,7 @@
           <p:cNvPr id="12" name="Rectangle 11">
             <a:extLst>
               <a:ext uri="{FF2B5EF4-FFF2-40B4-BE49-F238E27FC236}">
-                <a16:creationId xmlns="" xmlns:a16="http://schemas.microsoft.com/office/drawing/2014/main" id="{7DAC760C-BE23-4DA2-A294-3B5668F8AECA}"/>
+                <a16:creationId xmlns:a16="http://schemas.microsoft.com/office/drawing/2014/main" xmlns="" id="{7DAC760C-BE23-4DA2-A294-3B5668F8AECA}"/>
               </a:ext>
             </a:extLst>
           </p:cNvPr>
@@ -1692,7 +1693,7 @@
           <p:cNvPr id="2" name="Title 1">
             <a:extLst>
               <a:ext uri="{FF2B5EF4-FFF2-40B4-BE49-F238E27FC236}">
-                <a16:creationId xmlns="" xmlns:a16="http://schemas.microsoft.com/office/drawing/2014/main" id="{43379CA9-81D6-424A-8046-4B56E1D25059}"/>
+                <a16:creationId xmlns:a16="http://schemas.microsoft.com/office/drawing/2014/main" xmlns="" id="{43379CA9-81D6-424A-8046-4B56E1D25059}"/>
               </a:ext>
             </a:extLst>
           </p:cNvPr>
@@ -1734,7 +1735,7 @@
           <p:cNvPr id="10" name="Text Placeholder 9">
             <a:extLst>
               <a:ext uri="{FF2B5EF4-FFF2-40B4-BE49-F238E27FC236}">
-                <a16:creationId xmlns="" xmlns:a16="http://schemas.microsoft.com/office/drawing/2014/main" id="{2A60302F-65DB-4E93-B6C3-49E64C44FB53}"/>
+                <a16:creationId xmlns:a16="http://schemas.microsoft.com/office/drawing/2014/main" xmlns="" id="{2A60302F-65DB-4E93-B6C3-49E64C44FB53}"/>
               </a:ext>
             </a:extLst>
           </p:cNvPr>
@@ -1802,7 +1803,7 @@
           <p:cNvPr id="7" name="Picture Placeholder 6">
             <a:extLst>
               <a:ext uri="{FF2B5EF4-FFF2-40B4-BE49-F238E27FC236}">
-                <a16:creationId xmlns="" xmlns:a16="http://schemas.microsoft.com/office/drawing/2014/main" id="{9A66F217-0E52-4AD8-82BA-AB332C59638C}"/>
+                <a16:creationId xmlns:a16="http://schemas.microsoft.com/office/drawing/2014/main" xmlns="" id="{9A66F217-0E52-4AD8-82BA-AB332C59638C}"/>
               </a:ext>
             </a:extLst>
           </p:cNvPr>
@@ -1891,7 +1892,7 @@
           <p:cNvPr id="8" name="Picture Placeholder 7">
             <a:extLst>
               <a:ext uri="{FF2B5EF4-FFF2-40B4-BE49-F238E27FC236}">
-                <a16:creationId xmlns="" xmlns:a16="http://schemas.microsoft.com/office/drawing/2014/main" id="{DF9C7667-EADA-40AC-B931-4642E0A9A4DE}"/>
+                <a16:creationId xmlns:a16="http://schemas.microsoft.com/office/drawing/2014/main" xmlns="" id="{DF9C7667-EADA-40AC-B931-4642E0A9A4DE}"/>
               </a:ext>
             </a:extLst>
           </p:cNvPr>
@@ -1943,7 +1944,7 @@
           <p:cNvPr id="2" name="Title 1">
             <a:extLst>
               <a:ext uri="{FF2B5EF4-FFF2-40B4-BE49-F238E27FC236}">
-                <a16:creationId xmlns="" xmlns:a16="http://schemas.microsoft.com/office/drawing/2014/main" id="{43379CA9-81D6-424A-8046-4B56E1D25059}"/>
+                <a16:creationId xmlns:a16="http://schemas.microsoft.com/office/drawing/2014/main" xmlns="" id="{43379CA9-81D6-424A-8046-4B56E1D25059}"/>
               </a:ext>
             </a:extLst>
           </p:cNvPr>
@@ -1980,7 +1981,7 @@
           <p:cNvPr id="10" name="Text Placeholder 9">
             <a:extLst>
               <a:ext uri="{FF2B5EF4-FFF2-40B4-BE49-F238E27FC236}">
-                <a16:creationId xmlns="" xmlns:a16="http://schemas.microsoft.com/office/drawing/2014/main" id="{2A60302F-65DB-4E93-B6C3-49E64C44FB53}"/>
+                <a16:creationId xmlns:a16="http://schemas.microsoft.com/office/drawing/2014/main" xmlns="" id="{2A60302F-65DB-4E93-B6C3-49E64C44FB53}"/>
               </a:ext>
             </a:extLst>
           </p:cNvPr>
@@ -2048,7 +2049,7 @@
           <p:cNvPr id="7" name="Text Placeholder 6">
             <a:extLst>
               <a:ext uri="{FF2B5EF4-FFF2-40B4-BE49-F238E27FC236}">
-                <a16:creationId xmlns="" xmlns:a16="http://schemas.microsoft.com/office/drawing/2014/main" id="{EC1CB8E8-F58A-4B26-B8AA-8977FC608E83}"/>
+                <a16:creationId xmlns:a16="http://schemas.microsoft.com/office/drawing/2014/main" xmlns="" id="{EC1CB8E8-F58A-4B26-B8AA-8977FC608E83}"/>
               </a:ext>
             </a:extLst>
           </p:cNvPr>
@@ -2166,7 +2167,7 @@
           <p:cNvPr id="2" name="Title 1">
             <a:extLst>
               <a:ext uri="{FF2B5EF4-FFF2-40B4-BE49-F238E27FC236}">
-                <a16:creationId xmlns="" xmlns:a16="http://schemas.microsoft.com/office/drawing/2014/main" id="{43379CA9-81D6-424A-8046-4B56E1D25059}"/>
+                <a16:creationId xmlns:a16="http://schemas.microsoft.com/office/drawing/2014/main" xmlns="" id="{43379CA9-81D6-424A-8046-4B56E1D25059}"/>
               </a:ext>
             </a:extLst>
           </p:cNvPr>
@@ -2208,7 +2209,7 @@
           <p:cNvPr id="9" name="Picture Placeholder 8">
             <a:extLst>
               <a:ext uri="{FF2B5EF4-FFF2-40B4-BE49-F238E27FC236}">
-                <a16:creationId xmlns="" xmlns:a16="http://schemas.microsoft.com/office/drawing/2014/main" id="{B2F51F73-5064-47F8-83FD-440E0ED1950B}"/>
+                <a16:creationId xmlns:a16="http://schemas.microsoft.com/office/drawing/2014/main" xmlns="" id="{B2F51F73-5064-47F8-83FD-440E0ED1950B}"/>
               </a:ext>
             </a:extLst>
           </p:cNvPr>
@@ -2249,7 +2250,7 @@
           <p:cNvPr id="18" name="Picture Placeholder 8">
             <a:extLst>
               <a:ext uri="{FF2B5EF4-FFF2-40B4-BE49-F238E27FC236}">
-                <a16:creationId xmlns="" xmlns:a16="http://schemas.microsoft.com/office/drawing/2014/main" id="{06FF689A-8221-42E8-96D4-ED4D3AD501F8}"/>
+                <a16:creationId xmlns:a16="http://schemas.microsoft.com/office/drawing/2014/main" xmlns="" id="{06FF689A-8221-42E8-96D4-ED4D3AD501F8}"/>
               </a:ext>
             </a:extLst>
           </p:cNvPr>
@@ -2290,7 +2291,7 @@
           <p:cNvPr id="19" name="Picture Placeholder 8">
             <a:extLst>
               <a:ext uri="{FF2B5EF4-FFF2-40B4-BE49-F238E27FC236}">
-                <a16:creationId xmlns="" xmlns:a16="http://schemas.microsoft.com/office/drawing/2014/main" id="{96424DB2-4D46-493F-A5B8-8901EDA394F2}"/>
+                <a16:creationId xmlns:a16="http://schemas.microsoft.com/office/drawing/2014/main" xmlns="" id="{96424DB2-4D46-493F-A5B8-8901EDA394F2}"/>
               </a:ext>
             </a:extLst>
           </p:cNvPr>
@@ -2331,7 +2332,7 @@
           <p:cNvPr id="20" name="Picture Placeholder 8">
             <a:extLst>
               <a:ext uri="{FF2B5EF4-FFF2-40B4-BE49-F238E27FC236}">
-                <a16:creationId xmlns="" xmlns:a16="http://schemas.microsoft.com/office/drawing/2014/main" id="{0AF2B6E1-5738-41B1-8C15-EA6715490140}"/>
+                <a16:creationId xmlns:a16="http://schemas.microsoft.com/office/drawing/2014/main" xmlns="" id="{0AF2B6E1-5738-41B1-8C15-EA6715490140}"/>
               </a:ext>
             </a:extLst>
           </p:cNvPr>
@@ -2372,7 +2373,7 @@
           <p:cNvPr id="21" name="Picture Placeholder 8">
             <a:extLst>
               <a:ext uri="{FF2B5EF4-FFF2-40B4-BE49-F238E27FC236}">
-                <a16:creationId xmlns="" xmlns:a16="http://schemas.microsoft.com/office/drawing/2014/main" id="{6C8D73EB-347C-4E13-94C8-FA8FADE46559}"/>
+                <a16:creationId xmlns:a16="http://schemas.microsoft.com/office/drawing/2014/main" xmlns="" id="{6C8D73EB-347C-4E13-94C8-FA8FADE46559}"/>
               </a:ext>
             </a:extLst>
           </p:cNvPr>
@@ -2413,7 +2414,7 @@
           <p:cNvPr id="22" name="Picture Placeholder 8">
             <a:extLst>
               <a:ext uri="{FF2B5EF4-FFF2-40B4-BE49-F238E27FC236}">
-                <a16:creationId xmlns="" xmlns:a16="http://schemas.microsoft.com/office/drawing/2014/main" id="{9DFA5C56-9B47-4F87-8E12-30A936274F1B}"/>
+                <a16:creationId xmlns:a16="http://schemas.microsoft.com/office/drawing/2014/main" xmlns="" id="{9DFA5C56-9B47-4F87-8E12-30A936274F1B}"/>
               </a:ext>
             </a:extLst>
           </p:cNvPr>
@@ -2454,7 +2455,7 @@
           <p:cNvPr id="23" name="Picture Placeholder 8">
             <a:extLst>
               <a:ext uri="{FF2B5EF4-FFF2-40B4-BE49-F238E27FC236}">
-                <a16:creationId xmlns="" xmlns:a16="http://schemas.microsoft.com/office/drawing/2014/main" id="{1E3B5888-98ED-48E4-8AA8-5BAB43F8516C}"/>
+                <a16:creationId xmlns:a16="http://schemas.microsoft.com/office/drawing/2014/main" xmlns="" id="{1E3B5888-98ED-48E4-8AA8-5BAB43F8516C}"/>
               </a:ext>
             </a:extLst>
           </p:cNvPr>
@@ -2495,7 +2496,7 @@
           <p:cNvPr id="24" name="Picture Placeholder 8">
             <a:extLst>
               <a:ext uri="{FF2B5EF4-FFF2-40B4-BE49-F238E27FC236}">
-                <a16:creationId xmlns="" xmlns:a16="http://schemas.microsoft.com/office/drawing/2014/main" id="{569C9EE3-34D1-4DE0-B06C-2F6212F7C329}"/>
+                <a16:creationId xmlns:a16="http://schemas.microsoft.com/office/drawing/2014/main" xmlns="" id="{569C9EE3-34D1-4DE0-B06C-2F6212F7C329}"/>
               </a:ext>
             </a:extLst>
           </p:cNvPr>
@@ -2566,7 +2567,7 @@
           <p:cNvPr id="11" name="Rectangle 10">
             <a:extLst>
               <a:ext uri="{FF2B5EF4-FFF2-40B4-BE49-F238E27FC236}">
-                <a16:creationId xmlns="" xmlns:a16="http://schemas.microsoft.com/office/drawing/2014/main" id="{50869985-B973-4011-9FA2-83D7EBB2EA53}"/>
+                <a16:creationId xmlns:a16="http://schemas.microsoft.com/office/drawing/2014/main" xmlns="" id="{50869985-B973-4011-9FA2-83D7EBB2EA53}"/>
               </a:ext>
             </a:extLst>
           </p:cNvPr>
@@ -2618,7 +2619,7 @@
           <p:cNvPr id="2" name="Title 1">
             <a:extLst>
               <a:ext uri="{FF2B5EF4-FFF2-40B4-BE49-F238E27FC236}">
-                <a16:creationId xmlns="" xmlns:a16="http://schemas.microsoft.com/office/drawing/2014/main" id="{43379CA9-81D6-424A-8046-4B56E1D25059}"/>
+                <a16:creationId xmlns:a16="http://schemas.microsoft.com/office/drawing/2014/main" xmlns="" id="{43379CA9-81D6-424A-8046-4B56E1D25059}"/>
               </a:ext>
             </a:extLst>
           </p:cNvPr>
@@ -2660,7 +2661,7 @@
           <p:cNvPr id="10" name="Text Placeholder 9">
             <a:extLst>
               <a:ext uri="{FF2B5EF4-FFF2-40B4-BE49-F238E27FC236}">
-                <a16:creationId xmlns="" xmlns:a16="http://schemas.microsoft.com/office/drawing/2014/main" id="{2A60302F-65DB-4E93-B6C3-49E64C44FB53}"/>
+                <a16:creationId xmlns:a16="http://schemas.microsoft.com/office/drawing/2014/main" xmlns="" id="{2A60302F-65DB-4E93-B6C3-49E64C44FB53}"/>
               </a:ext>
             </a:extLst>
           </p:cNvPr>
@@ -2728,7 +2729,7 @@
           <p:cNvPr id="7" name="Picture Placeholder 6">
             <a:extLst>
               <a:ext uri="{FF2B5EF4-FFF2-40B4-BE49-F238E27FC236}">
-                <a16:creationId xmlns="" xmlns:a16="http://schemas.microsoft.com/office/drawing/2014/main" id="{9A66F217-0E52-4AD8-82BA-AB332C59638C}"/>
+                <a16:creationId xmlns:a16="http://schemas.microsoft.com/office/drawing/2014/main" xmlns="" id="{9A66F217-0E52-4AD8-82BA-AB332C59638C}"/>
               </a:ext>
             </a:extLst>
           </p:cNvPr>
@@ -2774,7 +2775,7 @@
           <p:cNvPr id="8" name="Rectangle 7">
             <a:extLst>
               <a:ext uri="{FF2B5EF4-FFF2-40B4-BE49-F238E27FC236}">
-                <a16:creationId xmlns="" xmlns:a16="http://schemas.microsoft.com/office/drawing/2014/main" id="{E75D44F0-DADD-4DCC-82EC-FDB3E9878AA9}"/>
+                <a16:creationId xmlns:a16="http://schemas.microsoft.com/office/drawing/2014/main" xmlns="" id="{E75D44F0-DADD-4DCC-82EC-FDB3E9878AA9}"/>
               </a:ext>
             </a:extLst>
           </p:cNvPr>
@@ -2826,7 +2827,7 @@
           <p:cNvPr id="9" name="Rectangle 8">
             <a:extLst>
               <a:ext uri="{FF2B5EF4-FFF2-40B4-BE49-F238E27FC236}">
-                <a16:creationId xmlns="" xmlns:a16="http://schemas.microsoft.com/office/drawing/2014/main" id="{28CFE2C9-8B6E-4DDA-A5EA-04581F7629F0}"/>
+                <a16:creationId xmlns:a16="http://schemas.microsoft.com/office/drawing/2014/main" xmlns="" id="{28CFE2C9-8B6E-4DDA-A5EA-04581F7629F0}"/>
               </a:ext>
             </a:extLst>
           </p:cNvPr>
@@ -2965,7 +2966,7 @@
           <p:cNvPr id="12" name="Title 1">
             <a:extLst>
               <a:ext uri="{FF2B5EF4-FFF2-40B4-BE49-F238E27FC236}">
-                <a16:creationId xmlns="" xmlns:a16="http://schemas.microsoft.com/office/drawing/2014/main" id="{96FEDCD9-19A7-423B-ABE0-DDD032DE8879}"/>
+                <a16:creationId xmlns:a16="http://schemas.microsoft.com/office/drawing/2014/main" xmlns="" id="{96FEDCD9-19A7-423B-ABE0-DDD032DE8879}"/>
               </a:ext>
             </a:extLst>
           </p:cNvPr>
@@ -3006,7 +3007,7 @@
           <p:cNvPr id="14" name="Text Placeholder 9">
             <a:extLst>
               <a:ext uri="{FF2B5EF4-FFF2-40B4-BE49-F238E27FC236}">
-                <a16:creationId xmlns="" xmlns:a16="http://schemas.microsoft.com/office/drawing/2014/main" id="{EBD7372B-17B4-4062-8BFA-745581B27349}"/>
+                <a16:creationId xmlns:a16="http://schemas.microsoft.com/office/drawing/2014/main" xmlns="" id="{EBD7372B-17B4-4062-8BFA-745581B27349}"/>
               </a:ext>
             </a:extLst>
           </p:cNvPr>
@@ -3071,7 +3072,7 @@
           <p:cNvPr id="3" name="Picture Placeholder 2">
             <a:extLst>
               <a:ext uri="{FF2B5EF4-FFF2-40B4-BE49-F238E27FC236}">
-                <a16:creationId xmlns="" xmlns:a16="http://schemas.microsoft.com/office/drawing/2014/main" id="{C09A28F9-9D68-48A2-A1AD-C1C318C0EC8D}"/>
+                <a16:creationId xmlns:a16="http://schemas.microsoft.com/office/drawing/2014/main" xmlns="" id="{C09A28F9-9D68-48A2-A1AD-C1C318C0EC8D}"/>
               </a:ext>
             </a:extLst>
           </p:cNvPr>
@@ -3534,7 +3535,7 @@
           <p:cNvPr id="2" name="Title 1">
             <a:extLst>
               <a:ext uri="{FF2B5EF4-FFF2-40B4-BE49-F238E27FC236}">
-                <a16:creationId xmlns="" xmlns:a16="http://schemas.microsoft.com/office/drawing/2014/main" id="{43379CA9-81D6-424A-8046-4B56E1D25059}"/>
+                <a16:creationId xmlns:a16="http://schemas.microsoft.com/office/drawing/2014/main" xmlns="" id="{43379CA9-81D6-424A-8046-4B56E1D25059}"/>
               </a:ext>
             </a:extLst>
           </p:cNvPr>
@@ -3576,7 +3577,7 @@
           <p:cNvPr id="9" name="Picture Placeholder 8">
             <a:extLst>
               <a:ext uri="{FF2B5EF4-FFF2-40B4-BE49-F238E27FC236}">
-                <a16:creationId xmlns="" xmlns:a16="http://schemas.microsoft.com/office/drawing/2014/main" id="{B2F51F73-5064-47F8-83FD-440E0ED1950B}"/>
+                <a16:creationId xmlns:a16="http://schemas.microsoft.com/office/drawing/2014/main" xmlns="" id="{B2F51F73-5064-47F8-83FD-440E0ED1950B}"/>
               </a:ext>
             </a:extLst>
           </p:cNvPr>
@@ -3617,7 +3618,7 @@
           <p:cNvPr id="18" name="Picture Placeholder 8">
             <a:extLst>
               <a:ext uri="{FF2B5EF4-FFF2-40B4-BE49-F238E27FC236}">
-                <a16:creationId xmlns="" xmlns:a16="http://schemas.microsoft.com/office/drawing/2014/main" id="{06FF689A-8221-42E8-96D4-ED4D3AD501F8}"/>
+                <a16:creationId xmlns:a16="http://schemas.microsoft.com/office/drawing/2014/main" xmlns="" id="{06FF689A-8221-42E8-96D4-ED4D3AD501F8}"/>
               </a:ext>
             </a:extLst>
           </p:cNvPr>
@@ -3658,7 +3659,7 @@
           <p:cNvPr id="19" name="Picture Placeholder 8">
             <a:extLst>
               <a:ext uri="{FF2B5EF4-FFF2-40B4-BE49-F238E27FC236}">
-                <a16:creationId xmlns="" xmlns:a16="http://schemas.microsoft.com/office/drawing/2014/main" id="{96424DB2-4D46-493F-A5B8-8901EDA394F2}"/>
+                <a16:creationId xmlns:a16="http://schemas.microsoft.com/office/drawing/2014/main" xmlns="" id="{96424DB2-4D46-493F-A5B8-8901EDA394F2}"/>
               </a:ext>
             </a:extLst>
           </p:cNvPr>
@@ -3699,7 +3700,7 @@
           <p:cNvPr id="20" name="Picture Placeholder 8">
             <a:extLst>
               <a:ext uri="{FF2B5EF4-FFF2-40B4-BE49-F238E27FC236}">
-                <a16:creationId xmlns="" xmlns:a16="http://schemas.microsoft.com/office/drawing/2014/main" id="{0AF2B6E1-5738-41B1-8C15-EA6715490140}"/>
+                <a16:creationId xmlns:a16="http://schemas.microsoft.com/office/drawing/2014/main" xmlns="" id="{0AF2B6E1-5738-41B1-8C15-EA6715490140}"/>
               </a:ext>
             </a:extLst>
           </p:cNvPr>
@@ -3740,7 +3741,7 @@
           <p:cNvPr id="21" name="Picture Placeholder 8">
             <a:extLst>
               <a:ext uri="{FF2B5EF4-FFF2-40B4-BE49-F238E27FC236}">
-                <a16:creationId xmlns="" xmlns:a16="http://schemas.microsoft.com/office/drawing/2014/main" id="{6C8D73EB-347C-4E13-94C8-FA8FADE46559}"/>
+                <a16:creationId xmlns:a16="http://schemas.microsoft.com/office/drawing/2014/main" xmlns="" id="{6C8D73EB-347C-4E13-94C8-FA8FADE46559}"/>
               </a:ext>
             </a:extLst>
           </p:cNvPr>
@@ -3781,7 +3782,7 @@
           <p:cNvPr id="22" name="Picture Placeholder 8">
             <a:extLst>
               <a:ext uri="{FF2B5EF4-FFF2-40B4-BE49-F238E27FC236}">
-                <a16:creationId xmlns="" xmlns:a16="http://schemas.microsoft.com/office/drawing/2014/main" id="{9DFA5C56-9B47-4F87-8E12-30A936274F1B}"/>
+                <a16:creationId xmlns:a16="http://schemas.microsoft.com/office/drawing/2014/main" xmlns="" id="{9DFA5C56-9B47-4F87-8E12-30A936274F1B}"/>
               </a:ext>
             </a:extLst>
           </p:cNvPr>
@@ -3822,7 +3823,7 @@
           <p:cNvPr id="23" name="Picture Placeholder 8">
             <a:extLst>
               <a:ext uri="{FF2B5EF4-FFF2-40B4-BE49-F238E27FC236}">
-                <a16:creationId xmlns="" xmlns:a16="http://schemas.microsoft.com/office/drawing/2014/main" id="{1E3B5888-98ED-48E4-8AA8-5BAB43F8516C}"/>
+                <a16:creationId xmlns:a16="http://schemas.microsoft.com/office/drawing/2014/main" xmlns="" id="{1E3B5888-98ED-48E4-8AA8-5BAB43F8516C}"/>
               </a:ext>
             </a:extLst>
           </p:cNvPr>
@@ -3863,7 +3864,7 @@
           <p:cNvPr id="24" name="Picture Placeholder 8">
             <a:extLst>
               <a:ext uri="{FF2B5EF4-FFF2-40B4-BE49-F238E27FC236}">
-                <a16:creationId xmlns="" xmlns:a16="http://schemas.microsoft.com/office/drawing/2014/main" id="{569C9EE3-34D1-4DE0-B06C-2F6212F7C329}"/>
+                <a16:creationId xmlns:a16="http://schemas.microsoft.com/office/drawing/2014/main" xmlns="" id="{569C9EE3-34D1-4DE0-B06C-2F6212F7C329}"/>
               </a:ext>
             </a:extLst>
           </p:cNvPr>
@@ -3934,7 +3935,7 @@
           <p:cNvPr id="8" name="Rectangle 7">
             <a:extLst>
               <a:ext uri="{FF2B5EF4-FFF2-40B4-BE49-F238E27FC236}">
-                <a16:creationId xmlns="" xmlns:a16="http://schemas.microsoft.com/office/drawing/2014/main" id="{C186ECD6-DF3C-4CA6-9A77-ED32AC37F81F}"/>
+                <a16:creationId xmlns:a16="http://schemas.microsoft.com/office/drawing/2014/main" xmlns="" id="{C186ECD6-DF3C-4CA6-9A77-ED32AC37F81F}"/>
               </a:ext>
             </a:extLst>
           </p:cNvPr>
@@ -3986,7 +3987,7 @@
           <p:cNvPr id="9" name="Rectangle 8">
             <a:extLst>
               <a:ext uri="{FF2B5EF4-FFF2-40B4-BE49-F238E27FC236}">
-                <a16:creationId xmlns="" xmlns:a16="http://schemas.microsoft.com/office/drawing/2014/main" id="{8D3F081E-4462-4B33-A41E-0432A3B439D9}"/>
+                <a16:creationId xmlns:a16="http://schemas.microsoft.com/office/drawing/2014/main" xmlns="" id="{8D3F081E-4462-4B33-A41E-0432A3B439D9}"/>
               </a:ext>
             </a:extLst>
           </p:cNvPr>
@@ -4038,7 +4039,7 @@
           <p:cNvPr id="11" name="Rectangle 10">
             <a:extLst>
               <a:ext uri="{FF2B5EF4-FFF2-40B4-BE49-F238E27FC236}">
-                <a16:creationId xmlns="" xmlns:a16="http://schemas.microsoft.com/office/drawing/2014/main" id="{C05FA2D1-6BF4-4194-B815-8C66D013FD27}"/>
+                <a16:creationId xmlns:a16="http://schemas.microsoft.com/office/drawing/2014/main" xmlns="" id="{C05FA2D1-6BF4-4194-B815-8C66D013FD27}"/>
               </a:ext>
             </a:extLst>
           </p:cNvPr>
@@ -4090,7 +4091,7 @@
           <p:cNvPr id="12" name="Rectangle 11">
             <a:extLst>
               <a:ext uri="{FF2B5EF4-FFF2-40B4-BE49-F238E27FC236}">
-                <a16:creationId xmlns="" xmlns:a16="http://schemas.microsoft.com/office/drawing/2014/main" id="{DC88F0DF-BC0B-473C-82DC-7FC46D38FAC1}"/>
+                <a16:creationId xmlns:a16="http://schemas.microsoft.com/office/drawing/2014/main" xmlns="" id="{DC88F0DF-BC0B-473C-82DC-7FC46D38FAC1}"/>
               </a:ext>
             </a:extLst>
           </p:cNvPr>
@@ -4142,7 +4143,7 @@
           <p:cNvPr id="10" name="Text Placeholder 9">
             <a:extLst>
               <a:ext uri="{FF2B5EF4-FFF2-40B4-BE49-F238E27FC236}">
-                <a16:creationId xmlns="" xmlns:a16="http://schemas.microsoft.com/office/drawing/2014/main" id="{2A60302F-65DB-4E93-B6C3-49E64C44FB53}"/>
+                <a16:creationId xmlns:a16="http://schemas.microsoft.com/office/drawing/2014/main" xmlns="" id="{2A60302F-65DB-4E93-B6C3-49E64C44FB53}"/>
               </a:ext>
             </a:extLst>
           </p:cNvPr>
@@ -4210,7 +4211,7 @@
           <p:cNvPr id="7" name="Picture Placeholder 6">
             <a:extLst>
               <a:ext uri="{FF2B5EF4-FFF2-40B4-BE49-F238E27FC236}">
-                <a16:creationId xmlns="" xmlns:a16="http://schemas.microsoft.com/office/drawing/2014/main" id="{9A66F217-0E52-4AD8-82BA-AB332C59638C}"/>
+                <a16:creationId xmlns:a16="http://schemas.microsoft.com/office/drawing/2014/main" xmlns="" id="{9A66F217-0E52-4AD8-82BA-AB332C59638C}"/>
               </a:ext>
             </a:extLst>
           </p:cNvPr>
@@ -4256,7 +4257,7 @@
           <p:cNvPr id="13" name="Rectangle 12">
             <a:extLst>
               <a:ext uri="{FF2B5EF4-FFF2-40B4-BE49-F238E27FC236}">
-                <a16:creationId xmlns="" xmlns:a16="http://schemas.microsoft.com/office/drawing/2014/main" id="{FDF3E524-6AEB-4529-804C-0B9CD9992050}"/>
+                <a16:creationId xmlns:a16="http://schemas.microsoft.com/office/drawing/2014/main" xmlns="" id="{FDF3E524-6AEB-4529-804C-0B9CD9992050}"/>
               </a:ext>
             </a:extLst>
           </p:cNvPr>
@@ -4308,7 +4309,7 @@
           <p:cNvPr id="14" name="Straight Connector 13">
             <a:extLst>
               <a:ext uri="{FF2B5EF4-FFF2-40B4-BE49-F238E27FC236}">
-                <a16:creationId xmlns="" xmlns:a16="http://schemas.microsoft.com/office/drawing/2014/main" id="{4CFF2CAC-AD21-48FA-AD68-A643AAA6A8C4}"/>
+                <a16:creationId xmlns:a16="http://schemas.microsoft.com/office/drawing/2014/main" xmlns="" id="{4CFF2CAC-AD21-48FA-AD68-A643AAA6A8C4}"/>
               </a:ext>
             </a:extLst>
           </p:cNvPr>
@@ -4351,7 +4352,7 @@
           <p:cNvPr id="2" name="Title 1">
             <a:extLst>
               <a:ext uri="{FF2B5EF4-FFF2-40B4-BE49-F238E27FC236}">
-                <a16:creationId xmlns="" xmlns:a16="http://schemas.microsoft.com/office/drawing/2014/main" id="{43379CA9-81D6-424A-8046-4B56E1D25059}"/>
+                <a16:creationId xmlns:a16="http://schemas.microsoft.com/office/drawing/2014/main" xmlns="" id="{43379CA9-81D6-424A-8046-4B56E1D25059}"/>
               </a:ext>
             </a:extLst>
           </p:cNvPr>
@@ -4472,7 +4473,7 @@
           <p:cNvPr id="2" name="Title Placeholder 1">
             <a:extLst>
               <a:ext uri="{FF2B5EF4-FFF2-40B4-BE49-F238E27FC236}">
-                <a16:creationId xmlns="" xmlns:a16="http://schemas.microsoft.com/office/drawing/2014/main" id="{2C80DF88-AC53-41A3-8067-D7E6D5DB195F}"/>
+                <a16:creationId xmlns:a16="http://schemas.microsoft.com/office/drawing/2014/main" xmlns="" id="{2C80DF88-AC53-41A3-8067-D7E6D5DB195F}"/>
               </a:ext>
             </a:extLst>
           </p:cNvPr>
@@ -4511,7 +4512,7 @@
           <p:cNvPr id="4" name="Date Placeholder 3">
             <a:extLst>
               <a:ext uri="{FF2B5EF4-FFF2-40B4-BE49-F238E27FC236}">
-                <a16:creationId xmlns="" xmlns:a16="http://schemas.microsoft.com/office/drawing/2014/main" id="{EA4755C1-18CC-4FD3-A030-3DAF469919A6}"/>
+                <a16:creationId xmlns:a16="http://schemas.microsoft.com/office/drawing/2014/main" xmlns="" id="{EA4755C1-18CC-4FD3-A030-3DAF469919A6}"/>
               </a:ext>
             </a:extLst>
           </p:cNvPr>
@@ -4558,7 +4559,7 @@
           <p:cNvPr id="5" name="Footer Placeholder 4">
             <a:extLst>
               <a:ext uri="{FF2B5EF4-FFF2-40B4-BE49-F238E27FC236}">
-                <a16:creationId xmlns="" xmlns:a16="http://schemas.microsoft.com/office/drawing/2014/main" id="{A8E029F1-B791-445F-A184-90CC7A1BEC19}"/>
+                <a16:creationId xmlns:a16="http://schemas.microsoft.com/office/drawing/2014/main" xmlns="" id="{A8E029F1-B791-445F-A184-90CC7A1BEC19}"/>
               </a:ext>
             </a:extLst>
           </p:cNvPr>
@@ -4601,7 +4602,7 @@
           <p:cNvPr id="6" name="Slide Number Placeholder 5">
             <a:extLst>
               <a:ext uri="{FF2B5EF4-FFF2-40B4-BE49-F238E27FC236}">
-                <a16:creationId xmlns="" xmlns:a16="http://schemas.microsoft.com/office/drawing/2014/main" id="{5AD98767-7C9E-42DE-9782-D932A0FF1BF4}"/>
+                <a16:creationId xmlns:a16="http://schemas.microsoft.com/office/drawing/2014/main" xmlns="" id="{5AD98767-7C9E-42DE-9782-D932A0FF1BF4}"/>
               </a:ext>
             </a:extLst>
           </p:cNvPr>
@@ -5036,7 +5037,7 @@
           <p:cNvPr id="2" name="Title Placeholder 1">
             <a:extLst>
               <a:ext uri="{FF2B5EF4-FFF2-40B4-BE49-F238E27FC236}">
-                <a16:creationId xmlns="" xmlns:a16="http://schemas.microsoft.com/office/drawing/2014/main" id="{2C80DF88-AC53-41A3-8067-D7E6D5DB195F}"/>
+                <a16:creationId xmlns:a16="http://schemas.microsoft.com/office/drawing/2014/main" xmlns="" id="{2C80DF88-AC53-41A3-8067-D7E6D5DB195F}"/>
               </a:ext>
             </a:extLst>
           </p:cNvPr>
@@ -5075,7 +5076,7 @@
           <p:cNvPr id="4" name="Date Placeholder 3">
             <a:extLst>
               <a:ext uri="{FF2B5EF4-FFF2-40B4-BE49-F238E27FC236}">
-                <a16:creationId xmlns="" xmlns:a16="http://schemas.microsoft.com/office/drawing/2014/main" id="{EA4755C1-18CC-4FD3-A030-3DAF469919A6}"/>
+                <a16:creationId xmlns:a16="http://schemas.microsoft.com/office/drawing/2014/main" xmlns="" id="{EA4755C1-18CC-4FD3-A030-3DAF469919A6}"/>
               </a:ext>
             </a:extLst>
           </p:cNvPr>
@@ -5122,7 +5123,7 @@
           <p:cNvPr id="5" name="Footer Placeholder 4">
             <a:extLst>
               <a:ext uri="{FF2B5EF4-FFF2-40B4-BE49-F238E27FC236}">
-                <a16:creationId xmlns="" xmlns:a16="http://schemas.microsoft.com/office/drawing/2014/main" id="{A8E029F1-B791-445F-A184-90CC7A1BEC19}"/>
+                <a16:creationId xmlns:a16="http://schemas.microsoft.com/office/drawing/2014/main" xmlns="" id="{A8E029F1-B791-445F-A184-90CC7A1BEC19}"/>
               </a:ext>
             </a:extLst>
           </p:cNvPr>
@@ -5165,7 +5166,7 @@
           <p:cNvPr id="6" name="Slide Number Placeholder 5">
             <a:extLst>
               <a:ext uri="{FF2B5EF4-FFF2-40B4-BE49-F238E27FC236}">
-                <a16:creationId xmlns="" xmlns:a16="http://schemas.microsoft.com/office/drawing/2014/main" id="{5AD98767-7C9E-42DE-9782-D932A0FF1BF4}"/>
+                <a16:creationId xmlns:a16="http://schemas.microsoft.com/office/drawing/2014/main" xmlns="" id="{5AD98767-7C9E-42DE-9782-D932A0FF1BF4}"/>
               </a:ext>
             </a:extLst>
           </p:cNvPr>
@@ -5595,7 +5596,7 @@
           <p:cNvPr id="2" name="Title Placeholder 1">
             <a:extLst>
               <a:ext uri="{FF2B5EF4-FFF2-40B4-BE49-F238E27FC236}">
-                <a16:creationId xmlns="" xmlns:a16="http://schemas.microsoft.com/office/drawing/2014/main" id="{2C80DF88-AC53-41A3-8067-D7E6D5DB195F}"/>
+                <a16:creationId xmlns:a16="http://schemas.microsoft.com/office/drawing/2014/main" xmlns="" id="{2C80DF88-AC53-41A3-8067-D7E6D5DB195F}"/>
               </a:ext>
             </a:extLst>
           </p:cNvPr>
@@ -5634,7 +5635,7 @@
           <p:cNvPr id="4" name="Date Placeholder 3">
             <a:extLst>
               <a:ext uri="{FF2B5EF4-FFF2-40B4-BE49-F238E27FC236}">
-                <a16:creationId xmlns="" xmlns:a16="http://schemas.microsoft.com/office/drawing/2014/main" id="{EA4755C1-18CC-4FD3-A030-3DAF469919A6}"/>
+                <a16:creationId xmlns:a16="http://schemas.microsoft.com/office/drawing/2014/main" xmlns="" id="{EA4755C1-18CC-4FD3-A030-3DAF469919A6}"/>
               </a:ext>
             </a:extLst>
           </p:cNvPr>
@@ -5681,7 +5682,7 @@
           <p:cNvPr id="5" name="Footer Placeholder 4">
             <a:extLst>
               <a:ext uri="{FF2B5EF4-FFF2-40B4-BE49-F238E27FC236}">
-                <a16:creationId xmlns="" xmlns:a16="http://schemas.microsoft.com/office/drawing/2014/main" id="{A8E029F1-B791-445F-A184-90CC7A1BEC19}"/>
+                <a16:creationId xmlns:a16="http://schemas.microsoft.com/office/drawing/2014/main" xmlns="" id="{A8E029F1-B791-445F-A184-90CC7A1BEC19}"/>
               </a:ext>
             </a:extLst>
           </p:cNvPr>
@@ -5724,7 +5725,7 @@
           <p:cNvPr id="6" name="Slide Number Placeholder 5">
             <a:extLst>
               <a:ext uri="{FF2B5EF4-FFF2-40B4-BE49-F238E27FC236}">
-                <a16:creationId xmlns="" xmlns:a16="http://schemas.microsoft.com/office/drawing/2014/main" id="{5AD98767-7C9E-42DE-9782-D932A0FF1BF4}"/>
+                <a16:creationId xmlns:a16="http://schemas.microsoft.com/office/drawing/2014/main" xmlns="" id="{5AD98767-7C9E-42DE-9782-D932A0FF1BF4}"/>
               </a:ext>
             </a:extLst>
           </p:cNvPr>
@@ -6154,7 +6155,7 @@
           <p:cNvPr id="2" name="Title Placeholder 1">
             <a:extLst>
               <a:ext uri="{FF2B5EF4-FFF2-40B4-BE49-F238E27FC236}">
-                <a16:creationId xmlns="" xmlns:a16="http://schemas.microsoft.com/office/drawing/2014/main" id="{2C80DF88-AC53-41A3-8067-D7E6D5DB195F}"/>
+                <a16:creationId xmlns:a16="http://schemas.microsoft.com/office/drawing/2014/main" xmlns="" id="{2C80DF88-AC53-41A3-8067-D7E6D5DB195F}"/>
               </a:ext>
             </a:extLst>
           </p:cNvPr>
@@ -6193,7 +6194,7 @@
           <p:cNvPr id="4" name="Date Placeholder 3">
             <a:extLst>
               <a:ext uri="{FF2B5EF4-FFF2-40B4-BE49-F238E27FC236}">
-                <a16:creationId xmlns="" xmlns:a16="http://schemas.microsoft.com/office/drawing/2014/main" id="{EA4755C1-18CC-4FD3-A030-3DAF469919A6}"/>
+                <a16:creationId xmlns:a16="http://schemas.microsoft.com/office/drawing/2014/main" xmlns="" id="{EA4755C1-18CC-4FD3-A030-3DAF469919A6}"/>
               </a:ext>
             </a:extLst>
           </p:cNvPr>
@@ -6240,7 +6241,7 @@
           <p:cNvPr id="5" name="Footer Placeholder 4">
             <a:extLst>
               <a:ext uri="{FF2B5EF4-FFF2-40B4-BE49-F238E27FC236}">
-                <a16:creationId xmlns="" xmlns:a16="http://schemas.microsoft.com/office/drawing/2014/main" id="{A8E029F1-B791-445F-A184-90CC7A1BEC19}"/>
+                <a16:creationId xmlns:a16="http://schemas.microsoft.com/office/drawing/2014/main" xmlns="" id="{A8E029F1-B791-445F-A184-90CC7A1BEC19}"/>
               </a:ext>
             </a:extLst>
           </p:cNvPr>
@@ -6283,7 +6284,7 @@
           <p:cNvPr id="6" name="Slide Number Placeholder 5">
             <a:extLst>
               <a:ext uri="{FF2B5EF4-FFF2-40B4-BE49-F238E27FC236}">
-                <a16:creationId xmlns="" xmlns:a16="http://schemas.microsoft.com/office/drawing/2014/main" id="{5AD98767-7C9E-42DE-9782-D932A0FF1BF4}"/>
+                <a16:creationId xmlns:a16="http://schemas.microsoft.com/office/drawing/2014/main" xmlns="" id="{5AD98767-7C9E-42DE-9782-D932A0FF1BF4}"/>
               </a:ext>
             </a:extLst>
           </p:cNvPr>
@@ -6737,11 +6738,7 @@
             </a:r>
             <a:r>
               <a:rPr lang="en-US" dirty="0" smtClean="0"/>
-              <a:t> – Task </a:t>
-            </a:r>
-            <a:r>
-              <a:rPr lang="en-US" dirty="0" smtClean="0"/>
-              <a:t>3</a:t>
+              <a:t> – Task 3</a:t>
             </a:r>
             <a:endParaRPr lang="en-US" dirty="0"/>
           </a:p>
@@ -7004,7 +7001,7 @@
         <p:spPr>
           <a:xfrm>
             <a:off x="838200" y="3261717"/>
-            <a:ext cx="4182035" cy="2246769"/>
+            <a:ext cx="4182035" cy="2677656"/>
           </a:xfrm>
           <a:prstGeom prst="rect">
             <a:avLst/>
@@ -7059,6 +7056,14 @@
             </a:r>
             <a:r>
               <a:rPr lang="pt-PT" sz="2800" dirty="0" err="1" smtClean="0"/>
+              <a:t>of</a:t>
+            </a:r>
+            <a:r>
+              <a:rPr lang="pt-PT" sz="2800" dirty="0" smtClean="0"/>
+              <a:t> 90% </a:t>
+            </a:r>
+            <a:r>
+              <a:rPr lang="pt-PT" sz="2800" dirty="0" err="1" smtClean="0"/>
               <a:t>and</a:t>
             </a:r>
             <a:r>
@@ -7079,7 +7084,11 @@
             </a:r>
             <a:r>
               <a:rPr lang="pt-PT" sz="2800" dirty="0" smtClean="0"/>
-              <a:t> ~95% </a:t>
+              <a:t> </a:t>
+            </a:r>
+            <a:r>
+              <a:rPr lang="pt-PT" sz="2800" dirty="0" smtClean="0"/>
+              <a:t>59% </a:t>
             </a:r>
             <a:r>
               <a:rPr lang="pt-PT" sz="2800" dirty="0" err="1" smtClean="0"/>
@@ -7133,6 +7142,36 @@
           </a:p>
         </p:txBody>
       </p:sp>
+      <p:pic>
+        <p:nvPicPr>
+          <p:cNvPr id="4" name="Picture 3"/>
+          <p:cNvPicPr>
+            <a:picLocks noChangeAspect="1"/>
+          </p:cNvPicPr>
+          <p:nvPr/>
+        </p:nvPicPr>
+        <p:blipFill>
+          <a:blip r:embed="rId2">
+            <a:extLst>
+              <a:ext uri="{28A0092B-C50C-407E-A947-70E740481C1C}">
+                <a14:useLocalDpi xmlns:a14="http://schemas.microsoft.com/office/drawing/2010/main" val="0"/>
+              </a:ext>
+            </a:extLst>
+          </a:blip>
+          <a:stretch>
+            <a:fillRect/>
+          </a:stretch>
+        </p:blipFill>
+        <p:spPr>
+          <a:xfrm>
+            <a:off x="5289831" y="2742626"/>
+            <a:ext cx="6348855" cy="3918150"/>
+          </a:xfrm>
+          <a:prstGeom prst="rect">
+            <a:avLst/>
+          </a:prstGeom>
+        </p:spPr>
+      </p:pic>
     </p:spTree>
     <p:extLst>
       <p:ext uri="{BB962C8B-B14F-4D97-AF65-F5344CB8AC3E}">
@@ -7143,6 +7182,13 @@
   <p:clrMapOvr>
     <a:masterClrMapping/>
   </p:clrMapOvr>
+  <p:timing>
+    <p:tnLst>
+      <p:par>
+        <p:cTn id="1" dur="indefinite" restart="never" nodeType="tmRoot"/>
+      </p:par>
+    </p:tnLst>
+  </p:timing>
 </p:sld>
 </file>
 
@@ -7196,7 +7242,11 @@
             </a:r>
             <a:r>
               <a:rPr lang="pt-PT" dirty="0" smtClean="0"/>
-              <a:t> – Latitude</a:t>
+              <a:t> – </a:t>
+            </a:r>
+            <a:r>
+              <a:rPr lang="pt-PT" dirty="0" smtClean="0"/>
+              <a:t>Longitude</a:t>
             </a:r>
             <a:endParaRPr lang="en-US" dirty="0"/>
           </a:p>
@@ -7439,10 +7489,10 @@
             </a:r>
             <a:r>
               <a:rPr lang="pt-PT" dirty="0" smtClean="0"/>
-              <a:t>longitude </a:t>
-            </a:r>
-            <a:r>
-              <a:rPr lang="pt-PT" dirty="0" err="1"/>
+              <a:t>latitude </a:t>
+            </a:r>
+            <a:r>
+              <a:rPr lang="pt-PT" dirty="0" err="1" smtClean="0"/>
               <a:t>model</a:t>
             </a:r>
             <a:r>
@@ -7462,7 +7512,7 @@
         <p:spPr>
           <a:xfrm>
             <a:off x="838200" y="3530658"/>
-            <a:ext cx="4182035" cy="2246769"/>
+            <a:ext cx="4182035" cy="2677656"/>
           </a:xfrm>
           <a:prstGeom prst="rect">
             <a:avLst/>
@@ -7509,11 +7559,19 @@
             </a:r>
             <a:r>
               <a:rPr lang="pt-PT" sz="2800" dirty="0" err="1" smtClean="0"/>
-              <a:t>accuracy</a:t>
+              <a:t>Rsquared</a:t>
             </a:r>
             <a:r>
               <a:rPr lang="pt-PT" sz="2800" dirty="0" smtClean="0"/>
               <a:t> </a:t>
+            </a:r>
+            <a:r>
+              <a:rPr lang="pt-PT" sz="2800" dirty="0" err="1" smtClean="0"/>
+              <a:t>of</a:t>
+            </a:r>
+            <a:r>
+              <a:rPr lang="pt-PT" sz="2800" dirty="0" smtClean="0"/>
+              <a:t> 0.99 </a:t>
             </a:r>
             <a:r>
               <a:rPr lang="pt-PT" sz="2800" dirty="0" err="1" smtClean="0"/>
@@ -7521,15 +7579,7 @@
             </a:r>
             <a:r>
               <a:rPr lang="pt-PT" sz="2800" dirty="0" smtClean="0"/>
-              <a:t> </a:t>
-            </a:r>
-            <a:r>
-              <a:rPr lang="pt-PT" sz="2800" dirty="0" err="1" smtClean="0"/>
-              <a:t>kappa</a:t>
-            </a:r>
-            <a:r>
-              <a:rPr lang="pt-PT" sz="2800" dirty="0" smtClean="0"/>
-              <a:t> </a:t>
+              <a:t> na MAE </a:t>
             </a:r>
             <a:r>
               <a:rPr lang="pt-PT" sz="2800" dirty="0" err="1" smtClean="0"/>
@@ -7537,7 +7587,7 @@
             </a:r>
             <a:r>
               <a:rPr lang="pt-PT" sz="2800" dirty="0" smtClean="0"/>
-              <a:t> ~95% </a:t>
+              <a:t> 5.8 </a:t>
             </a:r>
             <a:r>
               <a:rPr lang="pt-PT" sz="2800" dirty="0" err="1" smtClean="0"/>
@@ -7545,7 +7595,11 @@
             </a:r>
             <a:r>
               <a:rPr lang="pt-PT" sz="2800" dirty="0" smtClean="0"/>
-              <a:t> a </a:t>
+              <a:t> </a:t>
+            </a:r>
+            <a:r>
+              <a:rPr lang="pt-PT" sz="2800" dirty="0" smtClean="0"/>
+              <a:t>a </a:t>
             </a:r>
             <a:r>
               <a:rPr lang="pt-PT" sz="2800" b="1" dirty="0" err="1" smtClean="0"/>
@@ -7591,6 +7645,36 @@
           </a:p>
         </p:txBody>
       </p:sp>
+      <p:pic>
+        <p:nvPicPr>
+          <p:cNvPr id="4" name="Picture 3"/>
+          <p:cNvPicPr>
+            <a:picLocks noChangeAspect="1"/>
+          </p:cNvPicPr>
+          <p:nvPr/>
+        </p:nvPicPr>
+        <p:blipFill>
+          <a:blip r:embed="rId2">
+            <a:extLst>
+              <a:ext uri="{28A0092B-C50C-407E-A947-70E740481C1C}">
+                <a14:useLocalDpi xmlns:a14="http://schemas.microsoft.com/office/drawing/2010/main" val="0"/>
+              </a:ext>
+            </a:extLst>
+          </a:blip>
+          <a:stretch>
+            <a:fillRect/>
+          </a:stretch>
+        </p:blipFill>
+        <p:spPr>
+          <a:xfrm>
+            <a:off x="5782235" y="3195887"/>
+            <a:ext cx="5933980" cy="3662113"/>
+          </a:xfrm>
+          <a:prstGeom prst="rect">
+            <a:avLst/>
+          </a:prstGeom>
+        </p:spPr>
+      </p:pic>
     </p:spTree>
     <p:extLst>
       <p:ext uri="{BB962C8B-B14F-4D97-AF65-F5344CB8AC3E}">
@@ -7601,6 +7685,13 @@
   <p:clrMapOvr>
     <a:masterClrMapping/>
   </p:clrMapOvr>
+  <p:timing>
+    <p:tnLst>
+      <p:par>
+        <p:cTn id="1" dur="indefinite" restart="never" nodeType="tmRoot"/>
+      </p:par>
+    </p:tnLst>
+  </p:timing>
 </p:sld>
 </file>
 
@@ -7654,7 +7745,11 @@
             </a:r>
             <a:r>
               <a:rPr lang="pt-PT" dirty="0" smtClean="0"/>
-              <a:t> – Longitude</a:t>
+              <a:t> – </a:t>
+            </a:r>
+            <a:r>
+              <a:rPr lang="pt-PT" dirty="0" smtClean="0"/>
+              <a:t>Latitude</a:t>
             </a:r>
             <a:endParaRPr lang="en-US" dirty="0"/>
           </a:p>
@@ -8055,6 +8150,13 @@
   <p:clrMapOvr>
     <a:masterClrMapping/>
   </p:clrMapOvr>
+  <p:timing>
+    <p:tnLst>
+      <p:par>
+        <p:cTn id="1" dur="indefinite" restart="never" nodeType="tmRoot"/>
+      </p:par>
+    </p:tnLst>
+  </p:timing>
 </p:sld>
 </file>
 
@@ -8091,22 +8193,30 @@
           <a:lstStyle/>
           <a:p>
             <a:r>
-              <a:rPr lang="pt-PT" b="1" dirty="0" smtClean="0"/>
+              <a:rPr lang="pt-PT" dirty="0" smtClean="0"/>
               <a:t>6. </a:t>
             </a:r>
             <a:r>
-              <a:rPr lang="pt-PT" b="1" dirty="0" err="1" smtClean="0"/>
-              <a:t>High-level</a:t>
-            </a:r>
-            <a:r>
-              <a:rPr lang="pt-PT" b="1" dirty="0" smtClean="0"/>
-              <a:t> </a:t>
-            </a:r>
-            <a:r>
-              <a:rPr lang="pt-PT" b="1" dirty="0" err="1" smtClean="0"/>
-              <a:t>recommendations</a:t>
-            </a:r>
-            <a:endParaRPr lang="en-US" b="1" dirty="0"/>
+              <a:rPr lang="pt-PT" dirty="0" err="1" smtClean="0"/>
+              <a:t>Models</a:t>
+            </a:r>
+            <a:r>
+              <a:rPr lang="pt-PT" dirty="0" smtClean="0"/>
+              <a:t> </a:t>
+            </a:r>
+            <a:r>
+              <a:rPr lang="pt-PT" dirty="0" err="1" smtClean="0"/>
+              <a:t>Produced</a:t>
+            </a:r>
+            <a:r>
+              <a:rPr lang="pt-PT" dirty="0" smtClean="0"/>
+              <a:t> – </a:t>
+            </a:r>
+            <a:r>
+              <a:rPr lang="pt-PT" dirty="0" err="1" smtClean="0"/>
+              <a:t>Conclusions</a:t>
+            </a:r>
+            <a:endParaRPr lang="en-US" dirty="0"/>
           </a:p>
         </p:txBody>
       </p:sp>
@@ -8125,7 +8235,1624 @@
           <a:bodyPr/>
           <a:lstStyle/>
           <a:p>
-            <a:endParaRPr lang="en-US"/>
+            <a:r>
+              <a:rPr lang="pt-PT" dirty="0" err="1" smtClean="0"/>
+              <a:t>We</a:t>
+            </a:r>
+            <a:r>
+              <a:rPr lang="pt-PT" dirty="0" smtClean="0"/>
+              <a:t> </a:t>
+            </a:r>
+            <a:r>
+              <a:rPr lang="pt-PT" dirty="0" err="1" smtClean="0"/>
+              <a:t>managed</a:t>
+            </a:r>
+            <a:r>
+              <a:rPr lang="pt-PT" dirty="0" smtClean="0"/>
+              <a:t> to </a:t>
+            </a:r>
+            <a:r>
+              <a:rPr lang="pt-PT" dirty="0" err="1" smtClean="0"/>
+              <a:t>develop</a:t>
+            </a:r>
+            <a:r>
+              <a:rPr lang="pt-PT" dirty="0" smtClean="0"/>
+              <a:t> a </a:t>
+            </a:r>
+            <a:r>
+              <a:rPr lang="pt-PT" dirty="0" err="1" smtClean="0"/>
+              <a:t>system</a:t>
+            </a:r>
+            <a:r>
+              <a:rPr lang="pt-PT" dirty="0" smtClean="0"/>
+              <a:t> </a:t>
+            </a:r>
+            <a:r>
+              <a:rPr lang="pt-PT" dirty="0" err="1" smtClean="0"/>
+              <a:t>of</a:t>
+            </a:r>
+            <a:r>
+              <a:rPr lang="pt-PT" dirty="0" smtClean="0"/>
+              <a:t> </a:t>
+            </a:r>
+            <a:r>
+              <a:rPr lang="pt-PT" dirty="0" err="1" smtClean="0"/>
+              <a:t>cascading</a:t>
+            </a:r>
+            <a:r>
+              <a:rPr lang="pt-PT" dirty="0" smtClean="0"/>
+              <a:t> </a:t>
+            </a:r>
+            <a:r>
+              <a:rPr lang="pt-PT" dirty="0" err="1" smtClean="0"/>
+              <a:t>models</a:t>
+            </a:r>
+            <a:r>
+              <a:rPr lang="pt-PT" dirty="0" smtClean="0"/>
+              <a:t> to </a:t>
+            </a:r>
+            <a:r>
+              <a:rPr lang="pt-PT" dirty="0" err="1" smtClean="0"/>
+              <a:t>forecast</a:t>
+            </a:r>
+            <a:r>
+              <a:rPr lang="pt-PT" dirty="0" smtClean="0"/>
+              <a:t> </a:t>
+            </a:r>
+            <a:r>
+              <a:rPr lang="pt-PT" dirty="0" err="1" smtClean="0"/>
+              <a:t>fairly</a:t>
+            </a:r>
+            <a:r>
+              <a:rPr lang="pt-PT" dirty="0" smtClean="0"/>
+              <a:t> </a:t>
+            </a:r>
+            <a:r>
+              <a:rPr lang="pt-PT" dirty="0" err="1" smtClean="0"/>
+              <a:t>accurately</a:t>
+            </a:r>
+            <a:r>
+              <a:rPr lang="pt-PT" dirty="0" smtClean="0"/>
+              <a:t> </a:t>
+            </a:r>
+            <a:r>
+              <a:rPr lang="pt-PT" dirty="0" err="1" smtClean="0"/>
+              <a:t>the</a:t>
+            </a:r>
+            <a:r>
+              <a:rPr lang="pt-PT" dirty="0" smtClean="0"/>
+              <a:t> </a:t>
+            </a:r>
+            <a:r>
+              <a:rPr lang="pt-PT" dirty="0" err="1" smtClean="0"/>
+              <a:t>position</a:t>
+            </a:r>
+            <a:r>
+              <a:rPr lang="pt-PT" dirty="0" smtClean="0"/>
+              <a:t> </a:t>
+            </a:r>
+            <a:r>
+              <a:rPr lang="pt-PT" dirty="0" err="1" smtClean="0"/>
+              <a:t>of</a:t>
+            </a:r>
+            <a:r>
+              <a:rPr lang="pt-PT" dirty="0" smtClean="0"/>
+              <a:t> </a:t>
+            </a:r>
+            <a:r>
+              <a:rPr lang="pt-PT" dirty="0" err="1" smtClean="0"/>
+              <a:t>each</a:t>
+            </a:r>
+            <a:r>
+              <a:rPr lang="pt-PT" dirty="0" smtClean="0"/>
+              <a:t> </a:t>
+            </a:r>
+            <a:r>
+              <a:rPr lang="pt-PT" dirty="0" err="1" smtClean="0"/>
+              <a:t>client</a:t>
+            </a:r>
+            <a:r>
+              <a:rPr lang="pt-PT" dirty="0" smtClean="0"/>
+              <a:t>, </a:t>
+            </a:r>
+            <a:r>
+              <a:rPr lang="pt-PT" dirty="0" err="1" smtClean="0"/>
+              <a:t>below</a:t>
+            </a:r>
+            <a:r>
+              <a:rPr lang="pt-PT" dirty="0" smtClean="0"/>
+              <a:t> </a:t>
+            </a:r>
+            <a:r>
+              <a:rPr lang="pt-PT" dirty="0" err="1" smtClean="0"/>
+              <a:t>follows</a:t>
+            </a:r>
+            <a:r>
+              <a:rPr lang="pt-PT" dirty="0" smtClean="0"/>
+              <a:t> a </a:t>
+            </a:r>
+            <a:r>
+              <a:rPr lang="pt-PT" dirty="0" err="1" smtClean="0"/>
+              <a:t>table</a:t>
+            </a:r>
+            <a:r>
+              <a:rPr lang="pt-PT" dirty="0" smtClean="0"/>
+              <a:t> </a:t>
+            </a:r>
+            <a:r>
+              <a:rPr lang="pt-PT" dirty="0" err="1" smtClean="0"/>
+              <a:t>containing</a:t>
+            </a:r>
+            <a:r>
+              <a:rPr lang="pt-PT" dirty="0" smtClean="0"/>
+              <a:t> </a:t>
+            </a:r>
+            <a:r>
+              <a:rPr lang="pt-PT" dirty="0" err="1" smtClean="0"/>
+              <a:t>further</a:t>
+            </a:r>
+            <a:r>
+              <a:rPr lang="pt-PT" dirty="0" smtClean="0"/>
+              <a:t> </a:t>
+            </a:r>
+            <a:r>
+              <a:rPr lang="pt-PT" dirty="0" err="1" smtClean="0"/>
+              <a:t>detail</a:t>
+            </a:r>
+            <a:r>
+              <a:rPr lang="pt-PT" dirty="0" smtClean="0"/>
+              <a:t> </a:t>
+            </a:r>
+            <a:r>
+              <a:rPr lang="pt-PT" dirty="0" err="1" smtClean="0"/>
+              <a:t>on</a:t>
+            </a:r>
+            <a:r>
+              <a:rPr lang="pt-PT" dirty="0" smtClean="0"/>
+              <a:t> </a:t>
+            </a:r>
+            <a:r>
+              <a:rPr lang="pt-PT" dirty="0" err="1" smtClean="0"/>
+              <a:t>the</a:t>
+            </a:r>
+            <a:r>
+              <a:rPr lang="pt-PT" dirty="0" smtClean="0"/>
+              <a:t> error:</a:t>
+            </a:r>
+            <a:endParaRPr lang="en-US" dirty="0"/>
+          </a:p>
+        </p:txBody>
+      </p:sp>
+      <p:graphicFrame>
+        <p:nvGraphicFramePr>
+          <p:cNvPr id="4" name="Table 3"/>
+          <p:cNvGraphicFramePr>
+            <a:graphicFrameLocks noGrp="1"/>
+          </p:cNvGraphicFramePr>
+          <p:nvPr>
+            <p:extLst>
+              <p:ext uri="{D42A27DB-BD31-4B8C-83A1-F6EECF244321}">
+                <p14:modId xmlns:p14="http://schemas.microsoft.com/office/powerpoint/2010/main" val="1023543911"/>
+              </p:ext>
+            </p:extLst>
+          </p:nvPr>
+        </p:nvGraphicFramePr>
+        <p:xfrm>
+          <a:off x="838200" y="3570442"/>
+          <a:ext cx="10515600" cy="2595880"/>
+        </p:xfrm>
+        <a:graphic>
+          <a:graphicData uri="http://schemas.openxmlformats.org/drawingml/2006/table">
+            <a:tbl>
+              <a:tblPr firstRow="1" bandRow="1">
+                <a:tableStyleId>{5C22544A-7EE6-4342-B048-85BDC9FD1C3A}</a:tableStyleId>
+              </a:tblPr>
+              <a:tblGrid>
+                <a:gridCol w="1314450"/>
+                <a:gridCol w="1314450"/>
+                <a:gridCol w="1314450"/>
+                <a:gridCol w="1314450"/>
+                <a:gridCol w="1314450"/>
+                <a:gridCol w="1314450"/>
+                <a:gridCol w="1314450"/>
+                <a:gridCol w="1314450"/>
+              </a:tblGrid>
+              <a:tr h="370840">
+                <a:tc>
+                  <a:txBody>
+                    <a:bodyPr/>
+                    <a:lstStyle/>
+                    <a:p>
+                      <a:pPr algn="ctr"/>
+                      <a:r>
+                        <a:rPr lang="pt-PT" dirty="0" err="1" smtClean="0"/>
+                        <a:t>Metric</a:t>
+                      </a:r>
+                      <a:endParaRPr lang="en-US" dirty="0"/>
+                    </a:p>
+                  </a:txBody>
+                  <a:tcPr/>
+                </a:tc>
+                <a:tc>
+                  <a:txBody>
+                    <a:bodyPr/>
+                    <a:lstStyle/>
+                    <a:p>
+                      <a:pPr algn="ctr"/>
+                      <a:r>
+                        <a:rPr lang="pt-PT" dirty="0" err="1" smtClean="0"/>
+                        <a:t>Model</a:t>
+                      </a:r>
+                      <a:endParaRPr lang="en-US" dirty="0"/>
+                    </a:p>
+                  </a:txBody>
+                  <a:tcPr/>
+                </a:tc>
+                <a:tc>
+                  <a:txBody>
+                    <a:bodyPr/>
+                    <a:lstStyle/>
+                    <a:p>
+                      <a:pPr algn="ctr"/>
+                      <a:r>
+                        <a:rPr lang="pt-PT" b="0" dirty="0" err="1" smtClean="0"/>
+                        <a:t>Minimum</a:t>
+                      </a:r>
+                      <a:endParaRPr lang="en-US" b="0" dirty="0"/>
+                    </a:p>
+                  </a:txBody>
+                  <a:tcPr/>
+                </a:tc>
+                <a:tc>
+                  <a:txBody>
+                    <a:bodyPr/>
+                    <a:lstStyle/>
+                    <a:p>
+                      <a:pPr algn="ctr"/>
+                      <a:r>
+                        <a:rPr lang="pt-PT" b="0" dirty="0" smtClean="0"/>
+                        <a:t>1st </a:t>
+                      </a:r>
+                      <a:r>
+                        <a:rPr lang="pt-PT" b="0" dirty="0" err="1" smtClean="0"/>
+                        <a:t>Quart</a:t>
+                      </a:r>
+                      <a:r>
+                        <a:rPr lang="pt-PT" b="0" dirty="0" smtClean="0"/>
+                        <a:t>.</a:t>
+                      </a:r>
+                      <a:endParaRPr lang="en-US" b="0" dirty="0"/>
+                    </a:p>
+                  </a:txBody>
+                  <a:tcPr/>
+                </a:tc>
+                <a:tc>
+                  <a:txBody>
+                    <a:bodyPr/>
+                    <a:lstStyle/>
+                    <a:p>
+                      <a:pPr algn="ctr"/>
+                      <a:r>
+                        <a:rPr lang="pt-PT" b="0" dirty="0" err="1" smtClean="0"/>
+                        <a:t>Median</a:t>
+                      </a:r>
+                      <a:endParaRPr lang="en-US" b="0" dirty="0"/>
+                    </a:p>
+                  </a:txBody>
+                  <a:tcPr/>
+                </a:tc>
+                <a:tc>
+                  <a:txBody>
+                    <a:bodyPr/>
+                    <a:lstStyle/>
+                    <a:p>
+                      <a:pPr algn="ctr"/>
+                      <a:r>
+                        <a:rPr lang="pt-PT" b="0" dirty="0" err="1" smtClean="0"/>
+                        <a:t>Mean</a:t>
+                      </a:r>
+                      <a:endParaRPr lang="en-US" b="0" dirty="0"/>
+                    </a:p>
+                  </a:txBody>
+                  <a:tcPr/>
+                </a:tc>
+                <a:tc>
+                  <a:txBody>
+                    <a:bodyPr/>
+                    <a:lstStyle/>
+                    <a:p>
+                      <a:pPr algn="ctr"/>
+                      <a:r>
+                        <a:rPr lang="pt-PT" b="0" dirty="0" smtClean="0"/>
+                        <a:t>3rd </a:t>
+                      </a:r>
+                      <a:r>
+                        <a:rPr lang="pt-PT" b="0" dirty="0" err="1" smtClean="0"/>
+                        <a:t>Quart</a:t>
+                      </a:r>
+                      <a:r>
+                        <a:rPr lang="pt-PT" b="0" dirty="0" smtClean="0"/>
+                        <a:t>.</a:t>
+                      </a:r>
+                      <a:endParaRPr lang="en-US" b="0" dirty="0"/>
+                    </a:p>
+                  </a:txBody>
+                  <a:tcPr/>
+                </a:tc>
+                <a:tc>
+                  <a:txBody>
+                    <a:bodyPr/>
+                    <a:lstStyle/>
+                    <a:p>
+                      <a:pPr algn="ctr"/>
+                      <a:r>
+                        <a:rPr lang="pt-PT" b="0" dirty="0" err="1" smtClean="0"/>
+                        <a:t>Maximum</a:t>
+                      </a:r>
+                      <a:endParaRPr lang="en-US" b="0" dirty="0"/>
+                    </a:p>
+                  </a:txBody>
+                  <a:tcPr/>
+                </a:tc>
+              </a:tr>
+              <a:tr h="370840">
+                <a:tc rowSpan="2">
+                  <a:txBody>
+                    <a:bodyPr/>
+                    <a:lstStyle/>
+                    <a:p>
+                      <a:pPr algn="ctr"/>
+                      <a:r>
+                        <a:rPr lang="pt-PT" dirty="0" smtClean="0"/>
+                        <a:t>MAE</a:t>
+                      </a:r>
+                      <a:endParaRPr lang="en-US" dirty="0"/>
+                    </a:p>
+                  </a:txBody>
+                  <a:tcPr anchor="ctr"/>
+                </a:tc>
+                <a:tc>
+                  <a:txBody>
+                    <a:bodyPr/>
+                    <a:lstStyle/>
+                    <a:p>
+                      <a:r>
+                        <a:rPr lang="pt-PT" dirty="0" smtClean="0"/>
+                        <a:t>Latitude</a:t>
+                      </a:r>
+                      <a:endParaRPr lang="en-US" dirty="0"/>
+                    </a:p>
+                  </a:txBody>
+                  <a:tcPr/>
+                </a:tc>
+                <a:tc>
+                  <a:txBody>
+                    <a:bodyPr/>
+                    <a:lstStyle/>
+                    <a:p>
+                      <a:r>
+                        <a:rPr lang="en-US" dirty="0" smtClean="0"/>
+                        <a:t>5.815849</a:t>
+                      </a:r>
+                      <a:endParaRPr lang="en-US" dirty="0"/>
+                    </a:p>
+                  </a:txBody>
+                  <a:tcPr/>
+                </a:tc>
+                <a:tc>
+                  <a:txBody>
+                    <a:bodyPr/>
+                    <a:lstStyle/>
+                    <a:p>
+                      <a:r>
+                        <a:rPr lang="en-US" dirty="0" smtClean="0"/>
+                        <a:t>5.918297 </a:t>
+                      </a:r>
+                      <a:endParaRPr lang="en-US" dirty="0"/>
+                    </a:p>
+                  </a:txBody>
+                  <a:tcPr/>
+                </a:tc>
+                <a:tc>
+                  <a:txBody>
+                    <a:bodyPr/>
+                    <a:lstStyle/>
+                    <a:p>
+                      <a:r>
+                        <a:rPr lang="en-US" dirty="0" smtClean="0"/>
+                        <a:t>6.020746 </a:t>
+                      </a:r>
+                      <a:endParaRPr lang="en-US" dirty="0"/>
+                    </a:p>
+                  </a:txBody>
+                  <a:tcPr/>
+                </a:tc>
+                <a:tc>
+                  <a:txBody>
+                    <a:bodyPr/>
+                    <a:lstStyle/>
+                    <a:p>
+                      <a:r>
+                        <a:rPr lang="en-US" dirty="0" smtClean="0"/>
+                        <a:t>5.975757 </a:t>
+                      </a:r>
+                      <a:endParaRPr lang="en-US" dirty="0"/>
+                    </a:p>
+                  </a:txBody>
+                  <a:tcPr/>
+                </a:tc>
+                <a:tc>
+                  <a:txBody>
+                    <a:bodyPr/>
+                    <a:lstStyle/>
+                    <a:p>
+                      <a:r>
+                        <a:rPr lang="en-US" dirty="0" smtClean="0"/>
+                        <a:t>6.055711 </a:t>
+                      </a:r>
+                      <a:endParaRPr lang="en-US" dirty="0"/>
+                    </a:p>
+                  </a:txBody>
+                  <a:tcPr/>
+                </a:tc>
+                <a:tc>
+                  <a:txBody>
+                    <a:bodyPr/>
+                    <a:lstStyle/>
+                    <a:p>
+                      <a:r>
+                        <a:rPr lang="en-US" dirty="0" smtClean="0"/>
+                        <a:t>6.090677 </a:t>
+                      </a:r>
+                      <a:endParaRPr lang="en-US" dirty="0"/>
+                    </a:p>
+                  </a:txBody>
+                  <a:tcPr/>
+                </a:tc>
+              </a:tr>
+              <a:tr h="370840">
+                <a:tc vMerge="1">
+                  <a:txBody>
+                    <a:bodyPr/>
+                    <a:lstStyle/>
+                    <a:p>
+                      <a:endParaRPr lang="en-US" dirty="0"/>
+                    </a:p>
+                  </a:txBody>
+                  <a:tcPr/>
+                </a:tc>
+                <a:tc>
+                  <a:txBody>
+                    <a:bodyPr/>
+                    <a:lstStyle/>
+                    <a:p>
+                      <a:r>
+                        <a:rPr lang="pt-PT" dirty="0" smtClean="0"/>
+                        <a:t>Longitude</a:t>
+                      </a:r>
+                      <a:endParaRPr lang="en-US" dirty="0"/>
+                    </a:p>
+                  </a:txBody>
+                  <a:tcPr/>
+                </a:tc>
+                <a:tc>
+                  <a:txBody>
+                    <a:bodyPr/>
+                    <a:lstStyle/>
+                    <a:p>
+                      <a:r>
+                        <a:rPr lang="en-US" dirty="0" smtClean="0"/>
+                        <a:t>6.766760</a:t>
+                      </a:r>
+                      <a:endParaRPr lang="en-US" dirty="0"/>
+                    </a:p>
+                  </a:txBody>
+                  <a:tcPr/>
+                </a:tc>
+                <a:tc>
+                  <a:txBody>
+                    <a:bodyPr/>
+                    <a:lstStyle/>
+                    <a:p>
+                      <a:r>
+                        <a:rPr lang="en-US" dirty="0" smtClean="0"/>
+                        <a:t>6.940455 </a:t>
+                      </a:r>
+                      <a:endParaRPr lang="en-US" dirty="0"/>
+                    </a:p>
+                  </a:txBody>
+                  <a:tcPr/>
+                </a:tc>
+                <a:tc>
+                  <a:txBody>
+                    <a:bodyPr/>
+                    <a:lstStyle/>
+                    <a:p>
+                      <a:r>
+                        <a:rPr lang="en-US" dirty="0" smtClean="0"/>
+                        <a:t>7.114151 </a:t>
+                      </a:r>
+                      <a:endParaRPr lang="en-US" dirty="0"/>
+                    </a:p>
+                  </a:txBody>
+                  <a:tcPr/>
+                </a:tc>
+                <a:tc>
+                  <a:txBody>
+                    <a:bodyPr/>
+                    <a:lstStyle/>
+                    <a:p>
+                      <a:r>
+                        <a:rPr lang="en-US" dirty="0" smtClean="0"/>
+                        <a:t>6.999710 </a:t>
+                      </a:r>
+                      <a:endParaRPr lang="en-US" dirty="0"/>
+                    </a:p>
+                  </a:txBody>
+                  <a:tcPr/>
+                </a:tc>
+                <a:tc>
+                  <a:txBody>
+                    <a:bodyPr/>
+                    <a:lstStyle/>
+                    <a:p>
+                      <a:r>
+                        <a:rPr lang="en-US" dirty="0" smtClean="0"/>
+                        <a:t>7.116185 </a:t>
+                      </a:r>
+                      <a:endParaRPr lang="en-US" dirty="0"/>
+                    </a:p>
+                  </a:txBody>
+                  <a:tcPr/>
+                </a:tc>
+                <a:tc>
+                  <a:txBody>
+                    <a:bodyPr/>
+                    <a:lstStyle/>
+                    <a:p>
+                      <a:r>
+                        <a:rPr lang="en-US" dirty="0" smtClean="0"/>
+                        <a:t>7.118220</a:t>
+                      </a:r>
+                      <a:endParaRPr lang="en-US" dirty="0"/>
+                    </a:p>
+                  </a:txBody>
+                  <a:tcPr/>
+                </a:tc>
+              </a:tr>
+              <a:tr h="370840">
+                <a:tc rowSpan="2">
+                  <a:txBody>
+                    <a:bodyPr/>
+                    <a:lstStyle/>
+                    <a:p>
+                      <a:pPr algn="ctr"/>
+                      <a:r>
+                        <a:rPr lang="pt-PT" dirty="0" smtClean="0"/>
+                        <a:t>RMSE</a:t>
+                      </a:r>
+                      <a:endParaRPr lang="en-US" dirty="0"/>
+                    </a:p>
+                  </a:txBody>
+                  <a:tcPr anchor="ctr"/>
+                </a:tc>
+                <a:tc>
+                  <a:txBody>
+                    <a:bodyPr/>
+                    <a:lstStyle/>
+                    <a:p>
+                      <a:r>
+                        <a:rPr lang="pt-PT" dirty="0" smtClean="0"/>
+                        <a:t>Latitude</a:t>
+                      </a:r>
+                      <a:endParaRPr lang="en-US" dirty="0"/>
+                    </a:p>
+                  </a:txBody>
+                  <a:tcPr/>
+                </a:tc>
+                <a:tc>
+                  <a:txBody>
+                    <a:bodyPr/>
+                    <a:lstStyle/>
+                    <a:p>
+                      <a:endParaRPr lang="en-US"/>
+                    </a:p>
+                  </a:txBody>
+                  <a:tcPr/>
+                </a:tc>
+                <a:tc>
+                  <a:txBody>
+                    <a:bodyPr/>
+                    <a:lstStyle/>
+                    <a:p>
+                      <a:endParaRPr lang="en-US"/>
+                    </a:p>
+                  </a:txBody>
+                  <a:tcPr/>
+                </a:tc>
+                <a:tc>
+                  <a:txBody>
+                    <a:bodyPr/>
+                    <a:lstStyle/>
+                    <a:p>
+                      <a:endParaRPr lang="en-US"/>
+                    </a:p>
+                  </a:txBody>
+                  <a:tcPr/>
+                </a:tc>
+                <a:tc>
+                  <a:txBody>
+                    <a:bodyPr/>
+                    <a:lstStyle/>
+                    <a:p>
+                      <a:endParaRPr lang="en-US" dirty="0"/>
+                    </a:p>
+                  </a:txBody>
+                  <a:tcPr/>
+                </a:tc>
+                <a:tc>
+                  <a:txBody>
+                    <a:bodyPr/>
+                    <a:lstStyle/>
+                    <a:p>
+                      <a:endParaRPr lang="en-US" dirty="0"/>
+                    </a:p>
+                  </a:txBody>
+                  <a:tcPr/>
+                </a:tc>
+                <a:tc>
+                  <a:txBody>
+                    <a:bodyPr/>
+                    <a:lstStyle/>
+                    <a:p>
+                      <a:endParaRPr lang="en-US"/>
+                    </a:p>
+                  </a:txBody>
+                  <a:tcPr/>
+                </a:tc>
+              </a:tr>
+              <a:tr h="370840">
+                <a:tc vMerge="1">
+                  <a:txBody>
+                    <a:bodyPr/>
+                    <a:lstStyle/>
+                    <a:p>
+                      <a:endParaRPr lang="en-US" dirty="0"/>
+                    </a:p>
+                  </a:txBody>
+                  <a:tcPr/>
+                </a:tc>
+                <a:tc>
+                  <a:txBody>
+                    <a:bodyPr/>
+                    <a:lstStyle/>
+                    <a:p>
+                      <a:r>
+                        <a:rPr lang="pt-PT" dirty="0" smtClean="0"/>
+                        <a:t>Longitude</a:t>
+                      </a:r>
+                      <a:endParaRPr lang="en-US" dirty="0"/>
+                    </a:p>
+                  </a:txBody>
+                  <a:tcPr/>
+                </a:tc>
+                <a:tc>
+                  <a:txBody>
+                    <a:bodyPr/>
+                    <a:lstStyle/>
+                    <a:p>
+                      <a:endParaRPr lang="en-US"/>
+                    </a:p>
+                  </a:txBody>
+                  <a:tcPr/>
+                </a:tc>
+                <a:tc>
+                  <a:txBody>
+                    <a:bodyPr/>
+                    <a:lstStyle/>
+                    <a:p>
+                      <a:endParaRPr lang="en-US"/>
+                    </a:p>
+                  </a:txBody>
+                  <a:tcPr/>
+                </a:tc>
+                <a:tc>
+                  <a:txBody>
+                    <a:bodyPr/>
+                    <a:lstStyle/>
+                    <a:p>
+                      <a:endParaRPr lang="en-US"/>
+                    </a:p>
+                  </a:txBody>
+                  <a:tcPr/>
+                </a:tc>
+                <a:tc>
+                  <a:txBody>
+                    <a:bodyPr/>
+                    <a:lstStyle/>
+                    <a:p>
+                      <a:endParaRPr lang="en-US"/>
+                    </a:p>
+                  </a:txBody>
+                  <a:tcPr/>
+                </a:tc>
+                <a:tc>
+                  <a:txBody>
+                    <a:bodyPr/>
+                    <a:lstStyle/>
+                    <a:p>
+                      <a:endParaRPr lang="en-US" dirty="0"/>
+                    </a:p>
+                  </a:txBody>
+                  <a:tcPr/>
+                </a:tc>
+                <a:tc>
+                  <a:txBody>
+                    <a:bodyPr/>
+                    <a:lstStyle/>
+                    <a:p>
+                      <a:endParaRPr lang="en-US" dirty="0"/>
+                    </a:p>
+                  </a:txBody>
+                  <a:tcPr/>
+                </a:tc>
+              </a:tr>
+              <a:tr h="370840">
+                <a:tc rowSpan="2">
+                  <a:txBody>
+                    <a:bodyPr/>
+                    <a:lstStyle/>
+                    <a:p>
+                      <a:pPr algn="ctr"/>
+                      <a:r>
+                        <a:rPr lang="pt-PT" dirty="0" smtClean="0"/>
+                        <a:t>R </a:t>
+                      </a:r>
+                      <a:r>
+                        <a:rPr lang="pt-PT" dirty="0" err="1" smtClean="0"/>
+                        <a:t>squared</a:t>
+                      </a:r>
+                      <a:endParaRPr lang="en-US" dirty="0"/>
+                    </a:p>
+                  </a:txBody>
+                  <a:tcPr anchor="ctr"/>
+                </a:tc>
+                <a:tc>
+                  <a:txBody>
+                    <a:bodyPr/>
+                    <a:lstStyle/>
+                    <a:p>
+                      <a:r>
+                        <a:rPr lang="pt-PT" dirty="0" smtClean="0"/>
+                        <a:t>Latitude</a:t>
+                      </a:r>
+                      <a:endParaRPr lang="en-US" dirty="0"/>
+                    </a:p>
+                  </a:txBody>
+                  <a:tcPr/>
+                </a:tc>
+                <a:tc>
+                  <a:txBody>
+                    <a:bodyPr/>
+                    <a:lstStyle/>
+                    <a:p>
+                      <a:endParaRPr lang="en-US"/>
+                    </a:p>
+                  </a:txBody>
+                  <a:tcPr/>
+                </a:tc>
+                <a:tc>
+                  <a:txBody>
+                    <a:bodyPr/>
+                    <a:lstStyle/>
+                    <a:p>
+                      <a:endParaRPr lang="en-US"/>
+                    </a:p>
+                  </a:txBody>
+                  <a:tcPr/>
+                </a:tc>
+                <a:tc>
+                  <a:txBody>
+                    <a:bodyPr/>
+                    <a:lstStyle/>
+                    <a:p>
+                      <a:endParaRPr lang="en-US"/>
+                    </a:p>
+                  </a:txBody>
+                  <a:tcPr/>
+                </a:tc>
+                <a:tc>
+                  <a:txBody>
+                    <a:bodyPr/>
+                    <a:lstStyle/>
+                    <a:p>
+                      <a:endParaRPr lang="en-US"/>
+                    </a:p>
+                  </a:txBody>
+                  <a:tcPr/>
+                </a:tc>
+                <a:tc>
+                  <a:txBody>
+                    <a:bodyPr/>
+                    <a:lstStyle/>
+                    <a:p>
+                      <a:endParaRPr lang="en-US"/>
+                    </a:p>
+                  </a:txBody>
+                  <a:tcPr/>
+                </a:tc>
+                <a:tc>
+                  <a:txBody>
+                    <a:bodyPr/>
+                    <a:lstStyle/>
+                    <a:p>
+                      <a:endParaRPr lang="en-US" dirty="0"/>
+                    </a:p>
+                  </a:txBody>
+                  <a:tcPr/>
+                </a:tc>
+              </a:tr>
+              <a:tr h="370840">
+                <a:tc vMerge="1">
+                  <a:txBody>
+                    <a:bodyPr/>
+                    <a:lstStyle/>
+                    <a:p>
+                      <a:endParaRPr lang="en-US" dirty="0"/>
+                    </a:p>
+                  </a:txBody>
+                  <a:tcPr/>
+                </a:tc>
+                <a:tc>
+                  <a:txBody>
+                    <a:bodyPr/>
+                    <a:lstStyle/>
+                    <a:p>
+                      <a:r>
+                        <a:rPr lang="pt-PT" dirty="0" smtClean="0"/>
+                        <a:t>Longitude</a:t>
+                      </a:r>
+                      <a:endParaRPr lang="en-US" dirty="0"/>
+                    </a:p>
+                  </a:txBody>
+                  <a:tcPr/>
+                </a:tc>
+                <a:tc>
+                  <a:txBody>
+                    <a:bodyPr/>
+                    <a:lstStyle/>
+                    <a:p>
+                      <a:endParaRPr lang="en-US"/>
+                    </a:p>
+                  </a:txBody>
+                  <a:tcPr/>
+                </a:tc>
+                <a:tc>
+                  <a:txBody>
+                    <a:bodyPr/>
+                    <a:lstStyle/>
+                    <a:p>
+                      <a:endParaRPr lang="en-US"/>
+                    </a:p>
+                  </a:txBody>
+                  <a:tcPr/>
+                </a:tc>
+                <a:tc>
+                  <a:txBody>
+                    <a:bodyPr/>
+                    <a:lstStyle/>
+                    <a:p>
+                      <a:endParaRPr lang="en-US"/>
+                    </a:p>
+                  </a:txBody>
+                  <a:tcPr/>
+                </a:tc>
+                <a:tc>
+                  <a:txBody>
+                    <a:bodyPr/>
+                    <a:lstStyle/>
+                    <a:p>
+                      <a:endParaRPr lang="en-US"/>
+                    </a:p>
+                  </a:txBody>
+                  <a:tcPr/>
+                </a:tc>
+                <a:tc>
+                  <a:txBody>
+                    <a:bodyPr/>
+                    <a:lstStyle/>
+                    <a:p>
+                      <a:endParaRPr lang="en-US"/>
+                    </a:p>
+                  </a:txBody>
+                  <a:tcPr/>
+                </a:tc>
+                <a:tc>
+                  <a:txBody>
+                    <a:bodyPr/>
+                    <a:lstStyle/>
+                    <a:p>
+                      <a:endParaRPr lang="en-US" dirty="0"/>
+                    </a:p>
+                  </a:txBody>
+                  <a:tcPr/>
+                </a:tc>
+              </a:tr>
+            </a:tbl>
+          </a:graphicData>
+        </a:graphic>
+      </p:graphicFrame>
+    </p:spTree>
+    <p:extLst>
+      <p:ext uri="{BB962C8B-B14F-4D97-AF65-F5344CB8AC3E}">
+        <p14:creationId xmlns:p14="http://schemas.microsoft.com/office/powerpoint/2010/main" val="3568869457"/>
+      </p:ext>
+    </p:extLst>
+  </p:cSld>
+  <p:clrMapOvr>
+    <a:masterClrMapping/>
+  </p:clrMapOvr>
+  <p:timing>
+    <p:tnLst>
+      <p:par>
+        <p:cTn id="1" dur="indefinite" restart="never" nodeType="tmRoot"/>
+      </p:par>
+    </p:tnLst>
+  </p:timing>
+</p:sld>
+</file>
+
+<file path=ppt/slides/slide14.xml><?xml version="1.0" encoding="utf-8"?>
+<p:sld xmlns:a="http://schemas.openxmlformats.org/drawingml/2006/main" xmlns:r="http://schemas.openxmlformats.org/officeDocument/2006/relationships" xmlns:p="http://schemas.openxmlformats.org/presentationml/2006/main">
+  <p:cSld>
+    <p:spTree>
+      <p:nvGrpSpPr>
+        <p:cNvPr id="1" name=""/>
+        <p:cNvGrpSpPr/>
+        <p:nvPr/>
+      </p:nvGrpSpPr>
+      <p:grpSpPr>
+        <a:xfrm>
+          <a:off x="0" y="0"/>
+          <a:ext cx="0" cy="0"/>
+          <a:chOff x="0" y="0"/>
+          <a:chExt cx="0" cy="0"/>
+        </a:xfrm>
+      </p:grpSpPr>
+      <p:sp>
+        <p:nvSpPr>
+          <p:cNvPr id="2" name="Title 1"/>
+          <p:cNvSpPr>
+            <a:spLocks noGrp="1"/>
+          </p:cNvSpPr>
+          <p:nvPr>
+            <p:ph type="title"/>
+          </p:nvPr>
+        </p:nvSpPr>
+        <p:spPr/>
+        <p:txBody>
+          <a:bodyPr/>
+          <a:lstStyle/>
+          <a:p>
+            <a:r>
+              <a:rPr lang="pt-PT" b="1" dirty="0" smtClean="0"/>
+              <a:t>6. </a:t>
+            </a:r>
+            <a:r>
+              <a:rPr lang="pt-PT" b="1" dirty="0" err="1" smtClean="0"/>
+              <a:t>High-level</a:t>
+            </a:r>
+            <a:r>
+              <a:rPr lang="pt-PT" b="1" dirty="0" smtClean="0"/>
+              <a:t> </a:t>
+            </a:r>
+            <a:r>
+              <a:rPr lang="pt-PT" b="1" dirty="0" err="1" smtClean="0"/>
+              <a:t>recommendations</a:t>
+            </a:r>
+            <a:endParaRPr lang="en-US" b="1" dirty="0"/>
+          </a:p>
+        </p:txBody>
+      </p:sp>
+      <p:sp>
+        <p:nvSpPr>
+          <p:cNvPr id="3" name="Content Placeholder 2"/>
+          <p:cNvSpPr>
+            <a:spLocks noGrp="1"/>
+          </p:cNvSpPr>
+          <p:nvPr>
+            <p:ph idx="1"/>
+          </p:nvPr>
+        </p:nvSpPr>
+        <p:spPr/>
+        <p:txBody>
+          <a:bodyPr/>
+          <a:lstStyle/>
+          <a:p>
+            <a:r>
+              <a:rPr lang="pt-PT" dirty="0" smtClean="0"/>
+              <a:t>As </a:t>
+            </a:r>
+            <a:r>
+              <a:rPr lang="pt-PT" dirty="0" err="1" smtClean="0"/>
+              <a:t>mentioned</a:t>
+            </a:r>
+            <a:r>
+              <a:rPr lang="pt-PT" dirty="0" smtClean="0"/>
+              <a:t> </a:t>
+            </a:r>
+            <a:r>
+              <a:rPr lang="pt-PT" dirty="0" err="1" smtClean="0"/>
+              <a:t>previously</a:t>
+            </a:r>
+            <a:r>
+              <a:rPr lang="pt-PT" dirty="0" smtClean="0"/>
+              <a:t>, </a:t>
+            </a:r>
+            <a:r>
+              <a:rPr lang="pt-PT" dirty="0" err="1" smtClean="0"/>
+              <a:t>the</a:t>
+            </a:r>
+            <a:r>
+              <a:rPr lang="pt-PT" dirty="0" smtClean="0"/>
+              <a:t> </a:t>
+            </a:r>
+            <a:r>
+              <a:rPr lang="pt-PT" dirty="0" err="1" smtClean="0"/>
+              <a:t>best</a:t>
+            </a:r>
+            <a:r>
+              <a:rPr lang="pt-PT" dirty="0" smtClean="0"/>
+              <a:t> </a:t>
+            </a:r>
+            <a:r>
+              <a:rPr lang="pt-PT" dirty="0" err="1" smtClean="0"/>
+              <a:t>models</a:t>
+            </a:r>
+            <a:r>
+              <a:rPr lang="pt-PT" dirty="0" smtClean="0"/>
+              <a:t> </a:t>
+            </a:r>
+            <a:r>
+              <a:rPr lang="pt-PT" dirty="0" err="1" smtClean="0"/>
+              <a:t>used</a:t>
+            </a:r>
+            <a:r>
+              <a:rPr lang="pt-PT" dirty="0" smtClean="0"/>
+              <a:t> </a:t>
+            </a:r>
+            <a:r>
+              <a:rPr lang="pt-PT" dirty="0" err="1" smtClean="0"/>
+              <a:t>at</a:t>
+            </a:r>
+            <a:r>
+              <a:rPr lang="pt-PT" dirty="0" smtClean="0"/>
+              <a:t> </a:t>
+            </a:r>
+            <a:r>
+              <a:rPr lang="pt-PT" dirty="0" err="1" smtClean="0"/>
+              <a:t>most</a:t>
+            </a:r>
+            <a:r>
+              <a:rPr lang="pt-PT" dirty="0" smtClean="0"/>
+              <a:t> 250 </a:t>
+            </a:r>
+            <a:r>
+              <a:rPr lang="pt-PT" dirty="0" err="1" smtClean="0"/>
+              <a:t>features</a:t>
+            </a:r>
+            <a:r>
+              <a:rPr lang="pt-PT" dirty="0" smtClean="0"/>
+              <a:t> in </a:t>
+            </a:r>
+            <a:r>
+              <a:rPr lang="pt-PT" dirty="0" err="1" smtClean="0"/>
+              <a:t>order</a:t>
+            </a:r>
+            <a:r>
+              <a:rPr lang="pt-PT" dirty="0" smtClean="0"/>
+              <a:t> to </a:t>
+            </a:r>
+            <a:r>
+              <a:rPr lang="pt-PT" dirty="0" err="1" smtClean="0"/>
+              <a:t>reduce</a:t>
+            </a:r>
+            <a:r>
+              <a:rPr lang="pt-PT" dirty="0" smtClean="0"/>
+              <a:t> </a:t>
+            </a:r>
+            <a:r>
+              <a:rPr lang="pt-PT" dirty="0" err="1" smtClean="0"/>
+              <a:t>the</a:t>
+            </a:r>
+            <a:r>
+              <a:rPr lang="pt-PT" dirty="0" smtClean="0"/>
+              <a:t> </a:t>
+            </a:r>
+            <a:r>
+              <a:rPr lang="pt-PT" dirty="0" err="1" smtClean="0"/>
+              <a:t>complexity</a:t>
+            </a:r>
+            <a:r>
+              <a:rPr lang="pt-PT" dirty="0" smtClean="0"/>
+              <a:t> </a:t>
+            </a:r>
+            <a:r>
+              <a:rPr lang="pt-PT" dirty="0" err="1" smtClean="0"/>
+              <a:t>and</a:t>
+            </a:r>
+            <a:r>
+              <a:rPr lang="pt-PT" dirty="0" smtClean="0"/>
+              <a:t> improve </a:t>
+            </a:r>
+            <a:r>
+              <a:rPr lang="pt-PT" dirty="0" err="1" smtClean="0"/>
+              <a:t>the</a:t>
+            </a:r>
+            <a:r>
+              <a:rPr lang="pt-PT" dirty="0" smtClean="0"/>
+              <a:t> </a:t>
+            </a:r>
+            <a:r>
+              <a:rPr lang="pt-PT" dirty="0" err="1" smtClean="0"/>
+              <a:t>robustness</a:t>
+            </a:r>
+            <a:r>
+              <a:rPr lang="pt-PT" dirty="0" smtClean="0"/>
+              <a:t> </a:t>
+            </a:r>
+            <a:r>
+              <a:rPr lang="pt-PT" dirty="0" err="1" smtClean="0"/>
+              <a:t>of</a:t>
+            </a:r>
+            <a:r>
+              <a:rPr lang="pt-PT" dirty="0" smtClean="0"/>
+              <a:t> </a:t>
+            </a:r>
+            <a:r>
+              <a:rPr lang="pt-PT" dirty="0" err="1" smtClean="0"/>
+              <a:t>each</a:t>
+            </a:r>
+            <a:r>
+              <a:rPr lang="pt-PT" dirty="0" smtClean="0"/>
+              <a:t> </a:t>
+            </a:r>
+            <a:r>
+              <a:rPr lang="pt-PT" dirty="0" err="1" smtClean="0"/>
+              <a:t>outcome</a:t>
+            </a:r>
+            <a:r>
+              <a:rPr lang="pt-PT" dirty="0" smtClean="0"/>
+              <a:t>. </a:t>
+            </a:r>
+            <a:r>
+              <a:rPr lang="pt-PT" dirty="0" err="1" smtClean="0"/>
+              <a:t>Therefore</a:t>
+            </a:r>
+            <a:r>
+              <a:rPr lang="pt-PT" dirty="0" smtClean="0"/>
+              <a:t>, </a:t>
+            </a:r>
+            <a:r>
+              <a:rPr lang="pt-PT" dirty="0" err="1" smtClean="0"/>
+              <a:t>if</a:t>
+            </a:r>
+            <a:r>
+              <a:rPr lang="pt-PT" dirty="0" smtClean="0"/>
+              <a:t> </a:t>
+            </a:r>
+            <a:r>
+              <a:rPr lang="pt-PT" dirty="0" err="1" smtClean="0"/>
+              <a:t>the</a:t>
+            </a:r>
+            <a:r>
+              <a:rPr lang="pt-PT" dirty="0" smtClean="0"/>
+              <a:t> sole </a:t>
+            </a:r>
+            <a:r>
+              <a:rPr lang="pt-PT" dirty="0" err="1" smtClean="0"/>
+              <a:t>purpose</a:t>
+            </a:r>
+            <a:r>
+              <a:rPr lang="pt-PT" dirty="0" smtClean="0"/>
+              <a:t> </a:t>
+            </a:r>
+            <a:r>
+              <a:rPr lang="pt-PT" dirty="0" err="1" smtClean="0"/>
+              <a:t>of</a:t>
+            </a:r>
+            <a:r>
+              <a:rPr lang="pt-PT" dirty="0" smtClean="0"/>
+              <a:t> </a:t>
+            </a:r>
+            <a:r>
+              <a:rPr lang="pt-PT" dirty="0" err="1" smtClean="0"/>
+              <a:t>these</a:t>
+            </a:r>
+            <a:r>
+              <a:rPr lang="pt-PT" dirty="0" smtClean="0"/>
+              <a:t> </a:t>
+            </a:r>
+            <a:r>
+              <a:rPr lang="pt-PT" dirty="0" err="1" smtClean="0"/>
+              <a:t>WAPs</a:t>
+            </a:r>
+            <a:r>
+              <a:rPr lang="pt-PT" dirty="0" smtClean="0"/>
+              <a:t> </a:t>
+            </a:r>
+            <a:r>
+              <a:rPr lang="pt-PT" dirty="0" err="1" smtClean="0"/>
+              <a:t>is</a:t>
+            </a:r>
+            <a:r>
+              <a:rPr lang="pt-PT" dirty="0" smtClean="0"/>
+              <a:t> to </a:t>
+            </a:r>
+            <a:r>
+              <a:rPr lang="pt-PT" dirty="0" err="1" smtClean="0"/>
+              <a:t>locate</a:t>
+            </a:r>
+            <a:r>
+              <a:rPr lang="pt-PT" dirty="0" smtClean="0"/>
+              <a:t> clientes, </a:t>
+            </a:r>
+            <a:r>
+              <a:rPr lang="pt-PT" dirty="0" err="1" smtClean="0"/>
+              <a:t>many</a:t>
+            </a:r>
+            <a:r>
+              <a:rPr lang="pt-PT" dirty="0" smtClean="0"/>
+              <a:t> </a:t>
+            </a:r>
+            <a:r>
+              <a:rPr lang="pt-PT" dirty="0" err="1" smtClean="0"/>
+              <a:t>of</a:t>
+            </a:r>
+            <a:r>
+              <a:rPr lang="pt-PT" dirty="0" smtClean="0"/>
+              <a:t> </a:t>
+            </a:r>
+            <a:r>
+              <a:rPr lang="pt-PT" dirty="0" err="1" smtClean="0"/>
+              <a:t>them</a:t>
+            </a:r>
+            <a:r>
+              <a:rPr lang="pt-PT" dirty="0" smtClean="0"/>
+              <a:t> </a:t>
+            </a:r>
+            <a:r>
+              <a:rPr lang="pt-PT" dirty="0" err="1" smtClean="0"/>
+              <a:t>could</a:t>
+            </a:r>
+            <a:r>
+              <a:rPr lang="pt-PT" dirty="0" smtClean="0"/>
+              <a:t> </a:t>
+            </a:r>
+            <a:r>
+              <a:rPr lang="pt-PT" dirty="0" err="1" smtClean="0"/>
+              <a:t>be</a:t>
+            </a:r>
+            <a:r>
+              <a:rPr lang="pt-PT" dirty="0" smtClean="0"/>
+              <a:t> </a:t>
+            </a:r>
+            <a:r>
+              <a:rPr lang="pt-PT" dirty="0" err="1" smtClean="0"/>
+              <a:t>replaced</a:t>
+            </a:r>
+            <a:r>
+              <a:rPr lang="pt-PT" dirty="0" smtClean="0"/>
+              <a:t> </a:t>
+            </a:r>
+            <a:r>
+              <a:rPr lang="pt-PT" dirty="0" err="1" smtClean="0"/>
+              <a:t>or</a:t>
+            </a:r>
+            <a:r>
+              <a:rPr lang="pt-PT" dirty="0" smtClean="0"/>
+              <a:t> </a:t>
+            </a:r>
+            <a:r>
+              <a:rPr lang="pt-PT" dirty="0" err="1" smtClean="0"/>
+              <a:t>even</a:t>
+            </a:r>
+            <a:r>
+              <a:rPr lang="pt-PT" dirty="0" smtClean="0"/>
+              <a:t> </a:t>
+            </a:r>
+            <a:r>
+              <a:rPr lang="pt-PT" dirty="0" err="1" smtClean="0"/>
+              <a:t>removed</a:t>
+            </a:r>
+            <a:r>
+              <a:rPr lang="pt-PT" dirty="0" smtClean="0"/>
+              <a:t> to </a:t>
+            </a:r>
+            <a:r>
+              <a:rPr lang="pt-PT" dirty="0" err="1" smtClean="0"/>
+              <a:t>reduce</a:t>
+            </a:r>
+            <a:r>
+              <a:rPr lang="pt-PT" dirty="0" smtClean="0"/>
+              <a:t> </a:t>
+            </a:r>
+            <a:r>
+              <a:rPr lang="pt-PT" dirty="0" err="1" smtClean="0"/>
+              <a:t>operational</a:t>
+            </a:r>
+            <a:r>
+              <a:rPr lang="pt-PT" dirty="0" smtClean="0"/>
+              <a:t> </a:t>
+            </a:r>
+            <a:r>
+              <a:rPr lang="pt-PT" dirty="0" err="1" smtClean="0"/>
+              <a:t>costs</a:t>
+            </a:r>
+            <a:r>
+              <a:rPr lang="pt-PT" dirty="0" smtClean="0"/>
+              <a:t>.</a:t>
+            </a:r>
+            <a:endParaRPr lang="pt-PT" dirty="0" smtClean="0"/>
+          </a:p>
+          <a:p>
+            <a:r>
+              <a:rPr lang="pt-PT" dirty="0" err="1" smtClean="0"/>
+              <a:t>Relative</a:t>
+            </a:r>
+            <a:r>
+              <a:rPr lang="pt-PT" dirty="0" smtClean="0"/>
+              <a:t> </a:t>
+            </a:r>
+            <a:r>
+              <a:rPr lang="pt-PT" dirty="0" err="1" smtClean="0"/>
+              <a:t>Position</a:t>
+            </a:r>
+            <a:r>
+              <a:rPr lang="pt-PT" dirty="0" smtClean="0"/>
+              <a:t> </a:t>
+            </a:r>
+            <a:r>
+              <a:rPr lang="pt-PT" dirty="0" err="1" smtClean="0"/>
+              <a:t>has</a:t>
+            </a:r>
+            <a:r>
+              <a:rPr lang="pt-PT" dirty="0" smtClean="0"/>
+              <a:t> </a:t>
+            </a:r>
+            <a:r>
+              <a:rPr lang="pt-PT" dirty="0" err="1" smtClean="0"/>
+              <a:t>the</a:t>
+            </a:r>
+            <a:r>
+              <a:rPr lang="pt-PT" dirty="0" smtClean="0"/>
+              <a:t> </a:t>
+            </a:r>
+            <a:r>
+              <a:rPr lang="pt-PT" dirty="0" err="1" smtClean="0"/>
+              <a:t>lowest</a:t>
+            </a:r>
+            <a:r>
+              <a:rPr lang="pt-PT" dirty="0" smtClean="0"/>
+              <a:t> </a:t>
+            </a:r>
+            <a:r>
+              <a:rPr lang="pt-PT" dirty="0" err="1" smtClean="0"/>
+              <a:t>accuracy</a:t>
+            </a:r>
+            <a:r>
+              <a:rPr lang="pt-PT" dirty="0" smtClean="0"/>
+              <a:t> </a:t>
+            </a:r>
+            <a:r>
+              <a:rPr lang="pt-PT" dirty="0" err="1" smtClean="0"/>
+              <a:t>and</a:t>
+            </a:r>
+            <a:r>
+              <a:rPr lang="pt-PT" dirty="0" smtClean="0"/>
+              <a:t> </a:t>
+            </a:r>
+            <a:r>
+              <a:rPr lang="pt-PT" dirty="0" err="1" smtClean="0"/>
+              <a:t>kappa</a:t>
+            </a:r>
+            <a:r>
+              <a:rPr lang="pt-PT" dirty="0" smtClean="0"/>
+              <a:t> out </a:t>
+            </a:r>
+            <a:r>
+              <a:rPr lang="pt-PT" dirty="0" err="1" smtClean="0"/>
+              <a:t>of</a:t>
+            </a:r>
+            <a:r>
+              <a:rPr lang="pt-PT" dirty="0" smtClean="0"/>
+              <a:t> </a:t>
+            </a:r>
+            <a:r>
+              <a:rPr lang="pt-PT" dirty="0" err="1" smtClean="0"/>
+              <a:t>the</a:t>
+            </a:r>
+            <a:r>
+              <a:rPr lang="pt-PT" dirty="0" smtClean="0"/>
+              <a:t> </a:t>
+            </a:r>
+            <a:r>
+              <a:rPr lang="pt-PT" dirty="0" err="1" smtClean="0"/>
+              <a:t>categorical</a:t>
+            </a:r>
+            <a:r>
+              <a:rPr lang="pt-PT" dirty="0" smtClean="0"/>
+              <a:t> </a:t>
+            </a:r>
+            <a:r>
+              <a:rPr lang="pt-PT" dirty="0" err="1" smtClean="0"/>
+              <a:t>features</a:t>
+            </a:r>
+            <a:r>
+              <a:rPr lang="pt-PT" dirty="0" smtClean="0"/>
+              <a:t>. </a:t>
+            </a:r>
+            <a:r>
+              <a:rPr lang="pt-PT" dirty="0" err="1" smtClean="0"/>
+              <a:t>WAPs</a:t>
+            </a:r>
+            <a:r>
+              <a:rPr lang="pt-PT" dirty="0" smtClean="0"/>
+              <a:t> </a:t>
+            </a:r>
+            <a:r>
+              <a:rPr lang="pt-PT" dirty="0" err="1" smtClean="0"/>
+              <a:t>that</a:t>
+            </a:r>
+            <a:r>
+              <a:rPr lang="pt-PT" dirty="0" smtClean="0"/>
+              <a:t> </a:t>
+            </a:r>
+            <a:r>
+              <a:rPr lang="pt-PT" dirty="0" err="1" smtClean="0"/>
+              <a:t>have</a:t>
+            </a:r>
+            <a:r>
+              <a:rPr lang="pt-PT" dirty="0" smtClean="0"/>
+              <a:t> </a:t>
+            </a:r>
+            <a:r>
+              <a:rPr lang="pt-PT" dirty="0" err="1" smtClean="0"/>
+              <a:t>not</a:t>
+            </a:r>
+            <a:r>
+              <a:rPr lang="pt-PT" dirty="0" smtClean="0"/>
+              <a:t> </a:t>
+            </a:r>
+            <a:r>
+              <a:rPr lang="pt-PT" dirty="0" err="1" smtClean="0"/>
+              <a:t>be</a:t>
+            </a:r>
+            <a:r>
+              <a:rPr lang="pt-PT" dirty="0" smtClean="0"/>
+              <a:t> </a:t>
+            </a:r>
+            <a:r>
+              <a:rPr lang="pt-PT" dirty="0" err="1" smtClean="0"/>
+              <a:t>utilized</a:t>
+            </a:r>
+            <a:r>
+              <a:rPr lang="pt-PT" dirty="0" smtClean="0"/>
+              <a:t> in </a:t>
+            </a:r>
+            <a:r>
+              <a:rPr lang="pt-PT" dirty="0" err="1" smtClean="0"/>
+              <a:t>any</a:t>
+            </a:r>
+            <a:r>
+              <a:rPr lang="pt-PT" dirty="0" smtClean="0"/>
+              <a:t> </a:t>
+            </a:r>
+            <a:r>
+              <a:rPr lang="pt-PT" dirty="0" err="1" smtClean="0"/>
+              <a:t>of</a:t>
+            </a:r>
+            <a:r>
+              <a:rPr lang="pt-PT" dirty="0" smtClean="0"/>
+              <a:t> </a:t>
+            </a:r>
+            <a:r>
+              <a:rPr lang="pt-PT" dirty="0" err="1" smtClean="0"/>
+              <a:t>the</a:t>
+            </a:r>
+            <a:r>
+              <a:rPr lang="pt-PT" dirty="0" smtClean="0"/>
+              <a:t> </a:t>
+            </a:r>
+            <a:r>
+              <a:rPr lang="pt-PT" dirty="0" err="1" smtClean="0"/>
+              <a:t>models</a:t>
+            </a:r>
+            <a:r>
+              <a:rPr lang="pt-PT" dirty="0" smtClean="0"/>
+              <a:t>, </a:t>
+            </a:r>
+            <a:r>
+              <a:rPr lang="pt-PT" dirty="0" err="1" smtClean="0"/>
+              <a:t>could</a:t>
+            </a:r>
+            <a:r>
+              <a:rPr lang="pt-PT" dirty="0" smtClean="0"/>
+              <a:t> </a:t>
+            </a:r>
+            <a:r>
+              <a:rPr lang="pt-PT" dirty="0" err="1" smtClean="0"/>
+              <a:t>be</a:t>
+            </a:r>
+            <a:r>
+              <a:rPr lang="pt-PT" dirty="0" smtClean="0"/>
+              <a:t> </a:t>
+            </a:r>
+            <a:r>
+              <a:rPr lang="pt-PT" dirty="0" err="1" smtClean="0"/>
+              <a:t>changed</a:t>
+            </a:r>
+            <a:r>
+              <a:rPr lang="pt-PT" dirty="0" smtClean="0"/>
+              <a:t> </a:t>
+            </a:r>
+            <a:r>
+              <a:rPr lang="pt-PT" dirty="0" err="1" smtClean="0"/>
+              <a:t>into</a:t>
+            </a:r>
+            <a:r>
+              <a:rPr lang="pt-PT" dirty="0" smtClean="0"/>
+              <a:t> </a:t>
+            </a:r>
+            <a:r>
+              <a:rPr lang="pt-PT" dirty="0" err="1" smtClean="0"/>
+              <a:t>strategic</a:t>
+            </a:r>
+            <a:r>
+              <a:rPr lang="pt-PT" dirty="0" smtClean="0"/>
+              <a:t> </a:t>
+            </a:r>
+            <a:r>
+              <a:rPr lang="pt-PT" dirty="0" err="1" smtClean="0"/>
+              <a:t>places</a:t>
+            </a:r>
+            <a:r>
+              <a:rPr lang="pt-PT" dirty="0" smtClean="0"/>
+              <a:t> to </a:t>
+            </a:r>
+            <a:r>
+              <a:rPr lang="pt-PT" dirty="0" err="1" smtClean="0"/>
+              <a:t>aid</a:t>
+            </a:r>
+            <a:r>
+              <a:rPr lang="pt-PT" dirty="0" smtClean="0"/>
+              <a:t> in </a:t>
+            </a:r>
+            <a:r>
+              <a:rPr lang="pt-PT" dirty="0" err="1" smtClean="0"/>
+              <a:t>forecasting</a:t>
+            </a:r>
+            <a:r>
+              <a:rPr lang="pt-PT" dirty="0" smtClean="0"/>
+              <a:t> </a:t>
+            </a:r>
+            <a:r>
+              <a:rPr lang="pt-PT" dirty="0" err="1" smtClean="0"/>
+              <a:t>this</a:t>
+            </a:r>
+            <a:r>
+              <a:rPr lang="pt-PT" dirty="0" smtClean="0"/>
+              <a:t> </a:t>
+            </a:r>
+            <a:r>
+              <a:rPr lang="pt-PT" dirty="0" err="1" smtClean="0"/>
+              <a:t>feature</a:t>
+            </a:r>
+            <a:r>
+              <a:rPr lang="pt-PT" dirty="0"/>
+              <a:t>;</a:t>
+            </a:r>
+            <a:endParaRPr lang="en-US" dirty="0"/>
           </a:p>
         </p:txBody>
       </p:sp>

--- a/Task3/Task3_ppt.pptx
+++ b/Task3/Task3_ppt.pptx
@@ -18,10 +18,11 @@
     <p:sldId id="294" r:id="rId12"/>
     <p:sldId id="299" r:id="rId13"/>
     <p:sldId id="300" r:id="rId14"/>
-    <p:sldId id="301" r:id="rId15"/>
-    <p:sldId id="302" r:id="rId16"/>
+    <p:sldId id="302" r:id="rId15"/>
+    <p:sldId id="301" r:id="rId16"/>
     <p:sldId id="303" r:id="rId17"/>
-    <p:sldId id="293" r:id="rId18"/>
+    <p:sldId id="304" r:id="rId18"/>
+    <p:sldId id="305" r:id="rId19"/>
   </p:sldIdLst>
   <p:sldSz cx="12192000" cy="6858000"/>
   <p:notesSz cx="6858000" cy="9144000"/>
@@ -150,7 +151,7 @@
           <p:cNvPr id="8" name="Picture Placeholder 7">
             <a:extLst>
               <a:ext uri="{FF2B5EF4-FFF2-40B4-BE49-F238E27FC236}">
-                <a16:creationId xmlns:a16="http://schemas.microsoft.com/office/drawing/2014/main" xmlns="" id="{DF9C7667-EADA-40AC-B931-4642E0A9A4DE}"/>
+                <a16:creationId xmlns="" xmlns:a16="http://schemas.microsoft.com/office/drawing/2014/main" id="{DF9C7667-EADA-40AC-B931-4642E0A9A4DE}"/>
               </a:ext>
             </a:extLst>
           </p:cNvPr>
@@ -202,7 +203,7 @@
           <p:cNvPr id="2" name="Title 1">
             <a:extLst>
               <a:ext uri="{FF2B5EF4-FFF2-40B4-BE49-F238E27FC236}">
-                <a16:creationId xmlns:a16="http://schemas.microsoft.com/office/drawing/2014/main" xmlns="" id="{43379CA9-81D6-424A-8046-4B56E1D25059}"/>
+                <a16:creationId xmlns="" xmlns:a16="http://schemas.microsoft.com/office/drawing/2014/main" id="{43379CA9-81D6-424A-8046-4B56E1D25059}"/>
               </a:ext>
             </a:extLst>
           </p:cNvPr>
@@ -279,7 +280,7 @@
           <p:cNvPr id="2" name="Title 1">
             <a:extLst>
               <a:ext uri="{FF2B5EF4-FFF2-40B4-BE49-F238E27FC236}">
-                <a16:creationId xmlns:a16="http://schemas.microsoft.com/office/drawing/2014/main" xmlns="" id="{43379CA9-81D6-424A-8046-4B56E1D25059}"/>
+                <a16:creationId xmlns="" xmlns:a16="http://schemas.microsoft.com/office/drawing/2014/main" id="{43379CA9-81D6-424A-8046-4B56E1D25059}"/>
               </a:ext>
             </a:extLst>
           </p:cNvPr>
@@ -321,7 +322,7 @@
           <p:cNvPr id="9" name="Picture Placeholder 8">
             <a:extLst>
               <a:ext uri="{FF2B5EF4-FFF2-40B4-BE49-F238E27FC236}">
-                <a16:creationId xmlns:a16="http://schemas.microsoft.com/office/drawing/2014/main" xmlns="" id="{B2F51F73-5064-47F8-83FD-440E0ED1950B}"/>
+                <a16:creationId xmlns="" xmlns:a16="http://schemas.microsoft.com/office/drawing/2014/main" id="{B2F51F73-5064-47F8-83FD-440E0ED1950B}"/>
               </a:ext>
             </a:extLst>
           </p:cNvPr>
@@ -362,7 +363,7 @@
           <p:cNvPr id="18" name="Picture Placeholder 8">
             <a:extLst>
               <a:ext uri="{FF2B5EF4-FFF2-40B4-BE49-F238E27FC236}">
-                <a16:creationId xmlns:a16="http://schemas.microsoft.com/office/drawing/2014/main" xmlns="" id="{06FF689A-8221-42E8-96D4-ED4D3AD501F8}"/>
+                <a16:creationId xmlns="" xmlns:a16="http://schemas.microsoft.com/office/drawing/2014/main" id="{06FF689A-8221-42E8-96D4-ED4D3AD501F8}"/>
               </a:ext>
             </a:extLst>
           </p:cNvPr>
@@ -403,7 +404,7 @@
           <p:cNvPr id="19" name="Picture Placeholder 8">
             <a:extLst>
               <a:ext uri="{FF2B5EF4-FFF2-40B4-BE49-F238E27FC236}">
-                <a16:creationId xmlns:a16="http://schemas.microsoft.com/office/drawing/2014/main" xmlns="" id="{96424DB2-4D46-493F-A5B8-8901EDA394F2}"/>
+                <a16:creationId xmlns="" xmlns:a16="http://schemas.microsoft.com/office/drawing/2014/main" id="{96424DB2-4D46-493F-A5B8-8901EDA394F2}"/>
               </a:ext>
             </a:extLst>
           </p:cNvPr>
@@ -444,7 +445,7 @@
           <p:cNvPr id="20" name="Picture Placeholder 8">
             <a:extLst>
               <a:ext uri="{FF2B5EF4-FFF2-40B4-BE49-F238E27FC236}">
-                <a16:creationId xmlns:a16="http://schemas.microsoft.com/office/drawing/2014/main" xmlns="" id="{0AF2B6E1-5738-41B1-8C15-EA6715490140}"/>
+                <a16:creationId xmlns="" xmlns:a16="http://schemas.microsoft.com/office/drawing/2014/main" id="{0AF2B6E1-5738-41B1-8C15-EA6715490140}"/>
               </a:ext>
             </a:extLst>
           </p:cNvPr>
@@ -485,7 +486,7 @@
           <p:cNvPr id="21" name="Picture Placeholder 8">
             <a:extLst>
               <a:ext uri="{FF2B5EF4-FFF2-40B4-BE49-F238E27FC236}">
-                <a16:creationId xmlns:a16="http://schemas.microsoft.com/office/drawing/2014/main" xmlns="" id="{6C8D73EB-347C-4E13-94C8-FA8FADE46559}"/>
+                <a16:creationId xmlns="" xmlns:a16="http://schemas.microsoft.com/office/drawing/2014/main" id="{6C8D73EB-347C-4E13-94C8-FA8FADE46559}"/>
               </a:ext>
             </a:extLst>
           </p:cNvPr>
@@ -526,7 +527,7 @@
           <p:cNvPr id="22" name="Picture Placeholder 8">
             <a:extLst>
               <a:ext uri="{FF2B5EF4-FFF2-40B4-BE49-F238E27FC236}">
-                <a16:creationId xmlns:a16="http://schemas.microsoft.com/office/drawing/2014/main" xmlns="" id="{9DFA5C56-9B47-4F87-8E12-30A936274F1B}"/>
+                <a16:creationId xmlns="" xmlns:a16="http://schemas.microsoft.com/office/drawing/2014/main" id="{9DFA5C56-9B47-4F87-8E12-30A936274F1B}"/>
               </a:ext>
             </a:extLst>
           </p:cNvPr>
@@ -567,7 +568,7 @@
           <p:cNvPr id="23" name="Picture Placeholder 8">
             <a:extLst>
               <a:ext uri="{FF2B5EF4-FFF2-40B4-BE49-F238E27FC236}">
-                <a16:creationId xmlns:a16="http://schemas.microsoft.com/office/drawing/2014/main" xmlns="" id="{1E3B5888-98ED-48E4-8AA8-5BAB43F8516C}"/>
+                <a16:creationId xmlns="" xmlns:a16="http://schemas.microsoft.com/office/drawing/2014/main" id="{1E3B5888-98ED-48E4-8AA8-5BAB43F8516C}"/>
               </a:ext>
             </a:extLst>
           </p:cNvPr>
@@ -608,7 +609,7 @@
           <p:cNvPr id="24" name="Picture Placeholder 8">
             <a:extLst>
               <a:ext uri="{FF2B5EF4-FFF2-40B4-BE49-F238E27FC236}">
-                <a16:creationId xmlns:a16="http://schemas.microsoft.com/office/drawing/2014/main" xmlns="" id="{569C9EE3-34D1-4DE0-B06C-2F6212F7C329}"/>
+                <a16:creationId xmlns="" xmlns:a16="http://schemas.microsoft.com/office/drawing/2014/main" id="{569C9EE3-34D1-4DE0-B06C-2F6212F7C329}"/>
               </a:ext>
             </a:extLst>
           </p:cNvPr>
@@ -679,7 +680,7 @@
           <p:cNvPr id="8" name="Rectangle 7">
             <a:extLst>
               <a:ext uri="{FF2B5EF4-FFF2-40B4-BE49-F238E27FC236}">
-                <a16:creationId xmlns:a16="http://schemas.microsoft.com/office/drawing/2014/main" xmlns="" id="{5462B86F-90E5-425E-9F83-8477D8111E1D}"/>
+                <a16:creationId xmlns="" xmlns:a16="http://schemas.microsoft.com/office/drawing/2014/main" id="{5462B86F-90E5-425E-9F83-8477D8111E1D}"/>
               </a:ext>
             </a:extLst>
           </p:cNvPr>
@@ -731,7 +732,7 @@
           <p:cNvPr id="9" name="Rectangle 8">
             <a:extLst>
               <a:ext uri="{FF2B5EF4-FFF2-40B4-BE49-F238E27FC236}">
-                <a16:creationId xmlns:a16="http://schemas.microsoft.com/office/drawing/2014/main" xmlns="" id="{F5269853-3C2C-4F9C-B1BB-E00F7A1DB9E1}"/>
+                <a16:creationId xmlns="" xmlns:a16="http://schemas.microsoft.com/office/drawing/2014/main" id="{F5269853-3C2C-4F9C-B1BB-E00F7A1DB9E1}"/>
               </a:ext>
             </a:extLst>
           </p:cNvPr>
@@ -783,7 +784,7 @@
           <p:cNvPr id="11" name="Rectangle 10">
             <a:extLst>
               <a:ext uri="{FF2B5EF4-FFF2-40B4-BE49-F238E27FC236}">
-                <a16:creationId xmlns:a16="http://schemas.microsoft.com/office/drawing/2014/main" xmlns="" id="{93759D58-52AF-4785-8A33-F528F46D88A3}"/>
+                <a16:creationId xmlns="" xmlns:a16="http://schemas.microsoft.com/office/drawing/2014/main" id="{93759D58-52AF-4785-8A33-F528F46D88A3}"/>
               </a:ext>
             </a:extLst>
           </p:cNvPr>
@@ -835,7 +836,7 @@
           <p:cNvPr id="12" name="Rectangle 11">
             <a:extLst>
               <a:ext uri="{FF2B5EF4-FFF2-40B4-BE49-F238E27FC236}">
-                <a16:creationId xmlns:a16="http://schemas.microsoft.com/office/drawing/2014/main" xmlns="" id="{6AD3E0F4-EC0D-43C2-AC84-A53134C8566E}"/>
+                <a16:creationId xmlns="" xmlns:a16="http://schemas.microsoft.com/office/drawing/2014/main" id="{6AD3E0F4-EC0D-43C2-AC84-A53134C8566E}"/>
               </a:ext>
             </a:extLst>
           </p:cNvPr>
@@ -887,7 +888,7 @@
           <p:cNvPr id="2" name="Title 1">
             <a:extLst>
               <a:ext uri="{FF2B5EF4-FFF2-40B4-BE49-F238E27FC236}">
-                <a16:creationId xmlns:a16="http://schemas.microsoft.com/office/drawing/2014/main" xmlns="" id="{43379CA9-81D6-424A-8046-4B56E1D25059}"/>
+                <a16:creationId xmlns="" xmlns:a16="http://schemas.microsoft.com/office/drawing/2014/main" id="{43379CA9-81D6-424A-8046-4B56E1D25059}"/>
               </a:ext>
             </a:extLst>
           </p:cNvPr>
@@ -931,7 +932,7 @@
           <p:cNvPr id="10" name="Text Placeholder 9">
             <a:extLst>
               <a:ext uri="{FF2B5EF4-FFF2-40B4-BE49-F238E27FC236}">
-                <a16:creationId xmlns:a16="http://schemas.microsoft.com/office/drawing/2014/main" xmlns="" id="{2A60302F-65DB-4E93-B6C3-49E64C44FB53}"/>
+                <a16:creationId xmlns="" xmlns:a16="http://schemas.microsoft.com/office/drawing/2014/main" id="{2A60302F-65DB-4E93-B6C3-49E64C44FB53}"/>
               </a:ext>
             </a:extLst>
           </p:cNvPr>
@@ -999,7 +1000,7 @@
           <p:cNvPr id="7" name="Picture Placeholder 6">
             <a:extLst>
               <a:ext uri="{FF2B5EF4-FFF2-40B4-BE49-F238E27FC236}">
-                <a16:creationId xmlns:a16="http://schemas.microsoft.com/office/drawing/2014/main" xmlns="" id="{9A66F217-0E52-4AD8-82BA-AB332C59638C}"/>
+                <a16:creationId xmlns="" xmlns:a16="http://schemas.microsoft.com/office/drawing/2014/main" id="{9A66F217-0E52-4AD8-82BA-AB332C59638C}"/>
               </a:ext>
             </a:extLst>
           </p:cNvPr>
@@ -1085,7 +1086,7 @@
           <p:cNvPr id="2" name="Title 1">
             <a:extLst>
               <a:ext uri="{FF2B5EF4-FFF2-40B4-BE49-F238E27FC236}">
-                <a16:creationId xmlns:a16="http://schemas.microsoft.com/office/drawing/2014/main" xmlns="" id="{43379CA9-81D6-424A-8046-4B56E1D25059}"/>
+                <a16:creationId xmlns="" xmlns:a16="http://schemas.microsoft.com/office/drawing/2014/main" id="{43379CA9-81D6-424A-8046-4B56E1D25059}"/>
               </a:ext>
             </a:extLst>
           </p:cNvPr>
@@ -1127,7 +1128,7 @@
           <p:cNvPr id="9" name="Picture Placeholder 8">
             <a:extLst>
               <a:ext uri="{FF2B5EF4-FFF2-40B4-BE49-F238E27FC236}">
-                <a16:creationId xmlns:a16="http://schemas.microsoft.com/office/drawing/2014/main" xmlns="" id="{B2F51F73-5064-47F8-83FD-440E0ED1950B}"/>
+                <a16:creationId xmlns="" xmlns:a16="http://schemas.microsoft.com/office/drawing/2014/main" id="{B2F51F73-5064-47F8-83FD-440E0ED1950B}"/>
               </a:ext>
             </a:extLst>
           </p:cNvPr>
@@ -1168,7 +1169,7 @@
           <p:cNvPr id="18" name="Picture Placeholder 8">
             <a:extLst>
               <a:ext uri="{FF2B5EF4-FFF2-40B4-BE49-F238E27FC236}">
-                <a16:creationId xmlns:a16="http://schemas.microsoft.com/office/drawing/2014/main" xmlns="" id="{06FF689A-8221-42E8-96D4-ED4D3AD501F8}"/>
+                <a16:creationId xmlns="" xmlns:a16="http://schemas.microsoft.com/office/drawing/2014/main" id="{06FF689A-8221-42E8-96D4-ED4D3AD501F8}"/>
               </a:ext>
             </a:extLst>
           </p:cNvPr>
@@ -1209,7 +1210,7 @@
           <p:cNvPr id="19" name="Picture Placeholder 8">
             <a:extLst>
               <a:ext uri="{FF2B5EF4-FFF2-40B4-BE49-F238E27FC236}">
-                <a16:creationId xmlns:a16="http://schemas.microsoft.com/office/drawing/2014/main" xmlns="" id="{96424DB2-4D46-493F-A5B8-8901EDA394F2}"/>
+                <a16:creationId xmlns="" xmlns:a16="http://schemas.microsoft.com/office/drawing/2014/main" id="{96424DB2-4D46-493F-A5B8-8901EDA394F2}"/>
               </a:ext>
             </a:extLst>
           </p:cNvPr>
@@ -1250,7 +1251,7 @@
           <p:cNvPr id="20" name="Picture Placeholder 8">
             <a:extLst>
               <a:ext uri="{FF2B5EF4-FFF2-40B4-BE49-F238E27FC236}">
-                <a16:creationId xmlns:a16="http://schemas.microsoft.com/office/drawing/2014/main" xmlns="" id="{0AF2B6E1-5738-41B1-8C15-EA6715490140}"/>
+                <a16:creationId xmlns="" xmlns:a16="http://schemas.microsoft.com/office/drawing/2014/main" id="{0AF2B6E1-5738-41B1-8C15-EA6715490140}"/>
               </a:ext>
             </a:extLst>
           </p:cNvPr>
@@ -1291,7 +1292,7 @@
           <p:cNvPr id="21" name="Picture Placeholder 8">
             <a:extLst>
               <a:ext uri="{FF2B5EF4-FFF2-40B4-BE49-F238E27FC236}">
-                <a16:creationId xmlns:a16="http://schemas.microsoft.com/office/drawing/2014/main" xmlns="" id="{6C8D73EB-347C-4E13-94C8-FA8FADE46559}"/>
+                <a16:creationId xmlns="" xmlns:a16="http://schemas.microsoft.com/office/drawing/2014/main" id="{6C8D73EB-347C-4E13-94C8-FA8FADE46559}"/>
               </a:ext>
             </a:extLst>
           </p:cNvPr>
@@ -1332,7 +1333,7 @@
           <p:cNvPr id="22" name="Picture Placeholder 8">
             <a:extLst>
               <a:ext uri="{FF2B5EF4-FFF2-40B4-BE49-F238E27FC236}">
-                <a16:creationId xmlns:a16="http://schemas.microsoft.com/office/drawing/2014/main" xmlns="" id="{9DFA5C56-9B47-4F87-8E12-30A936274F1B}"/>
+                <a16:creationId xmlns="" xmlns:a16="http://schemas.microsoft.com/office/drawing/2014/main" id="{9DFA5C56-9B47-4F87-8E12-30A936274F1B}"/>
               </a:ext>
             </a:extLst>
           </p:cNvPr>
@@ -1373,7 +1374,7 @@
           <p:cNvPr id="23" name="Picture Placeholder 8">
             <a:extLst>
               <a:ext uri="{FF2B5EF4-FFF2-40B4-BE49-F238E27FC236}">
-                <a16:creationId xmlns:a16="http://schemas.microsoft.com/office/drawing/2014/main" xmlns="" id="{1E3B5888-98ED-48E4-8AA8-5BAB43F8516C}"/>
+                <a16:creationId xmlns="" xmlns:a16="http://schemas.microsoft.com/office/drawing/2014/main" id="{1E3B5888-98ED-48E4-8AA8-5BAB43F8516C}"/>
               </a:ext>
             </a:extLst>
           </p:cNvPr>
@@ -1414,7 +1415,7 @@
           <p:cNvPr id="24" name="Picture Placeholder 8">
             <a:extLst>
               <a:ext uri="{FF2B5EF4-FFF2-40B4-BE49-F238E27FC236}">
-                <a16:creationId xmlns:a16="http://schemas.microsoft.com/office/drawing/2014/main" xmlns="" id="{569C9EE3-34D1-4DE0-B06C-2F6212F7C329}"/>
+                <a16:creationId xmlns="" xmlns:a16="http://schemas.microsoft.com/office/drawing/2014/main" id="{569C9EE3-34D1-4DE0-B06C-2F6212F7C329}"/>
               </a:ext>
             </a:extLst>
           </p:cNvPr>
@@ -1485,7 +1486,7 @@
           <p:cNvPr id="8" name="Rectangle 7">
             <a:extLst>
               <a:ext uri="{FF2B5EF4-FFF2-40B4-BE49-F238E27FC236}">
-                <a16:creationId xmlns:a16="http://schemas.microsoft.com/office/drawing/2014/main" xmlns="" id="{53A3BC27-A809-4F76-931E-2DE01059A5AB}"/>
+                <a16:creationId xmlns="" xmlns:a16="http://schemas.microsoft.com/office/drawing/2014/main" id="{53A3BC27-A809-4F76-931E-2DE01059A5AB}"/>
               </a:ext>
             </a:extLst>
           </p:cNvPr>
@@ -1537,7 +1538,7 @@
           <p:cNvPr id="9" name="Rectangle 8">
             <a:extLst>
               <a:ext uri="{FF2B5EF4-FFF2-40B4-BE49-F238E27FC236}">
-                <a16:creationId xmlns:a16="http://schemas.microsoft.com/office/drawing/2014/main" xmlns="" id="{D96A5108-5EBA-43CE-BA4A-DA9EEF5D808A}"/>
+                <a16:creationId xmlns="" xmlns:a16="http://schemas.microsoft.com/office/drawing/2014/main" id="{D96A5108-5EBA-43CE-BA4A-DA9EEF5D808A}"/>
               </a:ext>
             </a:extLst>
           </p:cNvPr>
@@ -1589,7 +1590,7 @@
           <p:cNvPr id="11" name="Rectangle 10">
             <a:extLst>
               <a:ext uri="{FF2B5EF4-FFF2-40B4-BE49-F238E27FC236}">
-                <a16:creationId xmlns:a16="http://schemas.microsoft.com/office/drawing/2014/main" xmlns="" id="{E2712910-50D0-4906-AB08-F37D02F96D4A}"/>
+                <a16:creationId xmlns="" xmlns:a16="http://schemas.microsoft.com/office/drawing/2014/main" id="{E2712910-50D0-4906-AB08-F37D02F96D4A}"/>
               </a:ext>
             </a:extLst>
           </p:cNvPr>
@@ -1641,7 +1642,7 @@
           <p:cNvPr id="12" name="Rectangle 11">
             <a:extLst>
               <a:ext uri="{FF2B5EF4-FFF2-40B4-BE49-F238E27FC236}">
-                <a16:creationId xmlns:a16="http://schemas.microsoft.com/office/drawing/2014/main" xmlns="" id="{7DAC760C-BE23-4DA2-A294-3B5668F8AECA}"/>
+                <a16:creationId xmlns="" xmlns:a16="http://schemas.microsoft.com/office/drawing/2014/main" id="{7DAC760C-BE23-4DA2-A294-3B5668F8AECA}"/>
               </a:ext>
             </a:extLst>
           </p:cNvPr>
@@ -1693,7 +1694,7 @@
           <p:cNvPr id="2" name="Title 1">
             <a:extLst>
               <a:ext uri="{FF2B5EF4-FFF2-40B4-BE49-F238E27FC236}">
-                <a16:creationId xmlns:a16="http://schemas.microsoft.com/office/drawing/2014/main" xmlns="" id="{43379CA9-81D6-424A-8046-4B56E1D25059}"/>
+                <a16:creationId xmlns="" xmlns:a16="http://schemas.microsoft.com/office/drawing/2014/main" id="{43379CA9-81D6-424A-8046-4B56E1D25059}"/>
               </a:ext>
             </a:extLst>
           </p:cNvPr>
@@ -1735,7 +1736,7 @@
           <p:cNvPr id="10" name="Text Placeholder 9">
             <a:extLst>
               <a:ext uri="{FF2B5EF4-FFF2-40B4-BE49-F238E27FC236}">
-                <a16:creationId xmlns:a16="http://schemas.microsoft.com/office/drawing/2014/main" xmlns="" id="{2A60302F-65DB-4E93-B6C3-49E64C44FB53}"/>
+                <a16:creationId xmlns="" xmlns:a16="http://schemas.microsoft.com/office/drawing/2014/main" id="{2A60302F-65DB-4E93-B6C3-49E64C44FB53}"/>
               </a:ext>
             </a:extLst>
           </p:cNvPr>
@@ -1803,7 +1804,7 @@
           <p:cNvPr id="7" name="Picture Placeholder 6">
             <a:extLst>
               <a:ext uri="{FF2B5EF4-FFF2-40B4-BE49-F238E27FC236}">
-                <a16:creationId xmlns:a16="http://schemas.microsoft.com/office/drawing/2014/main" xmlns="" id="{9A66F217-0E52-4AD8-82BA-AB332C59638C}"/>
+                <a16:creationId xmlns="" xmlns:a16="http://schemas.microsoft.com/office/drawing/2014/main" id="{9A66F217-0E52-4AD8-82BA-AB332C59638C}"/>
               </a:ext>
             </a:extLst>
           </p:cNvPr>
@@ -1892,7 +1893,7 @@
           <p:cNvPr id="8" name="Picture Placeholder 7">
             <a:extLst>
               <a:ext uri="{FF2B5EF4-FFF2-40B4-BE49-F238E27FC236}">
-                <a16:creationId xmlns:a16="http://schemas.microsoft.com/office/drawing/2014/main" xmlns="" id="{DF9C7667-EADA-40AC-B931-4642E0A9A4DE}"/>
+                <a16:creationId xmlns="" xmlns:a16="http://schemas.microsoft.com/office/drawing/2014/main" id="{DF9C7667-EADA-40AC-B931-4642E0A9A4DE}"/>
               </a:ext>
             </a:extLst>
           </p:cNvPr>
@@ -1944,7 +1945,7 @@
           <p:cNvPr id="2" name="Title 1">
             <a:extLst>
               <a:ext uri="{FF2B5EF4-FFF2-40B4-BE49-F238E27FC236}">
-                <a16:creationId xmlns:a16="http://schemas.microsoft.com/office/drawing/2014/main" xmlns="" id="{43379CA9-81D6-424A-8046-4B56E1D25059}"/>
+                <a16:creationId xmlns="" xmlns:a16="http://schemas.microsoft.com/office/drawing/2014/main" id="{43379CA9-81D6-424A-8046-4B56E1D25059}"/>
               </a:ext>
             </a:extLst>
           </p:cNvPr>
@@ -1981,7 +1982,7 @@
           <p:cNvPr id="10" name="Text Placeholder 9">
             <a:extLst>
               <a:ext uri="{FF2B5EF4-FFF2-40B4-BE49-F238E27FC236}">
-                <a16:creationId xmlns:a16="http://schemas.microsoft.com/office/drawing/2014/main" xmlns="" id="{2A60302F-65DB-4E93-B6C3-49E64C44FB53}"/>
+                <a16:creationId xmlns="" xmlns:a16="http://schemas.microsoft.com/office/drawing/2014/main" id="{2A60302F-65DB-4E93-B6C3-49E64C44FB53}"/>
               </a:ext>
             </a:extLst>
           </p:cNvPr>
@@ -2049,7 +2050,7 @@
           <p:cNvPr id="7" name="Text Placeholder 6">
             <a:extLst>
               <a:ext uri="{FF2B5EF4-FFF2-40B4-BE49-F238E27FC236}">
-                <a16:creationId xmlns:a16="http://schemas.microsoft.com/office/drawing/2014/main" xmlns="" id="{EC1CB8E8-F58A-4B26-B8AA-8977FC608E83}"/>
+                <a16:creationId xmlns="" xmlns:a16="http://schemas.microsoft.com/office/drawing/2014/main" id="{EC1CB8E8-F58A-4B26-B8AA-8977FC608E83}"/>
               </a:ext>
             </a:extLst>
           </p:cNvPr>
@@ -2167,7 +2168,7 @@
           <p:cNvPr id="2" name="Title 1">
             <a:extLst>
               <a:ext uri="{FF2B5EF4-FFF2-40B4-BE49-F238E27FC236}">
-                <a16:creationId xmlns:a16="http://schemas.microsoft.com/office/drawing/2014/main" xmlns="" id="{43379CA9-81D6-424A-8046-4B56E1D25059}"/>
+                <a16:creationId xmlns="" xmlns:a16="http://schemas.microsoft.com/office/drawing/2014/main" id="{43379CA9-81D6-424A-8046-4B56E1D25059}"/>
               </a:ext>
             </a:extLst>
           </p:cNvPr>
@@ -2209,7 +2210,7 @@
           <p:cNvPr id="9" name="Picture Placeholder 8">
             <a:extLst>
               <a:ext uri="{FF2B5EF4-FFF2-40B4-BE49-F238E27FC236}">
-                <a16:creationId xmlns:a16="http://schemas.microsoft.com/office/drawing/2014/main" xmlns="" id="{B2F51F73-5064-47F8-83FD-440E0ED1950B}"/>
+                <a16:creationId xmlns="" xmlns:a16="http://schemas.microsoft.com/office/drawing/2014/main" id="{B2F51F73-5064-47F8-83FD-440E0ED1950B}"/>
               </a:ext>
             </a:extLst>
           </p:cNvPr>
@@ -2250,7 +2251,7 @@
           <p:cNvPr id="18" name="Picture Placeholder 8">
             <a:extLst>
               <a:ext uri="{FF2B5EF4-FFF2-40B4-BE49-F238E27FC236}">
-                <a16:creationId xmlns:a16="http://schemas.microsoft.com/office/drawing/2014/main" xmlns="" id="{06FF689A-8221-42E8-96D4-ED4D3AD501F8}"/>
+                <a16:creationId xmlns="" xmlns:a16="http://schemas.microsoft.com/office/drawing/2014/main" id="{06FF689A-8221-42E8-96D4-ED4D3AD501F8}"/>
               </a:ext>
             </a:extLst>
           </p:cNvPr>
@@ -2291,7 +2292,7 @@
           <p:cNvPr id="19" name="Picture Placeholder 8">
             <a:extLst>
               <a:ext uri="{FF2B5EF4-FFF2-40B4-BE49-F238E27FC236}">
-                <a16:creationId xmlns:a16="http://schemas.microsoft.com/office/drawing/2014/main" xmlns="" id="{96424DB2-4D46-493F-A5B8-8901EDA394F2}"/>
+                <a16:creationId xmlns="" xmlns:a16="http://schemas.microsoft.com/office/drawing/2014/main" id="{96424DB2-4D46-493F-A5B8-8901EDA394F2}"/>
               </a:ext>
             </a:extLst>
           </p:cNvPr>
@@ -2332,7 +2333,7 @@
           <p:cNvPr id="20" name="Picture Placeholder 8">
             <a:extLst>
               <a:ext uri="{FF2B5EF4-FFF2-40B4-BE49-F238E27FC236}">
-                <a16:creationId xmlns:a16="http://schemas.microsoft.com/office/drawing/2014/main" xmlns="" id="{0AF2B6E1-5738-41B1-8C15-EA6715490140}"/>
+                <a16:creationId xmlns="" xmlns:a16="http://schemas.microsoft.com/office/drawing/2014/main" id="{0AF2B6E1-5738-41B1-8C15-EA6715490140}"/>
               </a:ext>
             </a:extLst>
           </p:cNvPr>
@@ -2373,7 +2374,7 @@
           <p:cNvPr id="21" name="Picture Placeholder 8">
             <a:extLst>
               <a:ext uri="{FF2B5EF4-FFF2-40B4-BE49-F238E27FC236}">
-                <a16:creationId xmlns:a16="http://schemas.microsoft.com/office/drawing/2014/main" xmlns="" id="{6C8D73EB-347C-4E13-94C8-FA8FADE46559}"/>
+                <a16:creationId xmlns="" xmlns:a16="http://schemas.microsoft.com/office/drawing/2014/main" id="{6C8D73EB-347C-4E13-94C8-FA8FADE46559}"/>
               </a:ext>
             </a:extLst>
           </p:cNvPr>
@@ -2414,7 +2415,7 @@
           <p:cNvPr id="22" name="Picture Placeholder 8">
             <a:extLst>
               <a:ext uri="{FF2B5EF4-FFF2-40B4-BE49-F238E27FC236}">
-                <a16:creationId xmlns:a16="http://schemas.microsoft.com/office/drawing/2014/main" xmlns="" id="{9DFA5C56-9B47-4F87-8E12-30A936274F1B}"/>
+                <a16:creationId xmlns="" xmlns:a16="http://schemas.microsoft.com/office/drawing/2014/main" id="{9DFA5C56-9B47-4F87-8E12-30A936274F1B}"/>
               </a:ext>
             </a:extLst>
           </p:cNvPr>
@@ -2455,7 +2456,7 @@
           <p:cNvPr id="23" name="Picture Placeholder 8">
             <a:extLst>
               <a:ext uri="{FF2B5EF4-FFF2-40B4-BE49-F238E27FC236}">
-                <a16:creationId xmlns:a16="http://schemas.microsoft.com/office/drawing/2014/main" xmlns="" id="{1E3B5888-98ED-48E4-8AA8-5BAB43F8516C}"/>
+                <a16:creationId xmlns="" xmlns:a16="http://schemas.microsoft.com/office/drawing/2014/main" id="{1E3B5888-98ED-48E4-8AA8-5BAB43F8516C}"/>
               </a:ext>
             </a:extLst>
           </p:cNvPr>
@@ -2496,7 +2497,7 @@
           <p:cNvPr id="24" name="Picture Placeholder 8">
             <a:extLst>
               <a:ext uri="{FF2B5EF4-FFF2-40B4-BE49-F238E27FC236}">
-                <a16:creationId xmlns:a16="http://schemas.microsoft.com/office/drawing/2014/main" xmlns="" id="{569C9EE3-34D1-4DE0-B06C-2F6212F7C329}"/>
+                <a16:creationId xmlns="" xmlns:a16="http://schemas.microsoft.com/office/drawing/2014/main" id="{569C9EE3-34D1-4DE0-B06C-2F6212F7C329}"/>
               </a:ext>
             </a:extLst>
           </p:cNvPr>
@@ -2567,7 +2568,7 @@
           <p:cNvPr id="11" name="Rectangle 10">
             <a:extLst>
               <a:ext uri="{FF2B5EF4-FFF2-40B4-BE49-F238E27FC236}">
-                <a16:creationId xmlns:a16="http://schemas.microsoft.com/office/drawing/2014/main" xmlns="" id="{50869985-B973-4011-9FA2-83D7EBB2EA53}"/>
+                <a16:creationId xmlns="" xmlns:a16="http://schemas.microsoft.com/office/drawing/2014/main" id="{50869985-B973-4011-9FA2-83D7EBB2EA53}"/>
               </a:ext>
             </a:extLst>
           </p:cNvPr>
@@ -2619,7 +2620,7 @@
           <p:cNvPr id="2" name="Title 1">
             <a:extLst>
               <a:ext uri="{FF2B5EF4-FFF2-40B4-BE49-F238E27FC236}">
-                <a16:creationId xmlns:a16="http://schemas.microsoft.com/office/drawing/2014/main" xmlns="" id="{43379CA9-81D6-424A-8046-4B56E1D25059}"/>
+                <a16:creationId xmlns="" xmlns:a16="http://schemas.microsoft.com/office/drawing/2014/main" id="{43379CA9-81D6-424A-8046-4B56E1D25059}"/>
               </a:ext>
             </a:extLst>
           </p:cNvPr>
@@ -2661,7 +2662,7 @@
           <p:cNvPr id="10" name="Text Placeholder 9">
             <a:extLst>
               <a:ext uri="{FF2B5EF4-FFF2-40B4-BE49-F238E27FC236}">
-                <a16:creationId xmlns:a16="http://schemas.microsoft.com/office/drawing/2014/main" xmlns="" id="{2A60302F-65DB-4E93-B6C3-49E64C44FB53}"/>
+                <a16:creationId xmlns="" xmlns:a16="http://schemas.microsoft.com/office/drawing/2014/main" id="{2A60302F-65DB-4E93-B6C3-49E64C44FB53}"/>
               </a:ext>
             </a:extLst>
           </p:cNvPr>
@@ -2729,7 +2730,7 @@
           <p:cNvPr id="7" name="Picture Placeholder 6">
             <a:extLst>
               <a:ext uri="{FF2B5EF4-FFF2-40B4-BE49-F238E27FC236}">
-                <a16:creationId xmlns:a16="http://schemas.microsoft.com/office/drawing/2014/main" xmlns="" id="{9A66F217-0E52-4AD8-82BA-AB332C59638C}"/>
+                <a16:creationId xmlns="" xmlns:a16="http://schemas.microsoft.com/office/drawing/2014/main" id="{9A66F217-0E52-4AD8-82BA-AB332C59638C}"/>
               </a:ext>
             </a:extLst>
           </p:cNvPr>
@@ -2775,7 +2776,7 @@
           <p:cNvPr id="8" name="Rectangle 7">
             <a:extLst>
               <a:ext uri="{FF2B5EF4-FFF2-40B4-BE49-F238E27FC236}">
-                <a16:creationId xmlns:a16="http://schemas.microsoft.com/office/drawing/2014/main" xmlns="" id="{E75D44F0-DADD-4DCC-82EC-FDB3E9878AA9}"/>
+                <a16:creationId xmlns="" xmlns:a16="http://schemas.microsoft.com/office/drawing/2014/main" id="{E75D44F0-DADD-4DCC-82EC-FDB3E9878AA9}"/>
               </a:ext>
             </a:extLst>
           </p:cNvPr>
@@ -2827,7 +2828,7 @@
           <p:cNvPr id="9" name="Rectangle 8">
             <a:extLst>
               <a:ext uri="{FF2B5EF4-FFF2-40B4-BE49-F238E27FC236}">
-                <a16:creationId xmlns:a16="http://schemas.microsoft.com/office/drawing/2014/main" xmlns="" id="{28CFE2C9-8B6E-4DDA-A5EA-04581F7629F0}"/>
+                <a16:creationId xmlns="" xmlns:a16="http://schemas.microsoft.com/office/drawing/2014/main" id="{28CFE2C9-8B6E-4DDA-A5EA-04581F7629F0}"/>
               </a:ext>
             </a:extLst>
           </p:cNvPr>
@@ -2966,7 +2967,7 @@
           <p:cNvPr id="12" name="Title 1">
             <a:extLst>
               <a:ext uri="{FF2B5EF4-FFF2-40B4-BE49-F238E27FC236}">
-                <a16:creationId xmlns:a16="http://schemas.microsoft.com/office/drawing/2014/main" xmlns="" id="{96FEDCD9-19A7-423B-ABE0-DDD032DE8879}"/>
+                <a16:creationId xmlns="" xmlns:a16="http://schemas.microsoft.com/office/drawing/2014/main" id="{96FEDCD9-19A7-423B-ABE0-DDD032DE8879}"/>
               </a:ext>
             </a:extLst>
           </p:cNvPr>
@@ -3007,7 +3008,7 @@
           <p:cNvPr id="14" name="Text Placeholder 9">
             <a:extLst>
               <a:ext uri="{FF2B5EF4-FFF2-40B4-BE49-F238E27FC236}">
-                <a16:creationId xmlns:a16="http://schemas.microsoft.com/office/drawing/2014/main" xmlns="" id="{EBD7372B-17B4-4062-8BFA-745581B27349}"/>
+                <a16:creationId xmlns="" xmlns:a16="http://schemas.microsoft.com/office/drawing/2014/main" id="{EBD7372B-17B4-4062-8BFA-745581B27349}"/>
               </a:ext>
             </a:extLst>
           </p:cNvPr>
@@ -3072,7 +3073,7 @@
           <p:cNvPr id="3" name="Picture Placeholder 2">
             <a:extLst>
               <a:ext uri="{FF2B5EF4-FFF2-40B4-BE49-F238E27FC236}">
-                <a16:creationId xmlns:a16="http://schemas.microsoft.com/office/drawing/2014/main" xmlns="" id="{C09A28F9-9D68-48A2-A1AD-C1C318C0EC8D}"/>
+                <a16:creationId xmlns="" xmlns:a16="http://schemas.microsoft.com/office/drawing/2014/main" id="{C09A28F9-9D68-48A2-A1AD-C1C318C0EC8D}"/>
               </a:ext>
             </a:extLst>
           </p:cNvPr>
@@ -3535,7 +3536,7 @@
           <p:cNvPr id="2" name="Title 1">
             <a:extLst>
               <a:ext uri="{FF2B5EF4-FFF2-40B4-BE49-F238E27FC236}">
-                <a16:creationId xmlns:a16="http://schemas.microsoft.com/office/drawing/2014/main" xmlns="" id="{43379CA9-81D6-424A-8046-4B56E1D25059}"/>
+                <a16:creationId xmlns="" xmlns:a16="http://schemas.microsoft.com/office/drawing/2014/main" id="{43379CA9-81D6-424A-8046-4B56E1D25059}"/>
               </a:ext>
             </a:extLst>
           </p:cNvPr>
@@ -3577,7 +3578,7 @@
           <p:cNvPr id="9" name="Picture Placeholder 8">
             <a:extLst>
               <a:ext uri="{FF2B5EF4-FFF2-40B4-BE49-F238E27FC236}">
-                <a16:creationId xmlns:a16="http://schemas.microsoft.com/office/drawing/2014/main" xmlns="" id="{B2F51F73-5064-47F8-83FD-440E0ED1950B}"/>
+                <a16:creationId xmlns="" xmlns:a16="http://schemas.microsoft.com/office/drawing/2014/main" id="{B2F51F73-5064-47F8-83FD-440E0ED1950B}"/>
               </a:ext>
             </a:extLst>
           </p:cNvPr>
@@ -3618,7 +3619,7 @@
           <p:cNvPr id="18" name="Picture Placeholder 8">
             <a:extLst>
               <a:ext uri="{FF2B5EF4-FFF2-40B4-BE49-F238E27FC236}">
-                <a16:creationId xmlns:a16="http://schemas.microsoft.com/office/drawing/2014/main" xmlns="" id="{06FF689A-8221-42E8-96D4-ED4D3AD501F8}"/>
+                <a16:creationId xmlns="" xmlns:a16="http://schemas.microsoft.com/office/drawing/2014/main" id="{06FF689A-8221-42E8-96D4-ED4D3AD501F8}"/>
               </a:ext>
             </a:extLst>
           </p:cNvPr>
@@ -3659,7 +3660,7 @@
           <p:cNvPr id="19" name="Picture Placeholder 8">
             <a:extLst>
               <a:ext uri="{FF2B5EF4-FFF2-40B4-BE49-F238E27FC236}">
-                <a16:creationId xmlns:a16="http://schemas.microsoft.com/office/drawing/2014/main" xmlns="" id="{96424DB2-4D46-493F-A5B8-8901EDA394F2}"/>
+                <a16:creationId xmlns="" xmlns:a16="http://schemas.microsoft.com/office/drawing/2014/main" id="{96424DB2-4D46-493F-A5B8-8901EDA394F2}"/>
               </a:ext>
             </a:extLst>
           </p:cNvPr>
@@ -3700,7 +3701,7 @@
           <p:cNvPr id="20" name="Picture Placeholder 8">
             <a:extLst>
               <a:ext uri="{FF2B5EF4-FFF2-40B4-BE49-F238E27FC236}">
-                <a16:creationId xmlns:a16="http://schemas.microsoft.com/office/drawing/2014/main" xmlns="" id="{0AF2B6E1-5738-41B1-8C15-EA6715490140}"/>
+                <a16:creationId xmlns="" xmlns:a16="http://schemas.microsoft.com/office/drawing/2014/main" id="{0AF2B6E1-5738-41B1-8C15-EA6715490140}"/>
               </a:ext>
             </a:extLst>
           </p:cNvPr>
@@ -3741,7 +3742,7 @@
           <p:cNvPr id="21" name="Picture Placeholder 8">
             <a:extLst>
               <a:ext uri="{FF2B5EF4-FFF2-40B4-BE49-F238E27FC236}">
-                <a16:creationId xmlns:a16="http://schemas.microsoft.com/office/drawing/2014/main" xmlns="" id="{6C8D73EB-347C-4E13-94C8-FA8FADE46559}"/>
+                <a16:creationId xmlns="" xmlns:a16="http://schemas.microsoft.com/office/drawing/2014/main" id="{6C8D73EB-347C-4E13-94C8-FA8FADE46559}"/>
               </a:ext>
             </a:extLst>
           </p:cNvPr>
@@ -3782,7 +3783,7 @@
           <p:cNvPr id="22" name="Picture Placeholder 8">
             <a:extLst>
               <a:ext uri="{FF2B5EF4-FFF2-40B4-BE49-F238E27FC236}">
-                <a16:creationId xmlns:a16="http://schemas.microsoft.com/office/drawing/2014/main" xmlns="" id="{9DFA5C56-9B47-4F87-8E12-30A936274F1B}"/>
+                <a16:creationId xmlns="" xmlns:a16="http://schemas.microsoft.com/office/drawing/2014/main" id="{9DFA5C56-9B47-4F87-8E12-30A936274F1B}"/>
               </a:ext>
             </a:extLst>
           </p:cNvPr>
@@ -3823,7 +3824,7 @@
           <p:cNvPr id="23" name="Picture Placeholder 8">
             <a:extLst>
               <a:ext uri="{FF2B5EF4-FFF2-40B4-BE49-F238E27FC236}">
-                <a16:creationId xmlns:a16="http://schemas.microsoft.com/office/drawing/2014/main" xmlns="" id="{1E3B5888-98ED-48E4-8AA8-5BAB43F8516C}"/>
+                <a16:creationId xmlns="" xmlns:a16="http://schemas.microsoft.com/office/drawing/2014/main" id="{1E3B5888-98ED-48E4-8AA8-5BAB43F8516C}"/>
               </a:ext>
             </a:extLst>
           </p:cNvPr>
@@ -3864,7 +3865,7 @@
           <p:cNvPr id="24" name="Picture Placeholder 8">
             <a:extLst>
               <a:ext uri="{FF2B5EF4-FFF2-40B4-BE49-F238E27FC236}">
-                <a16:creationId xmlns:a16="http://schemas.microsoft.com/office/drawing/2014/main" xmlns="" id="{569C9EE3-34D1-4DE0-B06C-2F6212F7C329}"/>
+                <a16:creationId xmlns="" xmlns:a16="http://schemas.microsoft.com/office/drawing/2014/main" id="{569C9EE3-34D1-4DE0-B06C-2F6212F7C329}"/>
               </a:ext>
             </a:extLst>
           </p:cNvPr>
@@ -3935,7 +3936,7 @@
           <p:cNvPr id="8" name="Rectangle 7">
             <a:extLst>
               <a:ext uri="{FF2B5EF4-FFF2-40B4-BE49-F238E27FC236}">
-                <a16:creationId xmlns:a16="http://schemas.microsoft.com/office/drawing/2014/main" xmlns="" id="{C186ECD6-DF3C-4CA6-9A77-ED32AC37F81F}"/>
+                <a16:creationId xmlns="" xmlns:a16="http://schemas.microsoft.com/office/drawing/2014/main" id="{C186ECD6-DF3C-4CA6-9A77-ED32AC37F81F}"/>
               </a:ext>
             </a:extLst>
           </p:cNvPr>
@@ -3987,7 +3988,7 @@
           <p:cNvPr id="9" name="Rectangle 8">
             <a:extLst>
               <a:ext uri="{FF2B5EF4-FFF2-40B4-BE49-F238E27FC236}">
-                <a16:creationId xmlns:a16="http://schemas.microsoft.com/office/drawing/2014/main" xmlns="" id="{8D3F081E-4462-4B33-A41E-0432A3B439D9}"/>
+                <a16:creationId xmlns="" xmlns:a16="http://schemas.microsoft.com/office/drawing/2014/main" id="{8D3F081E-4462-4B33-A41E-0432A3B439D9}"/>
               </a:ext>
             </a:extLst>
           </p:cNvPr>
@@ -4039,7 +4040,7 @@
           <p:cNvPr id="11" name="Rectangle 10">
             <a:extLst>
               <a:ext uri="{FF2B5EF4-FFF2-40B4-BE49-F238E27FC236}">
-                <a16:creationId xmlns:a16="http://schemas.microsoft.com/office/drawing/2014/main" xmlns="" id="{C05FA2D1-6BF4-4194-B815-8C66D013FD27}"/>
+                <a16:creationId xmlns="" xmlns:a16="http://schemas.microsoft.com/office/drawing/2014/main" id="{C05FA2D1-6BF4-4194-B815-8C66D013FD27}"/>
               </a:ext>
             </a:extLst>
           </p:cNvPr>
@@ -4091,7 +4092,7 @@
           <p:cNvPr id="12" name="Rectangle 11">
             <a:extLst>
               <a:ext uri="{FF2B5EF4-FFF2-40B4-BE49-F238E27FC236}">
-                <a16:creationId xmlns:a16="http://schemas.microsoft.com/office/drawing/2014/main" xmlns="" id="{DC88F0DF-BC0B-473C-82DC-7FC46D38FAC1}"/>
+                <a16:creationId xmlns="" xmlns:a16="http://schemas.microsoft.com/office/drawing/2014/main" id="{DC88F0DF-BC0B-473C-82DC-7FC46D38FAC1}"/>
               </a:ext>
             </a:extLst>
           </p:cNvPr>
@@ -4143,7 +4144,7 @@
           <p:cNvPr id="10" name="Text Placeholder 9">
             <a:extLst>
               <a:ext uri="{FF2B5EF4-FFF2-40B4-BE49-F238E27FC236}">
-                <a16:creationId xmlns:a16="http://schemas.microsoft.com/office/drawing/2014/main" xmlns="" id="{2A60302F-65DB-4E93-B6C3-49E64C44FB53}"/>
+                <a16:creationId xmlns="" xmlns:a16="http://schemas.microsoft.com/office/drawing/2014/main" id="{2A60302F-65DB-4E93-B6C3-49E64C44FB53}"/>
               </a:ext>
             </a:extLst>
           </p:cNvPr>
@@ -4211,7 +4212,7 @@
           <p:cNvPr id="7" name="Picture Placeholder 6">
             <a:extLst>
               <a:ext uri="{FF2B5EF4-FFF2-40B4-BE49-F238E27FC236}">
-                <a16:creationId xmlns:a16="http://schemas.microsoft.com/office/drawing/2014/main" xmlns="" id="{9A66F217-0E52-4AD8-82BA-AB332C59638C}"/>
+                <a16:creationId xmlns="" xmlns:a16="http://schemas.microsoft.com/office/drawing/2014/main" id="{9A66F217-0E52-4AD8-82BA-AB332C59638C}"/>
               </a:ext>
             </a:extLst>
           </p:cNvPr>
@@ -4257,7 +4258,7 @@
           <p:cNvPr id="13" name="Rectangle 12">
             <a:extLst>
               <a:ext uri="{FF2B5EF4-FFF2-40B4-BE49-F238E27FC236}">
-                <a16:creationId xmlns:a16="http://schemas.microsoft.com/office/drawing/2014/main" xmlns="" id="{FDF3E524-6AEB-4529-804C-0B9CD9992050}"/>
+                <a16:creationId xmlns="" xmlns:a16="http://schemas.microsoft.com/office/drawing/2014/main" id="{FDF3E524-6AEB-4529-804C-0B9CD9992050}"/>
               </a:ext>
             </a:extLst>
           </p:cNvPr>
@@ -4309,7 +4310,7 @@
           <p:cNvPr id="14" name="Straight Connector 13">
             <a:extLst>
               <a:ext uri="{FF2B5EF4-FFF2-40B4-BE49-F238E27FC236}">
-                <a16:creationId xmlns:a16="http://schemas.microsoft.com/office/drawing/2014/main" xmlns="" id="{4CFF2CAC-AD21-48FA-AD68-A643AAA6A8C4}"/>
+                <a16:creationId xmlns="" xmlns:a16="http://schemas.microsoft.com/office/drawing/2014/main" id="{4CFF2CAC-AD21-48FA-AD68-A643AAA6A8C4}"/>
               </a:ext>
             </a:extLst>
           </p:cNvPr>
@@ -4352,7 +4353,7 @@
           <p:cNvPr id="2" name="Title 1">
             <a:extLst>
               <a:ext uri="{FF2B5EF4-FFF2-40B4-BE49-F238E27FC236}">
-                <a16:creationId xmlns:a16="http://schemas.microsoft.com/office/drawing/2014/main" xmlns="" id="{43379CA9-81D6-424A-8046-4B56E1D25059}"/>
+                <a16:creationId xmlns="" xmlns:a16="http://schemas.microsoft.com/office/drawing/2014/main" id="{43379CA9-81D6-424A-8046-4B56E1D25059}"/>
               </a:ext>
             </a:extLst>
           </p:cNvPr>
@@ -4473,7 +4474,7 @@
           <p:cNvPr id="2" name="Title Placeholder 1">
             <a:extLst>
               <a:ext uri="{FF2B5EF4-FFF2-40B4-BE49-F238E27FC236}">
-                <a16:creationId xmlns:a16="http://schemas.microsoft.com/office/drawing/2014/main" xmlns="" id="{2C80DF88-AC53-41A3-8067-D7E6D5DB195F}"/>
+                <a16:creationId xmlns="" xmlns:a16="http://schemas.microsoft.com/office/drawing/2014/main" id="{2C80DF88-AC53-41A3-8067-D7E6D5DB195F}"/>
               </a:ext>
             </a:extLst>
           </p:cNvPr>
@@ -4512,7 +4513,7 @@
           <p:cNvPr id="4" name="Date Placeholder 3">
             <a:extLst>
               <a:ext uri="{FF2B5EF4-FFF2-40B4-BE49-F238E27FC236}">
-                <a16:creationId xmlns:a16="http://schemas.microsoft.com/office/drawing/2014/main" xmlns="" id="{EA4755C1-18CC-4FD3-A030-3DAF469919A6}"/>
+                <a16:creationId xmlns="" xmlns:a16="http://schemas.microsoft.com/office/drawing/2014/main" id="{EA4755C1-18CC-4FD3-A030-3DAF469919A6}"/>
               </a:ext>
             </a:extLst>
           </p:cNvPr>
@@ -4559,7 +4560,7 @@
           <p:cNvPr id="5" name="Footer Placeholder 4">
             <a:extLst>
               <a:ext uri="{FF2B5EF4-FFF2-40B4-BE49-F238E27FC236}">
-                <a16:creationId xmlns:a16="http://schemas.microsoft.com/office/drawing/2014/main" xmlns="" id="{A8E029F1-B791-445F-A184-90CC7A1BEC19}"/>
+                <a16:creationId xmlns="" xmlns:a16="http://schemas.microsoft.com/office/drawing/2014/main" id="{A8E029F1-B791-445F-A184-90CC7A1BEC19}"/>
               </a:ext>
             </a:extLst>
           </p:cNvPr>
@@ -4602,7 +4603,7 @@
           <p:cNvPr id="6" name="Slide Number Placeholder 5">
             <a:extLst>
               <a:ext uri="{FF2B5EF4-FFF2-40B4-BE49-F238E27FC236}">
-                <a16:creationId xmlns:a16="http://schemas.microsoft.com/office/drawing/2014/main" xmlns="" id="{5AD98767-7C9E-42DE-9782-D932A0FF1BF4}"/>
+                <a16:creationId xmlns="" xmlns:a16="http://schemas.microsoft.com/office/drawing/2014/main" id="{5AD98767-7C9E-42DE-9782-D932A0FF1BF4}"/>
               </a:ext>
             </a:extLst>
           </p:cNvPr>
@@ -5037,7 +5038,7 @@
           <p:cNvPr id="2" name="Title Placeholder 1">
             <a:extLst>
               <a:ext uri="{FF2B5EF4-FFF2-40B4-BE49-F238E27FC236}">
-                <a16:creationId xmlns:a16="http://schemas.microsoft.com/office/drawing/2014/main" xmlns="" id="{2C80DF88-AC53-41A3-8067-D7E6D5DB195F}"/>
+                <a16:creationId xmlns="" xmlns:a16="http://schemas.microsoft.com/office/drawing/2014/main" id="{2C80DF88-AC53-41A3-8067-D7E6D5DB195F}"/>
               </a:ext>
             </a:extLst>
           </p:cNvPr>
@@ -5076,7 +5077,7 @@
           <p:cNvPr id="4" name="Date Placeholder 3">
             <a:extLst>
               <a:ext uri="{FF2B5EF4-FFF2-40B4-BE49-F238E27FC236}">
-                <a16:creationId xmlns:a16="http://schemas.microsoft.com/office/drawing/2014/main" xmlns="" id="{EA4755C1-18CC-4FD3-A030-3DAF469919A6}"/>
+                <a16:creationId xmlns="" xmlns:a16="http://schemas.microsoft.com/office/drawing/2014/main" id="{EA4755C1-18CC-4FD3-A030-3DAF469919A6}"/>
               </a:ext>
             </a:extLst>
           </p:cNvPr>
@@ -5123,7 +5124,7 @@
           <p:cNvPr id="5" name="Footer Placeholder 4">
             <a:extLst>
               <a:ext uri="{FF2B5EF4-FFF2-40B4-BE49-F238E27FC236}">
-                <a16:creationId xmlns:a16="http://schemas.microsoft.com/office/drawing/2014/main" xmlns="" id="{A8E029F1-B791-445F-A184-90CC7A1BEC19}"/>
+                <a16:creationId xmlns="" xmlns:a16="http://schemas.microsoft.com/office/drawing/2014/main" id="{A8E029F1-B791-445F-A184-90CC7A1BEC19}"/>
               </a:ext>
             </a:extLst>
           </p:cNvPr>
@@ -5166,7 +5167,7 @@
           <p:cNvPr id="6" name="Slide Number Placeholder 5">
             <a:extLst>
               <a:ext uri="{FF2B5EF4-FFF2-40B4-BE49-F238E27FC236}">
-                <a16:creationId xmlns:a16="http://schemas.microsoft.com/office/drawing/2014/main" xmlns="" id="{5AD98767-7C9E-42DE-9782-D932A0FF1BF4}"/>
+                <a16:creationId xmlns="" xmlns:a16="http://schemas.microsoft.com/office/drawing/2014/main" id="{5AD98767-7C9E-42DE-9782-D932A0FF1BF4}"/>
               </a:ext>
             </a:extLst>
           </p:cNvPr>
@@ -5596,7 +5597,7 @@
           <p:cNvPr id="2" name="Title Placeholder 1">
             <a:extLst>
               <a:ext uri="{FF2B5EF4-FFF2-40B4-BE49-F238E27FC236}">
-                <a16:creationId xmlns:a16="http://schemas.microsoft.com/office/drawing/2014/main" xmlns="" id="{2C80DF88-AC53-41A3-8067-D7E6D5DB195F}"/>
+                <a16:creationId xmlns="" xmlns:a16="http://schemas.microsoft.com/office/drawing/2014/main" id="{2C80DF88-AC53-41A3-8067-D7E6D5DB195F}"/>
               </a:ext>
             </a:extLst>
           </p:cNvPr>
@@ -5635,7 +5636,7 @@
           <p:cNvPr id="4" name="Date Placeholder 3">
             <a:extLst>
               <a:ext uri="{FF2B5EF4-FFF2-40B4-BE49-F238E27FC236}">
-                <a16:creationId xmlns:a16="http://schemas.microsoft.com/office/drawing/2014/main" xmlns="" id="{EA4755C1-18CC-4FD3-A030-3DAF469919A6}"/>
+                <a16:creationId xmlns="" xmlns:a16="http://schemas.microsoft.com/office/drawing/2014/main" id="{EA4755C1-18CC-4FD3-A030-3DAF469919A6}"/>
               </a:ext>
             </a:extLst>
           </p:cNvPr>
@@ -5682,7 +5683,7 @@
           <p:cNvPr id="5" name="Footer Placeholder 4">
             <a:extLst>
               <a:ext uri="{FF2B5EF4-FFF2-40B4-BE49-F238E27FC236}">
-                <a16:creationId xmlns:a16="http://schemas.microsoft.com/office/drawing/2014/main" xmlns="" id="{A8E029F1-B791-445F-A184-90CC7A1BEC19}"/>
+                <a16:creationId xmlns="" xmlns:a16="http://schemas.microsoft.com/office/drawing/2014/main" id="{A8E029F1-B791-445F-A184-90CC7A1BEC19}"/>
               </a:ext>
             </a:extLst>
           </p:cNvPr>
@@ -5725,7 +5726,7 @@
           <p:cNvPr id="6" name="Slide Number Placeholder 5">
             <a:extLst>
               <a:ext uri="{FF2B5EF4-FFF2-40B4-BE49-F238E27FC236}">
-                <a16:creationId xmlns:a16="http://schemas.microsoft.com/office/drawing/2014/main" xmlns="" id="{5AD98767-7C9E-42DE-9782-D932A0FF1BF4}"/>
+                <a16:creationId xmlns="" xmlns:a16="http://schemas.microsoft.com/office/drawing/2014/main" id="{5AD98767-7C9E-42DE-9782-D932A0FF1BF4}"/>
               </a:ext>
             </a:extLst>
           </p:cNvPr>
@@ -6155,7 +6156,7 @@
           <p:cNvPr id="2" name="Title Placeholder 1">
             <a:extLst>
               <a:ext uri="{FF2B5EF4-FFF2-40B4-BE49-F238E27FC236}">
-                <a16:creationId xmlns:a16="http://schemas.microsoft.com/office/drawing/2014/main" xmlns="" id="{2C80DF88-AC53-41A3-8067-D7E6D5DB195F}"/>
+                <a16:creationId xmlns="" xmlns:a16="http://schemas.microsoft.com/office/drawing/2014/main" id="{2C80DF88-AC53-41A3-8067-D7E6D5DB195F}"/>
               </a:ext>
             </a:extLst>
           </p:cNvPr>
@@ -6194,7 +6195,7 @@
           <p:cNvPr id="4" name="Date Placeholder 3">
             <a:extLst>
               <a:ext uri="{FF2B5EF4-FFF2-40B4-BE49-F238E27FC236}">
-                <a16:creationId xmlns:a16="http://schemas.microsoft.com/office/drawing/2014/main" xmlns="" id="{EA4755C1-18CC-4FD3-A030-3DAF469919A6}"/>
+                <a16:creationId xmlns="" xmlns:a16="http://schemas.microsoft.com/office/drawing/2014/main" id="{EA4755C1-18CC-4FD3-A030-3DAF469919A6}"/>
               </a:ext>
             </a:extLst>
           </p:cNvPr>
@@ -6241,7 +6242,7 @@
           <p:cNvPr id="5" name="Footer Placeholder 4">
             <a:extLst>
               <a:ext uri="{FF2B5EF4-FFF2-40B4-BE49-F238E27FC236}">
-                <a16:creationId xmlns:a16="http://schemas.microsoft.com/office/drawing/2014/main" xmlns="" id="{A8E029F1-B791-445F-A184-90CC7A1BEC19}"/>
+                <a16:creationId xmlns="" xmlns:a16="http://schemas.microsoft.com/office/drawing/2014/main" id="{A8E029F1-B791-445F-A184-90CC7A1BEC19}"/>
               </a:ext>
             </a:extLst>
           </p:cNvPr>
@@ -6284,7 +6285,7 @@
           <p:cNvPr id="6" name="Slide Number Placeholder 5">
             <a:extLst>
               <a:ext uri="{FF2B5EF4-FFF2-40B4-BE49-F238E27FC236}">
-                <a16:creationId xmlns:a16="http://schemas.microsoft.com/office/drawing/2014/main" xmlns="" id="{5AD98767-7C9E-42DE-9782-D932A0FF1BF4}"/>
+                <a16:creationId xmlns="" xmlns:a16="http://schemas.microsoft.com/office/drawing/2014/main" id="{5AD98767-7C9E-42DE-9782-D932A0FF1BF4}"/>
               </a:ext>
             </a:extLst>
           </p:cNvPr>
@@ -6841,152 +6842,8 @@
           <a:lstStyle/>
           <a:p>
             <a:r>
-              <a:rPr lang="pt-PT" dirty="0" smtClean="0"/>
-              <a:t>I </a:t>
-            </a:r>
-            <a:r>
-              <a:rPr lang="pt-PT" dirty="0" err="1" smtClean="0"/>
-              <a:t>took</a:t>
-            </a:r>
-            <a:r>
-              <a:rPr lang="pt-PT" dirty="0" smtClean="0"/>
-              <a:t> </a:t>
-            </a:r>
-            <a:r>
-              <a:rPr lang="pt-PT" dirty="0" err="1" smtClean="0"/>
-              <a:t>into</a:t>
-            </a:r>
-            <a:r>
-              <a:rPr lang="pt-PT" dirty="0" smtClean="0"/>
-              <a:t> </a:t>
-            </a:r>
-            <a:r>
-              <a:rPr lang="pt-PT" dirty="0" err="1" smtClean="0"/>
-              <a:t>account</a:t>
-            </a:r>
-            <a:r>
-              <a:rPr lang="pt-PT" dirty="0" smtClean="0"/>
-              <a:t> </a:t>
-            </a:r>
-            <a:r>
-              <a:rPr lang="pt-PT" dirty="0" err="1" smtClean="0"/>
-              <a:t>the</a:t>
-            </a:r>
-            <a:r>
-              <a:rPr lang="pt-PT" dirty="0" smtClean="0"/>
-              <a:t> WAP </a:t>
-            </a:r>
-            <a:r>
-              <a:rPr lang="pt-PT" dirty="0" err="1" smtClean="0"/>
-              <a:t>signals</a:t>
-            </a:r>
-            <a:r>
-              <a:rPr lang="pt-PT" dirty="0" smtClean="0"/>
-              <a:t> </a:t>
-            </a:r>
-            <a:r>
-              <a:rPr lang="pt-PT" dirty="0" err="1" smtClean="0"/>
-              <a:t>and</a:t>
-            </a:r>
-            <a:r>
-              <a:rPr lang="pt-PT" dirty="0" smtClean="0"/>
-              <a:t> </a:t>
-            </a:r>
-            <a:r>
-              <a:rPr lang="pt-PT" dirty="0" err="1" smtClean="0"/>
-              <a:t>the</a:t>
-            </a:r>
-            <a:r>
-              <a:rPr lang="pt-PT" dirty="0" smtClean="0"/>
-              <a:t> </a:t>
-            </a:r>
-            <a:r>
-              <a:rPr lang="pt-PT" dirty="0" err="1" smtClean="0"/>
-              <a:t>previously</a:t>
-            </a:r>
-            <a:r>
-              <a:rPr lang="pt-PT" dirty="0" smtClean="0"/>
-              <a:t> </a:t>
-            </a:r>
-            <a:r>
-              <a:rPr lang="pt-PT" dirty="0" err="1" smtClean="0"/>
-              <a:t>forecast</a:t>
-            </a:r>
-            <a:r>
-              <a:rPr lang="pt-PT" dirty="0" smtClean="0"/>
-              <a:t> </a:t>
-            </a:r>
-            <a:r>
-              <a:rPr lang="pt-PT" dirty="0" err="1" smtClean="0"/>
-              <a:t>Building</a:t>
-            </a:r>
-            <a:r>
-              <a:rPr lang="pt-PT" dirty="0" smtClean="0"/>
-              <a:t> ID </a:t>
-            </a:r>
-            <a:r>
-              <a:rPr lang="pt-PT" dirty="0" err="1" smtClean="0"/>
-              <a:t>and</a:t>
-            </a:r>
-            <a:r>
-              <a:rPr lang="pt-PT" dirty="0" smtClean="0"/>
-              <a:t> </a:t>
-            </a:r>
-            <a:r>
-              <a:rPr lang="pt-PT" dirty="0" err="1" smtClean="0"/>
-              <a:t>Floor</a:t>
-            </a:r>
-            <a:r>
-              <a:rPr lang="pt-PT" dirty="0" smtClean="0"/>
-              <a:t> </a:t>
-            </a:r>
-            <a:r>
-              <a:rPr lang="pt-PT" dirty="0" err="1" smtClean="0"/>
-              <a:t>into</a:t>
-            </a:r>
-            <a:r>
-              <a:rPr lang="pt-PT" dirty="0" smtClean="0"/>
-              <a:t> </a:t>
-            </a:r>
-            <a:r>
-              <a:rPr lang="pt-PT" dirty="0" err="1" smtClean="0"/>
-              <a:t>consideration</a:t>
-            </a:r>
-            <a:r>
-              <a:rPr lang="pt-PT" dirty="0" smtClean="0"/>
-              <a:t> for </a:t>
-            </a:r>
-            <a:r>
-              <a:rPr lang="pt-PT" dirty="0" err="1" smtClean="0"/>
-              <a:t>this</a:t>
-            </a:r>
-            <a:r>
-              <a:rPr lang="pt-PT" dirty="0" smtClean="0"/>
-              <a:t> </a:t>
-            </a:r>
-            <a:r>
-              <a:rPr lang="pt-PT" dirty="0" err="1" smtClean="0"/>
-              <a:t>second</a:t>
-            </a:r>
-            <a:r>
-              <a:rPr lang="pt-PT" dirty="0" smtClean="0"/>
-              <a:t> </a:t>
-            </a:r>
-            <a:r>
-              <a:rPr lang="pt-PT" dirty="0" err="1" smtClean="0"/>
-              <a:t>classification</a:t>
-            </a:r>
-            <a:r>
-              <a:rPr lang="pt-PT" dirty="0" smtClean="0"/>
-              <a:t> </a:t>
-            </a:r>
-            <a:r>
-              <a:rPr lang="pt-PT" dirty="0" err="1" smtClean="0"/>
-              <a:t>model</a:t>
-            </a:r>
-            <a:r>
-              <a:rPr lang="pt-PT" dirty="0" smtClean="0"/>
-              <a:t>.</a:t>
+              <a:rPr lang="en-US" dirty="0" smtClean="0"/>
+              <a:t>I took into account the WAP signals and the previously forecast Building ID and Floor into consideration for this second classification model.</a:t>
             </a:r>
             <a:endParaRPr lang="en-US" dirty="0"/>
           </a:p>
@@ -7019,124 +6876,204 @@
               <a:buChar char="•"/>
             </a:pPr>
             <a:r>
-              <a:rPr lang="pt-PT" sz="2800" dirty="0" smtClean="0"/>
-              <a:t>I </a:t>
-            </a:r>
-            <a:r>
-              <a:rPr lang="pt-PT" sz="2800" dirty="0" err="1" smtClean="0"/>
-              <a:t>managed</a:t>
-            </a:r>
-            <a:r>
-              <a:rPr lang="pt-PT" sz="2800" dirty="0" smtClean="0"/>
-              <a:t> to </a:t>
-            </a:r>
-            <a:r>
-              <a:rPr lang="pt-PT" sz="2800" dirty="0" err="1" smtClean="0"/>
-              <a:t>reach</a:t>
-            </a:r>
-            <a:r>
-              <a:rPr lang="pt-PT" sz="2800" dirty="0" smtClean="0"/>
+              <a:rPr lang="en-US" sz="2800" dirty="0" smtClean="0"/>
+              <a:t>I managed to reach an accuracy of 90% and kappa of 59% with a </a:t>
+            </a:r>
+            <a:r>
+              <a:rPr lang="en-US" sz="2800" b="1" dirty="0" smtClean="0"/>
+              <a:t>Random Forest</a:t>
+            </a:r>
+            <a:r>
+              <a:rPr lang="en-US" sz="2800" dirty="0" smtClean="0"/>
+              <a:t> (</a:t>
+            </a:r>
+            <a:r>
+              <a:rPr lang="en-US" sz="2800" dirty="0" err="1" smtClean="0"/>
+              <a:t>Best_Model</a:t>
+            </a:r>
+            <a:r>
+              <a:rPr lang="en-US" sz="2800" dirty="0" smtClean="0"/>
+              <a:t>), once again. </a:t>
+            </a:r>
+            <a:endParaRPr lang="en-US" sz="2800" dirty="0"/>
+          </a:p>
+        </p:txBody>
+      </p:sp>
+      <p:pic>
+        <p:nvPicPr>
+          <p:cNvPr id="5" name="Picture 4"/>
+          <p:cNvPicPr>
+            <a:picLocks noChangeAspect="1"/>
+          </p:cNvPicPr>
+          <p:nvPr/>
+        </p:nvPicPr>
+        <p:blipFill>
+          <a:blip r:embed="rId2">
+            <a:extLst>
+              <a:ext uri="{28A0092B-C50C-407E-A947-70E740481C1C}">
+                <a14:useLocalDpi xmlns:a14="http://schemas.microsoft.com/office/drawing/2010/main" val="0"/>
+              </a:ext>
+            </a:extLst>
+          </a:blip>
+          <a:stretch>
+            <a:fillRect/>
+          </a:stretch>
+        </p:blipFill>
+        <p:spPr>
+          <a:xfrm>
+            <a:off x="5225523" y="2689125"/>
+            <a:ext cx="6406495" cy="3953722"/>
+          </a:xfrm>
+          <a:prstGeom prst="rect">
+            <a:avLst/>
+          </a:prstGeom>
+        </p:spPr>
+      </p:pic>
+    </p:spTree>
+    <p:extLst>
+      <p:ext uri="{BB962C8B-B14F-4D97-AF65-F5344CB8AC3E}">
+        <p14:creationId xmlns:p14="http://schemas.microsoft.com/office/powerpoint/2010/main" val="872891239"/>
+      </p:ext>
+    </p:extLst>
+  </p:cSld>
+  <p:clrMapOvr>
+    <a:masterClrMapping/>
+  </p:clrMapOvr>
+</p:sld>
+</file>
+
+<file path=ppt/slides/slide11.xml><?xml version="1.0" encoding="utf-8"?>
+<p:sld xmlns:a="http://schemas.openxmlformats.org/drawingml/2006/main" xmlns:r="http://schemas.openxmlformats.org/officeDocument/2006/relationships" xmlns:p="http://schemas.openxmlformats.org/presentationml/2006/main">
+  <p:cSld>
+    <p:spTree>
+      <p:nvGrpSpPr>
+        <p:cNvPr id="1" name=""/>
+        <p:cNvGrpSpPr/>
+        <p:nvPr/>
+      </p:nvGrpSpPr>
+      <p:grpSpPr>
+        <a:xfrm>
+          <a:off x="0" y="0"/>
+          <a:ext cx="0" cy="0"/>
+          <a:chOff x="0" y="0"/>
+          <a:chExt cx="0" cy="0"/>
+        </a:xfrm>
+      </p:grpSpPr>
+      <p:sp>
+        <p:nvSpPr>
+          <p:cNvPr id="2" name="Title 1"/>
+          <p:cNvSpPr>
+            <a:spLocks noGrp="1"/>
+          </p:cNvSpPr>
+          <p:nvPr>
+            <p:ph type="title"/>
+          </p:nvPr>
+        </p:nvSpPr>
+        <p:spPr/>
+        <p:txBody>
+          <a:bodyPr/>
+          <a:lstStyle/>
+          <a:p>
+            <a:r>
+              <a:rPr lang="pt-PT" dirty="0" smtClean="0"/>
+              <a:t>6. </a:t>
+            </a:r>
+            <a:r>
+              <a:rPr lang="pt-PT" dirty="0" err="1" smtClean="0"/>
+              <a:t>Models</a:t>
+            </a:r>
+            <a:r>
+              <a:rPr lang="pt-PT" dirty="0" smtClean="0"/>
               <a:t> </a:t>
             </a:r>
             <a:r>
-              <a:rPr lang="pt-PT" sz="2800" dirty="0" err="1" smtClean="0"/>
-              <a:t>an</a:t>
-            </a:r>
-            <a:r>
-              <a:rPr lang="pt-PT" sz="2800" dirty="0" smtClean="0"/>
-              <a:t> </a:t>
-            </a:r>
-            <a:r>
-              <a:rPr lang="pt-PT" sz="2800" dirty="0" err="1" smtClean="0"/>
-              <a:t>accuracy</a:t>
-            </a:r>
-            <a:r>
-              <a:rPr lang="pt-PT" sz="2800" dirty="0" smtClean="0"/>
-              <a:t> </a:t>
-            </a:r>
-            <a:r>
-              <a:rPr lang="pt-PT" sz="2800" dirty="0" err="1" smtClean="0"/>
-              <a:t>of</a:t>
-            </a:r>
-            <a:r>
-              <a:rPr lang="pt-PT" sz="2800" dirty="0" smtClean="0"/>
-              <a:t> 90% </a:t>
-            </a:r>
-            <a:r>
-              <a:rPr lang="pt-PT" sz="2800" dirty="0" err="1" smtClean="0"/>
-              <a:t>and</a:t>
-            </a:r>
-            <a:r>
-              <a:rPr lang="pt-PT" sz="2800" dirty="0" smtClean="0"/>
-              <a:t> </a:t>
-            </a:r>
-            <a:r>
-              <a:rPr lang="pt-PT" sz="2800" dirty="0" err="1" smtClean="0"/>
-              <a:t>kappa</a:t>
-            </a:r>
-            <a:r>
-              <a:rPr lang="pt-PT" sz="2800" dirty="0" smtClean="0"/>
-              <a:t> </a:t>
-            </a:r>
-            <a:r>
-              <a:rPr lang="pt-PT" sz="2800" dirty="0" err="1" smtClean="0"/>
-              <a:t>of</a:t>
-            </a:r>
-            <a:r>
-              <a:rPr lang="pt-PT" sz="2800" dirty="0" smtClean="0"/>
-              <a:t> </a:t>
-            </a:r>
-            <a:r>
-              <a:rPr lang="pt-PT" sz="2800" dirty="0" smtClean="0"/>
-              <a:t>59% </a:t>
-            </a:r>
-            <a:r>
-              <a:rPr lang="pt-PT" sz="2800" dirty="0" err="1" smtClean="0"/>
-              <a:t>with</a:t>
-            </a:r>
-            <a:r>
-              <a:rPr lang="pt-PT" sz="2800" dirty="0" smtClean="0"/>
-              <a:t> a </a:t>
-            </a:r>
-            <a:r>
-              <a:rPr lang="pt-PT" sz="2800" b="1" dirty="0" err="1" smtClean="0"/>
-              <a:t>Random</a:t>
-            </a:r>
-            <a:r>
-              <a:rPr lang="pt-PT" sz="2800" b="1" dirty="0" smtClean="0"/>
-              <a:t> </a:t>
-            </a:r>
-            <a:r>
-              <a:rPr lang="pt-PT" sz="2800" b="1" dirty="0" err="1" smtClean="0"/>
-              <a:t>Forest</a:t>
-            </a:r>
-            <a:r>
-              <a:rPr lang="pt-PT" sz="2800" dirty="0" smtClean="0"/>
-              <a:t> (</a:t>
-            </a:r>
-            <a:r>
-              <a:rPr lang="pt-PT" sz="2800" dirty="0" err="1" smtClean="0"/>
+              <a:rPr lang="pt-PT" dirty="0" err="1" smtClean="0"/>
+              <a:t>Produced</a:t>
+            </a:r>
+            <a:r>
+              <a:rPr lang="pt-PT" dirty="0" smtClean="0"/>
+              <a:t> – Longitude</a:t>
+            </a:r>
+            <a:endParaRPr lang="en-US" dirty="0"/>
+          </a:p>
+        </p:txBody>
+      </p:sp>
+      <p:sp>
+        <p:nvSpPr>
+          <p:cNvPr id="3" name="Content Placeholder 2"/>
+          <p:cNvSpPr>
+            <a:spLocks noGrp="1"/>
+          </p:cNvSpPr>
+          <p:nvPr>
+            <p:ph idx="1"/>
+          </p:nvPr>
+        </p:nvSpPr>
+        <p:spPr/>
+        <p:txBody>
+          <a:bodyPr/>
+          <a:lstStyle/>
+          <a:p>
+            <a:r>
+              <a:rPr lang="en-US" dirty="0" smtClean="0"/>
+              <a:t>I took into account the WAP signals and the previously forecast Building ID, Floor and Relative Position into consideration for this last round of regression models. This model is independent from the latitude model.</a:t>
+            </a:r>
+            <a:endParaRPr lang="en-US" dirty="0"/>
+          </a:p>
+        </p:txBody>
+      </p:sp>
+      <p:sp>
+        <p:nvSpPr>
+          <p:cNvPr id="6" name="TextBox 5"/>
+          <p:cNvSpPr txBox="1"/>
+          <p:nvPr/>
+        </p:nvSpPr>
+        <p:spPr>
+          <a:xfrm>
+            <a:off x="838200" y="3503764"/>
+            <a:ext cx="4182035" cy="2677656"/>
+          </a:xfrm>
+          <a:prstGeom prst="rect">
+            <a:avLst/>
+          </a:prstGeom>
+          <a:noFill/>
+        </p:spPr>
+        <p:txBody>
+          <a:bodyPr wrap="square" rtlCol="0">
+            <a:spAutoFit/>
+          </a:bodyPr>
+          <a:lstStyle/>
+          <a:p>
+            <a:pPr marL="457200" indent="-457200">
+              <a:buFont typeface="Arial" panose="020B0604020202020204" pitchFamily="34" charset="0"/>
+              <a:buChar char="•"/>
+            </a:pPr>
+            <a:r>
+              <a:rPr lang="en-US" sz="2800" dirty="0" smtClean="0"/>
+              <a:t>I managed to reach an </a:t>
+            </a:r>
+            <a:r>
+              <a:rPr lang="en-US" sz="2800" dirty="0" err="1" smtClean="0"/>
+              <a:t>Rsquared</a:t>
+            </a:r>
+            <a:r>
+              <a:rPr lang="en-US" sz="2800" dirty="0" smtClean="0"/>
+              <a:t> of 0.99 and an MAE of 5.8 with a </a:t>
+            </a:r>
+            <a:r>
+              <a:rPr lang="en-US" sz="2800" b="1" dirty="0" smtClean="0"/>
+              <a:t>Random Forest </a:t>
+            </a:r>
+            <a:r>
+              <a:rPr lang="en-US" sz="2800" dirty="0" smtClean="0"/>
+              <a:t>(</a:t>
+            </a:r>
+            <a:r>
+              <a:rPr lang="en-US" sz="2800" dirty="0" err="1" smtClean="0"/>
               <a:t>Best_Model</a:t>
             </a:r>
             <a:r>
-              <a:rPr lang="pt-PT" sz="2800" dirty="0" smtClean="0"/>
-              <a:t>), </a:t>
-            </a:r>
-            <a:r>
-              <a:rPr lang="pt-PT" sz="2800" dirty="0" err="1" smtClean="0"/>
-              <a:t>once</a:t>
-            </a:r>
-            <a:r>
-              <a:rPr lang="pt-PT" sz="2800" dirty="0" smtClean="0"/>
-              <a:t> </a:t>
-            </a:r>
-            <a:r>
-              <a:rPr lang="pt-PT" sz="2800" dirty="0" err="1" smtClean="0"/>
-              <a:t>again</a:t>
-            </a:r>
-            <a:r>
-              <a:rPr lang="pt-PT" sz="2800" dirty="0" smtClean="0"/>
-              <a:t>. </a:t>
+              <a:rPr lang="en-US" sz="2800" dirty="0" smtClean="0"/>
+              <a:t>), once again. </a:t>
             </a:r>
             <a:endParaRPr lang="en-US" sz="2800" dirty="0"/>
           </a:p>
@@ -7164,8 +7101,8 @@
         </p:blipFill>
         <p:spPr>
           <a:xfrm>
-            <a:off x="5289831" y="2742626"/>
-            <a:ext cx="6348855" cy="3918150"/>
+            <a:off x="5119502" y="3083572"/>
+            <a:ext cx="5996734" cy="3700841"/>
           </a:xfrm>
           <a:prstGeom prst="rect">
             <a:avLst/>
@@ -7175,24 +7112,17 @@
     </p:spTree>
     <p:extLst>
       <p:ext uri="{BB962C8B-B14F-4D97-AF65-F5344CB8AC3E}">
-        <p14:creationId xmlns:p14="http://schemas.microsoft.com/office/powerpoint/2010/main" val="872891239"/>
+        <p14:creationId xmlns:p14="http://schemas.microsoft.com/office/powerpoint/2010/main" val="919763616"/>
       </p:ext>
     </p:extLst>
   </p:cSld>
   <p:clrMapOvr>
     <a:masterClrMapping/>
   </p:clrMapOvr>
-  <p:timing>
-    <p:tnLst>
-      <p:par>
-        <p:cTn id="1" dur="indefinite" restart="never" nodeType="tmRoot"/>
-      </p:par>
-    </p:tnLst>
-  </p:timing>
 </p:sld>
 </file>
 
-<file path=ppt/slides/slide11.xml><?xml version="1.0" encoding="utf-8"?>
+<file path=ppt/slides/slide12.xml><?xml version="1.0" encoding="utf-8"?>
 <p:sld xmlns:a="http://schemas.openxmlformats.org/drawingml/2006/main" xmlns:r="http://schemas.openxmlformats.org/officeDocument/2006/relationships" xmlns:p="http://schemas.openxmlformats.org/presentationml/2006/main">
   <p:cSld>
     <p:spTree>
@@ -7242,11 +7172,7 @@
             </a:r>
             <a:r>
               <a:rPr lang="pt-PT" dirty="0" smtClean="0"/>
-              <a:t> – </a:t>
-            </a:r>
-            <a:r>
-              <a:rPr lang="pt-PT" dirty="0" smtClean="0"/>
-              <a:t>Longitude</a:t>
+              <a:t> – Latitude</a:t>
             </a:r>
             <a:endParaRPr lang="en-US" dirty="0"/>
           </a:p>
@@ -7268,236 +7194,8 @@
           <a:lstStyle/>
           <a:p>
             <a:r>
-              <a:rPr lang="pt-PT" dirty="0"/>
-              <a:t>I </a:t>
-            </a:r>
-            <a:r>
-              <a:rPr lang="pt-PT" dirty="0" err="1"/>
-              <a:t>took</a:t>
-            </a:r>
-            <a:r>
-              <a:rPr lang="pt-PT" dirty="0"/>
-              <a:t> </a:t>
-            </a:r>
-            <a:r>
-              <a:rPr lang="pt-PT" dirty="0" err="1"/>
-              <a:t>into</a:t>
-            </a:r>
-            <a:r>
-              <a:rPr lang="pt-PT" dirty="0"/>
-              <a:t> </a:t>
-            </a:r>
-            <a:r>
-              <a:rPr lang="pt-PT" dirty="0" err="1"/>
-              <a:t>account</a:t>
-            </a:r>
-            <a:r>
-              <a:rPr lang="pt-PT" dirty="0"/>
-              <a:t> </a:t>
-            </a:r>
-            <a:r>
-              <a:rPr lang="pt-PT" dirty="0" err="1"/>
-              <a:t>the</a:t>
-            </a:r>
-            <a:r>
-              <a:rPr lang="pt-PT" dirty="0"/>
-              <a:t> WAP </a:t>
-            </a:r>
-            <a:r>
-              <a:rPr lang="pt-PT" dirty="0" err="1"/>
-              <a:t>signals</a:t>
-            </a:r>
-            <a:r>
-              <a:rPr lang="pt-PT" dirty="0"/>
-              <a:t> </a:t>
-            </a:r>
-            <a:r>
-              <a:rPr lang="pt-PT" dirty="0" err="1"/>
-              <a:t>and</a:t>
-            </a:r>
-            <a:r>
-              <a:rPr lang="pt-PT" dirty="0"/>
-              <a:t> </a:t>
-            </a:r>
-            <a:r>
-              <a:rPr lang="pt-PT" dirty="0" err="1"/>
-              <a:t>the</a:t>
-            </a:r>
-            <a:r>
-              <a:rPr lang="pt-PT" dirty="0"/>
-              <a:t> </a:t>
-            </a:r>
-            <a:r>
-              <a:rPr lang="pt-PT" dirty="0" err="1"/>
-              <a:t>previously</a:t>
-            </a:r>
-            <a:r>
-              <a:rPr lang="pt-PT" dirty="0"/>
-              <a:t> </a:t>
-            </a:r>
-            <a:r>
-              <a:rPr lang="pt-PT" dirty="0" err="1"/>
-              <a:t>forecast</a:t>
-            </a:r>
-            <a:r>
-              <a:rPr lang="pt-PT" dirty="0"/>
-              <a:t> </a:t>
-            </a:r>
-            <a:r>
-              <a:rPr lang="pt-PT" dirty="0" err="1"/>
-              <a:t>Building</a:t>
-            </a:r>
-            <a:r>
-              <a:rPr lang="pt-PT" dirty="0"/>
-              <a:t> ID, </a:t>
-            </a:r>
-            <a:r>
-              <a:rPr lang="pt-PT" dirty="0" err="1"/>
-              <a:t>Floor</a:t>
-            </a:r>
-            <a:r>
-              <a:rPr lang="pt-PT" dirty="0"/>
-              <a:t> </a:t>
-            </a:r>
-            <a:r>
-              <a:rPr lang="pt-PT" dirty="0" err="1"/>
-              <a:t>and</a:t>
-            </a:r>
-            <a:r>
-              <a:rPr lang="pt-PT" dirty="0"/>
-              <a:t> </a:t>
-            </a:r>
-            <a:r>
-              <a:rPr lang="pt-PT" dirty="0" err="1"/>
-              <a:t>Relative</a:t>
-            </a:r>
-            <a:r>
-              <a:rPr lang="pt-PT" dirty="0"/>
-              <a:t> </a:t>
-            </a:r>
-            <a:r>
-              <a:rPr lang="pt-PT" dirty="0" err="1"/>
-              <a:t>Position</a:t>
-            </a:r>
-            <a:r>
-              <a:rPr lang="pt-PT" dirty="0"/>
-              <a:t> </a:t>
-            </a:r>
-            <a:r>
-              <a:rPr lang="pt-PT" dirty="0" err="1"/>
-              <a:t>into</a:t>
-            </a:r>
-            <a:r>
-              <a:rPr lang="pt-PT" dirty="0"/>
-              <a:t> </a:t>
-            </a:r>
-            <a:r>
-              <a:rPr lang="pt-PT" dirty="0" err="1"/>
-              <a:t>consideration</a:t>
-            </a:r>
-            <a:r>
-              <a:rPr lang="pt-PT" dirty="0"/>
-              <a:t> for </a:t>
-            </a:r>
-            <a:r>
-              <a:rPr lang="pt-PT" dirty="0" err="1"/>
-              <a:t>this</a:t>
-            </a:r>
-            <a:r>
-              <a:rPr lang="pt-PT" dirty="0"/>
-              <a:t> </a:t>
-            </a:r>
-            <a:r>
-              <a:rPr lang="pt-PT" dirty="0" err="1"/>
-              <a:t>last</a:t>
-            </a:r>
-            <a:r>
-              <a:rPr lang="pt-PT" dirty="0"/>
-              <a:t> round </a:t>
-            </a:r>
-            <a:r>
-              <a:rPr lang="pt-PT" dirty="0" err="1"/>
-              <a:t>of</a:t>
-            </a:r>
-            <a:r>
-              <a:rPr lang="pt-PT" dirty="0"/>
-              <a:t> </a:t>
-            </a:r>
-            <a:r>
-              <a:rPr lang="pt-PT" dirty="0" err="1"/>
-              <a:t>regression</a:t>
-            </a:r>
-            <a:r>
-              <a:rPr lang="pt-PT" dirty="0"/>
-              <a:t> </a:t>
-            </a:r>
-            <a:r>
-              <a:rPr lang="pt-PT" dirty="0" err="1"/>
-              <a:t>models</a:t>
-            </a:r>
-            <a:r>
-              <a:rPr lang="pt-PT" dirty="0"/>
-              <a:t>. </a:t>
-            </a:r>
-            <a:r>
-              <a:rPr lang="pt-PT" dirty="0" err="1"/>
-              <a:t>This</a:t>
-            </a:r>
-            <a:r>
-              <a:rPr lang="pt-PT" dirty="0"/>
-              <a:t> </a:t>
-            </a:r>
-            <a:r>
-              <a:rPr lang="pt-PT" dirty="0" err="1"/>
-              <a:t>model</a:t>
-            </a:r>
-            <a:r>
-              <a:rPr lang="pt-PT" dirty="0"/>
-              <a:t> </a:t>
-            </a:r>
-            <a:r>
-              <a:rPr lang="pt-PT" dirty="0" err="1"/>
-              <a:t>is</a:t>
-            </a:r>
-            <a:r>
-              <a:rPr lang="pt-PT" dirty="0"/>
-              <a:t> </a:t>
-            </a:r>
-            <a:r>
-              <a:rPr lang="pt-PT" dirty="0" err="1" smtClean="0"/>
-              <a:t>independent</a:t>
-            </a:r>
-            <a:r>
-              <a:rPr lang="pt-PT" dirty="0" smtClean="0"/>
-              <a:t> </a:t>
-            </a:r>
-            <a:r>
-              <a:rPr lang="pt-PT" dirty="0" err="1"/>
-              <a:t>from</a:t>
-            </a:r>
-            <a:r>
-              <a:rPr lang="pt-PT" dirty="0"/>
-              <a:t> </a:t>
-            </a:r>
-            <a:r>
-              <a:rPr lang="pt-PT" dirty="0" err="1"/>
-              <a:t>the</a:t>
-            </a:r>
-            <a:r>
-              <a:rPr lang="pt-PT" dirty="0"/>
-              <a:t> </a:t>
-            </a:r>
-            <a:r>
-              <a:rPr lang="pt-PT" dirty="0" smtClean="0"/>
-              <a:t>latitude </a:t>
-            </a:r>
-            <a:r>
-              <a:rPr lang="pt-PT" dirty="0" err="1" smtClean="0"/>
-              <a:t>model</a:t>
-            </a:r>
-            <a:r>
-              <a:rPr lang="pt-PT" dirty="0"/>
-              <a:t>.</a:t>
+              <a:rPr lang="en-US" dirty="0" smtClean="0"/>
+              <a:t>I took into account the WAP signals and the previously forecast Building ID, Floor and Relative Position into consideration for this last round of regression models. This model is independent from the longitude model.</a:t>
             </a:r>
             <a:endParaRPr lang="en-US" dirty="0"/>
           </a:p>
@@ -7530,116 +7228,48 @@
               <a:buChar char="•"/>
             </a:pPr>
             <a:r>
-              <a:rPr lang="pt-PT" sz="2800" dirty="0" smtClean="0"/>
-              <a:t>I </a:t>
-            </a:r>
-            <a:r>
-              <a:rPr lang="pt-PT" sz="2800" dirty="0" err="1" smtClean="0"/>
-              <a:t>managed</a:t>
-            </a:r>
-            <a:r>
-              <a:rPr lang="pt-PT" sz="2800" dirty="0" smtClean="0"/>
-              <a:t> to </a:t>
-            </a:r>
-            <a:r>
-              <a:rPr lang="pt-PT" sz="2800" dirty="0" err="1" smtClean="0"/>
-              <a:t>reach</a:t>
-            </a:r>
-            <a:r>
-              <a:rPr lang="pt-PT" sz="2800" dirty="0" smtClean="0"/>
-              <a:t> </a:t>
-            </a:r>
-            <a:r>
-              <a:rPr lang="pt-PT" sz="2800" dirty="0" err="1" smtClean="0"/>
-              <a:t>an</a:t>
-            </a:r>
-            <a:r>
-              <a:rPr lang="pt-PT" sz="2800" dirty="0" smtClean="0"/>
-              <a:t> </a:t>
-            </a:r>
-            <a:r>
-              <a:rPr lang="pt-PT" sz="2800" dirty="0" err="1" smtClean="0"/>
+              <a:rPr lang="en-US" sz="2800" dirty="0"/>
+              <a:t>I managed to reach an </a:t>
+            </a:r>
+            <a:r>
+              <a:rPr lang="en-US" sz="2800" dirty="0" err="1"/>
               <a:t>Rsquared</a:t>
             </a:r>
             <a:r>
-              <a:rPr lang="pt-PT" sz="2800" dirty="0" smtClean="0"/>
-              <a:t> </a:t>
-            </a:r>
-            <a:r>
-              <a:rPr lang="pt-PT" sz="2800" dirty="0" err="1" smtClean="0"/>
-              <a:t>of</a:t>
-            </a:r>
-            <a:r>
-              <a:rPr lang="pt-PT" sz="2800" dirty="0" smtClean="0"/>
-              <a:t> 0.99 </a:t>
-            </a:r>
-            <a:r>
-              <a:rPr lang="pt-PT" sz="2800" dirty="0" err="1" smtClean="0"/>
-              <a:t>and</a:t>
-            </a:r>
-            <a:r>
-              <a:rPr lang="pt-PT" sz="2800" dirty="0" smtClean="0"/>
-              <a:t> na MAE </a:t>
-            </a:r>
-            <a:r>
-              <a:rPr lang="pt-PT" sz="2800" dirty="0" err="1" smtClean="0"/>
-              <a:t>of</a:t>
-            </a:r>
-            <a:r>
-              <a:rPr lang="pt-PT" sz="2800" dirty="0" smtClean="0"/>
-              <a:t> 5.8 </a:t>
-            </a:r>
-            <a:r>
-              <a:rPr lang="pt-PT" sz="2800" dirty="0" err="1" smtClean="0"/>
-              <a:t>with</a:t>
-            </a:r>
-            <a:r>
-              <a:rPr lang="pt-PT" sz="2800" dirty="0" smtClean="0"/>
-              <a:t> </a:t>
-            </a:r>
-            <a:r>
-              <a:rPr lang="pt-PT" sz="2800" dirty="0" smtClean="0"/>
-              <a:t>a </a:t>
-            </a:r>
-            <a:r>
-              <a:rPr lang="pt-PT" sz="2800" b="1" dirty="0" err="1" smtClean="0"/>
-              <a:t>Random</a:t>
-            </a:r>
-            <a:r>
-              <a:rPr lang="pt-PT" sz="2800" b="1" dirty="0" smtClean="0"/>
-              <a:t> </a:t>
-            </a:r>
-            <a:r>
-              <a:rPr lang="pt-PT" sz="2800" b="1" dirty="0" err="1" smtClean="0"/>
-              <a:t>Forest</a:t>
-            </a:r>
-            <a:r>
-              <a:rPr lang="pt-PT" sz="2800" dirty="0" smtClean="0"/>
-              <a:t> (</a:t>
-            </a:r>
-            <a:r>
-              <a:rPr lang="pt-PT" sz="2800" dirty="0" err="1" smtClean="0"/>
+              <a:rPr lang="en-US" sz="2800" dirty="0"/>
+              <a:t> of </a:t>
+            </a:r>
+            <a:r>
+              <a:rPr lang="en-US" sz="2800" dirty="0" smtClean="0"/>
+              <a:t>0.98 </a:t>
+            </a:r>
+            <a:r>
+              <a:rPr lang="en-US" sz="2800" dirty="0"/>
+              <a:t>and an MAE of </a:t>
+            </a:r>
+            <a:r>
+              <a:rPr lang="en-US" sz="2800" dirty="0" smtClean="0"/>
+              <a:t>4.8 </a:t>
+            </a:r>
+            <a:r>
+              <a:rPr lang="en-US" sz="2800" dirty="0"/>
+              <a:t>with a </a:t>
+            </a:r>
+            <a:r>
+              <a:rPr lang="en-US" sz="2800" b="1" dirty="0"/>
+              <a:t>Random Forest </a:t>
+            </a:r>
+            <a:r>
+              <a:rPr lang="en-US" sz="2800" dirty="0"/>
+              <a:t>(</a:t>
+            </a:r>
+            <a:r>
+              <a:rPr lang="en-US" sz="2800" dirty="0" err="1"/>
               <a:t>Best_Model</a:t>
             </a:r>
             <a:r>
-              <a:rPr lang="pt-PT" sz="2800" dirty="0" smtClean="0"/>
-              <a:t>), </a:t>
-            </a:r>
-            <a:r>
-              <a:rPr lang="pt-PT" sz="2800" dirty="0" err="1" smtClean="0"/>
-              <a:t>once</a:t>
-            </a:r>
-            <a:r>
-              <a:rPr lang="pt-PT" sz="2800" dirty="0" smtClean="0"/>
-              <a:t> </a:t>
-            </a:r>
-            <a:r>
-              <a:rPr lang="pt-PT" sz="2800" dirty="0" err="1" smtClean="0"/>
-              <a:t>again</a:t>
-            </a:r>
-            <a:r>
-              <a:rPr lang="pt-PT" sz="2800" dirty="0" smtClean="0"/>
-              <a:t>. </a:t>
+              <a:rPr lang="en-US" sz="2800" dirty="0"/>
+              <a:t>), once again. </a:t>
             </a:r>
             <a:endParaRPr lang="en-US" sz="2800" dirty="0"/>
           </a:p>
@@ -7667,8 +7297,8 @@
         </p:blipFill>
         <p:spPr>
           <a:xfrm>
-            <a:off x="5782235" y="3195887"/>
-            <a:ext cx="5933980" cy="3662113"/>
+            <a:off x="5692589" y="3096594"/>
+            <a:ext cx="5862918" cy="3618257"/>
           </a:xfrm>
           <a:prstGeom prst="rect">
             <a:avLst/>
@@ -7685,478 +7315,6 @@
   <p:clrMapOvr>
     <a:masterClrMapping/>
   </p:clrMapOvr>
-  <p:timing>
-    <p:tnLst>
-      <p:par>
-        <p:cTn id="1" dur="indefinite" restart="never" nodeType="tmRoot"/>
-      </p:par>
-    </p:tnLst>
-  </p:timing>
-</p:sld>
-</file>
-
-<file path=ppt/slides/slide12.xml><?xml version="1.0" encoding="utf-8"?>
-<p:sld xmlns:a="http://schemas.openxmlformats.org/drawingml/2006/main" xmlns:r="http://schemas.openxmlformats.org/officeDocument/2006/relationships" xmlns:p="http://schemas.openxmlformats.org/presentationml/2006/main">
-  <p:cSld>
-    <p:spTree>
-      <p:nvGrpSpPr>
-        <p:cNvPr id="1" name=""/>
-        <p:cNvGrpSpPr/>
-        <p:nvPr/>
-      </p:nvGrpSpPr>
-      <p:grpSpPr>
-        <a:xfrm>
-          <a:off x="0" y="0"/>
-          <a:ext cx="0" cy="0"/>
-          <a:chOff x="0" y="0"/>
-          <a:chExt cx="0" cy="0"/>
-        </a:xfrm>
-      </p:grpSpPr>
-      <p:sp>
-        <p:nvSpPr>
-          <p:cNvPr id="2" name="Title 1"/>
-          <p:cNvSpPr>
-            <a:spLocks noGrp="1"/>
-          </p:cNvSpPr>
-          <p:nvPr>
-            <p:ph type="title"/>
-          </p:nvPr>
-        </p:nvSpPr>
-        <p:spPr/>
-        <p:txBody>
-          <a:bodyPr/>
-          <a:lstStyle/>
-          <a:p>
-            <a:r>
-              <a:rPr lang="pt-PT" dirty="0" smtClean="0"/>
-              <a:t>6. </a:t>
-            </a:r>
-            <a:r>
-              <a:rPr lang="pt-PT" dirty="0" err="1" smtClean="0"/>
-              <a:t>Models</a:t>
-            </a:r>
-            <a:r>
-              <a:rPr lang="pt-PT" dirty="0" smtClean="0"/>
-              <a:t> </a:t>
-            </a:r>
-            <a:r>
-              <a:rPr lang="pt-PT" dirty="0" err="1" smtClean="0"/>
-              <a:t>Produced</a:t>
-            </a:r>
-            <a:r>
-              <a:rPr lang="pt-PT" dirty="0" smtClean="0"/>
-              <a:t> – </a:t>
-            </a:r>
-            <a:r>
-              <a:rPr lang="pt-PT" dirty="0" smtClean="0"/>
-              <a:t>Latitude</a:t>
-            </a:r>
-            <a:endParaRPr lang="en-US" dirty="0"/>
-          </a:p>
-        </p:txBody>
-      </p:sp>
-      <p:sp>
-        <p:nvSpPr>
-          <p:cNvPr id="3" name="Content Placeholder 2"/>
-          <p:cNvSpPr>
-            <a:spLocks noGrp="1"/>
-          </p:cNvSpPr>
-          <p:nvPr>
-            <p:ph idx="1"/>
-          </p:nvPr>
-        </p:nvSpPr>
-        <p:spPr/>
-        <p:txBody>
-          <a:bodyPr/>
-          <a:lstStyle/>
-          <a:p>
-            <a:r>
-              <a:rPr lang="pt-PT" dirty="0" smtClean="0"/>
-              <a:t>I </a:t>
-            </a:r>
-            <a:r>
-              <a:rPr lang="pt-PT" dirty="0" err="1" smtClean="0"/>
-              <a:t>took</a:t>
-            </a:r>
-            <a:r>
-              <a:rPr lang="pt-PT" dirty="0" smtClean="0"/>
-              <a:t> </a:t>
-            </a:r>
-            <a:r>
-              <a:rPr lang="pt-PT" dirty="0" err="1" smtClean="0"/>
-              <a:t>into</a:t>
-            </a:r>
-            <a:r>
-              <a:rPr lang="pt-PT" dirty="0" smtClean="0"/>
-              <a:t> </a:t>
-            </a:r>
-            <a:r>
-              <a:rPr lang="pt-PT" dirty="0" err="1" smtClean="0"/>
-              <a:t>account</a:t>
-            </a:r>
-            <a:r>
-              <a:rPr lang="pt-PT" dirty="0" smtClean="0"/>
-              <a:t> </a:t>
-            </a:r>
-            <a:r>
-              <a:rPr lang="pt-PT" dirty="0" err="1" smtClean="0"/>
-              <a:t>the</a:t>
-            </a:r>
-            <a:r>
-              <a:rPr lang="pt-PT" dirty="0" smtClean="0"/>
-              <a:t> WAP </a:t>
-            </a:r>
-            <a:r>
-              <a:rPr lang="pt-PT" dirty="0" err="1" smtClean="0"/>
-              <a:t>signals</a:t>
-            </a:r>
-            <a:r>
-              <a:rPr lang="pt-PT" dirty="0" smtClean="0"/>
-              <a:t> </a:t>
-            </a:r>
-            <a:r>
-              <a:rPr lang="pt-PT" dirty="0" err="1" smtClean="0"/>
-              <a:t>and</a:t>
-            </a:r>
-            <a:r>
-              <a:rPr lang="pt-PT" dirty="0" smtClean="0"/>
-              <a:t> </a:t>
-            </a:r>
-            <a:r>
-              <a:rPr lang="pt-PT" dirty="0" err="1" smtClean="0"/>
-              <a:t>the</a:t>
-            </a:r>
-            <a:r>
-              <a:rPr lang="pt-PT" dirty="0" smtClean="0"/>
-              <a:t> </a:t>
-            </a:r>
-            <a:r>
-              <a:rPr lang="pt-PT" dirty="0" err="1" smtClean="0"/>
-              <a:t>previously</a:t>
-            </a:r>
-            <a:r>
-              <a:rPr lang="pt-PT" dirty="0" smtClean="0"/>
-              <a:t> </a:t>
-            </a:r>
-            <a:r>
-              <a:rPr lang="pt-PT" dirty="0" err="1" smtClean="0"/>
-              <a:t>forecast</a:t>
-            </a:r>
-            <a:r>
-              <a:rPr lang="pt-PT" dirty="0" smtClean="0"/>
-              <a:t> </a:t>
-            </a:r>
-            <a:r>
-              <a:rPr lang="pt-PT" dirty="0" err="1" smtClean="0"/>
-              <a:t>Building</a:t>
-            </a:r>
-            <a:r>
-              <a:rPr lang="pt-PT" dirty="0" smtClean="0"/>
-              <a:t> ID, </a:t>
-            </a:r>
-            <a:r>
-              <a:rPr lang="pt-PT" dirty="0" err="1" smtClean="0"/>
-              <a:t>Floor</a:t>
-            </a:r>
-            <a:r>
-              <a:rPr lang="pt-PT" dirty="0" smtClean="0"/>
-              <a:t> </a:t>
-            </a:r>
-            <a:r>
-              <a:rPr lang="pt-PT" dirty="0" err="1" smtClean="0"/>
-              <a:t>and</a:t>
-            </a:r>
-            <a:r>
-              <a:rPr lang="pt-PT" dirty="0" smtClean="0"/>
-              <a:t> </a:t>
-            </a:r>
-            <a:r>
-              <a:rPr lang="pt-PT" dirty="0" err="1" smtClean="0"/>
-              <a:t>Relative</a:t>
-            </a:r>
-            <a:r>
-              <a:rPr lang="pt-PT" dirty="0" smtClean="0"/>
-              <a:t> </a:t>
-            </a:r>
-            <a:r>
-              <a:rPr lang="pt-PT" dirty="0" err="1" smtClean="0"/>
-              <a:t>Position</a:t>
-            </a:r>
-            <a:r>
-              <a:rPr lang="pt-PT" dirty="0" smtClean="0"/>
-              <a:t> </a:t>
-            </a:r>
-            <a:r>
-              <a:rPr lang="pt-PT" dirty="0" err="1" smtClean="0"/>
-              <a:t>into</a:t>
-            </a:r>
-            <a:r>
-              <a:rPr lang="pt-PT" dirty="0" smtClean="0"/>
-              <a:t> </a:t>
-            </a:r>
-            <a:r>
-              <a:rPr lang="pt-PT" dirty="0" err="1" smtClean="0"/>
-              <a:t>consideration</a:t>
-            </a:r>
-            <a:r>
-              <a:rPr lang="pt-PT" dirty="0" smtClean="0"/>
-              <a:t> for </a:t>
-            </a:r>
-            <a:r>
-              <a:rPr lang="pt-PT" dirty="0" err="1" smtClean="0"/>
-              <a:t>this</a:t>
-            </a:r>
-            <a:r>
-              <a:rPr lang="pt-PT" dirty="0" smtClean="0"/>
-              <a:t> </a:t>
-            </a:r>
-            <a:r>
-              <a:rPr lang="pt-PT" dirty="0" err="1" smtClean="0"/>
-              <a:t>last</a:t>
-            </a:r>
-            <a:r>
-              <a:rPr lang="pt-PT" dirty="0" smtClean="0"/>
-              <a:t> round </a:t>
-            </a:r>
-            <a:r>
-              <a:rPr lang="pt-PT" dirty="0" err="1" smtClean="0"/>
-              <a:t>of</a:t>
-            </a:r>
-            <a:r>
-              <a:rPr lang="pt-PT" dirty="0" smtClean="0"/>
-              <a:t> </a:t>
-            </a:r>
-            <a:r>
-              <a:rPr lang="pt-PT" dirty="0" err="1" smtClean="0"/>
-              <a:t>regression</a:t>
-            </a:r>
-            <a:r>
-              <a:rPr lang="pt-PT" dirty="0" smtClean="0"/>
-              <a:t> </a:t>
-            </a:r>
-            <a:r>
-              <a:rPr lang="pt-PT" dirty="0" err="1" smtClean="0"/>
-              <a:t>models</a:t>
-            </a:r>
-            <a:r>
-              <a:rPr lang="pt-PT" dirty="0" smtClean="0"/>
-              <a:t>. </a:t>
-            </a:r>
-            <a:r>
-              <a:rPr lang="pt-PT" dirty="0" err="1" smtClean="0"/>
-              <a:t>This</a:t>
-            </a:r>
-            <a:r>
-              <a:rPr lang="pt-PT" dirty="0" smtClean="0"/>
-              <a:t> </a:t>
-            </a:r>
-            <a:r>
-              <a:rPr lang="pt-PT" dirty="0" err="1" smtClean="0"/>
-              <a:t>model</a:t>
-            </a:r>
-            <a:r>
-              <a:rPr lang="pt-PT" dirty="0" smtClean="0"/>
-              <a:t> </a:t>
-            </a:r>
-            <a:r>
-              <a:rPr lang="pt-PT" dirty="0" err="1" smtClean="0"/>
-              <a:t>is</a:t>
-            </a:r>
-            <a:r>
-              <a:rPr lang="pt-PT" dirty="0" smtClean="0"/>
-              <a:t> </a:t>
-            </a:r>
-            <a:r>
-              <a:rPr lang="pt-PT" dirty="0" err="1" smtClean="0"/>
-              <a:t>independent</a:t>
-            </a:r>
-            <a:r>
-              <a:rPr lang="pt-PT" dirty="0" smtClean="0"/>
-              <a:t> </a:t>
-            </a:r>
-            <a:r>
-              <a:rPr lang="pt-PT" dirty="0" err="1" smtClean="0"/>
-              <a:t>from</a:t>
-            </a:r>
-            <a:r>
-              <a:rPr lang="pt-PT" dirty="0" smtClean="0"/>
-              <a:t> </a:t>
-            </a:r>
-            <a:r>
-              <a:rPr lang="pt-PT" dirty="0" err="1" smtClean="0"/>
-              <a:t>the</a:t>
-            </a:r>
-            <a:r>
-              <a:rPr lang="pt-PT" dirty="0" smtClean="0"/>
-              <a:t> latitude </a:t>
-            </a:r>
-            <a:r>
-              <a:rPr lang="pt-PT" dirty="0" err="1" smtClean="0"/>
-              <a:t>model</a:t>
-            </a:r>
-            <a:r>
-              <a:rPr lang="pt-PT" dirty="0" smtClean="0"/>
-              <a:t>.</a:t>
-            </a:r>
-            <a:endParaRPr lang="en-US" dirty="0"/>
-          </a:p>
-        </p:txBody>
-      </p:sp>
-      <p:sp>
-        <p:nvSpPr>
-          <p:cNvPr id="6" name="TextBox 5"/>
-          <p:cNvSpPr txBox="1"/>
-          <p:nvPr/>
-        </p:nvSpPr>
-        <p:spPr>
-          <a:xfrm>
-            <a:off x="838200" y="3503764"/>
-            <a:ext cx="4182035" cy="2246769"/>
-          </a:xfrm>
-          <a:prstGeom prst="rect">
-            <a:avLst/>
-          </a:prstGeom>
-          <a:noFill/>
-        </p:spPr>
-        <p:txBody>
-          <a:bodyPr wrap="square" rtlCol="0">
-            <a:spAutoFit/>
-          </a:bodyPr>
-          <a:lstStyle/>
-          <a:p>
-            <a:pPr marL="457200" indent="-457200">
-              <a:buFont typeface="Arial" panose="020B0604020202020204" pitchFamily="34" charset="0"/>
-              <a:buChar char="•"/>
-            </a:pPr>
-            <a:r>
-              <a:rPr lang="pt-PT" sz="2800" dirty="0" smtClean="0"/>
-              <a:t>I </a:t>
-            </a:r>
-            <a:r>
-              <a:rPr lang="pt-PT" sz="2800" dirty="0" err="1" smtClean="0"/>
-              <a:t>managed</a:t>
-            </a:r>
-            <a:r>
-              <a:rPr lang="pt-PT" sz="2800" dirty="0" smtClean="0"/>
-              <a:t> to </a:t>
-            </a:r>
-            <a:r>
-              <a:rPr lang="pt-PT" sz="2800" dirty="0" err="1" smtClean="0"/>
-              <a:t>reach</a:t>
-            </a:r>
-            <a:r>
-              <a:rPr lang="pt-PT" sz="2800" dirty="0" smtClean="0"/>
-              <a:t> </a:t>
-            </a:r>
-            <a:r>
-              <a:rPr lang="pt-PT" sz="2800" dirty="0" err="1" smtClean="0"/>
-              <a:t>an</a:t>
-            </a:r>
-            <a:r>
-              <a:rPr lang="pt-PT" sz="2800" dirty="0" smtClean="0"/>
-              <a:t> </a:t>
-            </a:r>
-            <a:r>
-              <a:rPr lang="pt-PT" sz="2800" dirty="0" err="1" smtClean="0"/>
-              <a:t>accuracy</a:t>
-            </a:r>
-            <a:r>
-              <a:rPr lang="pt-PT" sz="2800" dirty="0" smtClean="0"/>
-              <a:t> </a:t>
-            </a:r>
-            <a:r>
-              <a:rPr lang="pt-PT" sz="2800" dirty="0" err="1" smtClean="0"/>
-              <a:t>and</a:t>
-            </a:r>
-            <a:r>
-              <a:rPr lang="pt-PT" sz="2800" dirty="0" smtClean="0"/>
-              <a:t> </a:t>
-            </a:r>
-            <a:r>
-              <a:rPr lang="pt-PT" sz="2800" dirty="0" err="1" smtClean="0"/>
-              <a:t>kappa</a:t>
-            </a:r>
-            <a:r>
-              <a:rPr lang="pt-PT" sz="2800" dirty="0" smtClean="0"/>
-              <a:t> </a:t>
-            </a:r>
-            <a:r>
-              <a:rPr lang="pt-PT" sz="2800" dirty="0" err="1" smtClean="0"/>
-              <a:t>of</a:t>
-            </a:r>
-            <a:r>
-              <a:rPr lang="pt-PT" sz="2800" dirty="0" smtClean="0"/>
-              <a:t> ~95% </a:t>
-            </a:r>
-            <a:r>
-              <a:rPr lang="pt-PT" sz="2800" dirty="0" err="1" smtClean="0"/>
-              <a:t>with</a:t>
-            </a:r>
-            <a:r>
-              <a:rPr lang="pt-PT" sz="2800" dirty="0" smtClean="0"/>
-              <a:t> a </a:t>
-            </a:r>
-            <a:r>
-              <a:rPr lang="pt-PT" sz="2800" b="1" dirty="0" err="1" smtClean="0"/>
-              <a:t>Random</a:t>
-            </a:r>
-            <a:r>
-              <a:rPr lang="pt-PT" sz="2800" b="1" dirty="0" smtClean="0"/>
-              <a:t> </a:t>
-            </a:r>
-            <a:r>
-              <a:rPr lang="pt-PT" sz="2800" b="1" dirty="0" err="1" smtClean="0"/>
-              <a:t>Forest</a:t>
-            </a:r>
-            <a:r>
-              <a:rPr lang="pt-PT" sz="2800" dirty="0" smtClean="0"/>
-              <a:t> (</a:t>
-            </a:r>
-            <a:r>
-              <a:rPr lang="pt-PT" sz="2800" dirty="0" err="1" smtClean="0"/>
-              <a:t>Best_Model</a:t>
-            </a:r>
-            <a:r>
-              <a:rPr lang="pt-PT" sz="2800" dirty="0" smtClean="0"/>
-              <a:t>), </a:t>
-            </a:r>
-            <a:r>
-              <a:rPr lang="pt-PT" sz="2800" dirty="0" err="1" smtClean="0"/>
-              <a:t>once</a:t>
-            </a:r>
-            <a:r>
-              <a:rPr lang="pt-PT" sz="2800" dirty="0" smtClean="0"/>
-              <a:t> </a:t>
-            </a:r>
-            <a:r>
-              <a:rPr lang="pt-PT" sz="2800" dirty="0" err="1" smtClean="0"/>
-              <a:t>again</a:t>
-            </a:r>
-            <a:r>
-              <a:rPr lang="pt-PT" sz="2800" dirty="0" smtClean="0"/>
-              <a:t>. </a:t>
-            </a:r>
-            <a:endParaRPr lang="en-US" sz="2800" dirty="0"/>
-          </a:p>
-        </p:txBody>
-      </p:sp>
-    </p:spTree>
-    <p:extLst>
-      <p:ext uri="{BB962C8B-B14F-4D97-AF65-F5344CB8AC3E}">
-        <p14:creationId xmlns:p14="http://schemas.microsoft.com/office/powerpoint/2010/main" val="919763616"/>
-      </p:ext>
-    </p:extLst>
-  </p:cSld>
-  <p:clrMapOvr>
-    <a:masterClrMapping/>
-  </p:clrMapOvr>
-  <p:timing>
-    <p:tnLst>
-      <p:par>
-        <p:cTn id="1" dur="indefinite" restart="never" nodeType="tmRoot"/>
-      </p:par>
-    </p:tnLst>
-  </p:timing>
 </p:sld>
 </file>
 
@@ -8187,7 +7345,12 @@
             <p:ph type="title"/>
           </p:nvPr>
         </p:nvSpPr>
-        <p:spPr/>
+        <p:spPr>
+          <a:xfrm>
+            <a:off x="457199" y="815785"/>
+            <a:ext cx="11174819" cy="903767"/>
+          </a:xfrm>
+        </p:spPr>
         <p:txBody>
           <a:bodyPr/>
           <a:lstStyle/>
@@ -8230,194 +7393,41 @@
             <p:ph idx="1"/>
           </p:nvPr>
         </p:nvSpPr>
-        <p:spPr/>
+        <p:spPr>
+          <a:xfrm>
+            <a:off x="786808" y="1493928"/>
+            <a:ext cx="10515600" cy="4351338"/>
+          </a:xfrm>
+        </p:spPr>
         <p:txBody>
           <a:bodyPr/>
           <a:lstStyle/>
           <a:p>
             <a:r>
-              <a:rPr lang="pt-PT" dirty="0" err="1" smtClean="0"/>
-              <a:t>We</a:t>
+              <a:rPr lang="en-US" dirty="0" smtClean="0"/>
+              <a:t>We managed to develop a system of cascading models to forecast fairly accurately the position of each client;</a:t>
+            </a:r>
+          </a:p>
+          <a:p>
+            <a:pPr lvl="1"/>
+            <a:r>
+              <a:rPr lang="en-US" dirty="0" smtClean="0"/>
+              <a:t>It’s worth noting that the error/distances between two points in the coordinate system of this dataset (EPSG:3857) corresponds directly to meters. Therefore, </a:t>
+            </a:r>
+            <a:r>
+              <a:rPr lang="en-US" b="1" dirty="0" smtClean="0"/>
+              <a:t>the errors can be interpreted in meters</a:t>
             </a:r>
             <a:r>
               <a:rPr lang="pt-PT" dirty="0" smtClean="0"/>
-              <a:t> </a:t>
-            </a:r>
-            <a:r>
-              <a:rPr lang="pt-PT" dirty="0" err="1" smtClean="0"/>
-              <a:t>managed</a:t>
-            </a:r>
-            <a:r>
-              <a:rPr lang="pt-PT" dirty="0" smtClean="0"/>
-              <a:t> to </a:t>
-            </a:r>
-            <a:r>
-              <a:rPr lang="pt-PT" dirty="0" err="1" smtClean="0"/>
-              <a:t>develop</a:t>
-            </a:r>
-            <a:r>
-              <a:rPr lang="pt-PT" dirty="0" smtClean="0"/>
-              <a:t> a </a:t>
-            </a:r>
-            <a:r>
-              <a:rPr lang="pt-PT" dirty="0" err="1" smtClean="0"/>
-              <a:t>system</a:t>
-            </a:r>
-            <a:r>
-              <a:rPr lang="pt-PT" dirty="0" smtClean="0"/>
-              <a:t> </a:t>
-            </a:r>
-            <a:r>
-              <a:rPr lang="pt-PT" dirty="0" err="1" smtClean="0"/>
-              <a:t>of</a:t>
-            </a:r>
-            <a:r>
-              <a:rPr lang="pt-PT" dirty="0" smtClean="0"/>
-              <a:t> </a:t>
-            </a:r>
-            <a:r>
-              <a:rPr lang="pt-PT" dirty="0" err="1" smtClean="0"/>
-              <a:t>cascading</a:t>
-            </a:r>
-            <a:r>
-              <a:rPr lang="pt-PT" dirty="0" smtClean="0"/>
-              <a:t> </a:t>
-            </a:r>
-            <a:r>
-              <a:rPr lang="pt-PT" dirty="0" err="1" smtClean="0"/>
-              <a:t>models</a:t>
-            </a:r>
-            <a:r>
-              <a:rPr lang="pt-PT" dirty="0" smtClean="0"/>
-              <a:t> to </a:t>
-            </a:r>
-            <a:r>
-              <a:rPr lang="pt-PT" dirty="0" err="1" smtClean="0"/>
-              <a:t>forecast</a:t>
-            </a:r>
-            <a:r>
-              <a:rPr lang="pt-PT" dirty="0" smtClean="0"/>
-              <a:t> </a:t>
-            </a:r>
-            <a:r>
-              <a:rPr lang="pt-PT" dirty="0" err="1" smtClean="0"/>
-              <a:t>fairly</a:t>
-            </a:r>
-            <a:r>
-              <a:rPr lang="pt-PT" dirty="0" smtClean="0"/>
-              <a:t> </a:t>
-            </a:r>
-            <a:r>
-              <a:rPr lang="pt-PT" dirty="0" err="1" smtClean="0"/>
-              <a:t>accurately</a:t>
-            </a:r>
-            <a:r>
-              <a:rPr lang="pt-PT" dirty="0" smtClean="0"/>
-              <a:t> </a:t>
-            </a:r>
-            <a:r>
-              <a:rPr lang="pt-PT" dirty="0" err="1" smtClean="0"/>
-              <a:t>the</a:t>
-            </a:r>
-            <a:r>
-              <a:rPr lang="pt-PT" dirty="0" smtClean="0"/>
-              <a:t> </a:t>
-            </a:r>
-            <a:r>
-              <a:rPr lang="pt-PT" dirty="0" err="1" smtClean="0"/>
-              <a:t>position</a:t>
-            </a:r>
-            <a:r>
-              <a:rPr lang="pt-PT" dirty="0" smtClean="0"/>
-              <a:t> </a:t>
-            </a:r>
-            <a:r>
-              <a:rPr lang="pt-PT" dirty="0" err="1" smtClean="0"/>
-              <a:t>of</a:t>
-            </a:r>
-            <a:r>
-              <a:rPr lang="pt-PT" dirty="0" smtClean="0"/>
-              <a:t> </a:t>
-            </a:r>
-            <a:r>
-              <a:rPr lang="pt-PT" dirty="0" err="1" smtClean="0"/>
-              <a:t>each</a:t>
-            </a:r>
-            <a:r>
-              <a:rPr lang="pt-PT" dirty="0" smtClean="0"/>
-              <a:t> </a:t>
-            </a:r>
-            <a:r>
-              <a:rPr lang="pt-PT" dirty="0" err="1" smtClean="0"/>
-              <a:t>client</a:t>
-            </a:r>
-            <a:r>
-              <a:rPr lang="pt-PT" dirty="0" smtClean="0"/>
-              <a:t>, </a:t>
-            </a:r>
-            <a:r>
-              <a:rPr lang="pt-PT" dirty="0" err="1" smtClean="0"/>
-              <a:t>below</a:t>
-            </a:r>
-            <a:r>
-              <a:rPr lang="pt-PT" dirty="0" smtClean="0"/>
-              <a:t> </a:t>
-            </a:r>
-            <a:r>
-              <a:rPr lang="pt-PT" dirty="0" err="1" smtClean="0"/>
-              <a:t>follows</a:t>
-            </a:r>
-            <a:r>
-              <a:rPr lang="pt-PT" dirty="0" smtClean="0"/>
-              <a:t> a </a:t>
-            </a:r>
-            <a:r>
-              <a:rPr lang="pt-PT" dirty="0" err="1" smtClean="0"/>
-              <a:t>table</a:t>
-            </a:r>
-            <a:r>
-              <a:rPr lang="pt-PT" dirty="0" smtClean="0"/>
-              <a:t> </a:t>
-            </a:r>
-            <a:r>
-              <a:rPr lang="pt-PT" dirty="0" err="1" smtClean="0"/>
-              <a:t>containing</a:t>
-            </a:r>
-            <a:r>
-              <a:rPr lang="pt-PT" dirty="0" smtClean="0"/>
-              <a:t> </a:t>
-            </a:r>
-            <a:r>
-              <a:rPr lang="pt-PT" dirty="0" err="1" smtClean="0"/>
-              <a:t>further</a:t>
-            </a:r>
-            <a:r>
-              <a:rPr lang="pt-PT" dirty="0" smtClean="0"/>
-              <a:t> </a:t>
-            </a:r>
-            <a:r>
-              <a:rPr lang="pt-PT" dirty="0" err="1" smtClean="0"/>
-              <a:t>detail</a:t>
-            </a:r>
-            <a:r>
-              <a:rPr lang="pt-PT" dirty="0" smtClean="0"/>
-              <a:t> </a:t>
-            </a:r>
-            <a:r>
-              <a:rPr lang="pt-PT" dirty="0" err="1" smtClean="0"/>
-              <a:t>on</a:t>
-            </a:r>
-            <a:r>
-              <a:rPr lang="pt-PT" dirty="0" smtClean="0"/>
-              <a:t> </a:t>
-            </a:r>
-            <a:r>
-              <a:rPr lang="pt-PT" dirty="0" err="1" smtClean="0"/>
-              <a:t>the</a:t>
-            </a:r>
-            <a:r>
-              <a:rPr lang="pt-PT" dirty="0" smtClean="0"/>
-              <a:t> error:</a:t>
+              <a:t>.</a:t>
+            </a:r>
+            <a:endParaRPr lang="en-US" dirty="0" smtClean="0"/>
+          </a:p>
+          <a:p>
+            <a:r>
+              <a:rPr lang="en-US" dirty="0" smtClean="0"/>
+              <a:t>Below follows a table containing a summary of the error:</a:t>
             </a:r>
             <a:endParaRPr lang="en-US" dirty="0"/>
           </a:p>
@@ -8432,14 +7442,14 @@
           <p:nvPr>
             <p:extLst>
               <p:ext uri="{D42A27DB-BD31-4B8C-83A1-F6EECF244321}">
-                <p14:modId xmlns:p14="http://schemas.microsoft.com/office/powerpoint/2010/main" val="1023543911"/>
+                <p14:modId xmlns:p14="http://schemas.microsoft.com/office/powerpoint/2010/main" val="2164036505"/>
               </p:ext>
             </p:extLst>
           </p:nvPr>
         </p:nvGraphicFramePr>
         <p:xfrm>
-          <a:off x="838200" y="3570442"/>
-          <a:ext cx="10515600" cy="2595880"/>
+          <a:off x="533400" y="3894265"/>
+          <a:ext cx="10515600" cy="2865120"/>
         </p:xfrm>
         <a:graphic>
           <a:graphicData uri="http://schemas.openxmlformats.org/drawingml/2006/table">
@@ -8632,7 +7642,23 @@
                     <a:p>
                       <a:r>
                         <a:rPr lang="en-US" dirty="0" smtClean="0"/>
-                        <a:t>5.815849</a:t>
+                        <a:t>5.56</a:t>
+                      </a:r>
+                    </a:p>
+                    <a:p>
+                      <a:endParaRPr lang="en-US" dirty="0"/>
+                    </a:p>
+                  </a:txBody>
+                  <a:tcPr/>
+                </a:tc>
+                <a:tc>
+                  <a:txBody>
+                    <a:bodyPr/>
+                    <a:lstStyle/>
+                    <a:p>
+                      <a:r>
+                        <a:rPr lang="en-US" dirty="0" smtClean="0"/>
+                        <a:t>5.78 </a:t>
                       </a:r>
                       <a:endParaRPr lang="en-US" dirty="0"/>
                     </a:p>
@@ -8646,7 +7672,7 @@
                     <a:p>
                       <a:r>
                         <a:rPr lang="en-US" dirty="0" smtClean="0"/>
-                        <a:t>5.918297 </a:t>
+                        <a:t>6.01 </a:t>
                       </a:r>
                       <a:endParaRPr lang="en-US" dirty="0"/>
                     </a:p>
@@ -8660,7 +7686,7 @@
                     <a:p>
                       <a:r>
                         <a:rPr lang="en-US" dirty="0" smtClean="0"/>
-                        <a:t>6.020746 </a:t>
+                        <a:t>5.97</a:t>
                       </a:r>
                       <a:endParaRPr lang="en-US" dirty="0"/>
                     </a:p>
@@ -8674,7 +7700,7 @@
                     <a:p>
                       <a:r>
                         <a:rPr lang="en-US" dirty="0" smtClean="0"/>
-                        <a:t>5.975757 </a:t>
+                        <a:t>6.17</a:t>
                       </a:r>
                       <a:endParaRPr lang="en-US" dirty="0"/>
                     </a:p>
@@ -8688,21 +7714,7 @@
                     <a:p>
                       <a:r>
                         <a:rPr lang="en-US" dirty="0" smtClean="0"/>
-                        <a:t>6.055711 </a:t>
-                      </a:r>
-                      <a:endParaRPr lang="en-US" dirty="0"/>
-                    </a:p>
-                  </a:txBody>
-                  <a:tcPr/>
-                </a:tc>
-                <a:tc>
-                  <a:txBody>
-                    <a:bodyPr/>
-                    <a:lstStyle/>
-                    <a:p>
-                      <a:r>
-                        <a:rPr lang="en-US" dirty="0" smtClean="0"/>
-                        <a:t>6.090677 </a:t>
+                        <a:t>6.34</a:t>
                       </a:r>
                       <a:endParaRPr lang="en-US" dirty="0"/>
                     </a:p>
@@ -8742,7 +7754,7 @@
                     <a:p>
                       <a:r>
                         <a:rPr lang="en-US" dirty="0" smtClean="0"/>
-                        <a:t>6.766760</a:t>
+                        <a:t>6.64</a:t>
                       </a:r>
                       <a:endParaRPr lang="en-US" dirty="0"/>
                     </a:p>
@@ -8756,7 +7768,7 @@
                     <a:p>
                       <a:r>
                         <a:rPr lang="en-US" dirty="0" smtClean="0"/>
-                        <a:t>6.940455 </a:t>
+                        <a:t>6.80</a:t>
                       </a:r>
                       <a:endParaRPr lang="en-US" dirty="0"/>
                     </a:p>
@@ -8770,7 +7782,7 @@
                     <a:p>
                       <a:r>
                         <a:rPr lang="en-US" dirty="0" smtClean="0"/>
-                        <a:t>7.114151 </a:t>
+                        <a:t>6.94</a:t>
                       </a:r>
                       <a:endParaRPr lang="en-US" dirty="0"/>
                     </a:p>
@@ -8784,7 +7796,7 @@
                     <a:p>
                       <a:r>
                         <a:rPr lang="en-US" dirty="0" smtClean="0"/>
-                        <a:t>6.999710 </a:t>
+                        <a:t>7.08</a:t>
                       </a:r>
                       <a:endParaRPr lang="en-US" dirty="0"/>
                     </a:p>
@@ -8798,7 +7810,7 @@
                     <a:p>
                       <a:r>
                         <a:rPr lang="en-US" dirty="0" smtClean="0"/>
-                        <a:t>7.116185 </a:t>
+                        <a:t>7.29</a:t>
                       </a:r>
                       <a:endParaRPr lang="en-US" dirty="0"/>
                     </a:p>
@@ -8812,7 +7824,7 @@
                     <a:p>
                       <a:r>
                         <a:rPr lang="en-US" dirty="0" smtClean="0"/>
-                        <a:t>7.118220</a:t>
+                        <a:t>7.64</a:t>
                       </a:r>
                       <a:endParaRPr lang="en-US" dirty="0"/>
                     </a:p>
@@ -8855,36 +7867,10 @@
                     <a:bodyPr/>
                     <a:lstStyle/>
                     <a:p>
-                      <a:endParaRPr lang="en-US"/>
-                    </a:p>
-                  </a:txBody>
-                  <a:tcPr/>
-                </a:tc>
-                <a:tc>
-                  <a:txBody>
-                    <a:bodyPr/>
-                    <a:lstStyle/>
-                    <a:p>
-                      <a:endParaRPr lang="en-US"/>
-                    </a:p>
-                  </a:txBody>
-                  <a:tcPr/>
-                </a:tc>
-                <a:tc>
-                  <a:txBody>
-                    <a:bodyPr/>
-                    <a:lstStyle/>
-                    <a:p>
-                      <a:endParaRPr lang="en-US"/>
-                    </a:p>
-                  </a:txBody>
-                  <a:tcPr/>
-                </a:tc>
-                <a:tc>
-                  <a:txBody>
-                    <a:bodyPr/>
-                    <a:lstStyle/>
-                    <a:p>
+                      <a:r>
+                        <a:rPr lang="en-US" dirty="0" smtClean="0"/>
+                        <a:t>7.99</a:t>
+                      </a:r>
                       <a:endParaRPr lang="en-US" dirty="0"/>
                     </a:p>
                   </a:txBody>
@@ -8895,6 +7881,10 @@
                     <a:bodyPr/>
                     <a:lstStyle/>
                     <a:p>
+                      <a:r>
+                        <a:rPr lang="en-US" dirty="0" smtClean="0"/>
+                        <a:t>8.55</a:t>
+                      </a:r>
                       <a:endParaRPr lang="en-US" dirty="0"/>
                     </a:p>
                   </a:txBody>
@@ -8905,7 +7895,53 @@
                     <a:bodyPr/>
                     <a:lstStyle/>
                     <a:p>
-                      <a:endParaRPr lang="en-US"/>
+                      <a:r>
+                        <a:rPr lang="en-US" dirty="0" smtClean="0"/>
+                        <a:t>9.12</a:t>
+                      </a:r>
+                      <a:endParaRPr lang="en-US" dirty="0"/>
+                    </a:p>
+                  </a:txBody>
+                  <a:tcPr/>
+                </a:tc>
+                <a:tc>
+                  <a:txBody>
+                    <a:bodyPr/>
+                    <a:lstStyle/>
+                    <a:p>
+                      <a:r>
+                        <a:rPr lang="en-US" dirty="0" smtClean="0"/>
+                        <a:t>9.04</a:t>
+                      </a:r>
+                      <a:endParaRPr lang="en-US" dirty="0"/>
+                    </a:p>
+                  </a:txBody>
+                  <a:tcPr/>
+                </a:tc>
+                <a:tc>
+                  <a:txBody>
+                    <a:bodyPr/>
+                    <a:lstStyle/>
+                    <a:p>
+                      <a:r>
+                        <a:rPr lang="en-US" dirty="0" smtClean="0"/>
+                        <a:t>9.56</a:t>
+                      </a:r>
+                      <a:endParaRPr lang="en-US" dirty="0"/>
+                    </a:p>
+                  </a:txBody>
+                  <a:tcPr/>
+                </a:tc>
+                <a:tc>
+                  <a:txBody>
+                    <a:bodyPr/>
+                    <a:lstStyle/>
+                    <a:p>
+                      <a:r>
+                        <a:rPr lang="en-US" dirty="0" smtClean="0"/>
+                        <a:t>10.01</a:t>
+                      </a:r>
+                      <a:endParaRPr lang="en-US" dirty="0"/>
                     </a:p>
                   </a:txBody>
                   <a:tcPr/>
@@ -8941,46 +7977,10 @@
                     <a:bodyPr/>
                     <a:lstStyle/>
                     <a:p>
-                      <a:endParaRPr lang="en-US"/>
-                    </a:p>
-                  </a:txBody>
-                  <a:tcPr/>
-                </a:tc>
-                <a:tc>
-                  <a:txBody>
-                    <a:bodyPr/>
-                    <a:lstStyle/>
-                    <a:p>
-                      <a:endParaRPr lang="en-US"/>
-                    </a:p>
-                  </a:txBody>
-                  <a:tcPr/>
-                </a:tc>
-                <a:tc>
-                  <a:txBody>
-                    <a:bodyPr/>
-                    <a:lstStyle/>
-                    <a:p>
-                      <a:endParaRPr lang="en-US"/>
-                    </a:p>
-                  </a:txBody>
-                  <a:tcPr/>
-                </a:tc>
-                <a:tc>
-                  <a:txBody>
-                    <a:bodyPr/>
-                    <a:lstStyle/>
-                    <a:p>
-                      <a:endParaRPr lang="en-US"/>
-                    </a:p>
-                  </a:txBody>
-                  <a:tcPr/>
-                </a:tc>
-                <a:tc>
-                  <a:txBody>
-                    <a:bodyPr/>
-                    <a:lstStyle/>
-                    <a:p>
+                      <a:r>
+                        <a:rPr lang="en-US" dirty="0" smtClean="0"/>
+                        <a:t>10.42</a:t>
+                      </a:r>
                       <a:endParaRPr lang="en-US" dirty="0"/>
                     </a:p>
                   </a:txBody>
@@ -8991,6 +7991,66 @@
                     <a:bodyPr/>
                     <a:lstStyle/>
                     <a:p>
+                      <a:r>
+                        <a:rPr lang="en-US" dirty="0" smtClean="0"/>
+                        <a:t>10.70</a:t>
+                      </a:r>
+                      <a:endParaRPr lang="en-US" dirty="0"/>
+                    </a:p>
+                  </a:txBody>
+                  <a:tcPr/>
+                </a:tc>
+                <a:tc>
+                  <a:txBody>
+                    <a:bodyPr/>
+                    <a:lstStyle/>
+                    <a:p>
+                      <a:r>
+                        <a:rPr lang="en-US" dirty="0" smtClean="0"/>
+                        <a:t>10.99</a:t>
+                      </a:r>
+                      <a:endParaRPr lang="en-US" dirty="0"/>
+                    </a:p>
+                  </a:txBody>
+                  <a:tcPr/>
+                </a:tc>
+                <a:tc>
+                  <a:txBody>
+                    <a:bodyPr/>
+                    <a:lstStyle/>
+                    <a:p>
+                      <a:r>
+                        <a:rPr lang="en-US" dirty="0" smtClean="0"/>
+                        <a:t>11.16</a:t>
+                      </a:r>
+                      <a:endParaRPr lang="en-US" dirty="0"/>
+                    </a:p>
+                  </a:txBody>
+                  <a:tcPr/>
+                </a:tc>
+                <a:tc>
+                  <a:txBody>
+                    <a:bodyPr/>
+                    <a:lstStyle/>
+                    <a:p>
+                      <a:r>
+                        <a:rPr lang="en-US" dirty="0" smtClean="0"/>
+                        <a:t>11.52</a:t>
+                      </a:r>
+                      <a:endParaRPr lang="en-US" dirty="0"/>
+                    </a:p>
+                  </a:txBody>
+                  <a:tcPr/>
+                </a:tc>
+                <a:tc>
+                  <a:txBody>
+                    <a:bodyPr/>
+                    <a:lstStyle/>
+                    <a:p>
+                      <a:r>
+                        <a:rPr lang="en-US" dirty="0" smtClean="0"/>
+                        <a:t>12.06</a:t>
+                      </a:r>
                       <a:endParaRPr lang="en-US" dirty="0"/>
                     </a:p>
                   </a:txBody>
@@ -9036,7 +8096,11 @@
                     <a:bodyPr/>
                     <a:lstStyle/>
                     <a:p>
-                      <a:endParaRPr lang="en-US"/>
+                      <a:r>
+                        <a:rPr lang="en-US" dirty="0" smtClean="0"/>
+                        <a:t>0.978</a:t>
+                      </a:r>
+                      <a:endParaRPr lang="en-US" dirty="0"/>
                     </a:p>
                   </a:txBody>
                   <a:tcPr/>
@@ -9046,7 +8110,11 @@
                     <a:bodyPr/>
                     <a:lstStyle/>
                     <a:p>
-                      <a:endParaRPr lang="en-US"/>
+                      <a:r>
+                        <a:rPr lang="en-US" dirty="0" smtClean="0"/>
+                        <a:t>0.981</a:t>
+                      </a:r>
+                      <a:endParaRPr lang="en-US" dirty="0"/>
                     </a:p>
                   </a:txBody>
                   <a:tcPr/>
@@ -9056,7 +8124,11 @@
                     <a:bodyPr/>
                     <a:lstStyle/>
                     <a:p>
-                      <a:endParaRPr lang="en-US"/>
+                      <a:r>
+                        <a:rPr lang="en-US" dirty="0" smtClean="0"/>
+                        <a:t>0.983</a:t>
+                      </a:r>
+                      <a:endParaRPr lang="en-US" dirty="0"/>
                     </a:p>
                   </a:txBody>
                   <a:tcPr/>
@@ -9066,7 +8138,11 @@
                     <a:bodyPr/>
                     <a:lstStyle/>
                     <a:p>
-                      <a:endParaRPr lang="en-US"/>
+                      <a:r>
+                        <a:rPr lang="en-US" dirty="0" smtClean="0"/>
+                        <a:t>0.983</a:t>
+                      </a:r>
+                      <a:endParaRPr lang="en-US" dirty="0"/>
                     </a:p>
                   </a:txBody>
                   <a:tcPr/>
@@ -9076,7 +8152,11 @@
                     <a:bodyPr/>
                     <a:lstStyle/>
                     <a:p>
-                      <a:endParaRPr lang="en-US"/>
+                      <a:r>
+                        <a:rPr lang="en-US" dirty="0" smtClean="0"/>
+                        <a:t>0.985</a:t>
+                      </a:r>
+                      <a:endParaRPr lang="en-US" dirty="0"/>
                     </a:p>
                   </a:txBody>
                   <a:tcPr/>
@@ -9086,6 +8166,10 @@
                     <a:bodyPr/>
                     <a:lstStyle/>
                     <a:p>
+                      <a:r>
+                        <a:rPr lang="en-US" dirty="0" smtClean="0"/>
+                        <a:t>0.996</a:t>
+                      </a:r>
                       <a:endParaRPr lang="en-US" dirty="0"/>
                     </a:p>
                   </a:txBody>
@@ -9122,7 +8206,11 @@
                     <a:bodyPr/>
                     <a:lstStyle/>
                     <a:p>
-                      <a:endParaRPr lang="en-US"/>
+                      <a:r>
+                        <a:rPr lang="en-US" dirty="0" smtClean="0"/>
+                        <a:t>0.991</a:t>
+                      </a:r>
+                      <a:endParaRPr lang="en-US" dirty="0"/>
                     </a:p>
                   </a:txBody>
                   <a:tcPr/>
@@ -9132,7 +8220,11 @@
                     <a:bodyPr/>
                     <a:lstStyle/>
                     <a:p>
-                      <a:endParaRPr lang="en-US"/>
+                      <a:r>
+                        <a:rPr lang="en-US" dirty="0" smtClean="0"/>
+                        <a:t>0.991</a:t>
+                      </a:r>
+                      <a:endParaRPr lang="en-US" dirty="0"/>
                     </a:p>
                   </a:txBody>
                   <a:tcPr/>
@@ -9142,7 +8234,11 @@
                     <a:bodyPr/>
                     <a:lstStyle/>
                     <a:p>
-                      <a:endParaRPr lang="en-US"/>
+                      <a:r>
+                        <a:rPr lang="en-US" dirty="0" smtClean="0"/>
+                        <a:t>0.992</a:t>
+                      </a:r>
+                      <a:endParaRPr lang="en-US" dirty="0"/>
                     </a:p>
                   </a:txBody>
                   <a:tcPr/>
@@ -9152,7 +8248,11 @@
                     <a:bodyPr/>
                     <a:lstStyle/>
                     <a:p>
-                      <a:endParaRPr lang="en-US"/>
+                      <a:r>
+                        <a:rPr lang="en-US" dirty="0" smtClean="0"/>
+                        <a:t>0.992</a:t>
+                      </a:r>
+                      <a:endParaRPr lang="en-US" dirty="0"/>
                     </a:p>
                   </a:txBody>
                   <a:tcPr/>
@@ -9162,7 +8262,11 @@
                     <a:bodyPr/>
                     <a:lstStyle/>
                     <a:p>
-                      <a:endParaRPr lang="en-US"/>
+                      <a:r>
+                        <a:rPr lang="en-US" dirty="0" smtClean="0"/>
+                        <a:t>0.993</a:t>
+                      </a:r>
+                      <a:endParaRPr lang="en-US" dirty="0"/>
                     </a:p>
                   </a:txBody>
                   <a:tcPr/>
@@ -9172,6 +8276,10 @@
                     <a:bodyPr/>
                     <a:lstStyle/>
                     <a:p>
+                      <a:r>
+                        <a:rPr lang="en-US" dirty="0" smtClean="0"/>
+                        <a:t>0.993</a:t>
+                      </a:r>
                       <a:endParaRPr lang="en-US" dirty="0"/>
                     </a:p>
                   </a:txBody>
@@ -9185,7 +8293,7 @@
     </p:spTree>
     <p:extLst>
       <p:ext uri="{BB962C8B-B14F-4D97-AF65-F5344CB8AC3E}">
-        <p14:creationId xmlns:p14="http://schemas.microsoft.com/office/powerpoint/2010/main" val="3568869457"/>
+        <p14:creationId xmlns:p14="http://schemas.microsoft.com/office/powerpoint/2010/main" val="1599200839"/>
       </p:ext>
     </p:extLst>
   </p:cSld>
@@ -9235,8 +8343,12 @@
           <a:lstStyle/>
           <a:p>
             <a:r>
+              <a:rPr lang="pt-PT" b="1" dirty="0"/>
+              <a:t>7</a:t>
+            </a:r>
+            <a:r>
               <a:rPr lang="pt-PT" b="1" dirty="0" smtClean="0"/>
-              <a:t>6. </a:t>
+              <a:t>. </a:t>
             </a:r>
             <a:r>
               <a:rPr lang="pt-PT" b="1" dirty="0" err="1" smtClean="0"/>
@@ -9270,587 +8382,14 @@
           <a:lstStyle/>
           <a:p>
             <a:r>
-              <a:rPr lang="pt-PT" dirty="0" smtClean="0"/>
-              <a:t>As </a:t>
-            </a:r>
-            <a:r>
-              <a:rPr lang="pt-PT" dirty="0" err="1" smtClean="0"/>
-              <a:t>mentioned</a:t>
-            </a:r>
-            <a:r>
-              <a:rPr lang="pt-PT" dirty="0" smtClean="0"/>
-              <a:t> </a:t>
-            </a:r>
-            <a:r>
-              <a:rPr lang="pt-PT" dirty="0" err="1" smtClean="0"/>
-              <a:t>previously</a:t>
-            </a:r>
-            <a:r>
-              <a:rPr lang="pt-PT" dirty="0" smtClean="0"/>
-              <a:t>, </a:t>
-            </a:r>
-            <a:r>
-              <a:rPr lang="pt-PT" dirty="0" err="1" smtClean="0"/>
-              <a:t>the</a:t>
-            </a:r>
-            <a:r>
-              <a:rPr lang="pt-PT" dirty="0" smtClean="0"/>
-              <a:t> </a:t>
-            </a:r>
-            <a:r>
-              <a:rPr lang="pt-PT" dirty="0" err="1" smtClean="0"/>
-              <a:t>best</a:t>
-            </a:r>
-            <a:r>
-              <a:rPr lang="pt-PT" dirty="0" smtClean="0"/>
-              <a:t> </a:t>
-            </a:r>
-            <a:r>
-              <a:rPr lang="pt-PT" dirty="0" err="1" smtClean="0"/>
-              <a:t>models</a:t>
-            </a:r>
-            <a:r>
-              <a:rPr lang="pt-PT" dirty="0" smtClean="0"/>
-              <a:t> </a:t>
-            </a:r>
-            <a:r>
-              <a:rPr lang="pt-PT" dirty="0" err="1" smtClean="0"/>
-              <a:t>used</a:t>
-            </a:r>
-            <a:r>
-              <a:rPr lang="pt-PT" dirty="0" smtClean="0"/>
-              <a:t> </a:t>
-            </a:r>
-            <a:r>
-              <a:rPr lang="pt-PT" dirty="0" err="1" smtClean="0"/>
-              <a:t>at</a:t>
-            </a:r>
-            <a:r>
-              <a:rPr lang="pt-PT" dirty="0" smtClean="0"/>
-              <a:t> </a:t>
-            </a:r>
-            <a:r>
-              <a:rPr lang="pt-PT" dirty="0" err="1" smtClean="0"/>
-              <a:t>most</a:t>
-            </a:r>
-            <a:r>
-              <a:rPr lang="pt-PT" dirty="0" smtClean="0"/>
-              <a:t> 250 </a:t>
-            </a:r>
-            <a:r>
-              <a:rPr lang="pt-PT" dirty="0" err="1" smtClean="0"/>
-              <a:t>features</a:t>
-            </a:r>
-            <a:r>
-              <a:rPr lang="pt-PT" dirty="0" smtClean="0"/>
-              <a:t> in </a:t>
-            </a:r>
-            <a:r>
-              <a:rPr lang="pt-PT" dirty="0" err="1" smtClean="0"/>
-              <a:t>order</a:t>
-            </a:r>
-            <a:r>
-              <a:rPr lang="pt-PT" dirty="0" smtClean="0"/>
-              <a:t> to </a:t>
-            </a:r>
-            <a:r>
-              <a:rPr lang="pt-PT" dirty="0" err="1" smtClean="0"/>
-              <a:t>reduce</a:t>
-            </a:r>
-            <a:r>
-              <a:rPr lang="pt-PT" dirty="0" smtClean="0"/>
-              <a:t> </a:t>
-            </a:r>
-            <a:r>
-              <a:rPr lang="pt-PT" dirty="0" err="1" smtClean="0"/>
-              <a:t>the</a:t>
-            </a:r>
-            <a:r>
-              <a:rPr lang="pt-PT" dirty="0" smtClean="0"/>
-              <a:t> </a:t>
-            </a:r>
-            <a:r>
-              <a:rPr lang="pt-PT" dirty="0" err="1" smtClean="0"/>
-              <a:t>complexity</a:t>
-            </a:r>
-            <a:r>
-              <a:rPr lang="pt-PT" dirty="0" smtClean="0"/>
-              <a:t> </a:t>
-            </a:r>
-            <a:r>
-              <a:rPr lang="pt-PT" dirty="0" err="1" smtClean="0"/>
-              <a:t>and</a:t>
-            </a:r>
-            <a:r>
-              <a:rPr lang="pt-PT" dirty="0" smtClean="0"/>
-              <a:t> improve </a:t>
-            </a:r>
-            <a:r>
-              <a:rPr lang="pt-PT" dirty="0" err="1" smtClean="0"/>
-              <a:t>the</a:t>
-            </a:r>
-            <a:r>
-              <a:rPr lang="pt-PT" dirty="0" smtClean="0"/>
-              <a:t> </a:t>
-            </a:r>
-            <a:r>
-              <a:rPr lang="pt-PT" dirty="0" err="1" smtClean="0"/>
-              <a:t>robustness</a:t>
-            </a:r>
-            <a:r>
-              <a:rPr lang="pt-PT" dirty="0" smtClean="0"/>
-              <a:t> </a:t>
-            </a:r>
-            <a:r>
-              <a:rPr lang="pt-PT" dirty="0" err="1" smtClean="0"/>
-              <a:t>of</a:t>
-            </a:r>
-            <a:r>
-              <a:rPr lang="pt-PT" dirty="0" smtClean="0"/>
-              <a:t> </a:t>
-            </a:r>
-            <a:r>
-              <a:rPr lang="pt-PT" dirty="0" err="1" smtClean="0"/>
-              <a:t>each</a:t>
-            </a:r>
-            <a:r>
-              <a:rPr lang="pt-PT" dirty="0" smtClean="0"/>
-              <a:t> </a:t>
-            </a:r>
-            <a:r>
-              <a:rPr lang="pt-PT" dirty="0" err="1" smtClean="0"/>
-              <a:t>outcome</a:t>
-            </a:r>
-            <a:r>
-              <a:rPr lang="pt-PT" dirty="0" smtClean="0"/>
-              <a:t>. </a:t>
-            </a:r>
-            <a:r>
-              <a:rPr lang="pt-PT" dirty="0" err="1" smtClean="0"/>
-              <a:t>Therefore</a:t>
-            </a:r>
-            <a:r>
-              <a:rPr lang="pt-PT" dirty="0" smtClean="0"/>
-              <a:t>, </a:t>
-            </a:r>
-            <a:r>
-              <a:rPr lang="pt-PT" dirty="0" err="1" smtClean="0"/>
-              <a:t>if</a:t>
-            </a:r>
-            <a:r>
-              <a:rPr lang="pt-PT" dirty="0" smtClean="0"/>
-              <a:t> </a:t>
-            </a:r>
-            <a:r>
-              <a:rPr lang="pt-PT" dirty="0" err="1" smtClean="0"/>
-              <a:t>the</a:t>
-            </a:r>
-            <a:r>
-              <a:rPr lang="pt-PT" dirty="0" smtClean="0"/>
-              <a:t> sole </a:t>
-            </a:r>
-            <a:r>
-              <a:rPr lang="pt-PT" dirty="0" err="1" smtClean="0"/>
-              <a:t>purpose</a:t>
-            </a:r>
-            <a:r>
-              <a:rPr lang="pt-PT" dirty="0" smtClean="0"/>
-              <a:t> </a:t>
-            </a:r>
-            <a:r>
-              <a:rPr lang="pt-PT" dirty="0" err="1" smtClean="0"/>
-              <a:t>of</a:t>
-            </a:r>
-            <a:r>
-              <a:rPr lang="pt-PT" dirty="0" smtClean="0"/>
-              <a:t> </a:t>
-            </a:r>
-            <a:r>
-              <a:rPr lang="pt-PT" dirty="0" err="1" smtClean="0"/>
-              <a:t>these</a:t>
-            </a:r>
-            <a:r>
-              <a:rPr lang="pt-PT" dirty="0" smtClean="0"/>
-              <a:t> </a:t>
-            </a:r>
-            <a:r>
-              <a:rPr lang="pt-PT" dirty="0" err="1" smtClean="0"/>
-              <a:t>WAPs</a:t>
-            </a:r>
-            <a:r>
-              <a:rPr lang="pt-PT" dirty="0" smtClean="0"/>
-              <a:t> </a:t>
-            </a:r>
-            <a:r>
-              <a:rPr lang="pt-PT" dirty="0" err="1" smtClean="0"/>
-              <a:t>is</a:t>
-            </a:r>
-            <a:r>
-              <a:rPr lang="pt-PT" dirty="0" smtClean="0"/>
-              <a:t> to </a:t>
-            </a:r>
-            <a:r>
-              <a:rPr lang="pt-PT" dirty="0" err="1" smtClean="0"/>
-              <a:t>locate</a:t>
-            </a:r>
-            <a:r>
-              <a:rPr lang="pt-PT" dirty="0" smtClean="0"/>
-              <a:t> clientes, </a:t>
-            </a:r>
-            <a:r>
-              <a:rPr lang="pt-PT" dirty="0" err="1" smtClean="0"/>
-              <a:t>many</a:t>
-            </a:r>
-            <a:r>
-              <a:rPr lang="pt-PT" dirty="0" smtClean="0"/>
-              <a:t> </a:t>
-            </a:r>
-            <a:r>
-              <a:rPr lang="pt-PT" dirty="0" err="1" smtClean="0"/>
-              <a:t>of</a:t>
-            </a:r>
-            <a:r>
-              <a:rPr lang="pt-PT" dirty="0" smtClean="0"/>
-              <a:t> </a:t>
-            </a:r>
-            <a:r>
-              <a:rPr lang="pt-PT" dirty="0" err="1" smtClean="0"/>
-              <a:t>them</a:t>
-            </a:r>
-            <a:r>
-              <a:rPr lang="pt-PT" dirty="0" smtClean="0"/>
-              <a:t> </a:t>
-            </a:r>
-            <a:r>
-              <a:rPr lang="pt-PT" dirty="0" err="1" smtClean="0"/>
-              <a:t>could</a:t>
-            </a:r>
-            <a:r>
-              <a:rPr lang="pt-PT" dirty="0" smtClean="0"/>
-              <a:t> </a:t>
-            </a:r>
-            <a:r>
-              <a:rPr lang="pt-PT" dirty="0" err="1" smtClean="0"/>
-              <a:t>be</a:t>
-            </a:r>
-            <a:r>
-              <a:rPr lang="pt-PT" dirty="0" smtClean="0"/>
-              <a:t> </a:t>
-            </a:r>
-            <a:r>
-              <a:rPr lang="pt-PT" dirty="0" err="1" smtClean="0"/>
-              <a:t>replaced</a:t>
-            </a:r>
-            <a:r>
-              <a:rPr lang="pt-PT" dirty="0" smtClean="0"/>
-              <a:t> </a:t>
-            </a:r>
-            <a:r>
-              <a:rPr lang="pt-PT" dirty="0" err="1" smtClean="0"/>
-              <a:t>or</a:t>
-            </a:r>
-            <a:r>
-              <a:rPr lang="pt-PT" dirty="0" smtClean="0"/>
-              <a:t> </a:t>
-            </a:r>
-            <a:r>
-              <a:rPr lang="pt-PT" dirty="0" err="1" smtClean="0"/>
-              <a:t>even</a:t>
-            </a:r>
-            <a:r>
-              <a:rPr lang="pt-PT" dirty="0" smtClean="0"/>
-              <a:t> </a:t>
-            </a:r>
-            <a:r>
-              <a:rPr lang="pt-PT" dirty="0" err="1" smtClean="0"/>
-              <a:t>removed</a:t>
-            </a:r>
-            <a:r>
-              <a:rPr lang="pt-PT" dirty="0" smtClean="0"/>
-              <a:t> to </a:t>
-            </a:r>
-            <a:r>
-              <a:rPr lang="pt-PT" dirty="0" err="1" smtClean="0"/>
-              <a:t>reduce</a:t>
-            </a:r>
-            <a:r>
-              <a:rPr lang="pt-PT" dirty="0" smtClean="0"/>
-              <a:t> </a:t>
-            </a:r>
-            <a:r>
-              <a:rPr lang="pt-PT" dirty="0" err="1" smtClean="0"/>
-              <a:t>operational</a:t>
-            </a:r>
-            <a:r>
-              <a:rPr lang="pt-PT" dirty="0" smtClean="0"/>
-              <a:t> </a:t>
-            </a:r>
-            <a:r>
-              <a:rPr lang="pt-PT" dirty="0" err="1" smtClean="0"/>
-              <a:t>costs</a:t>
-            </a:r>
-            <a:r>
-              <a:rPr lang="pt-PT" dirty="0" smtClean="0"/>
-              <a:t>.</a:t>
-            </a:r>
-            <a:endParaRPr lang="pt-PT" dirty="0" smtClean="0"/>
-          </a:p>
-          <a:p>
-            <a:r>
-              <a:rPr lang="pt-PT" dirty="0" err="1" smtClean="0"/>
-              <a:t>Relative</a:t>
-            </a:r>
-            <a:r>
-              <a:rPr lang="pt-PT" dirty="0" smtClean="0"/>
-              <a:t> </a:t>
-            </a:r>
-            <a:r>
-              <a:rPr lang="pt-PT" dirty="0" err="1" smtClean="0"/>
-              <a:t>Position</a:t>
-            </a:r>
-            <a:r>
-              <a:rPr lang="pt-PT" dirty="0" smtClean="0"/>
-              <a:t> </a:t>
-            </a:r>
-            <a:r>
-              <a:rPr lang="pt-PT" dirty="0" err="1" smtClean="0"/>
-              <a:t>has</a:t>
-            </a:r>
-            <a:r>
-              <a:rPr lang="pt-PT" dirty="0" smtClean="0"/>
-              <a:t> </a:t>
-            </a:r>
-            <a:r>
-              <a:rPr lang="pt-PT" dirty="0" err="1" smtClean="0"/>
-              <a:t>the</a:t>
-            </a:r>
-            <a:r>
-              <a:rPr lang="pt-PT" dirty="0" smtClean="0"/>
-              <a:t> </a:t>
-            </a:r>
-            <a:r>
-              <a:rPr lang="pt-PT" dirty="0" err="1" smtClean="0"/>
-              <a:t>lowest</a:t>
-            </a:r>
-            <a:r>
-              <a:rPr lang="pt-PT" dirty="0" smtClean="0"/>
-              <a:t> </a:t>
-            </a:r>
-            <a:r>
-              <a:rPr lang="pt-PT" dirty="0" err="1" smtClean="0"/>
-              <a:t>accuracy</a:t>
-            </a:r>
-            <a:r>
-              <a:rPr lang="pt-PT" dirty="0" smtClean="0"/>
-              <a:t> </a:t>
-            </a:r>
-            <a:r>
-              <a:rPr lang="pt-PT" dirty="0" err="1" smtClean="0"/>
-              <a:t>and</a:t>
-            </a:r>
-            <a:r>
-              <a:rPr lang="pt-PT" dirty="0" smtClean="0"/>
-              <a:t> </a:t>
-            </a:r>
-            <a:r>
-              <a:rPr lang="pt-PT" dirty="0" err="1" smtClean="0"/>
-              <a:t>kappa</a:t>
-            </a:r>
-            <a:r>
-              <a:rPr lang="pt-PT" dirty="0" smtClean="0"/>
-              <a:t> out </a:t>
-            </a:r>
-            <a:r>
-              <a:rPr lang="pt-PT" dirty="0" err="1" smtClean="0"/>
-              <a:t>of</a:t>
-            </a:r>
-            <a:r>
-              <a:rPr lang="pt-PT" dirty="0" smtClean="0"/>
-              <a:t> </a:t>
-            </a:r>
-            <a:r>
-              <a:rPr lang="pt-PT" dirty="0" err="1" smtClean="0"/>
-              <a:t>the</a:t>
-            </a:r>
-            <a:r>
-              <a:rPr lang="pt-PT" dirty="0" smtClean="0"/>
-              <a:t> </a:t>
-            </a:r>
-            <a:r>
-              <a:rPr lang="pt-PT" dirty="0" err="1" smtClean="0"/>
-              <a:t>categorical</a:t>
-            </a:r>
-            <a:r>
-              <a:rPr lang="pt-PT" dirty="0" smtClean="0"/>
-              <a:t> </a:t>
-            </a:r>
-            <a:r>
-              <a:rPr lang="pt-PT" dirty="0" err="1" smtClean="0"/>
-              <a:t>features</a:t>
-            </a:r>
-            <a:r>
-              <a:rPr lang="pt-PT" dirty="0" smtClean="0"/>
-              <a:t>. </a:t>
-            </a:r>
-            <a:r>
-              <a:rPr lang="pt-PT" dirty="0" err="1" smtClean="0"/>
-              <a:t>WAPs</a:t>
-            </a:r>
-            <a:r>
-              <a:rPr lang="pt-PT" dirty="0" smtClean="0"/>
-              <a:t> </a:t>
-            </a:r>
-            <a:r>
-              <a:rPr lang="pt-PT" dirty="0" err="1" smtClean="0"/>
-              <a:t>that</a:t>
-            </a:r>
-            <a:r>
-              <a:rPr lang="pt-PT" dirty="0" smtClean="0"/>
-              <a:t> </a:t>
-            </a:r>
-            <a:r>
-              <a:rPr lang="pt-PT" dirty="0" err="1" smtClean="0"/>
-              <a:t>have</a:t>
-            </a:r>
-            <a:r>
-              <a:rPr lang="pt-PT" dirty="0" smtClean="0"/>
-              <a:t> </a:t>
-            </a:r>
-            <a:r>
-              <a:rPr lang="pt-PT" dirty="0" err="1" smtClean="0"/>
-              <a:t>not</a:t>
-            </a:r>
-            <a:r>
-              <a:rPr lang="pt-PT" dirty="0" smtClean="0"/>
-              <a:t> </a:t>
-            </a:r>
-            <a:r>
-              <a:rPr lang="pt-PT" dirty="0" err="1" smtClean="0"/>
-              <a:t>be</a:t>
-            </a:r>
-            <a:r>
-              <a:rPr lang="pt-PT" dirty="0" smtClean="0"/>
-              <a:t> </a:t>
-            </a:r>
-            <a:r>
-              <a:rPr lang="pt-PT" dirty="0" err="1" smtClean="0"/>
-              <a:t>utilized</a:t>
-            </a:r>
-            <a:r>
-              <a:rPr lang="pt-PT" dirty="0" smtClean="0"/>
-              <a:t> in </a:t>
-            </a:r>
-            <a:r>
-              <a:rPr lang="pt-PT" dirty="0" err="1" smtClean="0"/>
-              <a:t>any</a:t>
-            </a:r>
-            <a:r>
-              <a:rPr lang="pt-PT" dirty="0" smtClean="0"/>
-              <a:t> </a:t>
-            </a:r>
-            <a:r>
-              <a:rPr lang="pt-PT" dirty="0" err="1" smtClean="0"/>
-              <a:t>of</a:t>
-            </a:r>
-            <a:r>
-              <a:rPr lang="pt-PT" dirty="0" smtClean="0"/>
-              <a:t> </a:t>
-            </a:r>
-            <a:r>
-              <a:rPr lang="pt-PT" dirty="0" err="1" smtClean="0"/>
-              <a:t>the</a:t>
-            </a:r>
-            <a:r>
-              <a:rPr lang="pt-PT" dirty="0" smtClean="0"/>
-              <a:t> </a:t>
-            </a:r>
-            <a:r>
-              <a:rPr lang="pt-PT" dirty="0" err="1" smtClean="0"/>
-              <a:t>models</a:t>
-            </a:r>
-            <a:r>
-              <a:rPr lang="pt-PT" dirty="0" smtClean="0"/>
-              <a:t>, </a:t>
-            </a:r>
-            <a:r>
-              <a:rPr lang="pt-PT" dirty="0" err="1" smtClean="0"/>
-              <a:t>could</a:t>
-            </a:r>
-            <a:r>
-              <a:rPr lang="pt-PT" dirty="0" smtClean="0"/>
-              <a:t> </a:t>
-            </a:r>
-            <a:r>
-              <a:rPr lang="pt-PT" dirty="0" err="1" smtClean="0"/>
-              <a:t>be</a:t>
-            </a:r>
-            <a:r>
-              <a:rPr lang="pt-PT" dirty="0" smtClean="0"/>
-              <a:t> </a:t>
-            </a:r>
-            <a:r>
-              <a:rPr lang="pt-PT" dirty="0" err="1" smtClean="0"/>
-              <a:t>changed</a:t>
-            </a:r>
-            <a:r>
-              <a:rPr lang="pt-PT" dirty="0" smtClean="0"/>
-              <a:t> </a:t>
-            </a:r>
-            <a:r>
-              <a:rPr lang="pt-PT" dirty="0" err="1" smtClean="0"/>
-              <a:t>into</a:t>
-            </a:r>
-            <a:r>
-              <a:rPr lang="pt-PT" dirty="0" smtClean="0"/>
-              <a:t> </a:t>
-            </a:r>
-            <a:r>
-              <a:rPr lang="pt-PT" dirty="0" err="1" smtClean="0"/>
-              <a:t>strategic</a:t>
-            </a:r>
-            <a:r>
-              <a:rPr lang="pt-PT" dirty="0" smtClean="0"/>
-              <a:t> </a:t>
-            </a:r>
-            <a:r>
-              <a:rPr lang="pt-PT" dirty="0" err="1" smtClean="0"/>
-              <a:t>places</a:t>
-            </a:r>
-            <a:r>
-              <a:rPr lang="pt-PT" dirty="0" smtClean="0"/>
-              <a:t> to </a:t>
-            </a:r>
-            <a:r>
-              <a:rPr lang="pt-PT" dirty="0" err="1" smtClean="0"/>
-              <a:t>aid</a:t>
-            </a:r>
-            <a:r>
-              <a:rPr lang="pt-PT" dirty="0" smtClean="0"/>
-              <a:t> in </a:t>
-            </a:r>
-            <a:r>
-              <a:rPr lang="pt-PT" dirty="0" err="1" smtClean="0"/>
-              <a:t>forecasting</a:t>
-            </a:r>
-            <a:r>
-              <a:rPr lang="pt-PT" dirty="0" smtClean="0"/>
-              <a:t> </a:t>
-            </a:r>
-            <a:r>
-              <a:rPr lang="pt-PT" dirty="0" err="1" smtClean="0"/>
-              <a:t>this</a:t>
-            </a:r>
-            <a:r>
-              <a:rPr lang="pt-PT" dirty="0" smtClean="0"/>
-              <a:t> </a:t>
-            </a:r>
-            <a:r>
-              <a:rPr lang="pt-PT" dirty="0" err="1" smtClean="0"/>
-              <a:t>feature</a:t>
-            </a:r>
-            <a:r>
-              <a:rPr lang="pt-PT" dirty="0"/>
-              <a:t>;</a:t>
+              <a:rPr lang="en-US" dirty="0" smtClean="0"/>
+              <a:t>As mentioned previously, the best models used at most 250 features in order to reduce the complexity and improve the robustness of each outcome. Therefore, if the sole purpose of these WAPs is to locate clients, many of them could be replaced or even removed to reduce operational costs.</a:t>
+            </a:r>
+          </a:p>
+          <a:p>
+            <a:r>
+              <a:rPr lang="en-US" dirty="0" smtClean="0"/>
+              <a:t>Relative Position has the lowest accuracy and kappa out of the categorical features. WAPs that have not be utilized in any of the models, could be changed into strategic places to aid in forecasting this feature;</a:t>
             </a:r>
             <a:endParaRPr lang="en-US" dirty="0"/>
           </a:p>
@@ -9859,7 +8398,168 @@
     </p:spTree>
     <p:extLst>
       <p:ext uri="{BB962C8B-B14F-4D97-AF65-F5344CB8AC3E}">
-        <p14:creationId xmlns:p14="http://schemas.microsoft.com/office/powerpoint/2010/main" val="3820427595"/>
+        <p14:creationId xmlns:p14="http://schemas.microsoft.com/office/powerpoint/2010/main" val="654269153"/>
+      </p:ext>
+    </p:extLst>
+  </p:cSld>
+  <p:clrMapOvr>
+    <a:masterClrMapping/>
+  </p:clrMapOvr>
+</p:sld>
+</file>
+
+<file path=ppt/slides/slide15.xml><?xml version="1.0" encoding="utf-8"?>
+<p:sld xmlns:a="http://schemas.openxmlformats.org/drawingml/2006/main" xmlns:r="http://schemas.openxmlformats.org/officeDocument/2006/relationships" xmlns:p="http://schemas.openxmlformats.org/presentationml/2006/main">
+  <p:cSld>
+    <p:spTree>
+      <p:nvGrpSpPr>
+        <p:cNvPr id="1" name=""/>
+        <p:cNvGrpSpPr/>
+        <p:nvPr/>
+      </p:nvGrpSpPr>
+      <p:grpSpPr>
+        <a:xfrm>
+          <a:off x="0" y="0"/>
+          <a:ext cx="0" cy="0"/>
+          <a:chOff x="0" y="0"/>
+          <a:chExt cx="0" cy="0"/>
+        </a:xfrm>
+      </p:grpSpPr>
+      <p:sp>
+        <p:nvSpPr>
+          <p:cNvPr id="2" name="Title 1"/>
+          <p:cNvSpPr>
+            <a:spLocks noGrp="1"/>
+          </p:cNvSpPr>
+          <p:nvPr>
+            <p:ph type="title"/>
+          </p:nvPr>
+        </p:nvSpPr>
+        <p:spPr/>
+        <p:txBody>
+          <a:bodyPr/>
+          <a:lstStyle/>
+          <a:p>
+            <a:r>
+              <a:rPr lang="pt-PT" b="1" dirty="0" smtClean="0"/>
+              <a:t>8. </a:t>
+            </a:r>
+            <a:r>
+              <a:rPr lang="pt-PT" b="1" dirty="0" err="1" smtClean="0"/>
+              <a:t>Conclusions</a:t>
+            </a:r>
+            <a:endParaRPr lang="en-US" b="1" dirty="0"/>
+          </a:p>
+        </p:txBody>
+      </p:sp>
+      <p:sp>
+        <p:nvSpPr>
+          <p:cNvPr id="3" name="Content Placeholder 2"/>
+          <p:cNvSpPr>
+            <a:spLocks noGrp="1"/>
+          </p:cNvSpPr>
+          <p:nvPr>
+            <p:ph idx="1"/>
+          </p:nvPr>
+        </p:nvSpPr>
+        <p:spPr/>
+        <p:txBody>
+          <a:bodyPr/>
+          <a:lstStyle/>
+          <a:p>
+            <a:r>
+              <a:rPr lang="en-US" dirty="0" smtClean="0"/>
+              <a:t>This system </a:t>
+            </a:r>
+            <a:r>
+              <a:rPr lang="en-US" dirty="0"/>
+              <a:t>with </a:t>
+            </a:r>
+            <a:r>
+              <a:rPr lang="en-US" dirty="0" smtClean="0"/>
+              <a:t>the cascade </a:t>
+            </a:r>
+            <a:r>
+              <a:rPr lang="en-US" dirty="0"/>
+              <a:t>models managed to gather a M</a:t>
+            </a:r>
+            <a:r>
+              <a:rPr lang="en-US" dirty="0" smtClean="0"/>
+              <a:t>ean Average Error </a:t>
+            </a:r>
+            <a:r>
+              <a:rPr lang="en-US" dirty="0"/>
+              <a:t>of 6</a:t>
+            </a:r>
+            <a:r>
+              <a:rPr lang="en-US" dirty="0" smtClean="0"/>
+              <a:t> </a:t>
+            </a:r>
+            <a:r>
+              <a:rPr lang="en-US" dirty="0"/>
+              <a:t>meters in latitude and 7</a:t>
+            </a:r>
+            <a:r>
+              <a:rPr lang="en-US" dirty="0" smtClean="0"/>
+              <a:t> </a:t>
+            </a:r>
+            <a:r>
+              <a:rPr lang="en-US" dirty="0"/>
+              <a:t>meters in </a:t>
+            </a:r>
+            <a:r>
+              <a:rPr lang="en-US" dirty="0" smtClean="0"/>
+              <a:t>longitude;</a:t>
+            </a:r>
+          </a:p>
+          <a:p>
+            <a:r>
+              <a:rPr lang="en-US" dirty="0" smtClean="0"/>
+              <a:t>The error above results </a:t>
+            </a:r>
+            <a:r>
+              <a:rPr lang="en-US" dirty="0"/>
+              <a:t>in a </a:t>
+            </a:r>
+            <a:r>
+              <a:rPr lang="en-US" dirty="0" err="1"/>
+              <a:t>vectorial</a:t>
+            </a:r>
+            <a:r>
+              <a:rPr lang="en-US" dirty="0"/>
+              <a:t> error of under 9 meters which is comparable to the accuracy of the GPS system (sources vary between 4 and 15 meters) in an outside environment. </a:t>
+            </a:r>
+            <a:endParaRPr lang="en-US" dirty="0" smtClean="0"/>
+          </a:p>
+          <a:p>
+            <a:r>
+              <a:rPr lang="en-US" dirty="0" smtClean="0"/>
+              <a:t>Because </a:t>
+            </a:r>
+            <a:r>
+              <a:rPr lang="en-US" dirty="0"/>
+              <a:t>the users are inside a building, the GPS accuracy would worsen, therefore this model </a:t>
+            </a:r>
+            <a:r>
+              <a:rPr lang="en-US" dirty="0" smtClean="0"/>
+              <a:t>is a better option </a:t>
+            </a:r>
+            <a:r>
+              <a:rPr lang="en-US" dirty="0"/>
+              <a:t>for locating </a:t>
+            </a:r>
+            <a:r>
+              <a:rPr lang="en-US" dirty="0" smtClean="0"/>
+              <a:t>users than GPS and most likely the best option around (because the WAP infrastructure already exists no additional costs for equipment are required).</a:t>
+            </a:r>
+            <a:endParaRPr lang="en-US" dirty="0"/>
+          </a:p>
+        </p:txBody>
+      </p:sp>
+    </p:spTree>
+    <p:extLst>
+      <p:ext uri="{BB962C8B-B14F-4D97-AF65-F5344CB8AC3E}">
+        <p14:creationId xmlns:p14="http://schemas.microsoft.com/office/powerpoint/2010/main" val="326442379"/>
       </p:ext>
     </p:extLst>
   </p:cSld>
@@ -9931,7 +8631,7 @@
               <a:buAutoNum type="arabicPeriod"/>
             </a:pPr>
             <a:r>
-              <a:rPr lang="pt-PT" dirty="0" smtClean="0"/>
+              <a:rPr lang="en-US" dirty="0" smtClean="0"/>
               <a:t>Background;</a:t>
             </a:r>
           </a:p>
@@ -9941,12 +8641,8 @@
               <a:buAutoNum type="arabicPeriod"/>
             </a:pPr>
             <a:r>
-              <a:rPr lang="pt-PT" dirty="0" err="1" smtClean="0"/>
-              <a:t>Objectives</a:t>
-            </a:r>
-            <a:r>
-              <a:rPr lang="pt-PT" dirty="0" smtClean="0"/>
-              <a:t>;</a:t>
+              <a:rPr lang="en-US" dirty="0" smtClean="0"/>
+              <a:t>Objectives;</a:t>
             </a:r>
           </a:p>
           <a:p>
@@ -9955,8 +8651,12 @@
               <a:buAutoNum type="arabicPeriod"/>
             </a:pPr>
             <a:r>
+              <a:rPr lang="en-US" dirty="0" smtClean="0"/>
+              <a:t>Data </a:t>
+            </a:r>
+            <a:r>
               <a:rPr lang="en-US" dirty="0"/>
-              <a:t>Data Management;</a:t>
+              <a:t>Management;</a:t>
             </a:r>
           </a:p>
           <a:p>
@@ -9979,24 +8679,8 @@
               <a:buAutoNum type="arabicPeriod"/>
             </a:pPr>
             <a:r>
-              <a:rPr lang="pt-PT" dirty="0" err="1" smtClean="0"/>
-              <a:t>Developed</a:t>
-            </a:r>
-            <a:r>
-              <a:rPr lang="pt-PT" dirty="0" smtClean="0"/>
-              <a:t> </a:t>
-            </a:r>
-            <a:r>
-              <a:rPr lang="pt-PT" dirty="0" err="1"/>
-              <a:t>system</a:t>
-            </a:r>
-            <a:r>
-              <a:rPr lang="pt-PT" dirty="0"/>
-              <a:t> </a:t>
-            </a:r>
-            <a:r>
-              <a:rPr lang="pt-PT" dirty="0" err="1" smtClean="0"/>
-              <a:t>description</a:t>
+              <a:rPr lang="en-US" dirty="0" smtClean="0"/>
+              <a:t>Developed system description</a:t>
             </a:r>
             <a:r>
               <a:rPr lang="pt-PT" dirty="0" smtClean="0"/>
@@ -10117,34 +8801,14 @@
           <a:lstStyle/>
           <a:p>
             <a:r>
-              <a:rPr lang="pt-PT" dirty="0" smtClean="0"/>
-              <a:t>A </a:t>
-            </a:r>
-            <a:r>
-              <a:rPr lang="pt-PT" dirty="0" err="1" smtClean="0"/>
-              <a:t>client</a:t>
+              <a:rPr lang="en-US" dirty="0" smtClean="0"/>
+              <a:t>A client is developing</a:t>
             </a:r>
             <a:r>
               <a:rPr lang="pt-PT" dirty="0" smtClean="0"/>
               <a:t> </a:t>
             </a:r>
             <a:r>
-              <a:rPr lang="pt-PT" dirty="0" err="1" smtClean="0"/>
-              <a:t>is</a:t>
-            </a:r>
-            <a:r>
-              <a:rPr lang="pt-PT" dirty="0" smtClean="0"/>
-              <a:t> </a:t>
-            </a:r>
-            <a:r>
-              <a:rPr lang="pt-PT" dirty="0" err="1" smtClean="0"/>
-              <a:t>developing</a:t>
-            </a:r>
-            <a:r>
-              <a:rPr lang="pt-PT" dirty="0" smtClean="0"/>
-              <a:t> </a:t>
-            </a:r>
-            <a:r>
               <a:rPr lang="en-US" dirty="0"/>
               <a:t>a </a:t>
             </a:r>
@@ -10215,126 +8879,9 @@
           </a:p>
           <a:p>
             <a:r>
-              <a:rPr lang="pt-PT" dirty="0" err="1" smtClean="0"/>
-              <a:t>We</a:t>
-            </a:r>
-            <a:r>
-              <a:rPr lang="pt-PT" dirty="0" smtClean="0"/>
-              <a:t> </a:t>
-            </a:r>
-            <a:r>
-              <a:rPr lang="pt-PT" dirty="0" err="1" smtClean="0"/>
-              <a:t>have</a:t>
-            </a:r>
-            <a:r>
-              <a:rPr lang="pt-PT" dirty="0" smtClean="0"/>
-              <a:t> </a:t>
-            </a:r>
-            <a:r>
-              <a:rPr lang="pt-PT" dirty="0" err="1" smtClean="0"/>
-              <a:t>been</a:t>
-            </a:r>
-            <a:r>
-              <a:rPr lang="pt-PT" dirty="0" smtClean="0"/>
-              <a:t> </a:t>
-            </a:r>
-            <a:r>
-              <a:rPr lang="pt-PT" dirty="0" err="1" smtClean="0"/>
-              <a:t>asked</a:t>
-            </a:r>
-            <a:r>
-              <a:rPr lang="pt-PT" dirty="0" smtClean="0"/>
-              <a:t> to </a:t>
-            </a:r>
-            <a:r>
-              <a:rPr lang="pt-PT" dirty="0" err="1" smtClean="0"/>
-              <a:t>create</a:t>
-            </a:r>
-            <a:r>
-              <a:rPr lang="pt-PT" dirty="0" smtClean="0"/>
-              <a:t> a </a:t>
-            </a:r>
-            <a:r>
-              <a:rPr lang="pt-PT" dirty="0" err="1" smtClean="0"/>
-              <a:t>system</a:t>
-            </a:r>
-            <a:r>
-              <a:rPr lang="pt-PT" dirty="0" smtClean="0"/>
-              <a:t> </a:t>
-            </a:r>
-            <a:r>
-              <a:rPr lang="pt-PT" dirty="0" err="1" smtClean="0"/>
-              <a:t>capable</a:t>
-            </a:r>
-            <a:r>
-              <a:rPr lang="pt-PT" dirty="0" smtClean="0"/>
-              <a:t> </a:t>
-            </a:r>
-            <a:r>
-              <a:rPr lang="pt-PT" dirty="0" err="1" smtClean="0"/>
-              <a:t>of</a:t>
-            </a:r>
-            <a:r>
-              <a:rPr lang="pt-PT" dirty="0" smtClean="0"/>
-              <a:t> </a:t>
-            </a:r>
-            <a:r>
-              <a:rPr lang="pt-PT" dirty="0" err="1" smtClean="0"/>
-              <a:t>generating</a:t>
-            </a:r>
-            <a:r>
-              <a:rPr lang="pt-PT" dirty="0" smtClean="0"/>
-              <a:t> </a:t>
-            </a:r>
-            <a:r>
-              <a:rPr lang="pt-PT" dirty="0" err="1" smtClean="0"/>
-              <a:t>an</a:t>
-            </a:r>
-            <a:r>
-              <a:rPr lang="pt-PT" dirty="0" smtClean="0"/>
-              <a:t> </a:t>
-            </a:r>
-            <a:r>
-              <a:rPr lang="pt-PT" dirty="0" err="1" smtClean="0"/>
-              <a:t>accurate</a:t>
-            </a:r>
-            <a:r>
-              <a:rPr lang="pt-PT" dirty="0" smtClean="0"/>
-              <a:t> </a:t>
-            </a:r>
-            <a:r>
-              <a:rPr lang="pt-PT" dirty="0" err="1" smtClean="0"/>
-              <a:t>prediction</a:t>
-            </a:r>
-            <a:r>
-              <a:rPr lang="pt-PT" dirty="0" smtClean="0"/>
-              <a:t> </a:t>
-            </a:r>
-            <a:r>
-              <a:rPr lang="pt-PT" dirty="0" err="1" smtClean="0"/>
-              <a:t>of</a:t>
-            </a:r>
-            <a:r>
-              <a:rPr lang="pt-PT" dirty="0" smtClean="0"/>
-              <a:t> a </a:t>
-            </a:r>
-            <a:r>
-              <a:rPr lang="pt-PT" dirty="0" err="1" smtClean="0"/>
-              <a:t>client’s</a:t>
-            </a:r>
-            <a:r>
-              <a:rPr lang="pt-PT" dirty="0" smtClean="0"/>
-              <a:t> </a:t>
-            </a:r>
-            <a:r>
-              <a:rPr lang="pt-PT" dirty="0" err="1" smtClean="0"/>
-              <a:t>location</a:t>
-            </a:r>
-            <a:r>
-              <a:rPr lang="pt-PT" dirty="0" smtClean="0"/>
-              <a:t>.</a:t>
-            </a:r>
-            <a:endParaRPr lang="en-US" dirty="0" smtClean="0"/>
+              <a:rPr lang="en-US" dirty="0" smtClean="0"/>
+              <a:t>We have been asked to create a system capable of generating an accurate prediction of a client’s location.</a:t>
+            </a:r>
           </a:p>
           <a:p>
             <a:endParaRPr lang="pt-PT" dirty="0"/>
@@ -10447,101 +8994,38 @@
           <a:p>
             <a:pPr lvl="1"/>
             <a:r>
-              <a:rPr lang="pt-PT" b="1" dirty="0" err="1"/>
-              <a:t>Building</a:t>
-            </a:r>
-            <a:r>
-              <a:rPr lang="pt-PT" b="1" dirty="0"/>
-              <a:t>;</a:t>
+              <a:rPr lang="en-US" b="1" dirty="0" smtClean="0"/>
+              <a:t>Building;</a:t>
             </a:r>
           </a:p>
           <a:p>
             <a:pPr lvl="1"/>
             <a:r>
-              <a:rPr lang="pt-PT" b="1" dirty="0" err="1"/>
-              <a:t>Floor</a:t>
-            </a:r>
-            <a:r>
-              <a:rPr lang="pt-PT" b="1" dirty="0"/>
-              <a:t>;</a:t>
+              <a:rPr lang="en-US" b="1" dirty="0" smtClean="0"/>
+              <a:t>Floor;</a:t>
             </a:r>
           </a:p>
           <a:p>
             <a:pPr lvl="1"/>
             <a:r>
-              <a:rPr lang="pt-PT" b="1" dirty="0" err="1"/>
-              <a:t>Relative</a:t>
-            </a:r>
-            <a:r>
-              <a:rPr lang="pt-PT" b="1" dirty="0"/>
-              <a:t> </a:t>
-            </a:r>
-            <a:r>
-              <a:rPr lang="pt-PT" b="1" dirty="0" err="1" smtClean="0"/>
-              <a:t>Position</a:t>
-            </a:r>
-            <a:r>
-              <a:rPr lang="pt-PT" b="1" dirty="0" smtClean="0"/>
-              <a:t> </a:t>
-            </a:r>
-            <a:r>
-              <a:rPr lang="pt-PT" dirty="0" smtClean="0"/>
-              <a:t>(indoors </a:t>
-            </a:r>
-            <a:r>
-              <a:rPr lang="pt-PT" dirty="0" err="1" smtClean="0"/>
-              <a:t>or</a:t>
-            </a:r>
-            <a:r>
-              <a:rPr lang="pt-PT" dirty="0" smtClean="0"/>
-              <a:t> </a:t>
-            </a:r>
-            <a:r>
-              <a:rPr lang="pt-PT" dirty="0" err="1" smtClean="0"/>
-              <a:t>outside</a:t>
-            </a:r>
-            <a:r>
-              <a:rPr lang="pt-PT" dirty="0" smtClean="0"/>
-              <a:t>);</a:t>
-            </a:r>
-          </a:p>
-          <a:p>
-            <a:r>
-              <a:rPr lang="pt-PT" dirty="0" smtClean="0"/>
-              <a:t>As </a:t>
-            </a:r>
-            <a:r>
-              <a:rPr lang="pt-PT" dirty="0" err="1" smtClean="0"/>
-              <a:t>well</a:t>
-            </a:r>
-            <a:r>
-              <a:rPr lang="pt-PT" dirty="0" smtClean="0"/>
-              <a:t> as </a:t>
-            </a:r>
-            <a:r>
-              <a:rPr lang="pt-PT" dirty="0" err="1" smtClean="0"/>
-              <a:t>the</a:t>
-            </a:r>
-            <a:r>
-              <a:rPr lang="pt-PT" dirty="0" smtClean="0"/>
-              <a:t> </a:t>
-            </a:r>
-            <a:r>
-              <a:rPr lang="pt-PT" dirty="0" err="1" smtClean="0"/>
-              <a:t>absolute</a:t>
-            </a:r>
-            <a:r>
-              <a:rPr lang="pt-PT" dirty="0" smtClean="0"/>
-              <a:t> </a:t>
-            </a:r>
-            <a:r>
-              <a:rPr lang="pt-PT" dirty="0" err="1" smtClean="0"/>
-              <a:t>position</a:t>
+              <a:rPr lang="en-US" b="1" dirty="0" smtClean="0"/>
+              <a:t>Relative Position </a:t>
+            </a:r>
+            <a:r>
+              <a:rPr lang="en-US" dirty="0" smtClean="0"/>
+              <a:t>(indoors or outside);</a:t>
+            </a:r>
+          </a:p>
+          <a:p>
+            <a:r>
+              <a:rPr lang="en-US" dirty="0" smtClean="0"/>
+              <a:t>As well as the absolute position</a:t>
             </a:r>
             <a:r>
               <a:rPr lang="pt-PT" dirty="0" smtClean="0"/>
               <a:t>:</a:t>
             </a:r>
+            <a:endParaRPr lang="pt-PT" dirty="0" smtClean="0"/>
           </a:p>
           <a:p>
             <a:pPr lvl="1"/>
@@ -10634,285 +9118,33 @@
           <a:lstStyle/>
           <a:p>
             <a:r>
-              <a:rPr lang="pt-PT" dirty="0" err="1" smtClean="0"/>
-              <a:t>Two</a:t>
-            </a:r>
-            <a:r>
-              <a:rPr lang="pt-PT" dirty="0" smtClean="0"/>
-              <a:t> </a:t>
-            </a:r>
-            <a:r>
-              <a:rPr lang="pt-PT" dirty="0" err="1" smtClean="0"/>
-              <a:t>datasets</a:t>
-            </a:r>
-            <a:r>
-              <a:rPr lang="pt-PT" dirty="0" smtClean="0"/>
-              <a:t> </a:t>
-            </a:r>
-            <a:r>
-              <a:rPr lang="pt-PT" dirty="0" err="1" smtClean="0"/>
-              <a:t>have</a:t>
-            </a:r>
-            <a:r>
-              <a:rPr lang="pt-PT" dirty="0" smtClean="0"/>
-              <a:t> </a:t>
-            </a:r>
-            <a:r>
-              <a:rPr lang="pt-PT" dirty="0" err="1" smtClean="0"/>
-              <a:t>been</a:t>
-            </a:r>
-            <a:r>
-              <a:rPr lang="pt-PT" dirty="0" smtClean="0"/>
-              <a:t> </a:t>
-            </a:r>
-            <a:r>
-              <a:rPr lang="pt-PT" dirty="0" err="1" smtClean="0"/>
-              <a:t>retrieved</a:t>
-            </a:r>
-            <a:r>
-              <a:rPr lang="pt-PT" dirty="0" smtClean="0"/>
-              <a:t> </a:t>
-            </a:r>
-            <a:r>
-              <a:rPr lang="pt-PT" dirty="0" err="1" smtClean="0"/>
-              <a:t>from</a:t>
-            </a:r>
-            <a:r>
-              <a:rPr lang="pt-PT" dirty="0" smtClean="0"/>
-              <a:t> </a:t>
-            </a:r>
-            <a:r>
-              <a:rPr lang="pt-PT" dirty="0" err="1" smtClean="0"/>
-              <a:t>the</a:t>
-            </a:r>
-            <a:r>
-              <a:rPr lang="pt-PT" dirty="0" smtClean="0"/>
-              <a:t> “UCI ML </a:t>
-            </a:r>
-            <a:r>
-              <a:rPr lang="pt-PT" dirty="0" err="1" smtClean="0"/>
-              <a:t>repository</a:t>
-            </a:r>
-            <a:r>
-              <a:rPr lang="pt-PT" dirty="0" smtClean="0"/>
-              <a:t>”:</a:t>
-            </a:r>
-          </a:p>
-          <a:p>
-            <a:endParaRPr lang="pt-PT" dirty="0" smtClean="0"/>
+              <a:rPr lang="en-US" dirty="0" smtClean="0"/>
+              <a:t>Two datasets have been retrieved from the “UCI ML repository”:</a:t>
+            </a:r>
+          </a:p>
+          <a:p>
+            <a:endParaRPr lang="en-US" dirty="0" smtClean="0"/>
           </a:p>
           <a:p>
             <a:pPr lvl="1"/>
             <a:r>
-              <a:rPr lang="pt-PT" dirty="0" err="1" smtClean="0"/>
-              <a:t>The</a:t>
-            </a:r>
-            <a:r>
-              <a:rPr lang="pt-PT" dirty="0" smtClean="0"/>
-              <a:t> </a:t>
-            </a:r>
-            <a:r>
-              <a:rPr lang="pt-PT" dirty="0" err="1" smtClean="0"/>
-              <a:t>first</a:t>
-            </a:r>
-            <a:r>
-              <a:rPr lang="pt-PT" dirty="0" smtClean="0"/>
-              <a:t> </a:t>
-            </a:r>
-            <a:r>
-              <a:rPr lang="pt-PT" dirty="0" err="1" smtClean="0"/>
-              <a:t>contains</a:t>
-            </a:r>
-            <a:r>
-              <a:rPr lang="pt-PT" dirty="0" smtClean="0"/>
-              <a:t> 19937 </a:t>
-            </a:r>
-            <a:r>
-              <a:rPr lang="pt-PT" dirty="0" err="1" smtClean="0"/>
-              <a:t>rows</a:t>
-            </a:r>
-            <a:r>
-              <a:rPr lang="pt-PT" dirty="0" smtClean="0"/>
-              <a:t> </a:t>
-            </a:r>
-            <a:r>
-              <a:rPr lang="pt-PT" dirty="0" err="1" smtClean="0"/>
-              <a:t>and</a:t>
-            </a:r>
-            <a:r>
-              <a:rPr lang="pt-PT" dirty="0" smtClean="0"/>
-              <a:t> 529 </a:t>
-            </a:r>
-            <a:r>
-              <a:rPr lang="pt-PT" dirty="0" err="1" smtClean="0"/>
-              <a:t>columns</a:t>
-            </a:r>
-            <a:r>
-              <a:rPr lang="pt-PT" dirty="0" smtClean="0"/>
-              <a:t> </a:t>
-            </a:r>
-            <a:r>
-              <a:rPr lang="pt-PT" dirty="0" err="1" smtClean="0"/>
-              <a:t>and</a:t>
-            </a:r>
-            <a:r>
-              <a:rPr lang="pt-PT" dirty="0" smtClean="0"/>
-              <a:t> </a:t>
-            </a:r>
-            <a:r>
-              <a:rPr lang="pt-PT" dirty="0" err="1" smtClean="0"/>
-              <a:t>is</a:t>
-            </a:r>
-            <a:r>
-              <a:rPr lang="pt-PT" dirty="0" smtClean="0"/>
-              <a:t> </a:t>
-            </a:r>
-            <a:r>
-              <a:rPr lang="pt-PT" dirty="0" err="1" smtClean="0"/>
-              <a:t>intended</a:t>
-            </a:r>
-            <a:r>
-              <a:rPr lang="pt-PT" dirty="0" smtClean="0"/>
-              <a:t> for training;</a:t>
+              <a:rPr lang="en-US" dirty="0" smtClean="0"/>
+              <a:t>The first contains 19937 rows and 529 columns and is intended for training;</a:t>
             </a:r>
           </a:p>
           <a:p>
             <a:pPr lvl="1"/>
-            <a:endParaRPr lang="pt-PT" dirty="0" smtClean="0"/>
+            <a:endParaRPr lang="en-US" dirty="0" smtClean="0"/>
           </a:p>
           <a:p>
             <a:pPr lvl="1"/>
             <a:r>
-              <a:rPr lang="pt-PT" dirty="0" err="1" smtClean="0"/>
-              <a:t>The</a:t>
-            </a:r>
-            <a:r>
-              <a:rPr lang="pt-PT" dirty="0" smtClean="0"/>
-              <a:t> </a:t>
-            </a:r>
-            <a:r>
-              <a:rPr lang="pt-PT" dirty="0" err="1" smtClean="0"/>
-              <a:t>second</a:t>
-            </a:r>
-            <a:r>
-              <a:rPr lang="pt-PT" dirty="0" smtClean="0"/>
-              <a:t> </a:t>
-            </a:r>
-            <a:r>
-              <a:rPr lang="pt-PT" dirty="0" err="1" smtClean="0"/>
-              <a:t>contains</a:t>
-            </a:r>
-            <a:r>
-              <a:rPr lang="pt-PT" dirty="0" smtClean="0"/>
-              <a:t> </a:t>
-            </a:r>
-            <a:r>
-              <a:rPr lang="pt-PT" dirty="0" err="1" smtClean="0"/>
-              <a:t>only</a:t>
-            </a:r>
-            <a:r>
-              <a:rPr lang="pt-PT" dirty="0" smtClean="0"/>
-              <a:t> 1111 </a:t>
-            </a:r>
-            <a:r>
-              <a:rPr lang="pt-PT" dirty="0" err="1" smtClean="0"/>
-              <a:t>rows</a:t>
-            </a:r>
-            <a:r>
-              <a:rPr lang="pt-PT" dirty="0" smtClean="0"/>
-              <a:t> </a:t>
-            </a:r>
-            <a:r>
-              <a:rPr lang="pt-PT" dirty="0" err="1" smtClean="0"/>
-              <a:t>and</a:t>
-            </a:r>
-            <a:r>
-              <a:rPr lang="pt-PT" dirty="0" smtClean="0"/>
-              <a:t> </a:t>
-            </a:r>
-            <a:r>
-              <a:rPr lang="pt-PT" dirty="0" err="1" smtClean="0"/>
-              <a:t>the</a:t>
-            </a:r>
-            <a:r>
-              <a:rPr lang="pt-PT" dirty="0" smtClean="0"/>
-              <a:t> </a:t>
-            </a:r>
-            <a:r>
-              <a:rPr lang="pt-PT" dirty="0" err="1" smtClean="0"/>
-              <a:t>same</a:t>
-            </a:r>
-            <a:r>
-              <a:rPr lang="pt-PT" dirty="0" smtClean="0"/>
-              <a:t> </a:t>
-            </a:r>
-            <a:r>
-              <a:rPr lang="pt-PT" dirty="0" err="1" smtClean="0"/>
-              <a:t>columns</a:t>
-            </a:r>
-            <a:r>
-              <a:rPr lang="pt-PT" dirty="0" smtClean="0"/>
-              <a:t> as </a:t>
-            </a:r>
-            <a:r>
-              <a:rPr lang="pt-PT" dirty="0" err="1" smtClean="0"/>
-              <a:t>the</a:t>
-            </a:r>
-            <a:r>
-              <a:rPr lang="pt-PT" dirty="0" smtClean="0"/>
-              <a:t> training </a:t>
-            </a:r>
-            <a:r>
-              <a:rPr lang="pt-PT" dirty="0" err="1" smtClean="0"/>
-              <a:t>dataset</a:t>
-            </a:r>
-            <a:r>
-              <a:rPr lang="pt-PT" dirty="0" smtClean="0"/>
-              <a:t>. </a:t>
-            </a:r>
-            <a:r>
-              <a:rPr lang="pt-PT" dirty="0" err="1" smtClean="0"/>
-              <a:t>This</a:t>
-            </a:r>
-            <a:r>
-              <a:rPr lang="pt-PT" dirty="0" smtClean="0"/>
-              <a:t> </a:t>
-            </a:r>
-            <a:r>
-              <a:rPr lang="pt-PT" dirty="0" err="1" smtClean="0"/>
-              <a:t>dataset</a:t>
-            </a:r>
-            <a:r>
-              <a:rPr lang="pt-PT" dirty="0" smtClean="0"/>
-              <a:t> </a:t>
-            </a:r>
-            <a:r>
-              <a:rPr lang="pt-PT" dirty="0" err="1" smtClean="0"/>
-              <a:t>is</a:t>
-            </a:r>
-            <a:r>
-              <a:rPr lang="pt-PT" dirty="0" smtClean="0"/>
-              <a:t> </a:t>
-            </a:r>
-            <a:r>
-              <a:rPr lang="pt-PT" dirty="0" err="1" smtClean="0"/>
-              <a:t>inteded</a:t>
-            </a:r>
-            <a:r>
-              <a:rPr lang="pt-PT" dirty="0" smtClean="0"/>
-              <a:t> for </a:t>
-            </a:r>
-            <a:r>
-              <a:rPr lang="pt-PT" dirty="0" err="1" smtClean="0"/>
-              <a:t>validation</a:t>
-            </a:r>
-            <a:r>
-              <a:rPr lang="pt-PT" dirty="0" smtClean="0"/>
-              <a:t>.</a:t>
-            </a:r>
-          </a:p>
-          <a:p>
-            <a:endParaRPr lang="pt-PT" dirty="0" smtClean="0"/>
+              <a:rPr lang="en-US" dirty="0" smtClean="0"/>
+              <a:t>The second contains only 1111 rows and the same columns as the training dataset. This dataset is intended for validation.</a:t>
+            </a:r>
+          </a:p>
+          <a:p>
+            <a:endParaRPr lang="en-US" dirty="0" smtClean="0"/>
           </a:p>
           <a:p>
             <a:endParaRPr lang="en-US" dirty="0" smtClean="0"/>
@@ -11000,12 +9232,16 @@
           <a:lstStyle/>
           <a:p>
             <a:r>
-              <a:rPr lang="pt-PT" dirty="0" err="1" smtClean="0"/>
-              <a:t>The</a:t>
+              <a:rPr lang="en-US" dirty="0" smtClean="0"/>
+              <a:t>The </a:t>
             </a:r>
             <a:r>
               <a:rPr lang="pt-PT" dirty="0" smtClean="0"/>
-              <a:t> data c</a:t>
+              <a:t>data </a:t>
+            </a:r>
+            <a:r>
+              <a:rPr lang="pt-PT" dirty="0" smtClean="0"/>
+              <a:t>c</a:t>
             </a:r>
             <a:r>
               <a:rPr lang="en-US" dirty="0" smtClean="0"/>
@@ -11039,461 +9275,61 @@
           </a:p>
           <a:p>
             <a:r>
-              <a:rPr lang="pt-PT" dirty="0" err="1" smtClean="0"/>
-              <a:t>Each</a:t>
-            </a:r>
-            <a:r>
-              <a:rPr lang="pt-PT" dirty="0" smtClean="0"/>
-              <a:t> </a:t>
-            </a:r>
-            <a:r>
-              <a:rPr lang="pt-PT" dirty="0" err="1" smtClean="0"/>
-              <a:t>datapoint</a:t>
-            </a:r>
-            <a:r>
-              <a:rPr lang="pt-PT" dirty="0" smtClean="0"/>
-              <a:t> </a:t>
-            </a:r>
-            <a:r>
-              <a:rPr lang="pt-PT" dirty="0" err="1" smtClean="0"/>
-              <a:t>corresponds</a:t>
-            </a:r>
-            <a:r>
-              <a:rPr lang="pt-PT" dirty="0" smtClean="0"/>
-              <a:t> to </a:t>
-            </a:r>
-            <a:r>
-              <a:rPr lang="pt-PT" dirty="0" err="1" smtClean="0"/>
-              <a:t>the</a:t>
-            </a:r>
-            <a:r>
-              <a:rPr lang="pt-PT" dirty="0" smtClean="0"/>
-              <a:t> </a:t>
-            </a:r>
-            <a:r>
-              <a:rPr lang="pt-PT" dirty="0" err="1" smtClean="0"/>
-              <a:t>metrics</a:t>
-            </a:r>
-            <a:r>
-              <a:rPr lang="pt-PT" dirty="0" smtClean="0"/>
-              <a:t> </a:t>
-            </a:r>
-            <a:r>
-              <a:rPr lang="pt-PT" dirty="0" err="1" smtClean="0"/>
-              <a:t>recorded</a:t>
-            </a:r>
-            <a:r>
-              <a:rPr lang="pt-PT" dirty="0" smtClean="0"/>
-              <a:t> </a:t>
-            </a:r>
-            <a:r>
-              <a:rPr lang="pt-PT" dirty="0" err="1" smtClean="0"/>
-              <a:t>by</a:t>
-            </a:r>
-            <a:r>
-              <a:rPr lang="pt-PT" dirty="0" smtClean="0"/>
-              <a:t> a </a:t>
-            </a:r>
-            <a:r>
-              <a:rPr lang="pt-PT" dirty="0" err="1" smtClean="0"/>
-              <a:t>cliente’s</a:t>
-            </a:r>
-            <a:r>
-              <a:rPr lang="pt-PT" dirty="0" smtClean="0"/>
-              <a:t> mobile </a:t>
-            </a:r>
-            <a:r>
-              <a:rPr lang="pt-PT" dirty="0" err="1" smtClean="0"/>
-              <a:t>phone</a:t>
-            </a:r>
-            <a:r>
-              <a:rPr lang="pt-PT" dirty="0" smtClean="0"/>
-              <a:t> </a:t>
-            </a:r>
-            <a:r>
-              <a:rPr lang="pt-PT" dirty="0" err="1" smtClean="0"/>
-              <a:t>at</a:t>
-            </a:r>
-            <a:r>
-              <a:rPr lang="pt-PT" dirty="0" smtClean="0"/>
-              <a:t> a </a:t>
-            </a:r>
-            <a:r>
-              <a:rPr lang="pt-PT" dirty="0" err="1" smtClean="0"/>
-              <a:t>given</a:t>
-            </a:r>
-            <a:r>
-              <a:rPr lang="pt-PT" dirty="0" smtClean="0"/>
-              <a:t> </a:t>
-            </a:r>
-            <a:r>
-              <a:rPr lang="pt-PT" dirty="0" err="1" smtClean="0"/>
-              <a:t>instant</a:t>
-            </a:r>
-            <a:r>
-              <a:rPr lang="pt-PT" dirty="0" smtClean="0"/>
-              <a:t> (</a:t>
-            </a:r>
-            <a:r>
-              <a:rPr lang="pt-PT" b="1" dirty="0" err="1" smtClean="0"/>
+              <a:rPr lang="en-US" dirty="0" smtClean="0"/>
+              <a:t>Each data point corresponds to the metrics recorded by a client's mobile phone at a given instant (</a:t>
+            </a:r>
+            <a:r>
+              <a:rPr lang="en-US" b="1" dirty="0" smtClean="0"/>
               <a:t>Timestamp</a:t>
             </a:r>
             <a:r>
-              <a:rPr lang="pt-PT" dirty="0" smtClean="0"/>
-              <a:t>) </a:t>
-            </a:r>
-            <a:r>
-              <a:rPr lang="pt-PT" dirty="0" err="1" smtClean="0"/>
-              <a:t>with</a:t>
-            </a:r>
-            <a:r>
-              <a:rPr lang="pt-PT" dirty="0" smtClean="0"/>
-              <a:t> </a:t>
-            </a:r>
-            <a:r>
-              <a:rPr lang="pt-PT" dirty="0" err="1" smtClean="0"/>
-              <a:t>the</a:t>
-            </a:r>
-            <a:r>
-              <a:rPr lang="pt-PT" dirty="0" smtClean="0"/>
-              <a:t> </a:t>
-            </a:r>
-            <a:r>
-              <a:rPr lang="pt-PT" dirty="0" err="1" smtClean="0"/>
-              <a:t>following</a:t>
-            </a:r>
-            <a:r>
-              <a:rPr lang="pt-PT" dirty="0" smtClean="0"/>
-              <a:t> </a:t>
-            </a:r>
-            <a:r>
-              <a:rPr lang="pt-PT" dirty="0" err="1" smtClean="0"/>
-              <a:t>characterstics</a:t>
-            </a:r>
-            <a:r>
-              <a:rPr lang="pt-PT" dirty="0" smtClean="0"/>
-              <a:t>:</a:t>
+              <a:rPr lang="en-US" dirty="0" smtClean="0"/>
+              <a:t>) with the following characteristics:</a:t>
             </a:r>
           </a:p>
           <a:p>
             <a:pPr lvl="1"/>
             <a:r>
-              <a:rPr lang="pt-PT" b="1" dirty="0" smtClean="0"/>
-              <a:t>Wireless Access </a:t>
-            </a:r>
-            <a:r>
-              <a:rPr lang="pt-PT" b="1" dirty="0" err="1" smtClean="0"/>
-              <a:t>Point</a:t>
-            </a:r>
-            <a:r>
-              <a:rPr lang="pt-PT" b="1" dirty="0" smtClean="0"/>
-              <a:t> (WAP) </a:t>
-            </a:r>
-            <a:r>
-              <a:rPr lang="pt-PT" dirty="0" err="1" smtClean="0"/>
-              <a:t>and</a:t>
-            </a:r>
-            <a:r>
-              <a:rPr lang="pt-PT" dirty="0" smtClean="0"/>
-              <a:t> </a:t>
-            </a:r>
-            <a:r>
-              <a:rPr lang="pt-PT" dirty="0" err="1" smtClean="0"/>
-              <a:t>its</a:t>
-            </a:r>
-            <a:r>
-              <a:rPr lang="pt-PT" dirty="0" smtClean="0"/>
-              <a:t> </a:t>
-            </a:r>
-            <a:r>
-              <a:rPr lang="pt-PT" dirty="0" err="1" smtClean="0"/>
-              <a:t>corresponding</a:t>
-            </a:r>
-            <a:r>
-              <a:rPr lang="pt-PT" dirty="0" smtClean="0"/>
-              <a:t> </a:t>
-            </a:r>
-            <a:r>
-              <a:rPr lang="pt-PT" b="1" dirty="0" err="1" smtClean="0"/>
-              <a:t>received</a:t>
-            </a:r>
-            <a:r>
-              <a:rPr lang="pt-PT" b="1" dirty="0" smtClean="0"/>
-              <a:t> </a:t>
-            </a:r>
-            <a:r>
-              <a:rPr lang="pt-PT" b="1" dirty="0" err="1" smtClean="0"/>
-              <a:t>signal</a:t>
-            </a:r>
-            <a:r>
-              <a:rPr lang="pt-PT" b="1" dirty="0" smtClean="0"/>
-              <a:t> </a:t>
-            </a:r>
-            <a:r>
-              <a:rPr lang="pt-PT" b="1" dirty="0" err="1" smtClean="0"/>
-              <a:t>strength</a:t>
-            </a:r>
-            <a:r>
-              <a:rPr lang="pt-PT" dirty="0" smtClean="0"/>
-              <a:t>, </a:t>
-            </a:r>
-            <a:r>
-              <a:rPr lang="pt-PT" dirty="0" err="1" smtClean="0"/>
-              <a:t>one</a:t>
-            </a:r>
-            <a:r>
-              <a:rPr lang="pt-PT" dirty="0" smtClean="0"/>
-              <a:t> </a:t>
-            </a:r>
-            <a:r>
-              <a:rPr lang="pt-PT" dirty="0" err="1" smtClean="0"/>
-              <a:t>column</a:t>
-            </a:r>
-            <a:r>
-              <a:rPr lang="pt-PT" dirty="0" smtClean="0"/>
-              <a:t> for </a:t>
-            </a:r>
-            <a:r>
-              <a:rPr lang="pt-PT" dirty="0" err="1" smtClean="0"/>
-              <a:t>each</a:t>
-            </a:r>
-            <a:r>
-              <a:rPr lang="pt-PT" dirty="0" smtClean="0"/>
-              <a:t> </a:t>
-            </a:r>
-            <a:r>
-              <a:rPr lang="pt-PT" dirty="0" err="1" smtClean="0"/>
-              <a:t>of</a:t>
-            </a:r>
-            <a:r>
-              <a:rPr lang="pt-PT" dirty="0" smtClean="0"/>
-              <a:t> </a:t>
-            </a:r>
-            <a:r>
-              <a:rPr lang="pt-PT" dirty="0" err="1" smtClean="0"/>
-              <a:t>the</a:t>
-            </a:r>
-            <a:r>
-              <a:rPr lang="pt-PT" dirty="0" smtClean="0"/>
-              <a:t> </a:t>
-            </a:r>
-            <a:r>
-              <a:rPr lang="pt-PT" dirty="0" err="1" smtClean="0"/>
-              <a:t>available</a:t>
-            </a:r>
-            <a:r>
-              <a:rPr lang="pt-PT" dirty="0" smtClean="0"/>
-              <a:t> 520 </a:t>
-            </a:r>
-            <a:r>
-              <a:rPr lang="pt-PT" dirty="0" err="1" smtClean="0"/>
-              <a:t>points</a:t>
-            </a:r>
-            <a:r>
-              <a:rPr lang="pt-PT" dirty="0" smtClean="0"/>
-              <a:t>;</a:t>
+              <a:rPr lang="en-US" b="1" dirty="0" smtClean="0"/>
+              <a:t>Wireless Access Point (WAP) </a:t>
+            </a:r>
+            <a:r>
+              <a:rPr lang="en-US" dirty="0" smtClean="0"/>
+              <a:t>and its corresponding </a:t>
+            </a:r>
+            <a:r>
+              <a:rPr lang="en-US" b="1" dirty="0" smtClean="0"/>
+              <a:t>received signal strength</a:t>
+            </a:r>
+            <a:r>
+              <a:rPr lang="en-US" dirty="0" smtClean="0"/>
+              <a:t>, one column for each of the available 520 points;</a:t>
             </a:r>
           </a:p>
           <a:p>
             <a:pPr lvl="1"/>
             <a:r>
-              <a:rPr lang="pt-PT" b="1" dirty="0" smtClean="0"/>
-              <a:t>Longitude, Latitude, </a:t>
-            </a:r>
-            <a:r>
-              <a:rPr lang="pt-PT" b="1" dirty="0" err="1" smtClean="0"/>
-              <a:t>Floor</a:t>
-            </a:r>
-            <a:r>
-              <a:rPr lang="pt-PT" b="1" dirty="0" smtClean="0"/>
-              <a:t> , </a:t>
-            </a:r>
-            <a:r>
-              <a:rPr lang="pt-PT" b="1" dirty="0" err="1" smtClean="0"/>
-              <a:t>Building</a:t>
-            </a:r>
-            <a:r>
-              <a:rPr lang="pt-PT" b="1" dirty="0" smtClean="0"/>
-              <a:t> ID, </a:t>
-            </a:r>
-            <a:r>
-              <a:rPr lang="pt-PT" b="1" dirty="0" err="1" smtClean="0"/>
-              <a:t>Space</a:t>
-            </a:r>
-            <a:r>
-              <a:rPr lang="pt-PT" b="1" dirty="0" smtClean="0"/>
-              <a:t> ID </a:t>
-            </a:r>
-            <a:r>
-              <a:rPr lang="pt-PT" dirty="0" err="1" smtClean="0"/>
-              <a:t>and</a:t>
-            </a:r>
-            <a:r>
-              <a:rPr lang="pt-PT" dirty="0" smtClean="0"/>
-              <a:t> </a:t>
-            </a:r>
-            <a:r>
-              <a:rPr lang="pt-PT" b="1" dirty="0" err="1" smtClean="0"/>
-              <a:t>relative</a:t>
-            </a:r>
-            <a:r>
-              <a:rPr lang="pt-PT" b="1" dirty="0" smtClean="0"/>
-              <a:t> </a:t>
-            </a:r>
-            <a:r>
-              <a:rPr lang="pt-PT" b="1" dirty="0" err="1" smtClean="0"/>
-              <a:t>position</a:t>
-            </a:r>
-            <a:r>
-              <a:rPr lang="pt-PT" b="1" dirty="0" smtClean="0"/>
-              <a:t> </a:t>
-            </a:r>
-            <a:r>
-              <a:rPr lang="pt-PT" dirty="0" err="1" smtClean="0"/>
-              <a:t>of</a:t>
-            </a:r>
-            <a:r>
-              <a:rPr lang="pt-PT" dirty="0" smtClean="0"/>
-              <a:t> </a:t>
-            </a:r>
-            <a:r>
-              <a:rPr lang="pt-PT" dirty="0" err="1" smtClean="0"/>
-              <a:t>the</a:t>
-            </a:r>
-            <a:r>
-              <a:rPr lang="pt-PT" dirty="0" smtClean="0"/>
-              <a:t> </a:t>
-            </a:r>
-            <a:r>
-              <a:rPr lang="pt-PT" dirty="0" err="1" smtClean="0"/>
-              <a:t>receiver</a:t>
-            </a:r>
-            <a:r>
-              <a:rPr lang="pt-PT" dirty="0" smtClean="0"/>
-              <a:t>;</a:t>
+              <a:rPr lang="en-US" b="1" dirty="0" smtClean="0"/>
+              <a:t>Longitude, Latitude, Floor , Building ID, Space ID </a:t>
+            </a:r>
+            <a:r>
+              <a:rPr lang="en-US" dirty="0" smtClean="0"/>
+              <a:t>and </a:t>
+            </a:r>
+            <a:r>
+              <a:rPr lang="en-US" b="1" dirty="0" smtClean="0"/>
+              <a:t>relative position </a:t>
+            </a:r>
+            <a:r>
+              <a:rPr lang="en-US" dirty="0" smtClean="0"/>
+              <a:t>of the receiver;</a:t>
             </a:r>
           </a:p>
           <a:p>
             <a:pPr lvl="1"/>
             <a:r>
-              <a:rPr lang="pt-PT" dirty="0" err="1" smtClean="0"/>
-              <a:t>User</a:t>
-            </a:r>
-            <a:r>
-              <a:rPr lang="pt-PT" dirty="0" smtClean="0"/>
-              <a:t> ID </a:t>
-            </a:r>
-            <a:r>
-              <a:rPr lang="pt-PT" dirty="0" err="1" smtClean="0"/>
-              <a:t>and</a:t>
-            </a:r>
-            <a:r>
-              <a:rPr lang="pt-PT" dirty="0" smtClean="0"/>
-              <a:t> </a:t>
-            </a:r>
-            <a:r>
-              <a:rPr lang="pt-PT" dirty="0" err="1" smtClean="0"/>
-              <a:t>phone</a:t>
-            </a:r>
-            <a:r>
-              <a:rPr lang="pt-PT" dirty="0" smtClean="0"/>
-              <a:t> ID to </a:t>
-            </a:r>
-            <a:r>
-              <a:rPr lang="pt-PT" dirty="0" err="1" smtClean="0"/>
-              <a:t>identify</a:t>
-            </a:r>
-            <a:r>
-              <a:rPr lang="pt-PT" dirty="0" smtClean="0"/>
-              <a:t> </a:t>
-            </a:r>
-            <a:r>
-              <a:rPr lang="pt-PT" dirty="0" err="1" smtClean="0"/>
-              <a:t>the</a:t>
-            </a:r>
-            <a:r>
-              <a:rPr lang="pt-PT" dirty="0" smtClean="0"/>
-              <a:t> cliente (</a:t>
-            </a:r>
-            <a:r>
-              <a:rPr lang="pt-PT" dirty="0" err="1" smtClean="0"/>
-              <a:t>these</a:t>
-            </a:r>
-            <a:r>
-              <a:rPr lang="pt-PT" dirty="0" smtClean="0"/>
-              <a:t> </a:t>
-            </a:r>
-            <a:r>
-              <a:rPr lang="pt-PT" dirty="0" err="1" smtClean="0"/>
-              <a:t>features</a:t>
-            </a:r>
-            <a:r>
-              <a:rPr lang="pt-PT" dirty="0" smtClean="0"/>
-              <a:t> </a:t>
-            </a:r>
-            <a:r>
-              <a:rPr lang="pt-PT" dirty="0" err="1" smtClean="0"/>
-              <a:t>were</a:t>
-            </a:r>
-            <a:r>
-              <a:rPr lang="pt-PT" dirty="0" smtClean="0"/>
-              <a:t> </a:t>
-            </a:r>
-            <a:r>
-              <a:rPr lang="pt-PT" dirty="0" err="1" smtClean="0"/>
-              <a:t>not</a:t>
-            </a:r>
-            <a:r>
-              <a:rPr lang="pt-PT" dirty="0" smtClean="0"/>
-              <a:t> </a:t>
-            </a:r>
-            <a:r>
-              <a:rPr lang="pt-PT" dirty="0" err="1" smtClean="0"/>
-              <a:t>considered</a:t>
-            </a:r>
-            <a:r>
-              <a:rPr lang="pt-PT" dirty="0" smtClean="0"/>
-              <a:t> for </a:t>
-            </a:r>
-            <a:r>
-              <a:rPr lang="pt-PT" dirty="0" err="1" smtClean="0"/>
-              <a:t>the</a:t>
-            </a:r>
-            <a:r>
-              <a:rPr lang="pt-PT" dirty="0" smtClean="0"/>
-              <a:t> </a:t>
-            </a:r>
-            <a:r>
-              <a:rPr lang="pt-PT" dirty="0" err="1" smtClean="0"/>
-              <a:t>purpose</a:t>
-            </a:r>
-            <a:r>
-              <a:rPr lang="pt-PT" dirty="0" smtClean="0"/>
-              <a:t> </a:t>
-            </a:r>
-            <a:r>
-              <a:rPr lang="pt-PT" dirty="0" err="1" smtClean="0"/>
-              <a:t>of</a:t>
-            </a:r>
-            <a:r>
-              <a:rPr lang="pt-PT" dirty="0" smtClean="0"/>
-              <a:t> </a:t>
-            </a:r>
-            <a:r>
-              <a:rPr lang="pt-PT" dirty="0" err="1" smtClean="0"/>
-              <a:t>this</a:t>
-            </a:r>
-            <a:r>
-              <a:rPr lang="pt-PT" dirty="0" smtClean="0"/>
-              <a:t> </a:t>
-            </a:r>
-            <a:r>
-              <a:rPr lang="pt-PT" dirty="0" err="1" smtClean="0"/>
-              <a:t>model</a:t>
-            </a:r>
-            <a:r>
-              <a:rPr lang="pt-PT" dirty="0" smtClean="0"/>
-              <a:t>).</a:t>
+              <a:rPr lang="en-US" dirty="0" smtClean="0"/>
+              <a:t>User ID and phone ID to identify the client (these features were not considered for the purpose of this model).</a:t>
             </a:r>
             <a:endParaRPr lang="en-US" dirty="0"/>
           </a:p>
@@ -11592,655 +9428,50 @@
           <a:lstStyle/>
           <a:p>
             <a:r>
-              <a:rPr lang="pt-PT" dirty="0" err="1" smtClean="0"/>
-              <a:t>Predicting</a:t>
-            </a:r>
-            <a:r>
-              <a:rPr lang="pt-PT" dirty="0" smtClean="0"/>
-              <a:t> </a:t>
-            </a:r>
-            <a:r>
-              <a:rPr lang="pt-PT" dirty="0" err="1" smtClean="0"/>
-              <a:t>all</a:t>
-            </a:r>
-            <a:r>
-              <a:rPr lang="pt-PT" dirty="0" smtClean="0"/>
-              <a:t> </a:t>
-            </a:r>
-            <a:r>
-              <a:rPr lang="pt-PT" dirty="0" err="1" smtClean="0"/>
-              <a:t>variables</a:t>
-            </a:r>
-            <a:r>
-              <a:rPr lang="pt-PT" dirty="0" smtClean="0"/>
-              <a:t> </a:t>
-            </a:r>
-            <a:r>
-              <a:rPr lang="pt-PT" dirty="0" err="1" smtClean="0"/>
-              <a:t>at</a:t>
-            </a:r>
-            <a:r>
-              <a:rPr lang="pt-PT" dirty="0" smtClean="0"/>
-              <a:t> </a:t>
-            </a:r>
-            <a:r>
-              <a:rPr lang="pt-PT" dirty="0" err="1" smtClean="0"/>
-              <a:t>once</a:t>
-            </a:r>
-            <a:r>
-              <a:rPr lang="pt-PT" dirty="0" smtClean="0"/>
-              <a:t> (</a:t>
-            </a:r>
-            <a:r>
-              <a:rPr lang="pt-PT" dirty="0" err="1" smtClean="0"/>
-              <a:t>or</a:t>
-            </a:r>
-            <a:r>
-              <a:rPr lang="pt-PT" dirty="0" smtClean="0"/>
-              <a:t> </a:t>
-            </a:r>
-            <a:r>
-              <a:rPr lang="pt-PT" dirty="0" err="1" smtClean="0"/>
-              <a:t>without</a:t>
-            </a:r>
-            <a:r>
-              <a:rPr lang="pt-PT" dirty="0" smtClean="0"/>
-              <a:t> </a:t>
-            </a:r>
-            <a:r>
-              <a:rPr lang="pt-PT" dirty="0" err="1" smtClean="0"/>
-              <a:t>the</a:t>
-            </a:r>
-            <a:r>
-              <a:rPr lang="pt-PT" dirty="0" smtClean="0"/>
-              <a:t> </a:t>
-            </a:r>
-            <a:r>
-              <a:rPr lang="pt-PT" dirty="0" err="1" smtClean="0"/>
-              <a:t>help</a:t>
-            </a:r>
-            <a:r>
-              <a:rPr lang="pt-PT" dirty="0" smtClean="0"/>
-              <a:t> </a:t>
-            </a:r>
-            <a:r>
-              <a:rPr lang="pt-PT" dirty="0" err="1" smtClean="0"/>
-              <a:t>of</a:t>
-            </a:r>
-            <a:r>
-              <a:rPr lang="pt-PT" dirty="0" smtClean="0"/>
-              <a:t> </a:t>
-            </a:r>
-            <a:r>
-              <a:rPr lang="pt-PT" dirty="0" err="1" smtClean="0"/>
-              <a:t>the</a:t>
-            </a:r>
-            <a:r>
-              <a:rPr lang="pt-PT" dirty="0" smtClean="0"/>
-              <a:t> more </a:t>
-            </a:r>
-            <a:r>
-              <a:rPr lang="pt-PT" dirty="0" err="1" smtClean="0"/>
-              <a:t>easily</a:t>
-            </a:r>
-            <a:r>
-              <a:rPr lang="pt-PT" dirty="0" smtClean="0"/>
-              <a:t> </a:t>
-            </a:r>
-            <a:r>
-              <a:rPr lang="pt-PT" dirty="0" err="1" smtClean="0"/>
-              <a:t>forecastable</a:t>
-            </a:r>
-            <a:r>
-              <a:rPr lang="pt-PT" dirty="0" smtClean="0"/>
-              <a:t> </a:t>
-            </a:r>
-            <a:r>
-              <a:rPr lang="pt-PT" dirty="0" err="1" smtClean="0"/>
-              <a:t>variables</a:t>
-            </a:r>
-            <a:r>
-              <a:rPr lang="pt-PT" dirty="0" smtClean="0"/>
-              <a:t>) </a:t>
-            </a:r>
-            <a:r>
-              <a:rPr lang="pt-PT" dirty="0" err="1" smtClean="0"/>
-              <a:t>is</a:t>
-            </a:r>
-            <a:r>
-              <a:rPr lang="pt-PT" dirty="0" smtClean="0"/>
-              <a:t> hard </a:t>
-            </a:r>
-            <a:r>
-              <a:rPr lang="pt-PT" dirty="0" err="1" smtClean="0"/>
-              <a:t>and</a:t>
-            </a:r>
-            <a:r>
-              <a:rPr lang="pt-PT" dirty="0" smtClean="0"/>
-              <a:t> </a:t>
-            </a:r>
-            <a:r>
-              <a:rPr lang="pt-PT" dirty="0" err="1" smtClean="0"/>
-              <a:t>prone</a:t>
-            </a:r>
-            <a:r>
-              <a:rPr lang="pt-PT" dirty="0" smtClean="0"/>
-              <a:t> to error;</a:t>
-            </a:r>
-          </a:p>
-          <a:p>
-            <a:r>
-              <a:rPr lang="pt-PT" dirty="0" err="1" smtClean="0"/>
-              <a:t>Thus</a:t>
-            </a:r>
-            <a:r>
-              <a:rPr lang="pt-PT" dirty="0" smtClean="0"/>
-              <a:t>, </a:t>
-            </a:r>
-            <a:r>
-              <a:rPr lang="pt-PT" dirty="0" err="1" smtClean="0"/>
-              <a:t>we</a:t>
-            </a:r>
-            <a:r>
-              <a:rPr lang="pt-PT" dirty="0" smtClean="0"/>
-              <a:t> </a:t>
-            </a:r>
-            <a:r>
-              <a:rPr lang="pt-PT" dirty="0" err="1" smtClean="0"/>
-              <a:t>propose</a:t>
-            </a:r>
-            <a:r>
-              <a:rPr lang="pt-PT" dirty="0" smtClean="0"/>
-              <a:t> a </a:t>
-            </a:r>
-            <a:r>
-              <a:rPr lang="pt-PT" dirty="0" err="1" smtClean="0"/>
-              <a:t>system</a:t>
-            </a:r>
-            <a:r>
-              <a:rPr lang="pt-PT" dirty="0" smtClean="0"/>
-              <a:t> </a:t>
-            </a:r>
-            <a:r>
-              <a:rPr lang="pt-PT" dirty="0" err="1" smtClean="0"/>
-              <a:t>with</a:t>
-            </a:r>
-            <a:r>
-              <a:rPr lang="pt-PT" dirty="0" smtClean="0"/>
-              <a:t> </a:t>
-            </a:r>
-            <a:r>
-              <a:rPr lang="pt-PT" dirty="0" err="1" smtClean="0"/>
-              <a:t>cascade</a:t>
-            </a:r>
-            <a:r>
-              <a:rPr lang="pt-PT" dirty="0" smtClean="0"/>
-              <a:t> </a:t>
-            </a:r>
-            <a:r>
-              <a:rPr lang="pt-PT" dirty="0" err="1" smtClean="0"/>
-              <a:t>modeling</a:t>
-            </a:r>
-            <a:r>
-              <a:rPr lang="pt-PT" dirty="0" smtClean="0"/>
-              <a:t>:</a:t>
+              <a:rPr lang="en-US" dirty="0" smtClean="0"/>
+              <a:t>Predicting all variables at once (or without the help of the more easily forecastable variables) is hard and prone to error;</a:t>
+            </a:r>
+          </a:p>
+          <a:p>
+            <a:r>
+              <a:rPr lang="en-US" dirty="0" smtClean="0"/>
+              <a:t>Thus, we propose a system with cascade modeling:</a:t>
             </a:r>
           </a:p>
           <a:p>
             <a:pPr lvl="1"/>
             <a:r>
-              <a:rPr lang="pt-PT" dirty="0" err="1" smtClean="0"/>
-              <a:t>Firstly</a:t>
-            </a:r>
-            <a:r>
-              <a:rPr lang="pt-PT" dirty="0" smtClean="0"/>
-              <a:t> </a:t>
-            </a:r>
-            <a:r>
-              <a:rPr lang="pt-PT" dirty="0" err="1" smtClean="0"/>
-              <a:t>we</a:t>
-            </a:r>
-            <a:r>
-              <a:rPr lang="pt-PT" dirty="0" smtClean="0"/>
-              <a:t> </a:t>
-            </a:r>
-            <a:r>
-              <a:rPr lang="pt-PT" dirty="0" err="1" smtClean="0"/>
-              <a:t>forecast</a:t>
-            </a:r>
-            <a:r>
-              <a:rPr lang="pt-PT" dirty="0" smtClean="0"/>
-              <a:t> </a:t>
-            </a:r>
-            <a:r>
-              <a:rPr lang="pt-PT" dirty="0" err="1" smtClean="0"/>
-              <a:t>the</a:t>
-            </a:r>
-            <a:r>
-              <a:rPr lang="pt-PT" dirty="0" smtClean="0"/>
-              <a:t> </a:t>
-            </a:r>
-            <a:r>
-              <a:rPr lang="pt-PT" dirty="0" err="1" smtClean="0"/>
-              <a:t>easiest</a:t>
-            </a:r>
-            <a:r>
-              <a:rPr lang="pt-PT" dirty="0" smtClean="0"/>
-              <a:t> </a:t>
-            </a:r>
-            <a:r>
-              <a:rPr lang="pt-PT" dirty="0" err="1" smtClean="0"/>
-              <a:t>features</a:t>
-            </a:r>
-            <a:r>
-              <a:rPr lang="pt-PT" dirty="0" smtClean="0"/>
-              <a:t>. </a:t>
-            </a:r>
-            <a:r>
-              <a:rPr lang="pt-PT" dirty="0" err="1" smtClean="0"/>
-              <a:t>We</a:t>
-            </a:r>
-            <a:r>
-              <a:rPr lang="pt-PT" dirty="0" smtClean="0"/>
-              <a:t> </a:t>
-            </a:r>
-            <a:r>
-              <a:rPr lang="pt-PT" dirty="0" err="1" smtClean="0"/>
-              <a:t>created</a:t>
-            </a:r>
-            <a:r>
-              <a:rPr lang="pt-PT" dirty="0" smtClean="0"/>
-              <a:t> </a:t>
-            </a:r>
-            <a:r>
-              <a:rPr lang="pt-PT" dirty="0" err="1" smtClean="0"/>
-              <a:t>one</a:t>
-            </a:r>
-            <a:r>
-              <a:rPr lang="pt-PT" dirty="0" smtClean="0"/>
-              <a:t> </a:t>
-            </a:r>
-            <a:r>
-              <a:rPr lang="pt-PT" dirty="0" err="1" smtClean="0"/>
-              <a:t>classification</a:t>
-            </a:r>
-            <a:r>
-              <a:rPr lang="pt-PT" dirty="0" smtClean="0"/>
-              <a:t> </a:t>
-            </a:r>
-            <a:r>
-              <a:rPr lang="pt-PT" dirty="0" err="1" smtClean="0"/>
-              <a:t>model</a:t>
-            </a:r>
-            <a:r>
-              <a:rPr lang="pt-PT" dirty="0" smtClean="0"/>
-              <a:t> for </a:t>
-            </a:r>
-            <a:r>
-              <a:rPr lang="pt-PT" dirty="0" err="1" smtClean="0"/>
-              <a:t>each</a:t>
-            </a:r>
-            <a:r>
-              <a:rPr lang="pt-PT" dirty="0" smtClean="0"/>
-              <a:t> </a:t>
-            </a:r>
-            <a:r>
-              <a:rPr lang="pt-PT" dirty="0" err="1" smtClean="0"/>
-              <a:t>of</a:t>
-            </a:r>
-            <a:r>
-              <a:rPr lang="pt-PT" dirty="0" smtClean="0"/>
-              <a:t> </a:t>
-            </a:r>
-            <a:r>
-              <a:rPr lang="pt-PT" dirty="0" err="1" smtClean="0"/>
-              <a:t>the</a:t>
-            </a:r>
-            <a:r>
-              <a:rPr lang="pt-PT" dirty="0" smtClean="0"/>
-              <a:t> </a:t>
-            </a:r>
-            <a:r>
-              <a:rPr lang="pt-PT" dirty="0" err="1" smtClean="0"/>
-              <a:t>categorical</a:t>
-            </a:r>
-            <a:r>
-              <a:rPr lang="pt-PT" dirty="0" smtClean="0"/>
-              <a:t> </a:t>
-            </a:r>
-            <a:r>
-              <a:rPr lang="pt-PT" dirty="0" err="1" smtClean="0"/>
-              <a:t>features</a:t>
-            </a:r>
-            <a:r>
-              <a:rPr lang="pt-PT" dirty="0" smtClean="0"/>
-              <a:t>:</a:t>
+              <a:rPr lang="en-US" dirty="0" smtClean="0"/>
+              <a:t>Firstly we forecast the easiest features. We created one classification model for each of the categorical features:</a:t>
             </a:r>
           </a:p>
           <a:p>
             <a:pPr lvl="2"/>
             <a:r>
-              <a:rPr lang="pt-PT" dirty="0" err="1" smtClean="0"/>
-              <a:t>Building</a:t>
-            </a:r>
-            <a:r>
-              <a:rPr lang="pt-PT" dirty="0" smtClean="0"/>
-              <a:t> ID, </a:t>
-            </a:r>
-            <a:r>
-              <a:rPr lang="pt-PT" dirty="0" err="1" smtClean="0"/>
-              <a:t>Floor</a:t>
-            </a:r>
-            <a:r>
-              <a:rPr lang="pt-PT" dirty="0"/>
-              <a:t> </a:t>
-            </a:r>
-            <a:r>
-              <a:rPr lang="pt-PT" dirty="0" smtClean="0"/>
-              <a:t>&amp; </a:t>
-            </a:r>
-            <a:r>
-              <a:rPr lang="pt-PT" dirty="0" err="1" smtClean="0"/>
-              <a:t>Relative</a:t>
-            </a:r>
-            <a:r>
-              <a:rPr lang="pt-PT" dirty="0" smtClean="0"/>
-              <a:t> </a:t>
-            </a:r>
-            <a:r>
-              <a:rPr lang="pt-PT" dirty="0" err="1" smtClean="0"/>
-              <a:t>Position</a:t>
-            </a:r>
-            <a:r>
-              <a:rPr lang="pt-PT" dirty="0" smtClean="0"/>
-              <a:t>;</a:t>
+              <a:rPr lang="en-US" dirty="0" smtClean="0"/>
+              <a:t>Building ID, Floor &amp; Relative Position;</a:t>
             </a:r>
           </a:p>
           <a:p>
             <a:pPr lvl="1"/>
             <a:r>
-              <a:rPr lang="pt-PT" dirty="0" err="1" smtClean="0"/>
-              <a:t>Then</a:t>
-            </a:r>
-            <a:r>
-              <a:rPr lang="pt-PT" dirty="0" smtClean="0"/>
-              <a:t>, </a:t>
-            </a:r>
-            <a:r>
-              <a:rPr lang="pt-PT" dirty="0" err="1"/>
-              <a:t>with</a:t>
-            </a:r>
-            <a:r>
-              <a:rPr lang="pt-PT" dirty="0"/>
-              <a:t> </a:t>
-            </a:r>
-            <a:r>
-              <a:rPr lang="pt-PT" dirty="0" err="1"/>
-              <a:t>two</a:t>
-            </a:r>
-            <a:r>
-              <a:rPr lang="pt-PT" dirty="0"/>
-              <a:t> </a:t>
-            </a:r>
-            <a:r>
-              <a:rPr lang="pt-PT" dirty="0" err="1"/>
-              <a:t>independent</a:t>
-            </a:r>
-            <a:r>
-              <a:rPr lang="pt-PT" dirty="0"/>
-              <a:t> </a:t>
-            </a:r>
-            <a:r>
-              <a:rPr lang="pt-PT" dirty="0" err="1"/>
-              <a:t>regression</a:t>
-            </a:r>
-            <a:r>
-              <a:rPr lang="pt-PT" dirty="0"/>
-              <a:t> </a:t>
-            </a:r>
-            <a:r>
-              <a:rPr lang="pt-PT" dirty="0" err="1" smtClean="0"/>
-              <a:t>models</a:t>
-            </a:r>
-            <a:r>
-              <a:rPr lang="pt-PT" dirty="0" smtClean="0"/>
-              <a:t>, </a:t>
-            </a:r>
-            <a:r>
-              <a:rPr lang="pt-PT" dirty="0" err="1" smtClean="0"/>
-              <a:t>we</a:t>
-            </a:r>
-            <a:r>
-              <a:rPr lang="pt-PT" dirty="0" smtClean="0"/>
-              <a:t> </a:t>
-            </a:r>
-            <a:r>
-              <a:rPr lang="pt-PT" dirty="0" err="1" smtClean="0"/>
-              <a:t>forecast</a:t>
-            </a:r>
-            <a:r>
-              <a:rPr lang="pt-PT" dirty="0" smtClean="0"/>
-              <a:t> </a:t>
-            </a:r>
-            <a:r>
-              <a:rPr lang="pt-PT" dirty="0" err="1" smtClean="0"/>
-              <a:t>the</a:t>
-            </a:r>
-            <a:r>
-              <a:rPr lang="pt-PT" dirty="0" smtClean="0"/>
-              <a:t> final </a:t>
-            </a:r>
-            <a:r>
-              <a:rPr lang="pt-PT" dirty="0" err="1" smtClean="0"/>
-              <a:t>numerical</a:t>
-            </a:r>
-            <a:r>
-              <a:rPr lang="pt-PT" dirty="0" smtClean="0"/>
-              <a:t> </a:t>
-            </a:r>
-            <a:r>
-              <a:rPr lang="pt-PT" dirty="0" err="1" smtClean="0"/>
-              <a:t>features</a:t>
-            </a:r>
-            <a:r>
-              <a:rPr lang="pt-PT" dirty="0" smtClean="0"/>
-              <a:t> :</a:t>
+              <a:rPr lang="en-US" dirty="0" smtClean="0"/>
+              <a:t>Then, with two independent regression models, we forecast the final numerical features :</a:t>
             </a:r>
           </a:p>
           <a:p>
             <a:pPr lvl="2"/>
             <a:r>
-              <a:rPr lang="pt-PT" dirty="0" smtClean="0"/>
+              <a:rPr lang="en-US" dirty="0" smtClean="0"/>
               <a:t>Longitude &amp; Latitude;</a:t>
             </a:r>
-            <a:endParaRPr lang="pt-PT" dirty="0"/>
-          </a:p>
-          <a:p>
-            <a:r>
-              <a:rPr lang="pt-PT" dirty="0" err="1" smtClean="0"/>
-              <a:t>We</a:t>
-            </a:r>
-            <a:r>
-              <a:rPr lang="pt-PT" dirty="0" smtClean="0"/>
-              <a:t> </a:t>
-            </a:r>
-            <a:r>
-              <a:rPr lang="pt-PT" dirty="0" err="1" smtClean="0"/>
-              <a:t>carefully</a:t>
-            </a:r>
-            <a:r>
-              <a:rPr lang="pt-PT" dirty="0" smtClean="0"/>
-              <a:t> </a:t>
-            </a:r>
-            <a:r>
-              <a:rPr lang="pt-PT" dirty="0" err="1" smtClean="0"/>
-              <a:t>started</a:t>
-            </a:r>
-            <a:r>
-              <a:rPr lang="pt-PT" dirty="0" smtClean="0"/>
-              <a:t> </a:t>
-            </a:r>
-            <a:r>
-              <a:rPr lang="pt-PT" dirty="0" err="1" smtClean="0"/>
-              <a:t>by</a:t>
-            </a:r>
-            <a:r>
-              <a:rPr lang="pt-PT" dirty="0" smtClean="0"/>
-              <a:t> </a:t>
-            </a:r>
-            <a:r>
-              <a:rPr lang="pt-PT" dirty="0" err="1" smtClean="0"/>
-              <a:t>forecasting</a:t>
-            </a:r>
-            <a:r>
-              <a:rPr lang="pt-PT" dirty="0" smtClean="0"/>
-              <a:t> </a:t>
-            </a:r>
-            <a:r>
-              <a:rPr lang="pt-PT" dirty="0" err="1" smtClean="0"/>
-              <a:t>the</a:t>
-            </a:r>
-            <a:r>
-              <a:rPr lang="pt-PT" dirty="0" smtClean="0"/>
-              <a:t> </a:t>
-            </a:r>
-            <a:r>
-              <a:rPr lang="pt-PT" dirty="0" err="1" smtClean="0"/>
-              <a:t>easiest</a:t>
-            </a:r>
-            <a:r>
-              <a:rPr lang="pt-PT" dirty="0" smtClean="0"/>
-              <a:t> </a:t>
-            </a:r>
-            <a:r>
-              <a:rPr lang="pt-PT" dirty="0" err="1" smtClean="0"/>
-              <a:t>features</a:t>
-            </a:r>
-            <a:r>
-              <a:rPr lang="pt-PT" dirty="0" smtClean="0"/>
-              <a:t> </a:t>
-            </a:r>
-            <a:r>
-              <a:rPr lang="pt-PT" dirty="0" err="1" smtClean="0"/>
-              <a:t>and</a:t>
-            </a:r>
-            <a:r>
-              <a:rPr lang="pt-PT" dirty="0" smtClean="0"/>
-              <a:t> </a:t>
-            </a:r>
-            <a:r>
-              <a:rPr lang="pt-PT" dirty="0" err="1" smtClean="0"/>
-              <a:t>progressed</a:t>
-            </a:r>
-            <a:r>
-              <a:rPr lang="pt-PT" dirty="0" smtClean="0"/>
-              <a:t> </a:t>
-            </a:r>
-            <a:r>
-              <a:rPr lang="pt-PT" dirty="0" err="1" smtClean="0"/>
-              <a:t>through</a:t>
-            </a:r>
-            <a:r>
-              <a:rPr lang="pt-PT" dirty="0" smtClean="0"/>
-              <a:t> </a:t>
-            </a:r>
-            <a:r>
-              <a:rPr lang="pt-PT" dirty="0" err="1" smtClean="0"/>
-              <a:t>the</a:t>
-            </a:r>
-            <a:r>
-              <a:rPr lang="pt-PT" dirty="0" smtClean="0"/>
-              <a:t> </a:t>
-            </a:r>
-            <a:r>
-              <a:rPr lang="pt-PT" dirty="0" err="1" smtClean="0"/>
-              <a:t>ones</a:t>
-            </a:r>
-            <a:r>
-              <a:rPr lang="pt-PT" dirty="0" smtClean="0"/>
-              <a:t> </a:t>
-            </a:r>
-            <a:r>
-              <a:rPr lang="pt-PT" dirty="0" err="1" smtClean="0"/>
-              <a:t>with</a:t>
-            </a:r>
-            <a:r>
-              <a:rPr lang="pt-PT" dirty="0" smtClean="0"/>
-              <a:t> </a:t>
-            </a:r>
-            <a:r>
-              <a:rPr lang="pt-PT" dirty="0" err="1" smtClean="0"/>
-              <a:t>lower</a:t>
-            </a:r>
-            <a:r>
-              <a:rPr lang="pt-PT" dirty="0" smtClean="0"/>
-              <a:t> </a:t>
-            </a:r>
-            <a:r>
-              <a:rPr lang="pt-PT" dirty="0" err="1" smtClean="0"/>
-              <a:t>accuracy</a:t>
-            </a:r>
-            <a:r>
-              <a:rPr lang="pt-PT" dirty="0"/>
-              <a:t> </a:t>
-            </a:r>
-            <a:r>
-              <a:rPr lang="pt-PT" dirty="0" err="1" smtClean="0"/>
-              <a:t>with</a:t>
-            </a:r>
-            <a:r>
-              <a:rPr lang="pt-PT" dirty="0" smtClean="0"/>
-              <a:t> </a:t>
-            </a:r>
-            <a:r>
-              <a:rPr lang="pt-PT" dirty="0" err="1" smtClean="0"/>
-              <a:t>the</a:t>
-            </a:r>
-            <a:r>
-              <a:rPr lang="pt-PT" dirty="0" smtClean="0"/>
-              <a:t> </a:t>
-            </a:r>
-            <a:r>
-              <a:rPr lang="pt-PT" dirty="0" err="1" smtClean="0"/>
-              <a:t>intention</a:t>
-            </a:r>
-            <a:r>
-              <a:rPr lang="pt-PT" dirty="0" smtClean="0"/>
-              <a:t> </a:t>
-            </a:r>
-            <a:r>
-              <a:rPr lang="pt-PT" dirty="0" err="1" smtClean="0"/>
-              <a:t>of</a:t>
-            </a:r>
-            <a:r>
-              <a:rPr lang="pt-PT" dirty="0" smtClean="0"/>
-              <a:t> </a:t>
-            </a:r>
-            <a:r>
-              <a:rPr lang="pt-PT" dirty="0" err="1" smtClean="0"/>
-              <a:t>reducing</a:t>
-            </a:r>
-            <a:r>
-              <a:rPr lang="pt-PT" dirty="0" smtClean="0"/>
-              <a:t> </a:t>
-            </a:r>
-            <a:r>
-              <a:rPr lang="pt-PT" dirty="0" err="1" smtClean="0"/>
-              <a:t>the</a:t>
-            </a:r>
-            <a:r>
-              <a:rPr lang="pt-PT" dirty="0" smtClean="0"/>
-              <a:t> </a:t>
-            </a:r>
-            <a:r>
-              <a:rPr lang="pt-PT" dirty="0" err="1" smtClean="0"/>
-              <a:t>cumulative</a:t>
-            </a:r>
-            <a:r>
-              <a:rPr lang="pt-PT" dirty="0" smtClean="0"/>
-              <a:t> error.</a:t>
-            </a:r>
-            <a:endParaRPr lang="pt-PT" dirty="0"/>
+          </a:p>
+          <a:p>
+            <a:r>
+              <a:rPr lang="en-US" dirty="0" smtClean="0"/>
+              <a:t>We carefully started by forecasting the easiest features and progressed through the ones with lower accuracy with the intention of reducing the cumulative error.</a:t>
+            </a:r>
+            <a:endParaRPr lang="en-US" dirty="0"/>
           </a:p>
         </p:txBody>
       </p:sp>
@@ -12337,188 +9568,8 @@
           <a:lstStyle/>
           <a:p>
             <a:r>
-              <a:rPr lang="pt-PT" dirty="0" err="1" smtClean="0"/>
-              <a:t>This</a:t>
-            </a:r>
-            <a:r>
-              <a:rPr lang="pt-PT" dirty="0" smtClean="0"/>
-              <a:t> </a:t>
-            </a:r>
-            <a:r>
-              <a:rPr lang="pt-PT" dirty="0" err="1" smtClean="0"/>
-              <a:t>feature</a:t>
-            </a:r>
-            <a:r>
-              <a:rPr lang="pt-PT" dirty="0" smtClean="0"/>
-              <a:t> </a:t>
-            </a:r>
-            <a:r>
-              <a:rPr lang="pt-PT" dirty="0" err="1" smtClean="0"/>
-              <a:t>could</a:t>
-            </a:r>
-            <a:r>
-              <a:rPr lang="pt-PT" dirty="0" smtClean="0"/>
-              <a:t> </a:t>
-            </a:r>
-            <a:r>
-              <a:rPr lang="pt-PT" dirty="0" err="1" smtClean="0"/>
-              <a:t>be</a:t>
-            </a:r>
-            <a:r>
-              <a:rPr lang="pt-PT" dirty="0" smtClean="0"/>
-              <a:t> </a:t>
-            </a:r>
-            <a:r>
-              <a:rPr lang="pt-PT" dirty="0" err="1" smtClean="0"/>
-              <a:t>forecast</a:t>
-            </a:r>
-            <a:r>
-              <a:rPr lang="pt-PT" dirty="0" smtClean="0"/>
-              <a:t> </a:t>
-            </a:r>
-            <a:r>
-              <a:rPr lang="pt-PT" dirty="0" err="1" smtClean="0"/>
-              <a:t>with</a:t>
-            </a:r>
-            <a:r>
-              <a:rPr lang="pt-PT" dirty="0" smtClean="0"/>
-              <a:t> a </a:t>
-            </a:r>
-            <a:r>
-              <a:rPr lang="pt-PT" dirty="0" err="1" smtClean="0"/>
-              <a:t>great</a:t>
-            </a:r>
-            <a:r>
-              <a:rPr lang="pt-PT" dirty="0" smtClean="0"/>
-              <a:t> </a:t>
-            </a:r>
-            <a:r>
-              <a:rPr lang="pt-PT" dirty="0" err="1" smtClean="0"/>
-              <a:t>accuracy</a:t>
-            </a:r>
-            <a:r>
-              <a:rPr lang="pt-PT" dirty="0" smtClean="0"/>
-              <a:t> </a:t>
-            </a:r>
-            <a:r>
-              <a:rPr lang="pt-PT" dirty="0" err="1" smtClean="0"/>
-              <a:t>using</a:t>
-            </a:r>
-            <a:r>
-              <a:rPr lang="pt-PT" dirty="0" smtClean="0"/>
-              <a:t> </a:t>
-            </a:r>
-            <a:r>
-              <a:rPr lang="pt-PT" dirty="0" err="1" smtClean="0"/>
-              <a:t>only</a:t>
-            </a:r>
-            <a:r>
-              <a:rPr lang="pt-PT" dirty="0" smtClean="0"/>
-              <a:t> </a:t>
-            </a:r>
-            <a:r>
-              <a:rPr lang="pt-PT" dirty="0" err="1" smtClean="0"/>
-              <a:t>the</a:t>
-            </a:r>
-            <a:r>
-              <a:rPr lang="pt-PT" dirty="0" smtClean="0"/>
-              <a:t> WAP </a:t>
-            </a:r>
-            <a:r>
-              <a:rPr lang="pt-PT" dirty="0" err="1" smtClean="0"/>
-              <a:t>features</a:t>
-            </a:r>
-            <a:r>
-              <a:rPr lang="pt-PT" dirty="0" smtClean="0"/>
-              <a:t>, </a:t>
-            </a:r>
-            <a:r>
-              <a:rPr lang="pt-PT" dirty="0" err="1" smtClean="0"/>
-              <a:t>therefore</a:t>
-            </a:r>
-            <a:r>
-              <a:rPr lang="pt-PT" dirty="0" smtClean="0"/>
-              <a:t> </a:t>
-            </a:r>
-            <a:r>
-              <a:rPr lang="pt-PT" dirty="0" err="1" smtClean="0"/>
-              <a:t>this</a:t>
-            </a:r>
-            <a:r>
-              <a:rPr lang="pt-PT" dirty="0" smtClean="0"/>
-              <a:t> </a:t>
-            </a:r>
-            <a:r>
-              <a:rPr lang="pt-PT" dirty="0" err="1" smtClean="0"/>
-              <a:t>was</a:t>
-            </a:r>
-            <a:r>
-              <a:rPr lang="pt-PT" dirty="0" smtClean="0"/>
-              <a:t> </a:t>
-            </a:r>
-            <a:r>
-              <a:rPr lang="pt-PT" dirty="0" err="1" smtClean="0"/>
-              <a:t>the</a:t>
-            </a:r>
-            <a:r>
-              <a:rPr lang="pt-PT" dirty="0" smtClean="0"/>
-              <a:t> </a:t>
-            </a:r>
-            <a:r>
-              <a:rPr lang="pt-PT" dirty="0" err="1" smtClean="0"/>
-              <a:t>first</a:t>
-            </a:r>
-            <a:r>
-              <a:rPr lang="pt-PT" dirty="0" smtClean="0"/>
-              <a:t> </a:t>
-            </a:r>
-            <a:r>
-              <a:rPr lang="pt-PT" dirty="0" err="1" smtClean="0"/>
-              <a:t>classification</a:t>
-            </a:r>
-            <a:r>
-              <a:rPr lang="pt-PT" dirty="0" smtClean="0"/>
-              <a:t> </a:t>
-            </a:r>
-            <a:r>
-              <a:rPr lang="pt-PT" dirty="0" err="1" smtClean="0"/>
-              <a:t>model</a:t>
-            </a:r>
-            <a:r>
-              <a:rPr lang="pt-PT" dirty="0" smtClean="0"/>
-              <a:t> </a:t>
-            </a:r>
-            <a:r>
-              <a:rPr lang="pt-PT" dirty="0" err="1" smtClean="0"/>
-              <a:t>of</a:t>
-            </a:r>
-            <a:r>
-              <a:rPr lang="pt-PT" dirty="0" smtClean="0"/>
-              <a:t> </a:t>
-            </a:r>
-            <a:r>
-              <a:rPr lang="pt-PT" dirty="0" err="1" smtClean="0"/>
-              <a:t>the</a:t>
-            </a:r>
-            <a:r>
-              <a:rPr lang="pt-PT" dirty="0" smtClean="0"/>
-              <a:t> </a:t>
-            </a:r>
-            <a:r>
-              <a:rPr lang="pt-PT" dirty="0" err="1" smtClean="0"/>
-              <a:t>cascade</a:t>
-            </a:r>
-            <a:r>
-              <a:rPr lang="pt-PT" dirty="0" smtClean="0"/>
-              <a:t> </a:t>
-            </a:r>
-            <a:r>
-              <a:rPr lang="pt-PT" dirty="0" err="1" smtClean="0"/>
-              <a:t>system</a:t>
-            </a:r>
-            <a:r>
-              <a:rPr lang="pt-PT" dirty="0" smtClean="0"/>
-              <a:t>.</a:t>
+              <a:rPr lang="en-US" dirty="0" smtClean="0"/>
+              <a:t>This feature could be forecast with a great accuracy using only the WAP features, therefore this was the first classification model of the cascade system.</a:t>
             </a:r>
             <a:endParaRPr lang="en-US" dirty="0"/>
           </a:p>
@@ -12533,7 +9584,7 @@
         <p:spPr>
           <a:xfrm>
             <a:off x="838200" y="3261717"/>
-            <a:ext cx="4764741" cy="1815882"/>
+            <a:ext cx="4764741" cy="2246769"/>
           </a:xfrm>
           <a:prstGeom prst="rect">
             <a:avLst/>
@@ -12551,95 +9602,27 @@
               <a:buChar char="•"/>
             </a:pPr>
             <a:r>
-              <a:rPr lang="pt-PT" sz="2800" dirty="0" smtClean="0"/>
-              <a:t>I </a:t>
-            </a:r>
-            <a:r>
-              <a:rPr lang="pt-PT" sz="2800" dirty="0" err="1" smtClean="0"/>
-              <a:t>managed</a:t>
-            </a:r>
-            <a:r>
-              <a:rPr lang="pt-PT" sz="2800" dirty="0" smtClean="0"/>
-              <a:t> to </a:t>
-            </a:r>
-            <a:r>
-              <a:rPr lang="pt-PT" sz="2800" dirty="0" err="1" smtClean="0"/>
-              <a:t>reach</a:t>
-            </a:r>
-            <a:r>
-              <a:rPr lang="pt-PT" sz="2800" dirty="0" smtClean="0"/>
-              <a:t> </a:t>
-            </a:r>
-            <a:r>
-              <a:rPr lang="pt-PT" sz="2800" dirty="0" err="1" smtClean="0"/>
-              <a:t>an</a:t>
-            </a:r>
-            <a:r>
-              <a:rPr lang="pt-PT" sz="2800" dirty="0" smtClean="0"/>
-              <a:t> </a:t>
-            </a:r>
-            <a:r>
-              <a:rPr lang="pt-PT" sz="2800" dirty="0" err="1" smtClean="0"/>
-              <a:t>accuracy</a:t>
-            </a:r>
-            <a:r>
-              <a:rPr lang="pt-PT" sz="2800" dirty="0" smtClean="0"/>
-              <a:t> </a:t>
-            </a:r>
-            <a:r>
-              <a:rPr lang="pt-PT" sz="2800" dirty="0" err="1" smtClean="0"/>
-              <a:t>and</a:t>
-            </a:r>
-            <a:r>
-              <a:rPr lang="pt-PT" sz="2800" dirty="0" smtClean="0"/>
-              <a:t> </a:t>
-            </a:r>
-            <a:r>
-              <a:rPr lang="pt-PT" sz="2800" dirty="0" err="1" smtClean="0"/>
-              <a:t>kappa</a:t>
-            </a:r>
-            <a:r>
-              <a:rPr lang="pt-PT" sz="2800" dirty="0" smtClean="0"/>
-              <a:t> </a:t>
-            </a:r>
-            <a:r>
-              <a:rPr lang="pt-PT" sz="2800" dirty="0" err="1" smtClean="0"/>
-              <a:t>of</a:t>
-            </a:r>
-            <a:r>
-              <a:rPr lang="pt-PT" sz="2800" dirty="0" smtClean="0"/>
-              <a:t> 99% </a:t>
-            </a:r>
-            <a:r>
-              <a:rPr lang="pt-PT" sz="2800" dirty="0" err="1" smtClean="0"/>
-              <a:t>with</a:t>
-            </a:r>
-            <a:r>
-              <a:rPr lang="pt-PT" sz="2800" dirty="0" smtClean="0"/>
-              <a:t> a </a:t>
-            </a:r>
-            <a:r>
-              <a:rPr lang="pt-PT" sz="2800" b="1" dirty="0" err="1" smtClean="0"/>
-              <a:t>Random</a:t>
-            </a:r>
-            <a:r>
-              <a:rPr lang="pt-PT" sz="2800" b="1" dirty="0" smtClean="0"/>
-              <a:t> </a:t>
-            </a:r>
-            <a:r>
-              <a:rPr lang="pt-PT" sz="2800" b="1" dirty="0" err="1" smtClean="0"/>
-              <a:t>Forest</a:t>
-            </a:r>
-            <a:r>
-              <a:rPr lang="pt-PT" sz="2800" dirty="0" smtClean="0"/>
+              <a:rPr lang="en-US" sz="2800" dirty="0" smtClean="0"/>
+              <a:t>We</a:t>
+            </a:r>
+            <a:r>
+              <a:rPr lang="en-US" sz="2800" dirty="0" smtClean="0"/>
+              <a:t> managed to reach an accuracy and kappa of 99% with a </a:t>
+            </a:r>
+            <a:r>
+              <a:rPr lang="en-US" sz="2800" b="1" dirty="0" smtClean="0"/>
+              <a:t>Gradient Boosting Machine</a:t>
+            </a:r>
+            <a:r>
+              <a:rPr lang="en-US" sz="2800" dirty="0" smtClean="0"/>
               <a:t> (</a:t>
             </a:r>
             <a:r>
-              <a:rPr lang="pt-PT" sz="2800" dirty="0" err="1" smtClean="0"/>
+              <a:rPr lang="en-US" sz="2800" dirty="0" err="1" smtClean="0"/>
               <a:t>Best_Model</a:t>
             </a:r>
             <a:r>
-              <a:rPr lang="pt-PT" sz="2800" dirty="0" smtClean="0"/>
+              <a:rPr lang="en-US" sz="2800" dirty="0" smtClean="0"/>
               <a:t>). </a:t>
             </a:r>
             <a:endParaRPr lang="en-US" sz="2800" dirty="0"/>
@@ -12668,7 +9651,7 @@
         </p:blipFill>
         <p:spPr>
           <a:xfrm>
-            <a:off x="5602941" y="2877384"/>
+            <a:off x="5862918" y="2787737"/>
             <a:ext cx="5889157" cy="3634451"/>
           </a:xfrm>
           <a:prstGeom prst="rect">
@@ -12765,136 +9748,8 @@
           <a:lstStyle/>
           <a:p>
             <a:r>
-              <a:rPr lang="pt-PT" dirty="0" smtClean="0"/>
-              <a:t>I </a:t>
-            </a:r>
-            <a:r>
-              <a:rPr lang="pt-PT" dirty="0" err="1" smtClean="0"/>
-              <a:t>took</a:t>
-            </a:r>
-            <a:r>
-              <a:rPr lang="pt-PT" dirty="0" smtClean="0"/>
-              <a:t> </a:t>
-            </a:r>
-            <a:r>
-              <a:rPr lang="pt-PT" dirty="0" err="1" smtClean="0"/>
-              <a:t>into</a:t>
-            </a:r>
-            <a:r>
-              <a:rPr lang="pt-PT" dirty="0" smtClean="0"/>
-              <a:t> </a:t>
-            </a:r>
-            <a:r>
-              <a:rPr lang="pt-PT" dirty="0" err="1" smtClean="0"/>
-              <a:t>account</a:t>
-            </a:r>
-            <a:r>
-              <a:rPr lang="pt-PT" dirty="0" smtClean="0"/>
-              <a:t> </a:t>
-            </a:r>
-            <a:r>
-              <a:rPr lang="pt-PT" dirty="0" err="1" smtClean="0"/>
-              <a:t>the</a:t>
-            </a:r>
-            <a:r>
-              <a:rPr lang="pt-PT" dirty="0" smtClean="0"/>
-              <a:t> WAP </a:t>
-            </a:r>
-            <a:r>
-              <a:rPr lang="pt-PT" dirty="0" err="1" smtClean="0"/>
-              <a:t>signals</a:t>
-            </a:r>
-            <a:r>
-              <a:rPr lang="pt-PT" dirty="0" smtClean="0"/>
-              <a:t> </a:t>
-            </a:r>
-            <a:r>
-              <a:rPr lang="pt-PT" dirty="0" err="1" smtClean="0"/>
-              <a:t>and</a:t>
-            </a:r>
-            <a:r>
-              <a:rPr lang="pt-PT" dirty="0" smtClean="0"/>
-              <a:t> </a:t>
-            </a:r>
-            <a:r>
-              <a:rPr lang="pt-PT" dirty="0" err="1" smtClean="0"/>
-              <a:t>the</a:t>
-            </a:r>
-            <a:r>
-              <a:rPr lang="pt-PT" dirty="0" smtClean="0"/>
-              <a:t> </a:t>
-            </a:r>
-            <a:r>
-              <a:rPr lang="pt-PT" dirty="0" err="1" smtClean="0"/>
-              <a:t>previously</a:t>
-            </a:r>
-            <a:r>
-              <a:rPr lang="pt-PT" dirty="0" smtClean="0"/>
-              <a:t> </a:t>
-            </a:r>
-            <a:r>
-              <a:rPr lang="pt-PT" dirty="0" err="1" smtClean="0"/>
-              <a:t>forecast</a:t>
-            </a:r>
-            <a:r>
-              <a:rPr lang="pt-PT" dirty="0" smtClean="0"/>
-              <a:t> </a:t>
-            </a:r>
-            <a:r>
-              <a:rPr lang="pt-PT" dirty="0" err="1" smtClean="0"/>
-              <a:t>Building</a:t>
-            </a:r>
-            <a:r>
-              <a:rPr lang="pt-PT" dirty="0" smtClean="0"/>
-              <a:t> ID </a:t>
-            </a:r>
-            <a:r>
-              <a:rPr lang="pt-PT" dirty="0" err="1" smtClean="0"/>
-              <a:t>into</a:t>
-            </a:r>
-            <a:r>
-              <a:rPr lang="pt-PT" dirty="0" smtClean="0"/>
-              <a:t> </a:t>
-            </a:r>
-            <a:r>
-              <a:rPr lang="pt-PT" dirty="0" err="1" smtClean="0"/>
-              <a:t>consideration</a:t>
-            </a:r>
-            <a:r>
-              <a:rPr lang="pt-PT" dirty="0" smtClean="0"/>
-              <a:t> for </a:t>
-            </a:r>
-            <a:r>
-              <a:rPr lang="pt-PT" dirty="0" err="1" smtClean="0"/>
-              <a:t>this</a:t>
-            </a:r>
-            <a:r>
-              <a:rPr lang="pt-PT" dirty="0" smtClean="0"/>
-              <a:t> </a:t>
-            </a:r>
-            <a:r>
-              <a:rPr lang="pt-PT" dirty="0" err="1" smtClean="0"/>
-              <a:t>second</a:t>
-            </a:r>
-            <a:r>
-              <a:rPr lang="pt-PT" dirty="0" smtClean="0"/>
-              <a:t> </a:t>
-            </a:r>
-            <a:r>
-              <a:rPr lang="pt-PT" dirty="0" err="1" smtClean="0"/>
-              <a:t>classification</a:t>
-            </a:r>
-            <a:r>
-              <a:rPr lang="pt-PT" dirty="0" smtClean="0"/>
-              <a:t> </a:t>
-            </a:r>
-            <a:r>
-              <a:rPr lang="pt-PT" dirty="0" err="1" smtClean="0"/>
-              <a:t>model</a:t>
-            </a:r>
-            <a:r>
-              <a:rPr lang="pt-PT" dirty="0" smtClean="0"/>
-              <a:t>.</a:t>
+              <a:rPr lang="en-US" dirty="0" smtClean="0"/>
+              <a:t>I took into account the WAP signals and the previously forecast Building ID into consideration for this second classification model.</a:t>
             </a:r>
             <a:endParaRPr lang="en-US" dirty="0"/>
           </a:p>
@@ -12927,112 +9782,24 @@
               <a:buChar char="•"/>
             </a:pPr>
             <a:r>
-              <a:rPr lang="pt-PT" sz="2800" dirty="0" smtClean="0"/>
-              <a:t>I </a:t>
-            </a:r>
-            <a:r>
-              <a:rPr lang="pt-PT" sz="2800" dirty="0" err="1" smtClean="0"/>
-              <a:t>managed</a:t>
-            </a:r>
-            <a:r>
-              <a:rPr lang="pt-PT" sz="2800" dirty="0" smtClean="0"/>
-              <a:t> to </a:t>
-            </a:r>
-            <a:r>
-              <a:rPr lang="pt-PT" sz="2800" dirty="0" err="1" smtClean="0"/>
-              <a:t>reach</a:t>
-            </a:r>
-            <a:r>
-              <a:rPr lang="pt-PT" sz="2800" dirty="0" smtClean="0"/>
-              <a:t> </a:t>
-            </a:r>
-            <a:r>
-              <a:rPr lang="pt-PT" sz="2800" dirty="0" err="1" smtClean="0"/>
-              <a:t>an</a:t>
-            </a:r>
-            <a:r>
-              <a:rPr lang="pt-PT" sz="2800" dirty="0" smtClean="0"/>
-              <a:t> </a:t>
-            </a:r>
-            <a:r>
-              <a:rPr lang="pt-PT" sz="2800" dirty="0" err="1" smtClean="0"/>
-              <a:t>accuracy</a:t>
-            </a:r>
-            <a:r>
-              <a:rPr lang="pt-PT" sz="2800" dirty="0" smtClean="0"/>
-              <a:t> </a:t>
-            </a:r>
-            <a:r>
-              <a:rPr lang="pt-PT" sz="2800" dirty="0" err="1" smtClean="0"/>
-              <a:t>and</a:t>
-            </a:r>
-            <a:r>
-              <a:rPr lang="pt-PT" sz="2800" dirty="0" smtClean="0"/>
-              <a:t> </a:t>
-            </a:r>
-            <a:r>
-              <a:rPr lang="pt-PT" sz="2800" dirty="0" err="1" smtClean="0"/>
-              <a:t>kappa</a:t>
-            </a:r>
-            <a:r>
-              <a:rPr lang="pt-PT" sz="2800" dirty="0" smtClean="0"/>
-              <a:t> </a:t>
-            </a:r>
-            <a:r>
-              <a:rPr lang="pt-PT" sz="2800" dirty="0" err="1" smtClean="0"/>
-              <a:t>of</a:t>
-            </a:r>
-            <a:r>
-              <a:rPr lang="pt-PT" sz="2800" dirty="0" smtClean="0"/>
-              <a:t> ~95% </a:t>
-            </a:r>
-            <a:r>
-              <a:rPr lang="pt-PT" sz="2800" dirty="0" err="1" smtClean="0"/>
-              <a:t>with</a:t>
-            </a:r>
-            <a:r>
-              <a:rPr lang="pt-PT" sz="2800" dirty="0" smtClean="0"/>
-              <a:t> a </a:t>
-            </a:r>
-            <a:r>
-              <a:rPr lang="pt-PT" sz="2800" b="1" dirty="0" err="1" smtClean="0"/>
-              <a:t>Random</a:t>
-            </a:r>
-            <a:r>
-              <a:rPr lang="pt-PT" sz="2800" b="1" dirty="0" smtClean="0"/>
-              <a:t> </a:t>
-            </a:r>
-            <a:r>
-              <a:rPr lang="pt-PT" sz="2800" b="1" dirty="0" err="1" smtClean="0"/>
-              <a:t>Forest</a:t>
-            </a:r>
-            <a:r>
-              <a:rPr lang="pt-PT" sz="2800" dirty="0" smtClean="0"/>
+              <a:rPr lang="en-US" sz="2800" dirty="0" smtClean="0"/>
+              <a:t>We managed to reach an accuracy and kappa of ~95% with a </a:t>
+            </a:r>
+            <a:r>
+              <a:rPr lang="en-US" sz="2800" b="1" dirty="0" smtClean="0"/>
+              <a:t>Random Forest</a:t>
+            </a:r>
+            <a:r>
+              <a:rPr lang="en-US" sz="2800" dirty="0" smtClean="0"/>
               <a:t> (</a:t>
             </a:r>
             <a:r>
-              <a:rPr lang="pt-PT" sz="2800" dirty="0" err="1" smtClean="0"/>
+              <a:rPr lang="en-US" sz="2800" dirty="0" err="1" smtClean="0"/>
               <a:t>Best_Model</a:t>
             </a:r>
             <a:r>
-              <a:rPr lang="pt-PT" sz="2800" dirty="0" smtClean="0"/>
-              <a:t>), </a:t>
-            </a:r>
-            <a:r>
-              <a:rPr lang="pt-PT" sz="2800" dirty="0" err="1" smtClean="0"/>
-              <a:t>once</a:t>
-            </a:r>
-            <a:r>
-              <a:rPr lang="pt-PT" sz="2800" dirty="0" smtClean="0"/>
-              <a:t> </a:t>
-            </a:r>
-            <a:r>
-              <a:rPr lang="pt-PT" sz="2800" dirty="0" err="1" smtClean="0"/>
-              <a:t>again</a:t>
-            </a:r>
-            <a:r>
-              <a:rPr lang="pt-PT" sz="2800" dirty="0" smtClean="0"/>
-              <a:t>. </a:t>
+              <a:rPr lang="en-US" sz="2800" dirty="0" smtClean="0"/>
+              <a:t>). </a:t>
             </a:r>
             <a:endParaRPr lang="en-US" sz="2800" dirty="0"/>
           </a:p>

--- a/Task3/Task3_ppt.pptx
+++ b/Task3/Task3_ppt.pptx
@@ -151,7 +151,7 @@
           <p:cNvPr id="8" name="Picture Placeholder 7">
             <a:extLst>
               <a:ext uri="{FF2B5EF4-FFF2-40B4-BE49-F238E27FC236}">
-                <a16:creationId xmlns="" xmlns:a16="http://schemas.microsoft.com/office/drawing/2014/main" id="{DF9C7667-EADA-40AC-B931-4642E0A9A4DE}"/>
+                <a16:creationId xmlns:a16="http://schemas.microsoft.com/office/drawing/2014/main" xmlns="" id="{DF9C7667-EADA-40AC-B931-4642E0A9A4DE}"/>
               </a:ext>
             </a:extLst>
           </p:cNvPr>
@@ -203,7 +203,7 @@
           <p:cNvPr id="2" name="Title 1">
             <a:extLst>
               <a:ext uri="{FF2B5EF4-FFF2-40B4-BE49-F238E27FC236}">
-                <a16:creationId xmlns="" xmlns:a16="http://schemas.microsoft.com/office/drawing/2014/main" id="{43379CA9-81D6-424A-8046-4B56E1D25059}"/>
+                <a16:creationId xmlns:a16="http://schemas.microsoft.com/office/drawing/2014/main" xmlns="" id="{43379CA9-81D6-424A-8046-4B56E1D25059}"/>
               </a:ext>
             </a:extLst>
           </p:cNvPr>
@@ -280,7 +280,7 @@
           <p:cNvPr id="2" name="Title 1">
             <a:extLst>
               <a:ext uri="{FF2B5EF4-FFF2-40B4-BE49-F238E27FC236}">
-                <a16:creationId xmlns="" xmlns:a16="http://schemas.microsoft.com/office/drawing/2014/main" id="{43379CA9-81D6-424A-8046-4B56E1D25059}"/>
+                <a16:creationId xmlns:a16="http://schemas.microsoft.com/office/drawing/2014/main" xmlns="" id="{43379CA9-81D6-424A-8046-4B56E1D25059}"/>
               </a:ext>
             </a:extLst>
           </p:cNvPr>
@@ -322,7 +322,7 @@
           <p:cNvPr id="9" name="Picture Placeholder 8">
             <a:extLst>
               <a:ext uri="{FF2B5EF4-FFF2-40B4-BE49-F238E27FC236}">
-                <a16:creationId xmlns="" xmlns:a16="http://schemas.microsoft.com/office/drawing/2014/main" id="{B2F51F73-5064-47F8-83FD-440E0ED1950B}"/>
+                <a16:creationId xmlns:a16="http://schemas.microsoft.com/office/drawing/2014/main" xmlns="" id="{B2F51F73-5064-47F8-83FD-440E0ED1950B}"/>
               </a:ext>
             </a:extLst>
           </p:cNvPr>
@@ -363,7 +363,7 @@
           <p:cNvPr id="18" name="Picture Placeholder 8">
             <a:extLst>
               <a:ext uri="{FF2B5EF4-FFF2-40B4-BE49-F238E27FC236}">
-                <a16:creationId xmlns="" xmlns:a16="http://schemas.microsoft.com/office/drawing/2014/main" id="{06FF689A-8221-42E8-96D4-ED4D3AD501F8}"/>
+                <a16:creationId xmlns:a16="http://schemas.microsoft.com/office/drawing/2014/main" xmlns="" id="{06FF689A-8221-42E8-96D4-ED4D3AD501F8}"/>
               </a:ext>
             </a:extLst>
           </p:cNvPr>
@@ -404,7 +404,7 @@
           <p:cNvPr id="19" name="Picture Placeholder 8">
             <a:extLst>
               <a:ext uri="{FF2B5EF4-FFF2-40B4-BE49-F238E27FC236}">
-                <a16:creationId xmlns="" xmlns:a16="http://schemas.microsoft.com/office/drawing/2014/main" id="{96424DB2-4D46-493F-A5B8-8901EDA394F2}"/>
+                <a16:creationId xmlns:a16="http://schemas.microsoft.com/office/drawing/2014/main" xmlns="" id="{96424DB2-4D46-493F-A5B8-8901EDA394F2}"/>
               </a:ext>
             </a:extLst>
           </p:cNvPr>
@@ -445,7 +445,7 @@
           <p:cNvPr id="20" name="Picture Placeholder 8">
             <a:extLst>
               <a:ext uri="{FF2B5EF4-FFF2-40B4-BE49-F238E27FC236}">
-                <a16:creationId xmlns="" xmlns:a16="http://schemas.microsoft.com/office/drawing/2014/main" id="{0AF2B6E1-5738-41B1-8C15-EA6715490140}"/>
+                <a16:creationId xmlns:a16="http://schemas.microsoft.com/office/drawing/2014/main" xmlns="" id="{0AF2B6E1-5738-41B1-8C15-EA6715490140}"/>
               </a:ext>
             </a:extLst>
           </p:cNvPr>
@@ -486,7 +486,7 @@
           <p:cNvPr id="21" name="Picture Placeholder 8">
             <a:extLst>
               <a:ext uri="{FF2B5EF4-FFF2-40B4-BE49-F238E27FC236}">
-                <a16:creationId xmlns="" xmlns:a16="http://schemas.microsoft.com/office/drawing/2014/main" id="{6C8D73EB-347C-4E13-94C8-FA8FADE46559}"/>
+                <a16:creationId xmlns:a16="http://schemas.microsoft.com/office/drawing/2014/main" xmlns="" id="{6C8D73EB-347C-4E13-94C8-FA8FADE46559}"/>
               </a:ext>
             </a:extLst>
           </p:cNvPr>
@@ -527,7 +527,7 @@
           <p:cNvPr id="22" name="Picture Placeholder 8">
             <a:extLst>
               <a:ext uri="{FF2B5EF4-FFF2-40B4-BE49-F238E27FC236}">
-                <a16:creationId xmlns="" xmlns:a16="http://schemas.microsoft.com/office/drawing/2014/main" id="{9DFA5C56-9B47-4F87-8E12-30A936274F1B}"/>
+                <a16:creationId xmlns:a16="http://schemas.microsoft.com/office/drawing/2014/main" xmlns="" id="{9DFA5C56-9B47-4F87-8E12-30A936274F1B}"/>
               </a:ext>
             </a:extLst>
           </p:cNvPr>
@@ -568,7 +568,7 @@
           <p:cNvPr id="23" name="Picture Placeholder 8">
             <a:extLst>
               <a:ext uri="{FF2B5EF4-FFF2-40B4-BE49-F238E27FC236}">
-                <a16:creationId xmlns="" xmlns:a16="http://schemas.microsoft.com/office/drawing/2014/main" id="{1E3B5888-98ED-48E4-8AA8-5BAB43F8516C}"/>
+                <a16:creationId xmlns:a16="http://schemas.microsoft.com/office/drawing/2014/main" xmlns="" id="{1E3B5888-98ED-48E4-8AA8-5BAB43F8516C}"/>
               </a:ext>
             </a:extLst>
           </p:cNvPr>
@@ -609,7 +609,7 @@
           <p:cNvPr id="24" name="Picture Placeholder 8">
             <a:extLst>
               <a:ext uri="{FF2B5EF4-FFF2-40B4-BE49-F238E27FC236}">
-                <a16:creationId xmlns="" xmlns:a16="http://schemas.microsoft.com/office/drawing/2014/main" id="{569C9EE3-34D1-4DE0-B06C-2F6212F7C329}"/>
+                <a16:creationId xmlns:a16="http://schemas.microsoft.com/office/drawing/2014/main" xmlns="" id="{569C9EE3-34D1-4DE0-B06C-2F6212F7C329}"/>
               </a:ext>
             </a:extLst>
           </p:cNvPr>
@@ -680,7 +680,7 @@
           <p:cNvPr id="8" name="Rectangle 7">
             <a:extLst>
               <a:ext uri="{FF2B5EF4-FFF2-40B4-BE49-F238E27FC236}">
-                <a16:creationId xmlns="" xmlns:a16="http://schemas.microsoft.com/office/drawing/2014/main" id="{5462B86F-90E5-425E-9F83-8477D8111E1D}"/>
+                <a16:creationId xmlns:a16="http://schemas.microsoft.com/office/drawing/2014/main" xmlns="" id="{5462B86F-90E5-425E-9F83-8477D8111E1D}"/>
               </a:ext>
             </a:extLst>
           </p:cNvPr>
@@ -732,7 +732,7 @@
           <p:cNvPr id="9" name="Rectangle 8">
             <a:extLst>
               <a:ext uri="{FF2B5EF4-FFF2-40B4-BE49-F238E27FC236}">
-                <a16:creationId xmlns="" xmlns:a16="http://schemas.microsoft.com/office/drawing/2014/main" id="{F5269853-3C2C-4F9C-B1BB-E00F7A1DB9E1}"/>
+                <a16:creationId xmlns:a16="http://schemas.microsoft.com/office/drawing/2014/main" xmlns="" id="{F5269853-3C2C-4F9C-B1BB-E00F7A1DB9E1}"/>
               </a:ext>
             </a:extLst>
           </p:cNvPr>
@@ -784,7 +784,7 @@
           <p:cNvPr id="11" name="Rectangle 10">
             <a:extLst>
               <a:ext uri="{FF2B5EF4-FFF2-40B4-BE49-F238E27FC236}">
-                <a16:creationId xmlns="" xmlns:a16="http://schemas.microsoft.com/office/drawing/2014/main" id="{93759D58-52AF-4785-8A33-F528F46D88A3}"/>
+                <a16:creationId xmlns:a16="http://schemas.microsoft.com/office/drawing/2014/main" xmlns="" id="{93759D58-52AF-4785-8A33-F528F46D88A3}"/>
               </a:ext>
             </a:extLst>
           </p:cNvPr>
@@ -836,7 +836,7 @@
           <p:cNvPr id="12" name="Rectangle 11">
             <a:extLst>
               <a:ext uri="{FF2B5EF4-FFF2-40B4-BE49-F238E27FC236}">
-                <a16:creationId xmlns="" xmlns:a16="http://schemas.microsoft.com/office/drawing/2014/main" id="{6AD3E0F4-EC0D-43C2-AC84-A53134C8566E}"/>
+                <a16:creationId xmlns:a16="http://schemas.microsoft.com/office/drawing/2014/main" xmlns="" id="{6AD3E0F4-EC0D-43C2-AC84-A53134C8566E}"/>
               </a:ext>
             </a:extLst>
           </p:cNvPr>
@@ -888,7 +888,7 @@
           <p:cNvPr id="2" name="Title 1">
             <a:extLst>
               <a:ext uri="{FF2B5EF4-FFF2-40B4-BE49-F238E27FC236}">
-                <a16:creationId xmlns="" xmlns:a16="http://schemas.microsoft.com/office/drawing/2014/main" id="{43379CA9-81D6-424A-8046-4B56E1D25059}"/>
+                <a16:creationId xmlns:a16="http://schemas.microsoft.com/office/drawing/2014/main" xmlns="" id="{43379CA9-81D6-424A-8046-4B56E1D25059}"/>
               </a:ext>
             </a:extLst>
           </p:cNvPr>
@@ -932,7 +932,7 @@
           <p:cNvPr id="10" name="Text Placeholder 9">
             <a:extLst>
               <a:ext uri="{FF2B5EF4-FFF2-40B4-BE49-F238E27FC236}">
-                <a16:creationId xmlns="" xmlns:a16="http://schemas.microsoft.com/office/drawing/2014/main" id="{2A60302F-65DB-4E93-B6C3-49E64C44FB53}"/>
+                <a16:creationId xmlns:a16="http://schemas.microsoft.com/office/drawing/2014/main" xmlns="" id="{2A60302F-65DB-4E93-B6C3-49E64C44FB53}"/>
               </a:ext>
             </a:extLst>
           </p:cNvPr>
@@ -1000,7 +1000,7 @@
           <p:cNvPr id="7" name="Picture Placeholder 6">
             <a:extLst>
               <a:ext uri="{FF2B5EF4-FFF2-40B4-BE49-F238E27FC236}">
-                <a16:creationId xmlns="" xmlns:a16="http://schemas.microsoft.com/office/drawing/2014/main" id="{9A66F217-0E52-4AD8-82BA-AB332C59638C}"/>
+                <a16:creationId xmlns:a16="http://schemas.microsoft.com/office/drawing/2014/main" xmlns="" id="{9A66F217-0E52-4AD8-82BA-AB332C59638C}"/>
               </a:ext>
             </a:extLst>
           </p:cNvPr>
@@ -1086,7 +1086,7 @@
           <p:cNvPr id="2" name="Title 1">
             <a:extLst>
               <a:ext uri="{FF2B5EF4-FFF2-40B4-BE49-F238E27FC236}">
-                <a16:creationId xmlns="" xmlns:a16="http://schemas.microsoft.com/office/drawing/2014/main" id="{43379CA9-81D6-424A-8046-4B56E1D25059}"/>
+                <a16:creationId xmlns:a16="http://schemas.microsoft.com/office/drawing/2014/main" xmlns="" id="{43379CA9-81D6-424A-8046-4B56E1D25059}"/>
               </a:ext>
             </a:extLst>
           </p:cNvPr>
@@ -1128,7 +1128,7 @@
           <p:cNvPr id="9" name="Picture Placeholder 8">
             <a:extLst>
               <a:ext uri="{FF2B5EF4-FFF2-40B4-BE49-F238E27FC236}">
-                <a16:creationId xmlns="" xmlns:a16="http://schemas.microsoft.com/office/drawing/2014/main" id="{B2F51F73-5064-47F8-83FD-440E0ED1950B}"/>
+                <a16:creationId xmlns:a16="http://schemas.microsoft.com/office/drawing/2014/main" xmlns="" id="{B2F51F73-5064-47F8-83FD-440E0ED1950B}"/>
               </a:ext>
             </a:extLst>
           </p:cNvPr>
@@ -1169,7 +1169,7 @@
           <p:cNvPr id="18" name="Picture Placeholder 8">
             <a:extLst>
               <a:ext uri="{FF2B5EF4-FFF2-40B4-BE49-F238E27FC236}">
-                <a16:creationId xmlns="" xmlns:a16="http://schemas.microsoft.com/office/drawing/2014/main" id="{06FF689A-8221-42E8-96D4-ED4D3AD501F8}"/>
+                <a16:creationId xmlns:a16="http://schemas.microsoft.com/office/drawing/2014/main" xmlns="" id="{06FF689A-8221-42E8-96D4-ED4D3AD501F8}"/>
               </a:ext>
             </a:extLst>
           </p:cNvPr>
@@ -1210,7 +1210,7 @@
           <p:cNvPr id="19" name="Picture Placeholder 8">
             <a:extLst>
               <a:ext uri="{FF2B5EF4-FFF2-40B4-BE49-F238E27FC236}">
-                <a16:creationId xmlns="" xmlns:a16="http://schemas.microsoft.com/office/drawing/2014/main" id="{96424DB2-4D46-493F-A5B8-8901EDA394F2}"/>
+                <a16:creationId xmlns:a16="http://schemas.microsoft.com/office/drawing/2014/main" xmlns="" id="{96424DB2-4D46-493F-A5B8-8901EDA394F2}"/>
               </a:ext>
             </a:extLst>
           </p:cNvPr>
@@ -1251,7 +1251,7 @@
           <p:cNvPr id="20" name="Picture Placeholder 8">
             <a:extLst>
               <a:ext uri="{FF2B5EF4-FFF2-40B4-BE49-F238E27FC236}">
-                <a16:creationId xmlns="" xmlns:a16="http://schemas.microsoft.com/office/drawing/2014/main" id="{0AF2B6E1-5738-41B1-8C15-EA6715490140}"/>
+                <a16:creationId xmlns:a16="http://schemas.microsoft.com/office/drawing/2014/main" xmlns="" id="{0AF2B6E1-5738-41B1-8C15-EA6715490140}"/>
               </a:ext>
             </a:extLst>
           </p:cNvPr>
@@ -1292,7 +1292,7 @@
           <p:cNvPr id="21" name="Picture Placeholder 8">
             <a:extLst>
               <a:ext uri="{FF2B5EF4-FFF2-40B4-BE49-F238E27FC236}">
-                <a16:creationId xmlns="" xmlns:a16="http://schemas.microsoft.com/office/drawing/2014/main" id="{6C8D73EB-347C-4E13-94C8-FA8FADE46559}"/>
+                <a16:creationId xmlns:a16="http://schemas.microsoft.com/office/drawing/2014/main" xmlns="" id="{6C8D73EB-347C-4E13-94C8-FA8FADE46559}"/>
               </a:ext>
             </a:extLst>
           </p:cNvPr>
@@ -1333,7 +1333,7 @@
           <p:cNvPr id="22" name="Picture Placeholder 8">
             <a:extLst>
               <a:ext uri="{FF2B5EF4-FFF2-40B4-BE49-F238E27FC236}">
-                <a16:creationId xmlns="" xmlns:a16="http://schemas.microsoft.com/office/drawing/2014/main" id="{9DFA5C56-9B47-4F87-8E12-30A936274F1B}"/>
+                <a16:creationId xmlns:a16="http://schemas.microsoft.com/office/drawing/2014/main" xmlns="" id="{9DFA5C56-9B47-4F87-8E12-30A936274F1B}"/>
               </a:ext>
             </a:extLst>
           </p:cNvPr>
@@ -1374,7 +1374,7 @@
           <p:cNvPr id="23" name="Picture Placeholder 8">
             <a:extLst>
               <a:ext uri="{FF2B5EF4-FFF2-40B4-BE49-F238E27FC236}">
-                <a16:creationId xmlns="" xmlns:a16="http://schemas.microsoft.com/office/drawing/2014/main" id="{1E3B5888-98ED-48E4-8AA8-5BAB43F8516C}"/>
+                <a16:creationId xmlns:a16="http://schemas.microsoft.com/office/drawing/2014/main" xmlns="" id="{1E3B5888-98ED-48E4-8AA8-5BAB43F8516C}"/>
               </a:ext>
             </a:extLst>
           </p:cNvPr>
@@ -1415,7 +1415,7 @@
           <p:cNvPr id="24" name="Picture Placeholder 8">
             <a:extLst>
               <a:ext uri="{FF2B5EF4-FFF2-40B4-BE49-F238E27FC236}">
-                <a16:creationId xmlns="" xmlns:a16="http://schemas.microsoft.com/office/drawing/2014/main" id="{569C9EE3-34D1-4DE0-B06C-2F6212F7C329}"/>
+                <a16:creationId xmlns:a16="http://schemas.microsoft.com/office/drawing/2014/main" xmlns="" id="{569C9EE3-34D1-4DE0-B06C-2F6212F7C329}"/>
               </a:ext>
             </a:extLst>
           </p:cNvPr>
@@ -1486,7 +1486,7 @@
           <p:cNvPr id="8" name="Rectangle 7">
             <a:extLst>
               <a:ext uri="{FF2B5EF4-FFF2-40B4-BE49-F238E27FC236}">
-                <a16:creationId xmlns="" xmlns:a16="http://schemas.microsoft.com/office/drawing/2014/main" id="{53A3BC27-A809-4F76-931E-2DE01059A5AB}"/>
+                <a16:creationId xmlns:a16="http://schemas.microsoft.com/office/drawing/2014/main" xmlns="" id="{53A3BC27-A809-4F76-931E-2DE01059A5AB}"/>
               </a:ext>
             </a:extLst>
           </p:cNvPr>
@@ -1538,7 +1538,7 @@
           <p:cNvPr id="9" name="Rectangle 8">
             <a:extLst>
               <a:ext uri="{FF2B5EF4-FFF2-40B4-BE49-F238E27FC236}">
-                <a16:creationId xmlns="" xmlns:a16="http://schemas.microsoft.com/office/drawing/2014/main" id="{D96A5108-5EBA-43CE-BA4A-DA9EEF5D808A}"/>
+                <a16:creationId xmlns:a16="http://schemas.microsoft.com/office/drawing/2014/main" xmlns="" id="{D96A5108-5EBA-43CE-BA4A-DA9EEF5D808A}"/>
               </a:ext>
             </a:extLst>
           </p:cNvPr>
@@ -1590,7 +1590,7 @@
           <p:cNvPr id="11" name="Rectangle 10">
             <a:extLst>
               <a:ext uri="{FF2B5EF4-FFF2-40B4-BE49-F238E27FC236}">
-                <a16:creationId xmlns="" xmlns:a16="http://schemas.microsoft.com/office/drawing/2014/main" id="{E2712910-50D0-4906-AB08-F37D02F96D4A}"/>
+                <a16:creationId xmlns:a16="http://schemas.microsoft.com/office/drawing/2014/main" xmlns="" id="{E2712910-50D0-4906-AB08-F37D02F96D4A}"/>
               </a:ext>
             </a:extLst>
           </p:cNvPr>
@@ -1642,7 +1642,7 @@
           <p:cNvPr id="12" name="Rectangle 11">
             <a:extLst>
               <a:ext uri="{FF2B5EF4-FFF2-40B4-BE49-F238E27FC236}">
-                <a16:creationId xmlns="" xmlns:a16="http://schemas.microsoft.com/office/drawing/2014/main" id="{7DAC760C-BE23-4DA2-A294-3B5668F8AECA}"/>
+                <a16:creationId xmlns:a16="http://schemas.microsoft.com/office/drawing/2014/main" xmlns="" id="{7DAC760C-BE23-4DA2-A294-3B5668F8AECA}"/>
               </a:ext>
             </a:extLst>
           </p:cNvPr>
@@ -1694,7 +1694,7 @@
           <p:cNvPr id="2" name="Title 1">
             <a:extLst>
               <a:ext uri="{FF2B5EF4-FFF2-40B4-BE49-F238E27FC236}">
-                <a16:creationId xmlns="" xmlns:a16="http://schemas.microsoft.com/office/drawing/2014/main" id="{43379CA9-81D6-424A-8046-4B56E1D25059}"/>
+                <a16:creationId xmlns:a16="http://schemas.microsoft.com/office/drawing/2014/main" xmlns="" id="{43379CA9-81D6-424A-8046-4B56E1D25059}"/>
               </a:ext>
             </a:extLst>
           </p:cNvPr>
@@ -1736,7 +1736,7 @@
           <p:cNvPr id="10" name="Text Placeholder 9">
             <a:extLst>
               <a:ext uri="{FF2B5EF4-FFF2-40B4-BE49-F238E27FC236}">
-                <a16:creationId xmlns="" xmlns:a16="http://schemas.microsoft.com/office/drawing/2014/main" id="{2A60302F-65DB-4E93-B6C3-49E64C44FB53}"/>
+                <a16:creationId xmlns:a16="http://schemas.microsoft.com/office/drawing/2014/main" xmlns="" id="{2A60302F-65DB-4E93-B6C3-49E64C44FB53}"/>
               </a:ext>
             </a:extLst>
           </p:cNvPr>
@@ -1804,7 +1804,7 @@
           <p:cNvPr id="7" name="Picture Placeholder 6">
             <a:extLst>
               <a:ext uri="{FF2B5EF4-FFF2-40B4-BE49-F238E27FC236}">
-                <a16:creationId xmlns="" xmlns:a16="http://schemas.microsoft.com/office/drawing/2014/main" id="{9A66F217-0E52-4AD8-82BA-AB332C59638C}"/>
+                <a16:creationId xmlns:a16="http://schemas.microsoft.com/office/drawing/2014/main" xmlns="" id="{9A66F217-0E52-4AD8-82BA-AB332C59638C}"/>
               </a:ext>
             </a:extLst>
           </p:cNvPr>
@@ -1893,7 +1893,7 @@
           <p:cNvPr id="8" name="Picture Placeholder 7">
             <a:extLst>
               <a:ext uri="{FF2B5EF4-FFF2-40B4-BE49-F238E27FC236}">
-                <a16:creationId xmlns="" xmlns:a16="http://schemas.microsoft.com/office/drawing/2014/main" id="{DF9C7667-EADA-40AC-B931-4642E0A9A4DE}"/>
+                <a16:creationId xmlns:a16="http://schemas.microsoft.com/office/drawing/2014/main" xmlns="" id="{DF9C7667-EADA-40AC-B931-4642E0A9A4DE}"/>
               </a:ext>
             </a:extLst>
           </p:cNvPr>
@@ -1945,7 +1945,7 @@
           <p:cNvPr id="2" name="Title 1">
             <a:extLst>
               <a:ext uri="{FF2B5EF4-FFF2-40B4-BE49-F238E27FC236}">
-                <a16:creationId xmlns="" xmlns:a16="http://schemas.microsoft.com/office/drawing/2014/main" id="{43379CA9-81D6-424A-8046-4B56E1D25059}"/>
+                <a16:creationId xmlns:a16="http://schemas.microsoft.com/office/drawing/2014/main" xmlns="" id="{43379CA9-81D6-424A-8046-4B56E1D25059}"/>
               </a:ext>
             </a:extLst>
           </p:cNvPr>
@@ -1982,7 +1982,7 @@
           <p:cNvPr id="10" name="Text Placeholder 9">
             <a:extLst>
               <a:ext uri="{FF2B5EF4-FFF2-40B4-BE49-F238E27FC236}">
-                <a16:creationId xmlns="" xmlns:a16="http://schemas.microsoft.com/office/drawing/2014/main" id="{2A60302F-65DB-4E93-B6C3-49E64C44FB53}"/>
+                <a16:creationId xmlns:a16="http://schemas.microsoft.com/office/drawing/2014/main" xmlns="" id="{2A60302F-65DB-4E93-B6C3-49E64C44FB53}"/>
               </a:ext>
             </a:extLst>
           </p:cNvPr>
@@ -2050,7 +2050,7 @@
           <p:cNvPr id="7" name="Text Placeholder 6">
             <a:extLst>
               <a:ext uri="{FF2B5EF4-FFF2-40B4-BE49-F238E27FC236}">
-                <a16:creationId xmlns="" xmlns:a16="http://schemas.microsoft.com/office/drawing/2014/main" id="{EC1CB8E8-F58A-4B26-B8AA-8977FC608E83}"/>
+                <a16:creationId xmlns:a16="http://schemas.microsoft.com/office/drawing/2014/main" xmlns="" id="{EC1CB8E8-F58A-4B26-B8AA-8977FC608E83}"/>
               </a:ext>
             </a:extLst>
           </p:cNvPr>
@@ -2168,7 +2168,7 @@
           <p:cNvPr id="2" name="Title 1">
             <a:extLst>
               <a:ext uri="{FF2B5EF4-FFF2-40B4-BE49-F238E27FC236}">
-                <a16:creationId xmlns="" xmlns:a16="http://schemas.microsoft.com/office/drawing/2014/main" id="{43379CA9-81D6-424A-8046-4B56E1D25059}"/>
+                <a16:creationId xmlns:a16="http://schemas.microsoft.com/office/drawing/2014/main" xmlns="" id="{43379CA9-81D6-424A-8046-4B56E1D25059}"/>
               </a:ext>
             </a:extLst>
           </p:cNvPr>
@@ -2210,7 +2210,7 @@
           <p:cNvPr id="9" name="Picture Placeholder 8">
             <a:extLst>
               <a:ext uri="{FF2B5EF4-FFF2-40B4-BE49-F238E27FC236}">
-                <a16:creationId xmlns="" xmlns:a16="http://schemas.microsoft.com/office/drawing/2014/main" id="{B2F51F73-5064-47F8-83FD-440E0ED1950B}"/>
+                <a16:creationId xmlns:a16="http://schemas.microsoft.com/office/drawing/2014/main" xmlns="" id="{B2F51F73-5064-47F8-83FD-440E0ED1950B}"/>
               </a:ext>
             </a:extLst>
           </p:cNvPr>
@@ -2251,7 +2251,7 @@
           <p:cNvPr id="18" name="Picture Placeholder 8">
             <a:extLst>
               <a:ext uri="{FF2B5EF4-FFF2-40B4-BE49-F238E27FC236}">
-                <a16:creationId xmlns="" xmlns:a16="http://schemas.microsoft.com/office/drawing/2014/main" id="{06FF689A-8221-42E8-96D4-ED4D3AD501F8}"/>
+                <a16:creationId xmlns:a16="http://schemas.microsoft.com/office/drawing/2014/main" xmlns="" id="{06FF689A-8221-42E8-96D4-ED4D3AD501F8}"/>
               </a:ext>
             </a:extLst>
           </p:cNvPr>
@@ -2292,7 +2292,7 @@
           <p:cNvPr id="19" name="Picture Placeholder 8">
             <a:extLst>
               <a:ext uri="{FF2B5EF4-FFF2-40B4-BE49-F238E27FC236}">
-                <a16:creationId xmlns="" xmlns:a16="http://schemas.microsoft.com/office/drawing/2014/main" id="{96424DB2-4D46-493F-A5B8-8901EDA394F2}"/>
+                <a16:creationId xmlns:a16="http://schemas.microsoft.com/office/drawing/2014/main" xmlns="" id="{96424DB2-4D46-493F-A5B8-8901EDA394F2}"/>
               </a:ext>
             </a:extLst>
           </p:cNvPr>
@@ -2333,7 +2333,7 @@
           <p:cNvPr id="20" name="Picture Placeholder 8">
             <a:extLst>
               <a:ext uri="{FF2B5EF4-FFF2-40B4-BE49-F238E27FC236}">
-                <a16:creationId xmlns="" xmlns:a16="http://schemas.microsoft.com/office/drawing/2014/main" id="{0AF2B6E1-5738-41B1-8C15-EA6715490140}"/>
+                <a16:creationId xmlns:a16="http://schemas.microsoft.com/office/drawing/2014/main" xmlns="" id="{0AF2B6E1-5738-41B1-8C15-EA6715490140}"/>
               </a:ext>
             </a:extLst>
           </p:cNvPr>
@@ -2374,7 +2374,7 @@
           <p:cNvPr id="21" name="Picture Placeholder 8">
             <a:extLst>
               <a:ext uri="{FF2B5EF4-FFF2-40B4-BE49-F238E27FC236}">
-                <a16:creationId xmlns="" xmlns:a16="http://schemas.microsoft.com/office/drawing/2014/main" id="{6C8D73EB-347C-4E13-94C8-FA8FADE46559}"/>
+                <a16:creationId xmlns:a16="http://schemas.microsoft.com/office/drawing/2014/main" xmlns="" id="{6C8D73EB-347C-4E13-94C8-FA8FADE46559}"/>
               </a:ext>
             </a:extLst>
           </p:cNvPr>
@@ -2415,7 +2415,7 @@
           <p:cNvPr id="22" name="Picture Placeholder 8">
             <a:extLst>
               <a:ext uri="{FF2B5EF4-FFF2-40B4-BE49-F238E27FC236}">
-                <a16:creationId xmlns="" xmlns:a16="http://schemas.microsoft.com/office/drawing/2014/main" id="{9DFA5C56-9B47-4F87-8E12-30A936274F1B}"/>
+                <a16:creationId xmlns:a16="http://schemas.microsoft.com/office/drawing/2014/main" xmlns="" id="{9DFA5C56-9B47-4F87-8E12-30A936274F1B}"/>
               </a:ext>
             </a:extLst>
           </p:cNvPr>
@@ -2456,7 +2456,7 @@
           <p:cNvPr id="23" name="Picture Placeholder 8">
             <a:extLst>
               <a:ext uri="{FF2B5EF4-FFF2-40B4-BE49-F238E27FC236}">
-                <a16:creationId xmlns="" xmlns:a16="http://schemas.microsoft.com/office/drawing/2014/main" id="{1E3B5888-98ED-48E4-8AA8-5BAB43F8516C}"/>
+                <a16:creationId xmlns:a16="http://schemas.microsoft.com/office/drawing/2014/main" xmlns="" id="{1E3B5888-98ED-48E4-8AA8-5BAB43F8516C}"/>
               </a:ext>
             </a:extLst>
           </p:cNvPr>
@@ -2497,7 +2497,7 @@
           <p:cNvPr id="24" name="Picture Placeholder 8">
             <a:extLst>
               <a:ext uri="{FF2B5EF4-FFF2-40B4-BE49-F238E27FC236}">
-                <a16:creationId xmlns="" xmlns:a16="http://schemas.microsoft.com/office/drawing/2014/main" id="{569C9EE3-34D1-4DE0-B06C-2F6212F7C329}"/>
+                <a16:creationId xmlns:a16="http://schemas.microsoft.com/office/drawing/2014/main" xmlns="" id="{569C9EE3-34D1-4DE0-B06C-2F6212F7C329}"/>
               </a:ext>
             </a:extLst>
           </p:cNvPr>
@@ -2568,7 +2568,7 @@
           <p:cNvPr id="11" name="Rectangle 10">
             <a:extLst>
               <a:ext uri="{FF2B5EF4-FFF2-40B4-BE49-F238E27FC236}">
-                <a16:creationId xmlns="" xmlns:a16="http://schemas.microsoft.com/office/drawing/2014/main" id="{50869985-B973-4011-9FA2-83D7EBB2EA53}"/>
+                <a16:creationId xmlns:a16="http://schemas.microsoft.com/office/drawing/2014/main" xmlns="" id="{50869985-B973-4011-9FA2-83D7EBB2EA53}"/>
               </a:ext>
             </a:extLst>
           </p:cNvPr>
@@ -2620,7 +2620,7 @@
           <p:cNvPr id="2" name="Title 1">
             <a:extLst>
               <a:ext uri="{FF2B5EF4-FFF2-40B4-BE49-F238E27FC236}">
-                <a16:creationId xmlns="" xmlns:a16="http://schemas.microsoft.com/office/drawing/2014/main" id="{43379CA9-81D6-424A-8046-4B56E1D25059}"/>
+                <a16:creationId xmlns:a16="http://schemas.microsoft.com/office/drawing/2014/main" xmlns="" id="{43379CA9-81D6-424A-8046-4B56E1D25059}"/>
               </a:ext>
             </a:extLst>
           </p:cNvPr>
@@ -2662,7 +2662,7 @@
           <p:cNvPr id="10" name="Text Placeholder 9">
             <a:extLst>
               <a:ext uri="{FF2B5EF4-FFF2-40B4-BE49-F238E27FC236}">
-                <a16:creationId xmlns="" xmlns:a16="http://schemas.microsoft.com/office/drawing/2014/main" id="{2A60302F-65DB-4E93-B6C3-49E64C44FB53}"/>
+                <a16:creationId xmlns:a16="http://schemas.microsoft.com/office/drawing/2014/main" xmlns="" id="{2A60302F-65DB-4E93-B6C3-49E64C44FB53}"/>
               </a:ext>
             </a:extLst>
           </p:cNvPr>
@@ -2730,7 +2730,7 @@
           <p:cNvPr id="7" name="Picture Placeholder 6">
             <a:extLst>
               <a:ext uri="{FF2B5EF4-FFF2-40B4-BE49-F238E27FC236}">
-                <a16:creationId xmlns="" xmlns:a16="http://schemas.microsoft.com/office/drawing/2014/main" id="{9A66F217-0E52-4AD8-82BA-AB332C59638C}"/>
+                <a16:creationId xmlns:a16="http://schemas.microsoft.com/office/drawing/2014/main" xmlns="" id="{9A66F217-0E52-4AD8-82BA-AB332C59638C}"/>
               </a:ext>
             </a:extLst>
           </p:cNvPr>
@@ -2776,7 +2776,7 @@
           <p:cNvPr id="8" name="Rectangle 7">
             <a:extLst>
               <a:ext uri="{FF2B5EF4-FFF2-40B4-BE49-F238E27FC236}">
-                <a16:creationId xmlns="" xmlns:a16="http://schemas.microsoft.com/office/drawing/2014/main" id="{E75D44F0-DADD-4DCC-82EC-FDB3E9878AA9}"/>
+                <a16:creationId xmlns:a16="http://schemas.microsoft.com/office/drawing/2014/main" xmlns="" id="{E75D44F0-DADD-4DCC-82EC-FDB3E9878AA9}"/>
               </a:ext>
             </a:extLst>
           </p:cNvPr>
@@ -2828,7 +2828,7 @@
           <p:cNvPr id="9" name="Rectangle 8">
             <a:extLst>
               <a:ext uri="{FF2B5EF4-FFF2-40B4-BE49-F238E27FC236}">
-                <a16:creationId xmlns="" xmlns:a16="http://schemas.microsoft.com/office/drawing/2014/main" id="{28CFE2C9-8B6E-4DDA-A5EA-04581F7629F0}"/>
+                <a16:creationId xmlns:a16="http://schemas.microsoft.com/office/drawing/2014/main" xmlns="" id="{28CFE2C9-8B6E-4DDA-A5EA-04581F7629F0}"/>
               </a:ext>
             </a:extLst>
           </p:cNvPr>
@@ -2967,7 +2967,7 @@
           <p:cNvPr id="12" name="Title 1">
             <a:extLst>
               <a:ext uri="{FF2B5EF4-FFF2-40B4-BE49-F238E27FC236}">
-                <a16:creationId xmlns="" xmlns:a16="http://schemas.microsoft.com/office/drawing/2014/main" id="{96FEDCD9-19A7-423B-ABE0-DDD032DE8879}"/>
+                <a16:creationId xmlns:a16="http://schemas.microsoft.com/office/drawing/2014/main" xmlns="" id="{96FEDCD9-19A7-423B-ABE0-DDD032DE8879}"/>
               </a:ext>
             </a:extLst>
           </p:cNvPr>
@@ -3008,7 +3008,7 @@
           <p:cNvPr id="14" name="Text Placeholder 9">
             <a:extLst>
               <a:ext uri="{FF2B5EF4-FFF2-40B4-BE49-F238E27FC236}">
-                <a16:creationId xmlns="" xmlns:a16="http://schemas.microsoft.com/office/drawing/2014/main" id="{EBD7372B-17B4-4062-8BFA-745581B27349}"/>
+                <a16:creationId xmlns:a16="http://schemas.microsoft.com/office/drawing/2014/main" xmlns="" id="{EBD7372B-17B4-4062-8BFA-745581B27349}"/>
               </a:ext>
             </a:extLst>
           </p:cNvPr>
@@ -3073,7 +3073,7 @@
           <p:cNvPr id="3" name="Picture Placeholder 2">
             <a:extLst>
               <a:ext uri="{FF2B5EF4-FFF2-40B4-BE49-F238E27FC236}">
-                <a16:creationId xmlns="" xmlns:a16="http://schemas.microsoft.com/office/drawing/2014/main" id="{C09A28F9-9D68-48A2-A1AD-C1C318C0EC8D}"/>
+                <a16:creationId xmlns:a16="http://schemas.microsoft.com/office/drawing/2014/main" xmlns="" id="{C09A28F9-9D68-48A2-A1AD-C1C318C0EC8D}"/>
               </a:ext>
             </a:extLst>
           </p:cNvPr>
@@ -3536,7 +3536,7 @@
           <p:cNvPr id="2" name="Title 1">
             <a:extLst>
               <a:ext uri="{FF2B5EF4-FFF2-40B4-BE49-F238E27FC236}">
-                <a16:creationId xmlns="" xmlns:a16="http://schemas.microsoft.com/office/drawing/2014/main" id="{43379CA9-81D6-424A-8046-4B56E1D25059}"/>
+                <a16:creationId xmlns:a16="http://schemas.microsoft.com/office/drawing/2014/main" xmlns="" id="{43379CA9-81D6-424A-8046-4B56E1D25059}"/>
               </a:ext>
             </a:extLst>
           </p:cNvPr>
@@ -3578,7 +3578,7 @@
           <p:cNvPr id="9" name="Picture Placeholder 8">
             <a:extLst>
               <a:ext uri="{FF2B5EF4-FFF2-40B4-BE49-F238E27FC236}">
-                <a16:creationId xmlns="" xmlns:a16="http://schemas.microsoft.com/office/drawing/2014/main" id="{B2F51F73-5064-47F8-83FD-440E0ED1950B}"/>
+                <a16:creationId xmlns:a16="http://schemas.microsoft.com/office/drawing/2014/main" xmlns="" id="{B2F51F73-5064-47F8-83FD-440E0ED1950B}"/>
               </a:ext>
             </a:extLst>
           </p:cNvPr>
@@ -3619,7 +3619,7 @@
           <p:cNvPr id="18" name="Picture Placeholder 8">
             <a:extLst>
               <a:ext uri="{FF2B5EF4-FFF2-40B4-BE49-F238E27FC236}">
-                <a16:creationId xmlns="" xmlns:a16="http://schemas.microsoft.com/office/drawing/2014/main" id="{06FF689A-8221-42E8-96D4-ED4D3AD501F8}"/>
+                <a16:creationId xmlns:a16="http://schemas.microsoft.com/office/drawing/2014/main" xmlns="" id="{06FF689A-8221-42E8-96D4-ED4D3AD501F8}"/>
               </a:ext>
             </a:extLst>
           </p:cNvPr>
@@ -3660,7 +3660,7 @@
           <p:cNvPr id="19" name="Picture Placeholder 8">
             <a:extLst>
               <a:ext uri="{FF2B5EF4-FFF2-40B4-BE49-F238E27FC236}">
-                <a16:creationId xmlns="" xmlns:a16="http://schemas.microsoft.com/office/drawing/2014/main" id="{96424DB2-4D46-493F-A5B8-8901EDA394F2}"/>
+                <a16:creationId xmlns:a16="http://schemas.microsoft.com/office/drawing/2014/main" xmlns="" id="{96424DB2-4D46-493F-A5B8-8901EDA394F2}"/>
               </a:ext>
             </a:extLst>
           </p:cNvPr>
@@ -3701,7 +3701,7 @@
           <p:cNvPr id="20" name="Picture Placeholder 8">
             <a:extLst>
               <a:ext uri="{FF2B5EF4-FFF2-40B4-BE49-F238E27FC236}">
-                <a16:creationId xmlns="" xmlns:a16="http://schemas.microsoft.com/office/drawing/2014/main" id="{0AF2B6E1-5738-41B1-8C15-EA6715490140}"/>
+                <a16:creationId xmlns:a16="http://schemas.microsoft.com/office/drawing/2014/main" xmlns="" id="{0AF2B6E1-5738-41B1-8C15-EA6715490140}"/>
               </a:ext>
             </a:extLst>
           </p:cNvPr>
@@ -3742,7 +3742,7 @@
           <p:cNvPr id="21" name="Picture Placeholder 8">
             <a:extLst>
               <a:ext uri="{FF2B5EF4-FFF2-40B4-BE49-F238E27FC236}">
-                <a16:creationId xmlns="" xmlns:a16="http://schemas.microsoft.com/office/drawing/2014/main" id="{6C8D73EB-347C-4E13-94C8-FA8FADE46559}"/>
+                <a16:creationId xmlns:a16="http://schemas.microsoft.com/office/drawing/2014/main" xmlns="" id="{6C8D73EB-347C-4E13-94C8-FA8FADE46559}"/>
               </a:ext>
             </a:extLst>
           </p:cNvPr>
@@ -3783,7 +3783,7 @@
           <p:cNvPr id="22" name="Picture Placeholder 8">
             <a:extLst>
               <a:ext uri="{FF2B5EF4-FFF2-40B4-BE49-F238E27FC236}">
-                <a16:creationId xmlns="" xmlns:a16="http://schemas.microsoft.com/office/drawing/2014/main" id="{9DFA5C56-9B47-4F87-8E12-30A936274F1B}"/>
+                <a16:creationId xmlns:a16="http://schemas.microsoft.com/office/drawing/2014/main" xmlns="" id="{9DFA5C56-9B47-4F87-8E12-30A936274F1B}"/>
               </a:ext>
             </a:extLst>
           </p:cNvPr>
@@ -3824,7 +3824,7 @@
           <p:cNvPr id="23" name="Picture Placeholder 8">
             <a:extLst>
               <a:ext uri="{FF2B5EF4-FFF2-40B4-BE49-F238E27FC236}">
-                <a16:creationId xmlns="" xmlns:a16="http://schemas.microsoft.com/office/drawing/2014/main" id="{1E3B5888-98ED-48E4-8AA8-5BAB43F8516C}"/>
+                <a16:creationId xmlns:a16="http://schemas.microsoft.com/office/drawing/2014/main" xmlns="" id="{1E3B5888-98ED-48E4-8AA8-5BAB43F8516C}"/>
               </a:ext>
             </a:extLst>
           </p:cNvPr>
@@ -3865,7 +3865,7 @@
           <p:cNvPr id="24" name="Picture Placeholder 8">
             <a:extLst>
               <a:ext uri="{FF2B5EF4-FFF2-40B4-BE49-F238E27FC236}">
-                <a16:creationId xmlns="" xmlns:a16="http://schemas.microsoft.com/office/drawing/2014/main" id="{569C9EE3-34D1-4DE0-B06C-2F6212F7C329}"/>
+                <a16:creationId xmlns:a16="http://schemas.microsoft.com/office/drawing/2014/main" xmlns="" id="{569C9EE3-34D1-4DE0-B06C-2F6212F7C329}"/>
               </a:ext>
             </a:extLst>
           </p:cNvPr>
@@ -3936,7 +3936,7 @@
           <p:cNvPr id="8" name="Rectangle 7">
             <a:extLst>
               <a:ext uri="{FF2B5EF4-FFF2-40B4-BE49-F238E27FC236}">
-                <a16:creationId xmlns="" xmlns:a16="http://schemas.microsoft.com/office/drawing/2014/main" id="{C186ECD6-DF3C-4CA6-9A77-ED32AC37F81F}"/>
+                <a16:creationId xmlns:a16="http://schemas.microsoft.com/office/drawing/2014/main" xmlns="" id="{C186ECD6-DF3C-4CA6-9A77-ED32AC37F81F}"/>
               </a:ext>
             </a:extLst>
           </p:cNvPr>
@@ -3988,7 +3988,7 @@
           <p:cNvPr id="9" name="Rectangle 8">
             <a:extLst>
               <a:ext uri="{FF2B5EF4-FFF2-40B4-BE49-F238E27FC236}">
-                <a16:creationId xmlns="" xmlns:a16="http://schemas.microsoft.com/office/drawing/2014/main" id="{8D3F081E-4462-4B33-A41E-0432A3B439D9}"/>
+                <a16:creationId xmlns:a16="http://schemas.microsoft.com/office/drawing/2014/main" xmlns="" id="{8D3F081E-4462-4B33-A41E-0432A3B439D9}"/>
               </a:ext>
             </a:extLst>
           </p:cNvPr>
@@ -4040,7 +4040,7 @@
           <p:cNvPr id="11" name="Rectangle 10">
             <a:extLst>
               <a:ext uri="{FF2B5EF4-FFF2-40B4-BE49-F238E27FC236}">
-                <a16:creationId xmlns="" xmlns:a16="http://schemas.microsoft.com/office/drawing/2014/main" id="{C05FA2D1-6BF4-4194-B815-8C66D013FD27}"/>
+                <a16:creationId xmlns:a16="http://schemas.microsoft.com/office/drawing/2014/main" xmlns="" id="{C05FA2D1-6BF4-4194-B815-8C66D013FD27}"/>
               </a:ext>
             </a:extLst>
           </p:cNvPr>
@@ -4092,7 +4092,7 @@
           <p:cNvPr id="12" name="Rectangle 11">
             <a:extLst>
               <a:ext uri="{FF2B5EF4-FFF2-40B4-BE49-F238E27FC236}">
-                <a16:creationId xmlns="" xmlns:a16="http://schemas.microsoft.com/office/drawing/2014/main" id="{DC88F0DF-BC0B-473C-82DC-7FC46D38FAC1}"/>
+                <a16:creationId xmlns:a16="http://schemas.microsoft.com/office/drawing/2014/main" xmlns="" id="{DC88F0DF-BC0B-473C-82DC-7FC46D38FAC1}"/>
               </a:ext>
             </a:extLst>
           </p:cNvPr>
@@ -4144,7 +4144,7 @@
           <p:cNvPr id="10" name="Text Placeholder 9">
             <a:extLst>
               <a:ext uri="{FF2B5EF4-FFF2-40B4-BE49-F238E27FC236}">
-                <a16:creationId xmlns="" xmlns:a16="http://schemas.microsoft.com/office/drawing/2014/main" id="{2A60302F-65DB-4E93-B6C3-49E64C44FB53}"/>
+                <a16:creationId xmlns:a16="http://schemas.microsoft.com/office/drawing/2014/main" xmlns="" id="{2A60302F-65DB-4E93-B6C3-49E64C44FB53}"/>
               </a:ext>
             </a:extLst>
           </p:cNvPr>
@@ -4212,7 +4212,7 @@
           <p:cNvPr id="7" name="Picture Placeholder 6">
             <a:extLst>
               <a:ext uri="{FF2B5EF4-FFF2-40B4-BE49-F238E27FC236}">
-                <a16:creationId xmlns="" xmlns:a16="http://schemas.microsoft.com/office/drawing/2014/main" id="{9A66F217-0E52-4AD8-82BA-AB332C59638C}"/>
+                <a16:creationId xmlns:a16="http://schemas.microsoft.com/office/drawing/2014/main" xmlns="" id="{9A66F217-0E52-4AD8-82BA-AB332C59638C}"/>
               </a:ext>
             </a:extLst>
           </p:cNvPr>
@@ -4258,7 +4258,7 @@
           <p:cNvPr id="13" name="Rectangle 12">
             <a:extLst>
               <a:ext uri="{FF2B5EF4-FFF2-40B4-BE49-F238E27FC236}">
-                <a16:creationId xmlns="" xmlns:a16="http://schemas.microsoft.com/office/drawing/2014/main" id="{FDF3E524-6AEB-4529-804C-0B9CD9992050}"/>
+                <a16:creationId xmlns:a16="http://schemas.microsoft.com/office/drawing/2014/main" xmlns="" id="{FDF3E524-6AEB-4529-804C-0B9CD9992050}"/>
               </a:ext>
             </a:extLst>
           </p:cNvPr>
@@ -4310,7 +4310,7 @@
           <p:cNvPr id="14" name="Straight Connector 13">
             <a:extLst>
               <a:ext uri="{FF2B5EF4-FFF2-40B4-BE49-F238E27FC236}">
-                <a16:creationId xmlns="" xmlns:a16="http://schemas.microsoft.com/office/drawing/2014/main" id="{4CFF2CAC-AD21-48FA-AD68-A643AAA6A8C4}"/>
+                <a16:creationId xmlns:a16="http://schemas.microsoft.com/office/drawing/2014/main" xmlns="" id="{4CFF2CAC-AD21-48FA-AD68-A643AAA6A8C4}"/>
               </a:ext>
             </a:extLst>
           </p:cNvPr>
@@ -4353,7 +4353,7 @@
           <p:cNvPr id="2" name="Title 1">
             <a:extLst>
               <a:ext uri="{FF2B5EF4-FFF2-40B4-BE49-F238E27FC236}">
-                <a16:creationId xmlns="" xmlns:a16="http://schemas.microsoft.com/office/drawing/2014/main" id="{43379CA9-81D6-424A-8046-4B56E1D25059}"/>
+                <a16:creationId xmlns:a16="http://schemas.microsoft.com/office/drawing/2014/main" xmlns="" id="{43379CA9-81D6-424A-8046-4B56E1D25059}"/>
               </a:ext>
             </a:extLst>
           </p:cNvPr>
@@ -4474,7 +4474,7 @@
           <p:cNvPr id="2" name="Title Placeholder 1">
             <a:extLst>
               <a:ext uri="{FF2B5EF4-FFF2-40B4-BE49-F238E27FC236}">
-                <a16:creationId xmlns="" xmlns:a16="http://schemas.microsoft.com/office/drawing/2014/main" id="{2C80DF88-AC53-41A3-8067-D7E6D5DB195F}"/>
+                <a16:creationId xmlns:a16="http://schemas.microsoft.com/office/drawing/2014/main" xmlns="" id="{2C80DF88-AC53-41A3-8067-D7E6D5DB195F}"/>
               </a:ext>
             </a:extLst>
           </p:cNvPr>
@@ -4513,7 +4513,7 @@
           <p:cNvPr id="4" name="Date Placeholder 3">
             <a:extLst>
               <a:ext uri="{FF2B5EF4-FFF2-40B4-BE49-F238E27FC236}">
-                <a16:creationId xmlns="" xmlns:a16="http://schemas.microsoft.com/office/drawing/2014/main" id="{EA4755C1-18CC-4FD3-A030-3DAF469919A6}"/>
+                <a16:creationId xmlns:a16="http://schemas.microsoft.com/office/drawing/2014/main" xmlns="" id="{EA4755C1-18CC-4FD3-A030-3DAF469919A6}"/>
               </a:ext>
             </a:extLst>
           </p:cNvPr>
@@ -4560,7 +4560,7 @@
           <p:cNvPr id="5" name="Footer Placeholder 4">
             <a:extLst>
               <a:ext uri="{FF2B5EF4-FFF2-40B4-BE49-F238E27FC236}">
-                <a16:creationId xmlns="" xmlns:a16="http://schemas.microsoft.com/office/drawing/2014/main" id="{A8E029F1-B791-445F-A184-90CC7A1BEC19}"/>
+                <a16:creationId xmlns:a16="http://schemas.microsoft.com/office/drawing/2014/main" xmlns="" id="{A8E029F1-B791-445F-A184-90CC7A1BEC19}"/>
               </a:ext>
             </a:extLst>
           </p:cNvPr>
@@ -4603,7 +4603,7 @@
           <p:cNvPr id="6" name="Slide Number Placeholder 5">
             <a:extLst>
               <a:ext uri="{FF2B5EF4-FFF2-40B4-BE49-F238E27FC236}">
-                <a16:creationId xmlns="" xmlns:a16="http://schemas.microsoft.com/office/drawing/2014/main" id="{5AD98767-7C9E-42DE-9782-D932A0FF1BF4}"/>
+                <a16:creationId xmlns:a16="http://schemas.microsoft.com/office/drawing/2014/main" xmlns="" id="{5AD98767-7C9E-42DE-9782-D932A0FF1BF4}"/>
               </a:ext>
             </a:extLst>
           </p:cNvPr>
@@ -5038,7 +5038,7 @@
           <p:cNvPr id="2" name="Title Placeholder 1">
             <a:extLst>
               <a:ext uri="{FF2B5EF4-FFF2-40B4-BE49-F238E27FC236}">
-                <a16:creationId xmlns="" xmlns:a16="http://schemas.microsoft.com/office/drawing/2014/main" id="{2C80DF88-AC53-41A3-8067-D7E6D5DB195F}"/>
+                <a16:creationId xmlns:a16="http://schemas.microsoft.com/office/drawing/2014/main" xmlns="" id="{2C80DF88-AC53-41A3-8067-D7E6D5DB195F}"/>
               </a:ext>
             </a:extLst>
           </p:cNvPr>
@@ -5077,7 +5077,7 @@
           <p:cNvPr id="4" name="Date Placeholder 3">
             <a:extLst>
               <a:ext uri="{FF2B5EF4-FFF2-40B4-BE49-F238E27FC236}">
-                <a16:creationId xmlns="" xmlns:a16="http://schemas.microsoft.com/office/drawing/2014/main" id="{EA4755C1-18CC-4FD3-A030-3DAF469919A6}"/>
+                <a16:creationId xmlns:a16="http://schemas.microsoft.com/office/drawing/2014/main" xmlns="" id="{EA4755C1-18CC-4FD3-A030-3DAF469919A6}"/>
               </a:ext>
             </a:extLst>
           </p:cNvPr>
@@ -5124,7 +5124,7 @@
           <p:cNvPr id="5" name="Footer Placeholder 4">
             <a:extLst>
               <a:ext uri="{FF2B5EF4-FFF2-40B4-BE49-F238E27FC236}">
-                <a16:creationId xmlns="" xmlns:a16="http://schemas.microsoft.com/office/drawing/2014/main" id="{A8E029F1-B791-445F-A184-90CC7A1BEC19}"/>
+                <a16:creationId xmlns:a16="http://schemas.microsoft.com/office/drawing/2014/main" xmlns="" id="{A8E029F1-B791-445F-A184-90CC7A1BEC19}"/>
               </a:ext>
             </a:extLst>
           </p:cNvPr>
@@ -5167,7 +5167,7 @@
           <p:cNvPr id="6" name="Slide Number Placeholder 5">
             <a:extLst>
               <a:ext uri="{FF2B5EF4-FFF2-40B4-BE49-F238E27FC236}">
-                <a16:creationId xmlns="" xmlns:a16="http://schemas.microsoft.com/office/drawing/2014/main" id="{5AD98767-7C9E-42DE-9782-D932A0FF1BF4}"/>
+                <a16:creationId xmlns:a16="http://schemas.microsoft.com/office/drawing/2014/main" xmlns="" id="{5AD98767-7C9E-42DE-9782-D932A0FF1BF4}"/>
               </a:ext>
             </a:extLst>
           </p:cNvPr>
@@ -5597,7 +5597,7 @@
           <p:cNvPr id="2" name="Title Placeholder 1">
             <a:extLst>
               <a:ext uri="{FF2B5EF4-FFF2-40B4-BE49-F238E27FC236}">
-                <a16:creationId xmlns="" xmlns:a16="http://schemas.microsoft.com/office/drawing/2014/main" id="{2C80DF88-AC53-41A3-8067-D7E6D5DB195F}"/>
+                <a16:creationId xmlns:a16="http://schemas.microsoft.com/office/drawing/2014/main" xmlns="" id="{2C80DF88-AC53-41A3-8067-D7E6D5DB195F}"/>
               </a:ext>
             </a:extLst>
           </p:cNvPr>
@@ -5636,7 +5636,7 @@
           <p:cNvPr id="4" name="Date Placeholder 3">
             <a:extLst>
               <a:ext uri="{FF2B5EF4-FFF2-40B4-BE49-F238E27FC236}">
-                <a16:creationId xmlns="" xmlns:a16="http://schemas.microsoft.com/office/drawing/2014/main" id="{EA4755C1-18CC-4FD3-A030-3DAF469919A6}"/>
+                <a16:creationId xmlns:a16="http://schemas.microsoft.com/office/drawing/2014/main" xmlns="" id="{EA4755C1-18CC-4FD3-A030-3DAF469919A6}"/>
               </a:ext>
             </a:extLst>
           </p:cNvPr>
@@ -5683,7 +5683,7 @@
           <p:cNvPr id="5" name="Footer Placeholder 4">
             <a:extLst>
               <a:ext uri="{FF2B5EF4-FFF2-40B4-BE49-F238E27FC236}">
-                <a16:creationId xmlns="" xmlns:a16="http://schemas.microsoft.com/office/drawing/2014/main" id="{A8E029F1-B791-445F-A184-90CC7A1BEC19}"/>
+                <a16:creationId xmlns:a16="http://schemas.microsoft.com/office/drawing/2014/main" xmlns="" id="{A8E029F1-B791-445F-A184-90CC7A1BEC19}"/>
               </a:ext>
             </a:extLst>
           </p:cNvPr>
@@ -5726,7 +5726,7 @@
           <p:cNvPr id="6" name="Slide Number Placeholder 5">
             <a:extLst>
               <a:ext uri="{FF2B5EF4-FFF2-40B4-BE49-F238E27FC236}">
-                <a16:creationId xmlns="" xmlns:a16="http://schemas.microsoft.com/office/drawing/2014/main" id="{5AD98767-7C9E-42DE-9782-D932A0FF1BF4}"/>
+                <a16:creationId xmlns:a16="http://schemas.microsoft.com/office/drawing/2014/main" xmlns="" id="{5AD98767-7C9E-42DE-9782-D932A0FF1BF4}"/>
               </a:ext>
             </a:extLst>
           </p:cNvPr>
@@ -6156,7 +6156,7 @@
           <p:cNvPr id="2" name="Title Placeholder 1">
             <a:extLst>
               <a:ext uri="{FF2B5EF4-FFF2-40B4-BE49-F238E27FC236}">
-                <a16:creationId xmlns="" xmlns:a16="http://schemas.microsoft.com/office/drawing/2014/main" id="{2C80DF88-AC53-41A3-8067-D7E6D5DB195F}"/>
+                <a16:creationId xmlns:a16="http://schemas.microsoft.com/office/drawing/2014/main" xmlns="" id="{2C80DF88-AC53-41A3-8067-D7E6D5DB195F}"/>
               </a:ext>
             </a:extLst>
           </p:cNvPr>
@@ -6195,7 +6195,7 @@
           <p:cNvPr id="4" name="Date Placeholder 3">
             <a:extLst>
               <a:ext uri="{FF2B5EF4-FFF2-40B4-BE49-F238E27FC236}">
-                <a16:creationId xmlns="" xmlns:a16="http://schemas.microsoft.com/office/drawing/2014/main" id="{EA4755C1-18CC-4FD3-A030-3DAF469919A6}"/>
+                <a16:creationId xmlns:a16="http://schemas.microsoft.com/office/drawing/2014/main" xmlns="" id="{EA4755C1-18CC-4FD3-A030-3DAF469919A6}"/>
               </a:ext>
             </a:extLst>
           </p:cNvPr>
@@ -6242,7 +6242,7 @@
           <p:cNvPr id="5" name="Footer Placeholder 4">
             <a:extLst>
               <a:ext uri="{FF2B5EF4-FFF2-40B4-BE49-F238E27FC236}">
-                <a16:creationId xmlns="" xmlns:a16="http://schemas.microsoft.com/office/drawing/2014/main" id="{A8E029F1-B791-445F-A184-90CC7A1BEC19}"/>
+                <a16:creationId xmlns:a16="http://schemas.microsoft.com/office/drawing/2014/main" xmlns="" id="{A8E029F1-B791-445F-A184-90CC7A1BEC19}"/>
               </a:ext>
             </a:extLst>
           </p:cNvPr>
@@ -6285,7 +6285,7 @@
           <p:cNvPr id="6" name="Slide Number Placeholder 5">
             <a:extLst>
               <a:ext uri="{FF2B5EF4-FFF2-40B4-BE49-F238E27FC236}">
-                <a16:creationId xmlns="" xmlns:a16="http://schemas.microsoft.com/office/drawing/2014/main" id="{5AD98767-7C9E-42DE-9782-D932A0FF1BF4}"/>
+                <a16:creationId xmlns:a16="http://schemas.microsoft.com/office/drawing/2014/main" xmlns="" id="{5AD98767-7C9E-42DE-9782-D932A0FF1BF4}"/>
               </a:ext>
             </a:extLst>
           </p:cNvPr>
@@ -7271,7 +7271,6 @@
               <a:rPr lang="en-US" sz="2800" dirty="0"/>
               <a:t>), once again. </a:t>
             </a:r>
-            <a:endParaRPr lang="en-US" sz="2800" dirty="0"/>
           </a:p>
         </p:txBody>
       </p:sp>
@@ -7442,14 +7441,14 @@
           <p:nvPr>
             <p:extLst>
               <p:ext uri="{D42A27DB-BD31-4B8C-83A1-F6EECF244321}">
-                <p14:modId xmlns:p14="http://schemas.microsoft.com/office/powerpoint/2010/main" val="2164036505"/>
+                <p14:modId xmlns:p14="http://schemas.microsoft.com/office/powerpoint/2010/main" val="156844406"/>
               </p:ext>
             </p:extLst>
           </p:nvPr>
         </p:nvGraphicFramePr>
         <p:xfrm>
-          <a:off x="533400" y="3894265"/>
-          <a:ext cx="10515600" cy="2865120"/>
+          <a:off x="560294" y="3927529"/>
+          <a:ext cx="10515600" cy="2595880"/>
         </p:xfrm>
         <a:graphic>
           <a:graphicData uri="http://schemas.openxmlformats.org/drawingml/2006/table">
@@ -7644,9 +7643,7 @@
                         <a:rPr lang="en-US" dirty="0" smtClean="0"/>
                         <a:t>5.56</a:t>
                       </a:r>
-                    </a:p>
-                    <a:p>
-                      <a:endParaRPr lang="en-US" dirty="0"/>
+                      <a:endParaRPr lang="en-US" dirty="0" smtClean="0"/>
                     </a:p>
                   </a:txBody>
                   <a:tcPr/>
@@ -7658,7 +7655,7 @@
                     <a:p>
                       <a:r>
                         <a:rPr lang="en-US" dirty="0" smtClean="0"/>
-                        <a:t>5.78 </a:t>
+                        <a:t>5.78</a:t>
                       </a:r>
                       <a:endParaRPr lang="en-US" dirty="0"/>
                     </a:p>
@@ -9025,7 +9022,6 @@
               <a:rPr lang="pt-PT" dirty="0" smtClean="0"/>
               <a:t>:</a:t>
             </a:r>
-            <a:endParaRPr lang="pt-PT" dirty="0" smtClean="0"/>
           </a:p>
           <a:p>
             <a:pPr lvl="1"/>
@@ -9237,11 +9233,7 @@
             </a:r>
             <a:r>
               <a:rPr lang="pt-PT" dirty="0" smtClean="0"/>
-              <a:t>data </a:t>
-            </a:r>
-            <a:r>
-              <a:rPr lang="pt-PT" dirty="0" smtClean="0"/>
-              <a:t>c</a:t>
+              <a:t>data c</a:t>
             </a:r>
             <a:r>
               <a:rPr lang="en-US" dirty="0" smtClean="0"/>
@@ -9603,11 +9595,7 @@
             </a:pPr>
             <a:r>
               <a:rPr lang="en-US" sz="2800" dirty="0" smtClean="0"/>
-              <a:t>We</a:t>
-            </a:r>
-            <a:r>
-              <a:rPr lang="en-US" sz="2800" dirty="0" smtClean="0"/>
-              <a:t> managed to reach an accuracy and kappa of 99% with a </a:t>
+              <a:t>We managed to reach an accuracy and kappa of 99% with a </a:t>
             </a:r>
             <a:r>
               <a:rPr lang="en-US" sz="2800" b="1" dirty="0" smtClean="0"/>
